--- a/protobuf-powered.pptx
+++ b/protobuf-powered.pptx
@@ -14,13 +14,27 @@
     <p:sldId id="262" r:id="rId8"/>
     <p:sldId id="263" r:id="rId9"/>
     <p:sldId id="264" r:id="rId10"/>
-    <p:sldId id="265" r:id="rId11"/>
-    <p:sldId id="266" r:id="rId12"/>
-    <p:sldId id="267" r:id="rId13"/>
-    <p:sldId id="268" r:id="rId14"/>
-    <p:sldId id="269" r:id="rId15"/>
-    <p:sldId id="270" r:id="rId16"/>
-    <p:sldId id="271" r:id="rId17"/>
+    <p:sldId id="272" r:id="rId11"/>
+    <p:sldId id="265" r:id="rId12"/>
+    <p:sldId id="266" r:id="rId13"/>
+    <p:sldId id="267" r:id="rId14"/>
+    <p:sldId id="268" r:id="rId15"/>
+    <p:sldId id="269" r:id="rId16"/>
+    <p:sldId id="273" r:id="rId17"/>
+    <p:sldId id="276" r:id="rId18"/>
+    <p:sldId id="275" r:id="rId19"/>
+    <p:sldId id="274" r:id="rId20"/>
+    <p:sldId id="278" r:id="rId21"/>
+    <p:sldId id="277" r:id="rId22"/>
+    <p:sldId id="279" r:id="rId23"/>
+    <p:sldId id="280" r:id="rId24"/>
+    <p:sldId id="281" r:id="rId25"/>
+    <p:sldId id="282" r:id="rId26"/>
+    <p:sldId id="283" r:id="rId27"/>
+    <p:sldId id="285" r:id="rId28"/>
+    <p:sldId id="286" r:id="rId29"/>
+    <p:sldId id="270" r:id="rId30"/>
+    <p:sldId id="271" r:id="rId31"/>
   </p:sldIdLst>
   <p:sldSz cx="9144000" cy="6858000" type="screen4x3"/>
   <p:notesSz cx="6858000" cy="9144000"/>
@@ -303,7 +317,7 @@
           <a:p>
             <a:fld id="{10B3F19B-9563-F042-816E-6C7946FA7A3B}" type="datetimeFigureOut">
               <a:rPr lang="fr-FR" smtClean="0"/>
-              <a:t>02/04/16</a:t>
+              <a:t>08/04/16</a:t>
             </a:fld>
             <a:endParaRPr lang="fr-FR"/>
           </a:p>
@@ -473,7 +487,7 @@
           <a:p>
             <a:fld id="{10B3F19B-9563-F042-816E-6C7946FA7A3B}" type="datetimeFigureOut">
               <a:rPr lang="fr-FR" smtClean="0"/>
-              <a:t>02/04/16</a:t>
+              <a:t>08/04/16</a:t>
             </a:fld>
             <a:endParaRPr lang="fr-FR"/>
           </a:p>
@@ -653,7 +667,7 @@
           <a:p>
             <a:fld id="{10B3F19B-9563-F042-816E-6C7946FA7A3B}" type="datetimeFigureOut">
               <a:rPr lang="fr-FR" smtClean="0"/>
-              <a:t>02/04/16</a:t>
+              <a:t>08/04/16</a:t>
             </a:fld>
             <a:endParaRPr lang="fr-FR"/>
           </a:p>
@@ -823,7 +837,7 @@
           <a:p>
             <a:fld id="{10B3F19B-9563-F042-816E-6C7946FA7A3B}" type="datetimeFigureOut">
               <a:rPr lang="fr-FR" smtClean="0"/>
-              <a:t>02/04/16</a:t>
+              <a:t>08/04/16</a:t>
             </a:fld>
             <a:endParaRPr lang="fr-FR"/>
           </a:p>
@@ -1069,7 +1083,7 @@
           <a:p>
             <a:fld id="{10B3F19B-9563-F042-816E-6C7946FA7A3B}" type="datetimeFigureOut">
               <a:rPr lang="fr-FR" smtClean="0"/>
-              <a:t>02/04/16</a:t>
+              <a:t>08/04/16</a:t>
             </a:fld>
             <a:endParaRPr lang="fr-FR"/>
           </a:p>
@@ -1357,7 +1371,7 @@
           <a:p>
             <a:fld id="{10B3F19B-9563-F042-816E-6C7946FA7A3B}" type="datetimeFigureOut">
               <a:rPr lang="fr-FR" smtClean="0"/>
-              <a:t>02/04/16</a:t>
+              <a:t>08/04/16</a:t>
             </a:fld>
             <a:endParaRPr lang="fr-FR"/>
           </a:p>
@@ -1779,7 +1793,7 @@
           <a:p>
             <a:fld id="{10B3F19B-9563-F042-816E-6C7946FA7A3B}" type="datetimeFigureOut">
               <a:rPr lang="fr-FR" smtClean="0"/>
-              <a:t>02/04/16</a:t>
+              <a:t>08/04/16</a:t>
             </a:fld>
             <a:endParaRPr lang="fr-FR"/>
           </a:p>
@@ -1897,7 +1911,7 @@
           <a:p>
             <a:fld id="{10B3F19B-9563-F042-816E-6C7946FA7A3B}" type="datetimeFigureOut">
               <a:rPr lang="fr-FR" smtClean="0"/>
-              <a:t>02/04/16</a:t>
+              <a:t>08/04/16</a:t>
             </a:fld>
             <a:endParaRPr lang="fr-FR"/>
           </a:p>
@@ -1992,7 +2006,7 @@
           <a:p>
             <a:fld id="{10B3F19B-9563-F042-816E-6C7946FA7A3B}" type="datetimeFigureOut">
               <a:rPr lang="fr-FR" smtClean="0"/>
-              <a:t>02/04/16</a:t>
+              <a:t>08/04/16</a:t>
             </a:fld>
             <a:endParaRPr lang="fr-FR"/>
           </a:p>
@@ -2269,7 +2283,7 @@
           <a:p>
             <a:fld id="{10B3F19B-9563-F042-816E-6C7946FA7A3B}" type="datetimeFigureOut">
               <a:rPr lang="fr-FR" smtClean="0"/>
-              <a:t>02/04/16</a:t>
+              <a:t>08/04/16</a:t>
             </a:fld>
             <a:endParaRPr lang="fr-FR"/>
           </a:p>
@@ -2522,7 +2536,7 @@
           <a:p>
             <a:fld id="{10B3F19B-9563-F042-816E-6C7946FA7A3B}" type="datetimeFigureOut">
               <a:rPr lang="fr-FR" smtClean="0"/>
-              <a:t>02/04/16</a:t>
+              <a:t>08/04/16</a:t>
             </a:fld>
             <a:endParaRPr lang="fr-FR"/>
           </a:p>
@@ -2735,7 +2749,7 @@
           <a:p>
             <a:fld id="{10B3F19B-9563-F042-816E-6C7946FA7A3B}" type="datetimeFigureOut">
               <a:rPr lang="fr-FR" smtClean="0"/>
-              <a:t>02/04/16</a:t>
+              <a:t>08/04/16</a:t>
             </a:fld>
             <a:endParaRPr lang="fr-FR"/>
           </a:p>
@@ -3227,12 +3241,9 @@
           <a:p>
             <a:r>
               <a:rPr lang="fr-FR" dirty="0" smtClean="0"/>
-              <a:t>Format sérialis</a:t>
-            </a:r>
-            <a:r>
-              <a:rPr lang="fr-FR" dirty="0"/>
-              <a:t>é</a:t>
-            </a:r>
+              <a:t>Générateur de code</a:t>
+            </a:r>
+            <a:endParaRPr lang="fr-FR" dirty="0"/>
           </a:p>
         </p:txBody>
       </p:sp>
@@ -3251,41 +3262,6 @@
           <a:bodyPr/>
           <a:lstStyle/>
           <a:p>
-            <a:r>
-              <a:rPr lang="fr-FR" dirty="0" smtClean="0"/>
-              <a:t>Format Binaire -&gt; non </a:t>
-            </a:r>
-            <a:r>
-              <a:rPr lang="fr-FR" dirty="0" err="1" smtClean="0"/>
-              <a:t>human</a:t>
-            </a:r>
-            <a:r>
-              <a:rPr lang="fr-FR" dirty="0" smtClean="0"/>
-              <a:t> </a:t>
-            </a:r>
-            <a:r>
-              <a:rPr lang="fr-FR" dirty="0" err="1" smtClean="0"/>
-              <a:t>readable</a:t>
-            </a:r>
-            <a:endParaRPr lang="fr-FR" dirty="0" smtClean="0"/>
-          </a:p>
-          <a:p>
-            <a:endParaRPr lang="fr-FR" dirty="0"/>
-          </a:p>
-          <a:p>
-            <a:r>
-              <a:rPr lang="fr-FR" dirty="0" smtClean="0"/>
-              <a:t>Basé sur l’ordre des champs et leur taille</a:t>
-            </a:r>
-          </a:p>
-          <a:p>
-            <a:endParaRPr lang="fr-FR" dirty="0"/>
-          </a:p>
-          <a:p>
-            <a:r>
-              <a:rPr lang="fr-FR" dirty="0" smtClean="0"/>
-              <a:t>Relativement performant</a:t>
-            </a:r>
             <a:endParaRPr lang="fr-FR" dirty="0"/>
           </a:p>
         </p:txBody>
@@ -3293,7 +3269,7 @@
     </p:spTree>
     <p:extLst>
       <p:ext uri="{BB962C8B-B14F-4D97-AF65-F5344CB8AC3E}">
-        <p14:creationId xmlns:p14="http://schemas.microsoft.com/office/powerpoint/2010/main" val="1725805716"/>
+        <p14:creationId xmlns:p14="http://schemas.microsoft.com/office/powerpoint/2010/main" val="402769495"/>
       </p:ext>
     </p:extLst>
   </p:cSld>
@@ -3337,30 +3313,55 @@
           <a:p>
             <a:r>
               <a:rPr lang="fr-FR" dirty="0" smtClean="0"/>
-              <a:t>Avantages</a:t>
-            </a:r>
+              <a:t>Format sérialis</a:t>
+            </a:r>
+            <a:r>
+              <a:rPr lang="fr-FR" dirty="0"/>
+              <a:t>é</a:t>
+            </a:r>
+          </a:p>
+        </p:txBody>
+      </p:sp>
+      <p:sp>
+        <p:nvSpPr>
+          <p:cNvPr id="3" name="Espace réservé du contenu 2"/>
+          <p:cNvSpPr>
+            <a:spLocks noGrp="1"/>
+          </p:cNvSpPr>
+          <p:nvPr>
+            <p:ph idx="1"/>
+          </p:nvPr>
+        </p:nvSpPr>
+        <p:spPr/>
+        <p:txBody>
+          <a:bodyPr/>
+          <a:lstStyle/>
+          <a:p>
+            <a:r>
+              <a:rPr lang="fr-FR" dirty="0" smtClean="0"/>
+              <a:t>Format Binaire -&gt; non </a:t>
+            </a:r>
+            <a:r>
+              <a:rPr lang="fr-FR" dirty="0" err="1" smtClean="0"/>
+              <a:t>human</a:t>
+            </a:r>
+            <a:r>
+              <a:rPr lang="fr-FR" dirty="0" smtClean="0"/>
+              <a:t> </a:t>
+            </a:r>
+            <a:r>
+              <a:rPr lang="fr-FR" dirty="0" err="1" smtClean="0"/>
+              <a:t>readable</a:t>
+            </a:r>
+            <a:endParaRPr lang="fr-FR" dirty="0" smtClean="0"/>
+          </a:p>
+          <a:p>
             <a:endParaRPr lang="fr-FR" dirty="0"/>
           </a:p>
-        </p:txBody>
-      </p:sp>
-      <p:sp>
-        <p:nvSpPr>
-          <p:cNvPr id="3" name="Espace réservé du contenu 2"/>
-          <p:cNvSpPr>
-            <a:spLocks noGrp="1"/>
-          </p:cNvSpPr>
-          <p:nvPr>
-            <p:ph idx="1"/>
-          </p:nvPr>
-        </p:nvSpPr>
-        <p:spPr/>
-        <p:txBody>
-          <a:bodyPr/>
-          <a:lstStyle/>
-          <a:p>
-            <a:r>
-              <a:rPr lang="fr-FR" dirty="0" smtClean="0"/>
-              <a:t>Immutable</a:t>
+          <a:p>
+            <a:r>
+              <a:rPr lang="fr-FR" dirty="0" smtClean="0"/>
+              <a:t>Basé sur l’ordre des champs et leur taille</a:t>
             </a:r>
           </a:p>
           <a:p>
@@ -3369,43 +3370,7 @@
           <a:p>
             <a:r>
               <a:rPr lang="fr-FR" dirty="0" smtClean="0"/>
-              <a:t>Simple à écrire</a:t>
-            </a:r>
-          </a:p>
-          <a:p>
-            <a:pPr lvl="1"/>
-            <a:r>
-              <a:rPr lang="fr-FR" dirty="0" smtClean="0"/>
-              <a:t>Création</a:t>
-            </a:r>
-          </a:p>
-          <a:p>
-            <a:pPr lvl="1"/>
-            <a:r>
-              <a:rPr lang="fr-FR" dirty="0" smtClean="0"/>
-              <a:t>Modification</a:t>
-            </a:r>
-          </a:p>
-          <a:p>
-            <a:pPr lvl="1"/>
-            <a:endParaRPr lang="fr-FR" dirty="0"/>
-          </a:p>
-          <a:p>
-            <a:r>
-              <a:rPr lang="fr-FR" dirty="0" smtClean="0"/>
-              <a:t>Pas mal de </a:t>
-            </a:r>
-            <a:r>
-              <a:rPr lang="fr-FR" dirty="0" err="1" smtClean="0"/>
-              <a:t>built</a:t>
-            </a:r>
-            <a:r>
-              <a:rPr lang="fr-FR" dirty="0" smtClean="0"/>
-              <a:t>-in </a:t>
-            </a:r>
-            <a:r>
-              <a:rPr lang="fr-FR" dirty="0" err="1" smtClean="0"/>
-              <a:t>methods</a:t>
+              <a:t>Relativement performant</a:t>
             </a:r>
             <a:endParaRPr lang="fr-FR" dirty="0"/>
           </a:p>
@@ -3414,7 +3379,7 @@
     </p:spTree>
     <p:extLst>
       <p:ext uri="{BB962C8B-B14F-4D97-AF65-F5344CB8AC3E}">
-        <p14:creationId xmlns:p14="http://schemas.microsoft.com/office/powerpoint/2010/main" val="3481788304"/>
+        <p14:creationId xmlns:p14="http://schemas.microsoft.com/office/powerpoint/2010/main" val="1725805716"/>
       </p:ext>
     </p:extLst>
   </p:cSld>
@@ -3458,7 +3423,7 @@
           <a:p>
             <a:r>
               <a:rPr lang="fr-FR" dirty="0" smtClean="0"/>
-              <a:t>Inconvénients</a:t>
+              <a:t>Avantages</a:t>
             </a:r>
             <a:endParaRPr lang="fr-FR" dirty="0"/>
           </a:p>
@@ -3481,58 +3446,52 @@
           <a:p>
             <a:r>
               <a:rPr lang="fr-FR" dirty="0" smtClean="0"/>
-              <a:t>Non </a:t>
+              <a:t>Immutable</a:t>
+            </a:r>
+          </a:p>
+          <a:p>
+            <a:endParaRPr lang="fr-FR" dirty="0"/>
+          </a:p>
+          <a:p>
+            <a:r>
+              <a:rPr lang="fr-FR" dirty="0" smtClean="0"/>
+              <a:t>Simple à écrire</a:t>
+            </a:r>
+          </a:p>
+          <a:p>
+            <a:pPr lvl="1"/>
+            <a:r>
+              <a:rPr lang="fr-FR" dirty="0" smtClean="0"/>
+              <a:t>Création</a:t>
+            </a:r>
+          </a:p>
+          <a:p>
+            <a:pPr lvl="1"/>
+            <a:r>
+              <a:rPr lang="fr-FR" dirty="0" smtClean="0"/>
+              <a:t>Modification</a:t>
+            </a:r>
+          </a:p>
+          <a:p>
+            <a:pPr lvl="1"/>
+            <a:endParaRPr lang="fr-FR" dirty="0"/>
+          </a:p>
+          <a:p>
+            <a:r>
+              <a:rPr lang="fr-FR" dirty="0" smtClean="0"/>
+              <a:t>Pas mal de </a:t>
             </a:r>
             <a:r>
               <a:rPr lang="fr-FR" dirty="0" err="1" smtClean="0"/>
-              <a:t>Human</a:t>
-            </a:r>
-            <a:r>
-              <a:rPr lang="fr-FR" dirty="0" smtClean="0"/>
-              <a:t> </a:t>
+              <a:t>built</a:t>
+            </a:r>
+            <a:r>
+              <a:rPr lang="fr-FR" dirty="0" smtClean="0"/>
+              <a:t>-in </a:t>
             </a:r>
             <a:r>
               <a:rPr lang="fr-FR" dirty="0" err="1" smtClean="0"/>
-              <a:t>Readable</a:t>
-            </a:r>
-            <a:endParaRPr lang="fr-FR" dirty="0" smtClean="0"/>
-          </a:p>
-          <a:p>
-            <a:endParaRPr lang="fr-FR" dirty="0"/>
-          </a:p>
-          <a:p>
-            <a:r>
-              <a:rPr lang="fr-FR" dirty="0" smtClean="0"/>
-              <a:t>Pas utilisé par tout le monde</a:t>
-            </a:r>
-          </a:p>
-          <a:p>
-            <a:pPr lvl="1"/>
-            <a:r>
-              <a:rPr lang="fr-FR" dirty="0" smtClean="0"/>
-              <a:t>En particulier sur les </a:t>
-            </a:r>
-            <a:r>
-              <a:rPr lang="fr-FR" dirty="0" err="1" smtClean="0"/>
-              <a:t>WebServices</a:t>
-            </a:r>
-            <a:endParaRPr lang="fr-FR" dirty="0"/>
-          </a:p>
-          <a:p>
-            <a:endParaRPr lang="fr-FR" dirty="0" smtClean="0"/>
-          </a:p>
-          <a:p>
-            <a:r>
-              <a:rPr lang="fr-FR" dirty="0" smtClean="0"/>
-              <a:t>Pas facilement </a:t>
-            </a:r>
-            <a:r>
-              <a:rPr lang="fr-FR" dirty="0" err="1" smtClean="0"/>
-              <a:t>Etendable</a:t>
-            </a:r>
-            <a:r>
-              <a:rPr lang="fr-FR" dirty="0" smtClean="0"/>
-              <a:t> (hormis à partir d’un fichier proto)</a:t>
+              <a:t>methods</a:t>
             </a:r>
             <a:endParaRPr lang="fr-FR" dirty="0"/>
           </a:p>
@@ -3541,7 +3500,7 @@
     </p:spTree>
     <p:extLst>
       <p:ext uri="{BB962C8B-B14F-4D97-AF65-F5344CB8AC3E}">
-        <p14:creationId xmlns:p14="http://schemas.microsoft.com/office/powerpoint/2010/main" val="4117981998"/>
+        <p14:creationId xmlns:p14="http://schemas.microsoft.com/office/powerpoint/2010/main" val="3481788304"/>
       </p:ext>
     </p:extLst>
   </p:cSld>
@@ -3585,7 +3544,7 @@
           <a:p>
             <a:r>
               <a:rPr lang="fr-FR" dirty="0" smtClean="0"/>
-              <a:t>Et Maintenant ?</a:t>
+              <a:t>Inconvénients</a:t>
             </a:r>
             <a:endParaRPr lang="fr-FR" dirty="0"/>
           </a:p>
@@ -3608,20 +3567,21 @@
           <a:p>
             <a:r>
               <a:rPr lang="fr-FR" dirty="0" smtClean="0"/>
-              <a:t>On aime </a:t>
+              <a:t>Non </a:t>
             </a:r>
             <a:r>
               <a:rPr lang="fr-FR" dirty="0" err="1" smtClean="0"/>
-              <a:t>protobuf</a:t>
-            </a:r>
-            <a:r>
-              <a:rPr lang="fr-FR" dirty="0"/>
+              <a:t>Human</a:t>
+            </a:r>
+            <a:r>
+              <a:rPr lang="fr-FR" dirty="0" smtClean="0"/>
               <a:t> </a:t>
             </a:r>
             <a:r>
-              <a:rPr lang="fr-FR" dirty="0" smtClean="0"/>
-              <a:t>pour ses avantages</a:t>
-            </a:r>
+              <a:rPr lang="fr-FR" dirty="0" err="1" smtClean="0"/>
+              <a:t>Readable</a:t>
+            </a:r>
+            <a:endParaRPr lang="fr-FR" dirty="0" smtClean="0"/>
           </a:p>
           <a:p>
             <a:endParaRPr lang="fr-FR" dirty="0"/>
@@ -3629,16 +3589,36 @@
           <a:p>
             <a:r>
               <a:rPr lang="fr-FR" dirty="0" smtClean="0"/>
-              <a:t>On l’aime moins pour ses inconvénients</a:t>
-            </a:r>
-          </a:p>
-          <a:p>
+              <a:t>Pas utilisé par tout le monde</a:t>
+            </a:r>
+          </a:p>
+          <a:p>
+            <a:pPr lvl="1"/>
+            <a:r>
+              <a:rPr lang="fr-FR" dirty="0" smtClean="0"/>
+              <a:t>En particulier sur les </a:t>
+            </a:r>
+            <a:r>
+              <a:rPr lang="fr-FR" dirty="0" err="1" smtClean="0"/>
+              <a:t>WebServices</a:t>
+            </a:r>
             <a:endParaRPr lang="fr-FR" dirty="0"/>
           </a:p>
           <a:p>
-            <a:r>
-              <a:rPr lang="fr-FR" dirty="0" smtClean="0"/>
-              <a:t>On a envie de l’utiliser.</a:t>
+            <a:endParaRPr lang="fr-FR" dirty="0" smtClean="0"/>
+          </a:p>
+          <a:p>
+            <a:r>
+              <a:rPr lang="fr-FR" dirty="0" smtClean="0"/>
+              <a:t>Pas facilement </a:t>
+            </a:r>
+            <a:r>
+              <a:rPr lang="fr-FR" dirty="0" err="1" smtClean="0"/>
+              <a:t>Etendable</a:t>
+            </a:r>
+            <a:r>
+              <a:rPr lang="fr-FR" dirty="0" smtClean="0"/>
+              <a:t> (hormis à partir d’un fichier proto)</a:t>
             </a:r>
             <a:endParaRPr lang="fr-FR" dirty="0"/>
           </a:p>
@@ -3647,7 +3627,7 @@
     </p:spTree>
     <p:extLst>
       <p:ext uri="{BB962C8B-B14F-4D97-AF65-F5344CB8AC3E}">
-        <p14:creationId xmlns:p14="http://schemas.microsoft.com/office/powerpoint/2010/main" val="4064413871"/>
+        <p14:creationId xmlns:p14="http://schemas.microsoft.com/office/powerpoint/2010/main" val="4117981998"/>
       </p:ext>
     </p:extLst>
   </p:cSld>
@@ -3691,7 +3671,7 @@
           <a:p>
             <a:r>
               <a:rPr lang="fr-FR" dirty="0" smtClean="0"/>
-              <a:t>Notre cas de figure</a:t>
+              <a:t>Et Maintenant ?</a:t>
             </a:r>
             <a:endParaRPr lang="fr-FR" dirty="0"/>
           </a:p>
@@ -3709,50 +3689,35 @@
         </p:nvSpPr>
         <p:spPr/>
         <p:txBody>
-          <a:bodyPr/>
-          <a:lstStyle/>
-          <a:p>
-            <a:r>
-              <a:rPr lang="fr-FR" dirty="0" smtClean="0"/>
-              <a:t>On veut faire une application :</a:t>
-            </a:r>
-          </a:p>
-          <a:p>
-            <a:pPr lvl="1"/>
-            <a:r>
-              <a:rPr lang="fr-FR" dirty="0" smtClean="0"/>
-              <a:t>Liste les issues </a:t>
-            </a:r>
-            <a:r>
-              <a:rPr lang="fr-FR" dirty="0" err="1" smtClean="0"/>
-              <a:t>github</a:t>
-            </a:r>
-            <a:r>
-              <a:rPr lang="fr-FR" dirty="0" smtClean="0"/>
-              <a:t> pour </a:t>
+          <a:bodyPr>
+            <a:normAutofit lnSpcReduction="10000"/>
+          </a:bodyPr>
+          <a:lstStyle/>
+          <a:p>
+            <a:r>
+              <a:rPr lang="fr-FR" dirty="0" smtClean="0"/>
+              <a:t>On aime </a:t>
             </a:r>
             <a:r>
               <a:rPr lang="fr-FR" dirty="0" err="1" smtClean="0"/>
               <a:t>protobuf</a:t>
             </a:r>
-            <a:endParaRPr lang="fr-FR" dirty="0" smtClean="0"/>
-          </a:p>
-          <a:p>
-            <a:pPr lvl="1"/>
-            <a:r>
-              <a:rPr lang="fr-FR" dirty="0" smtClean="0"/>
-              <a:t>En lecture seulement</a:t>
-            </a:r>
+            <a:r>
+              <a:rPr lang="fr-FR" dirty="0"/>
+              <a:t> </a:t>
+            </a:r>
+            <a:r>
+              <a:rPr lang="fr-FR" dirty="0" smtClean="0"/>
+              <a:t>pour ses avantages</a:t>
+            </a:r>
+          </a:p>
+          <a:p>
             <a:endParaRPr lang="fr-FR" dirty="0"/>
           </a:p>
           <a:p>
-            <a:pPr lvl="1"/>
-            <a:endParaRPr lang="fr-FR" dirty="0" smtClean="0"/>
-          </a:p>
-          <a:p>
-            <a:r>
-              <a:rPr lang="fr-FR" dirty="0" smtClean="0"/>
-              <a:t>Avec du cache local</a:t>
+            <a:r>
+              <a:rPr lang="fr-FR" dirty="0" smtClean="0"/>
+              <a:t>On l’aime moins pour ses inconvénients</a:t>
             </a:r>
           </a:p>
           <a:p>
@@ -3761,15 +3726,29 @@
           <a:p>
             <a:r>
               <a:rPr lang="fr-FR" dirty="0" smtClean="0"/>
-              <a:t>Paramétrable (nombre d’issue, délai de cache)</a:t>
-            </a:r>
+              <a:t>On a envie de l’utiliser</a:t>
+            </a:r>
+            <a:r>
+              <a:rPr lang="fr-FR" dirty="0" smtClean="0"/>
+              <a:t>.</a:t>
+            </a:r>
+          </a:p>
+          <a:p>
+            <a:endParaRPr lang="fr-FR" dirty="0"/>
+          </a:p>
+          <a:p>
+            <a:r>
+              <a:rPr lang="fr-FR" dirty="0" smtClean="0"/>
+              <a:t>On n’a pas le temps d’apprendre beaucoup de nouvelles technos.</a:t>
+            </a:r>
+            <a:endParaRPr lang="fr-FR" dirty="0"/>
           </a:p>
         </p:txBody>
       </p:sp>
     </p:spTree>
     <p:extLst>
       <p:ext uri="{BB962C8B-B14F-4D97-AF65-F5344CB8AC3E}">
-        <p14:creationId xmlns:p14="http://schemas.microsoft.com/office/powerpoint/2010/main" val="3172752415"/>
+        <p14:creationId xmlns:p14="http://schemas.microsoft.com/office/powerpoint/2010/main" val="4064413871"/>
       </p:ext>
     </p:extLst>
   </p:cSld>
@@ -3812,84 +3791,90 @@
           <a:lstStyle/>
           <a:p>
             <a:r>
+              <a:rPr lang="fr-FR" dirty="0" smtClean="0"/>
+              <a:t>Notre cas de figure</a:t>
+            </a:r>
+            <a:endParaRPr lang="fr-FR" dirty="0"/>
+          </a:p>
+        </p:txBody>
+      </p:sp>
+      <p:sp>
+        <p:nvSpPr>
+          <p:cNvPr id="3" name="Espace réservé du contenu 2"/>
+          <p:cNvSpPr>
+            <a:spLocks noGrp="1"/>
+          </p:cNvSpPr>
+          <p:nvPr>
+            <p:ph idx="1"/>
+          </p:nvPr>
+        </p:nvSpPr>
+        <p:spPr/>
+        <p:txBody>
+          <a:bodyPr/>
+          <a:lstStyle/>
+          <a:p>
+            <a:r>
+              <a:rPr lang="fr-FR" dirty="0" smtClean="0"/>
+              <a:t>On veut faire une application :</a:t>
+            </a:r>
+          </a:p>
+          <a:p>
+            <a:pPr lvl="1"/>
+            <a:r>
+              <a:rPr lang="fr-FR" dirty="0" smtClean="0"/>
+              <a:t>Liste les issues </a:t>
+            </a:r>
+            <a:r>
               <a:rPr lang="fr-FR" dirty="0" err="1" smtClean="0"/>
-              <a:t>Conlusion</a:t>
-            </a:r>
-            <a:r>
-              <a:rPr lang="fr-FR" dirty="0" smtClean="0"/>
-              <a:t> : La panacée ?</a:t>
+              <a:t>github</a:t>
+            </a:r>
+            <a:r>
+              <a:rPr lang="fr-FR" dirty="0" smtClean="0"/>
+              <a:t> pour </a:t>
+            </a:r>
+            <a:r>
+              <a:rPr lang="fr-FR" dirty="0" err="1" smtClean="0"/>
+              <a:t>protobuf</a:t>
+            </a:r>
+            <a:endParaRPr lang="fr-FR" dirty="0" smtClean="0"/>
+          </a:p>
+          <a:p>
+            <a:pPr lvl="1"/>
+            <a:r>
+              <a:rPr lang="fr-FR" dirty="0" smtClean="0"/>
+              <a:t>En </a:t>
+            </a:r>
+            <a:r>
+              <a:rPr lang="fr-FR" dirty="0" smtClean="0"/>
+              <a:t>consultation seulement</a:t>
             </a:r>
             <a:endParaRPr lang="fr-FR" dirty="0"/>
           </a:p>
-        </p:txBody>
-      </p:sp>
-      <p:sp>
-        <p:nvSpPr>
-          <p:cNvPr id="3" name="Espace réservé du contenu 2"/>
-          <p:cNvSpPr>
-            <a:spLocks noGrp="1"/>
-          </p:cNvSpPr>
-          <p:nvPr>
-            <p:ph idx="1"/>
-          </p:nvPr>
-        </p:nvSpPr>
-        <p:spPr/>
-        <p:txBody>
-          <a:bodyPr/>
-          <a:lstStyle/>
-          <a:p>
-            <a:r>
-              <a:rPr lang="fr-FR" dirty="0" smtClean="0"/>
-              <a:t>On tape correctement notre </a:t>
-            </a:r>
-            <a:r>
-              <a:rPr lang="fr-FR" dirty="0" err="1" smtClean="0"/>
-              <a:t>webservice</a:t>
-            </a:r>
+          <a:p>
+            <a:pPr lvl="1"/>
             <a:endParaRPr lang="fr-FR" dirty="0" smtClean="0"/>
           </a:p>
           <a:p>
+            <a:r>
+              <a:rPr lang="fr-FR" dirty="0" smtClean="0"/>
+              <a:t>Avec du cache local</a:t>
+            </a:r>
+          </a:p>
+          <a:p>
             <a:endParaRPr lang="fr-FR" dirty="0"/>
           </a:p>
           <a:p>
             <a:r>
               <a:rPr lang="fr-FR" dirty="0" smtClean="0"/>
-              <a:t>On a notre </a:t>
-            </a:r>
-            <a:r>
-              <a:rPr lang="fr-FR" dirty="0" err="1" smtClean="0"/>
-              <a:t>storage</a:t>
-            </a:r>
-            <a:r>
-              <a:rPr lang="fr-FR" dirty="0" smtClean="0"/>
-              <a:t> local relativement simple</a:t>
-            </a:r>
-          </a:p>
-          <a:p>
-            <a:endParaRPr lang="fr-FR" dirty="0"/>
-          </a:p>
-          <a:p>
-            <a:r>
-              <a:rPr lang="fr-FR" dirty="0" smtClean="0"/>
-              <a:t>On a une application télé-paramétrable </a:t>
-            </a:r>
-          </a:p>
-          <a:p>
-            <a:endParaRPr lang="fr-FR" dirty="0"/>
-          </a:p>
-          <a:p>
-            <a:r>
-              <a:rPr lang="fr-FR" dirty="0" smtClean="0"/>
-              <a:t>MAIS : on n’a pas fait d’édition locale.</a:t>
-            </a:r>
-            <a:endParaRPr lang="fr-FR" dirty="0"/>
+              <a:t>Paramétrable (nombre d’issue, délai de cache)</a:t>
+            </a:r>
           </a:p>
         </p:txBody>
       </p:sp>
     </p:spTree>
     <p:extLst>
       <p:ext uri="{BB962C8B-B14F-4D97-AF65-F5344CB8AC3E}">
-        <p14:creationId xmlns:p14="http://schemas.microsoft.com/office/powerpoint/2010/main" val="3950536386"/>
+        <p14:creationId xmlns:p14="http://schemas.microsoft.com/office/powerpoint/2010/main" val="3172752415"/>
       </p:ext>
     </p:extLst>
   </p:cSld>
@@ -3933,7 +3918,7 @@
           <a:p>
             <a:r>
               <a:rPr lang="fr-FR" dirty="0" smtClean="0"/>
-              <a:t>Conclusion Bis</a:t>
+              <a:t>Appels REST</a:t>
             </a:r>
             <a:endParaRPr lang="fr-FR" dirty="0"/>
           </a:p>
@@ -3956,42 +3941,801 @@
           <a:p>
             <a:r>
               <a:rPr lang="fr-FR" dirty="0" smtClean="0"/>
-              <a:t>Mécanique applicable à n’importe quel outil/librairie</a:t>
-            </a:r>
-          </a:p>
-          <a:p>
+              <a:t>API </a:t>
+            </a:r>
+            <a:r>
+              <a:rPr lang="fr-FR" dirty="0" err="1" smtClean="0"/>
+              <a:t>Github</a:t>
+            </a:r>
+            <a:r>
+              <a:rPr lang="fr-FR" dirty="0" smtClean="0"/>
+              <a:t> </a:t>
+            </a:r>
+            <a:r>
+              <a:rPr lang="fr-FR" dirty="0" err="1" smtClean="0"/>
+              <a:t>RESTful</a:t>
+            </a:r>
             <a:endParaRPr lang="fr-FR" dirty="0" smtClean="0"/>
           </a:p>
           <a:p>
-            <a:r>
-              <a:rPr lang="fr-FR" dirty="0" smtClean="0"/>
-              <a:t>Faire l’inventaire des avantages et inconvénients</a:t>
-            </a:r>
             <a:endParaRPr lang="fr-FR" dirty="0"/>
           </a:p>
           <a:p>
+            <a:r>
+              <a:rPr lang="fr-FR" dirty="0" smtClean="0"/>
+              <a:t>Retourne du JSON</a:t>
+            </a:r>
+          </a:p>
+          <a:p>
             <a:endParaRPr lang="fr-FR" dirty="0"/>
           </a:p>
           <a:p>
             <a:r>
               <a:rPr lang="fr-FR" dirty="0" smtClean="0"/>
-              <a:t>Exemple : </a:t>
+              <a:t>Les issues d’un </a:t>
+            </a:r>
+            <a:r>
+              <a:rPr lang="fr-FR" dirty="0" err="1" smtClean="0"/>
+              <a:t>repository</a:t>
+            </a:r>
+            <a:r>
+              <a:rPr lang="fr-FR" dirty="0" smtClean="0"/>
+              <a:t>  :</a:t>
             </a:r>
           </a:p>
           <a:p>
             <a:pPr lvl="1"/>
             <a:r>
               <a:rPr lang="fr-FR" dirty="0" smtClean="0"/>
-              <a:t>Bus de communication via chat IRC.</a:t>
-            </a:r>
-            <a:endParaRPr lang="fr-FR" dirty="0"/>
+              <a:t>GET /repos/:</a:t>
+            </a:r>
+            <a:r>
+              <a:rPr lang="fr-FR" dirty="0" err="1" smtClean="0"/>
+              <a:t>owner</a:t>
+            </a:r>
+            <a:r>
+              <a:rPr lang="fr-FR" dirty="0" smtClean="0"/>
+              <a:t>/:repo/issues</a:t>
+            </a:r>
           </a:p>
         </p:txBody>
       </p:sp>
     </p:spTree>
     <p:extLst>
       <p:ext uri="{BB962C8B-B14F-4D97-AF65-F5344CB8AC3E}">
-        <p14:creationId xmlns:p14="http://schemas.microsoft.com/office/powerpoint/2010/main" val="1318296312"/>
+        <p14:creationId xmlns:p14="http://schemas.microsoft.com/office/powerpoint/2010/main" val="4073601911"/>
+      </p:ext>
+    </p:extLst>
+  </p:cSld>
+  <p:clrMapOvr>
+    <a:masterClrMapping/>
+  </p:clrMapOvr>
+</p:sld>
+</file>
+
+<file path=ppt/slides/slide17.xml><?xml version="1.0" encoding="utf-8"?>
+<p:sld xmlns:a="http://schemas.openxmlformats.org/drawingml/2006/main" xmlns:r="http://schemas.openxmlformats.org/officeDocument/2006/relationships" xmlns:p="http://schemas.openxmlformats.org/presentationml/2006/main">
+  <p:cSld>
+    <p:spTree>
+      <p:nvGrpSpPr>
+        <p:cNvPr id="1" name=""/>
+        <p:cNvGrpSpPr/>
+        <p:nvPr/>
+      </p:nvGrpSpPr>
+      <p:grpSpPr>
+        <a:xfrm>
+          <a:off x="0" y="0"/>
+          <a:ext cx="0" cy="0"/>
+          <a:chOff x="0" y="0"/>
+          <a:chExt cx="0" cy="0"/>
+        </a:xfrm>
+      </p:grpSpPr>
+      <p:sp>
+        <p:nvSpPr>
+          <p:cNvPr id="2" name="Titre 1"/>
+          <p:cNvSpPr>
+            <a:spLocks noGrp="1"/>
+          </p:cNvSpPr>
+          <p:nvPr>
+            <p:ph type="title"/>
+          </p:nvPr>
+        </p:nvSpPr>
+        <p:spPr/>
+        <p:txBody>
+          <a:bodyPr/>
+          <a:lstStyle/>
+          <a:p>
+            <a:r>
+              <a:rPr lang="fr-FR" dirty="0" smtClean="0"/>
+              <a:t>Issue</a:t>
+            </a:r>
+            <a:endParaRPr lang="fr-FR" dirty="0"/>
+          </a:p>
+        </p:txBody>
+      </p:sp>
+      <p:sp>
+        <p:nvSpPr>
+          <p:cNvPr id="3" name="Espace réservé du contenu 2"/>
+          <p:cNvSpPr>
+            <a:spLocks noGrp="1"/>
+          </p:cNvSpPr>
+          <p:nvPr>
+            <p:ph idx="1"/>
+          </p:nvPr>
+        </p:nvSpPr>
+        <p:spPr/>
+        <p:txBody>
+          <a:bodyPr>
+            <a:normAutofit fontScale="70000" lnSpcReduction="20000"/>
+          </a:bodyPr>
+          <a:lstStyle/>
+          <a:p>
+            <a:r>
+              <a:rPr lang="fr-FR" dirty="0" smtClean="0"/>
+              <a:t>Créons un objet </a:t>
+            </a:r>
+            <a:r>
+              <a:rPr lang="fr-FR" dirty="0" err="1"/>
+              <a:t>P</a:t>
+            </a:r>
+            <a:r>
+              <a:rPr lang="fr-FR" dirty="0" err="1" smtClean="0"/>
+              <a:t>rotobuf</a:t>
+            </a:r>
+            <a:r>
+              <a:rPr lang="fr-FR" dirty="0" smtClean="0"/>
+              <a:t> basique</a:t>
+            </a:r>
+          </a:p>
+          <a:p>
+            <a:endParaRPr lang="fr-FR" dirty="0" smtClean="0"/>
+          </a:p>
+          <a:p>
+            <a:pPr marL="0" indent="0">
+              <a:buNone/>
+            </a:pPr>
+            <a:r>
+              <a:rPr lang="fr-FR" b="1" dirty="0">
+                <a:solidFill>
+                  <a:srgbClr val="000080"/>
+                </a:solidFill>
+              </a:rPr>
+              <a:t>message </a:t>
+            </a:r>
+            <a:r>
+              <a:rPr lang="fr-FR" dirty="0"/>
+              <a:t>Issue {</a:t>
+            </a:r>
+            <a:br>
+              <a:rPr lang="fr-FR" dirty="0"/>
+            </a:br>
+            <a:r>
+              <a:rPr lang="fr-FR" dirty="0"/>
+              <a:t>   </a:t>
+            </a:r>
+            <a:r>
+              <a:rPr lang="fr-FR" b="1" dirty="0" err="1">
+                <a:solidFill>
+                  <a:srgbClr val="000080"/>
+                </a:solidFill>
+              </a:rPr>
+              <a:t>required</a:t>
+            </a:r>
+            <a:r>
+              <a:rPr lang="fr-FR" b="1" dirty="0">
+                <a:solidFill>
+                  <a:srgbClr val="000080"/>
+                </a:solidFill>
+              </a:rPr>
+              <a:t> string </a:t>
+            </a:r>
+            <a:r>
+              <a:rPr lang="fr-FR" dirty="0"/>
+              <a:t>id = </a:t>
+            </a:r>
+            <a:r>
+              <a:rPr lang="fr-FR" dirty="0">
+                <a:solidFill>
+                  <a:srgbClr val="0000FF"/>
+                </a:solidFill>
+              </a:rPr>
+              <a:t>1</a:t>
+            </a:r>
+            <a:r>
+              <a:rPr lang="fr-FR" dirty="0"/>
+              <a:t>;</a:t>
+            </a:r>
+            <a:br>
+              <a:rPr lang="fr-FR" dirty="0"/>
+            </a:br>
+            <a:r>
+              <a:rPr lang="fr-FR" dirty="0"/>
+              <a:t>   </a:t>
+            </a:r>
+            <a:r>
+              <a:rPr lang="fr-FR" b="1" dirty="0" err="1">
+                <a:solidFill>
+                  <a:srgbClr val="000080"/>
+                </a:solidFill>
+              </a:rPr>
+              <a:t>required</a:t>
+            </a:r>
+            <a:r>
+              <a:rPr lang="fr-FR" b="1" dirty="0">
+                <a:solidFill>
+                  <a:srgbClr val="000080"/>
+                </a:solidFill>
+              </a:rPr>
+              <a:t> int32 </a:t>
+            </a:r>
+            <a:r>
+              <a:rPr lang="fr-FR" dirty="0" err="1"/>
+              <a:t>number</a:t>
+            </a:r>
+            <a:r>
+              <a:rPr lang="fr-FR" dirty="0"/>
+              <a:t> = </a:t>
+            </a:r>
+            <a:r>
+              <a:rPr lang="fr-FR" dirty="0">
+                <a:solidFill>
+                  <a:srgbClr val="0000FF"/>
+                </a:solidFill>
+              </a:rPr>
+              <a:t>2</a:t>
+            </a:r>
+            <a:r>
+              <a:rPr lang="fr-FR" dirty="0"/>
+              <a:t>;</a:t>
+            </a:r>
+            <a:br>
+              <a:rPr lang="fr-FR" dirty="0"/>
+            </a:br>
+            <a:r>
+              <a:rPr lang="fr-FR" dirty="0"/>
+              <a:t>   </a:t>
+            </a:r>
+            <a:r>
+              <a:rPr lang="fr-FR" b="1" dirty="0" err="1">
+                <a:solidFill>
+                  <a:srgbClr val="000080"/>
+                </a:solidFill>
+              </a:rPr>
+              <a:t>optional</a:t>
+            </a:r>
+            <a:r>
+              <a:rPr lang="fr-FR" b="1" dirty="0">
+                <a:solidFill>
+                  <a:srgbClr val="000080"/>
+                </a:solidFill>
+              </a:rPr>
+              <a:t> string </a:t>
+            </a:r>
+            <a:r>
+              <a:rPr lang="fr-FR" dirty="0" err="1"/>
+              <a:t>title</a:t>
+            </a:r>
+            <a:r>
+              <a:rPr lang="fr-FR" dirty="0"/>
+              <a:t> = </a:t>
+            </a:r>
+            <a:r>
+              <a:rPr lang="fr-FR" dirty="0">
+                <a:solidFill>
+                  <a:srgbClr val="0000FF"/>
+                </a:solidFill>
+              </a:rPr>
+              <a:t>3</a:t>
+            </a:r>
+            <a:r>
+              <a:rPr lang="fr-FR" dirty="0"/>
+              <a:t>;</a:t>
+            </a:r>
+            <a:br>
+              <a:rPr lang="fr-FR" dirty="0"/>
+            </a:br>
+            <a:r>
+              <a:rPr lang="fr-FR" dirty="0"/>
+              <a:t>   </a:t>
+            </a:r>
+            <a:r>
+              <a:rPr lang="fr-FR" b="1" dirty="0" err="1">
+                <a:solidFill>
+                  <a:srgbClr val="000080"/>
+                </a:solidFill>
+              </a:rPr>
+              <a:t>optional</a:t>
+            </a:r>
+            <a:r>
+              <a:rPr lang="fr-FR" b="1" dirty="0">
+                <a:solidFill>
+                  <a:srgbClr val="000080"/>
+                </a:solidFill>
+              </a:rPr>
+              <a:t> string </a:t>
+            </a:r>
+            <a:r>
+              <a:rPr lang="fr-FR" dirty="0"/>
+              <a:t>state = </a:t>
+            </a:r>
+            <a:r>
+              <a:rPr lang="fr-FR" dirty="0">
+                <a:solidFill>
+                  <a:srgbClr val="0000FF"/>
+                </a:solidFill>
+              </a:rPr>
+              <a:t>4</a:t>
+            </a:r>
+            <a:r>
+              <a:rPr lang="fr-FR" dirty="0"/>
+              <a:t>;</a:t>
+            </a:r>
+            <a:br>
+              <a:rPr lang="fr-FR" dirty="0"/>
+            </a:br>
+            <a:r>
+              <a:rPr lang="fr-FR" dirty="0"/>
+              <a:t>   </a:t>
+            </a:r>
+            <a:r>
+              <a:rPr lang="fr-FR" b="1" dirty="0" err="1">
+                <a:solidFill>
+                  <a:srgbClr val="000080"/>
+                </a:solidFill>
+              </a:rPr>
+              <a:t>optional</a:t>
+            </a:r>
+            <a:r>
+              <a:rPr lang="fr-FR" b="1" dirty="0">
+                <a:solidFill>
+                  <a:srgbClr val="000080"/>
+                </a:solidFill>
+              </a:rPr>
+              <a:t> string </a:t>
+            </a:r>
+            <a:r>
+              <a:rPr lang="fr-FR" dirty="0"/>
+              <a:t>body = </a:t>
+            </a:r>
+            <a:r>
+              <a:rPr lang="fr-FR" dirty="0">
+                <a:solidFill>
+                  <a:srgbClr val="0000FF"/>
+                </a:solidFill>
+              </a:rPr>
+              <a:t>5</a:t>
+            </a:r>
+            <a:r>
+              <a:rPr lang="fr-FR" dirty="0"/>
+              <a:t>;</a:t>
+            </a:r>
+            <a:br>
+              <a:rPr lang="fr-FR" dirty="0"/>
+            </a:br>
+            <a:r>
+              <a:rPr lang="fr-FR" dirty="0"/>
+              <a:t/>
+            </a:r>
+            <a:br>
+              <a:rPr lang="fr-FR" dirty="0"/>
+            </a:br>
+            <a:r>
+              <a:rPr lang="fr-FR" dirty="0" smtClean="0"/>
+              <a:t>}</a:t>
+            </a:r>
+          </a:p>
+          <a:p>
+            <a:endParaRPr lang="fr-FR" dirty="0">
+              <a:solidFill>
+                <a:srgbClr val="000000"/>
+              </a:solidFill>
+              <a:latin typeface="Helvetica"/>
+              <a:ea typeface="Helvetica"/>
+              <a:cs typeface="Helvetica"/>
+            </a:endParaRPr>
+          </a:p>
+          <a:p>
+            <a:pPr marL="0" indent="0">
+              <a:buNone/>
+            </a:pPr>
+            <a:r>
+              <a:rPr lang="fr-FR" b="1" dirty="0">
+                <a:solidFill>
+                  <a:srgbClr val="011893"/>
+                </a:solidFill>
+                <a:ea typeface="Menlo"/>
+                <a:cs typeface="Menlo"/>
+              </a:rPr>
+              <a:t>message </a:t>
+            </a:r>
+            <a:r>
+              <a:rPr lang="fr-FR" dirty="0">
+                <a:solidFill>
+                  <a:srgbClr val="000000"/>
+                </a:solidFill>
+                <a:ea typeface="Menlo"/>
+                <a:cs typeface="Menlo"/>
+              </a:rPr>
+              <a:t>Issues {</a:t>
+            </a:r>
+          </a:p>
+          <a:p>
+            <a:pPr marL="0" indent="0">
+              <a:buNone/>
+            </a:pPr>
+            <a:r>
+              <a:rPr lang="fr-FR" dirty="0">
+                <a:solidFill>
+                  <a:srgbClr val="000000"/>
+                </a:solidFill>
+                <a:ea typeface="Menlo"/>
+                <a:cs typeface="Menlo"/>
+              </a:rPr>
+              <a:t>	</a:t>
+            </a:r>
+            <a:r>
+              <a:rPr lang="fr-FR" b="1" dirty="0" err="1">
+                <a:solidFill>
+                  <a:srgbClr val="011893"/>
+                </a:solidFill>
+                <a:ea typeface="Menlo"/>
+                <a:cs typeface="Menlo"/>
+              </a:rPr>
+              <a:t>repeated</a:t>
+            </a:r>
+            <a:r>
+              <a:rPr lang="fr-FR" b="1" dirty="0">
+                <a:solidFill>
+                  <a:srgbClr val="011893"/>
+                </a:solidFill>
+                <a:ea typeface="Menlo"/>
+                <a:cs typeface="Menlo"/>
+              </a:rPr>
+              <a:t> </a:t>
+            </a:r>
+            <a:r>
+              <a:rPr lang="fr-FR" dirty="0">
+                <a:solidFill>
+                  <a:srgbClr val="000000"/>
+                </a:solidFill>
+                <a:ea typeface="Menlo"/>
+                <a:cs typeface="Menlo"/>
+              </a:rPr>
+              <a:t>Issue issues = </a:t>
+            </a:r>
+            <a:r>
+              <a:rPr lang="fr-FR" dirty="0">
+                <a:solidFill>
+                  <a:srgbClr val="0432FF"/>
+                </a:solidFill>
+                <a:ea typeface="Menlo"/>
+                <a:cs typeface="Menlo"/>
+              </a:rPr>
+              <a:t>1</a:t>
+            </a:r>
+            <a:r>
+              <a:rPr lang="fr-FR" dirty="0">
+                <a:solidFill>
+                  <a:srgbClr val="000000"/>
+                </a:solidFill>
+                <a:ea typeface="Menlo"/>
+                <a:cs typeface="Menlo"/>
+              </a:rPr>
+              <a:t>;</a:t>
+            </a:r>
+          </a:p>
+          <a:p>
+            <a:pPr marL="0" indent="0">
+              <a:buNone/>
+            </a:pPr>
+            <a:r>
+              <a:rPr lang="fr-FR" dirty="0">
+                <a:solidFill>
+                  <a:srgbClr val="000000"/>
+                </a:solidFill>
+                <a:ea typeface="Menlo"/>
+                <a:cs typeface="Menlo"/>
+              </a:rPr>
+              <a:t>}</a:t>
+            </a:r>
+            <a:endParaRPr lang="fr-FR" dirty="0" smtClean="0"/>
+          </a:p>
+          <a:p>
+            <a:pPr marL="0" indent="0">
+              <a:buNone/>
+            </a:pPr>
+            <a:endParaRPr lang="fr-FR" dirty="0"/>
+          </a:p>
+          <a:p>
+            <a:endParaRPr lang="fr-FR" dirty="0"/>
+          </a:p>
+        </p:txBody>
+      </p:sp>
+    </p:spTree>
+    <p:extLst>
+      <p:ext uri="{BB962C8B-B14F-4D97-AF65-F5344CB8AC3E}">
+        <p14:creationId xmlns:p14="http://schemas.microsoft.com/office/powerpoint/2010/main" val="2450042435"/>
+      </p:ext>
+    </p:extLst>
+  </p:cSld>
+  <p:clrMapOvr>
+    <a:masterClrMapping/>
+  </p:clrMapOvr>
+</p:sld>
+</file>
+
+<file path=ppt/slides/slide18.xml><?xml version="1.0" encoding="utf-8"?>
+<p:sld xmlns:a="http://schemas.openxmlformats.org/drawingml/2006/main" xmlns:r="http://schemas.openxmlformats.org/officeDocument/2006/relationships" xmlns:p="http://schemas.openxmlformats.org/presentationml/2006/main">
+  <p:cSld>
+    <p:spTree>
+      <p:nvGrpSpPr>
+        <p:cNvPr id="1" name=""/>
+        <p:cNvGrpSpPr/>
+        <p:nvPr/>
+      </p:nvGrpSpPr>
+      <p:grpSpPr>
+        <a:xfrm>
+          <a:off x="0" y="0"/>
+          <a:ext cx="0" cy="0"/>
+          <a:chOff x="0" y="0"/>
+          <a:chExt cx="0" cy="0"/>
+        </a:xfrm>
+      </p:grpSpPr>
+      <p:sp>
+        <p:nvSpPr>
+          <p:cNvPr id="2" name="Titre 1"/>
+          <p:cNvSpPr>
+            <a:spLocks noGrp="1"/>
+          </p:cNvSpPr>
+          <p:nvPr>
+            <p:ph type="title"/>
+          </p:nvPr>
+        </p:nvSpPr>
+        <p:spPr/>
+        <p:txBody>
+          <a:bodyPr/>
+          <a:lstStyle/>
+          <a:p>
+            <a:r>
+              <a:rPr lang="fr-FR" dirty="0" smtClean="0"/>
+              <a:t>Et donc ?</a:t>
+            </a:r>
+            <a:endParaRPr lang="fr-FR" dirty="0"/>
+          </a:p>
+        </p:txBody>
+      </p:sp>
+      <p:sp>
+        <p:nvSpPr>
+          <p:cNvPr id="3" name="Espace réservé du contenu 2"/>
+          <p:cNvSpPr>
+            <a:spLocks noGrp="1"/>
+          </p:cNvSpPr>
+          <p:nvPr>
+            <p:ph idx="1"/>
+          </p:nvPr>
+        </p:nvSpPr>
+        <p:spPr/>
+        <p:txBody>
+          <a:bodyPr/>
+          <a:lstStyle/>
+          <a:p>
+            <a:r>
+              <a:rPr lang="fr-FR" dirty="0" smtClean="0"/>
+              <a:t>Le plus : </a:t>
+            </a:r>
+          </a:p>
+          <a:p>
+            <a:pPr lvl="1"/>
+            <a:r>
+              <a:rPr lang="fr-FR" dirty="0" smtClean="0"/>
+              <a:t>Modèle </a:t>
+            </a:r>
+            <a:r>
+              <a:rPr lang="fr-FR" dirty="0" err="1" smtClean="0"/>
+              <a:t>Protobuf</a:t>
+            </a:r>
+            <a:endParaRPr lang="fr-FR" dirty="0" smtClean="0"/>
+          </a:p>
+          <a:p>
+            <a:pPr lvl="1"/>
+            <a:r>
+              <a:rPr lang="fr-FR" dirty="0" smtClean="0"/>
+              <a:t>Objets générés (+ </a:t>
+            </a:r>
+            <a:r>
+              <a:rPr lang="fr-FR" dirty="0" err="1" smtClean="0"/>
+              <a:t>builder</a:t>
+            </a:r>
+            <a:r>
+              <a:rPr lang="fr-FR" dirty="0" smtClean="0"/>
+              <a:t> + </a:t>
+            </a:r>
+            <a:r>
+              <a:rPr lang="fr-FR" dirty="0" err="1" smtClean="0"/>
+              <a:t>toString</a:t>
+            </a:r>
+            <a:r>
+              <a:rPr lang="fr-FR" dirty="0" smtClean="0"/>
+              <a:t>, etc.)</a:t>
+            </a:r>
+          </a:p>
+          <a:p>
+            <a:endParaRPr lang="fr-FR" dirty="0"/>
+          </a:p>
+          <a:p>
+            <a:r>
+              <a:rPr lang="fr-FR" dirty="0" smtClean="0"/>
+              <a:t>Mais on ne peut pas consommer le </a:t>
+            </a:r>
+            <a:r>
+              <a:rPr lang="fr-FR" dirty="0" err="1" smtClean="0"/>
+              <a:t>WebService</a:t>
+            </a:r>
+            <a:endParaRPr lang="fr-FR" dirty="0" smtClean="0"/>
+          </a:p>
+          <a:p>
+            <a:endParaRPr lang="fr-FR" dirty="0"/>
+          </a:p>
+          <a:p>
+            <a:r>
+              <a:rPr lang="fr-FR" dirty="0" smtClean="0"/>
+              <a:t>Le </a:t>
+            </a:r>
+            <a:r>
+              <a:rPr lang="fr-FR" dirty="0" err="1" smtClean="0"/>
+              <a:t>WebService</a:t>
+            </a:r>
+            <a:r>
+              <a:rPr lang="fr-FR" dirty="0" smtClean="0"/>
+              <a:t> produit du </a:t>
+            </a:r>
+            <a:r>
+              <a:rPr lang="fr-FR" dirty="0" err="1" smtClean="0"/>
+              <a:t>json</a:t>
+            </a:r>
+            <a:r>
+              <a:rPr lang="is-IS" dirty="0" smtClean="0"/>
+              <a:t>…</a:t>
+            </a:r>
+            <a:endParaRPr lang="fr-FR" dirty="0"/>
+          </a:p>
+        </p:txBody>
+      </p:sp>
+    </p:spTree>
+    <p:extLst>
+      <p:ext uri="{BB962C8B-B14F-4D97-AF65-F5344CB8AC3E}">
+        <p14:creationId xmlns:p14="http://schemas.microsoft.com/office/powerpoint/2010/main" val="678657226"/>
+      </p:ext>
+    </p:extLst>
+  </p:cSld>
+  <p:clrMapOvr>
+    <a:masterClrMapping/>
+  </p:clrMapOvr>
+</p:sld>
+</file>
+
+<file path=ppt/slides/slide19.xml><?xml version="1.0" encoding="utf-8"?>
+<p:sld xmlns:a="http://schemas.openxmlformats.org/drawingml/2006/main" xmlns:r="http://schemas.openxmlformats.org/officeDocument/2006/relationships" xmlns:p="http://schemas.openxmlformats.org/presentationml/2006/main">
+  <p:cSld>
+    <p:spTree>
+      <p:nvGrpSpPr>
+        <p:cNvPr id="1" name=""/>
+        <p:cNvGrpSpPr/>
+        <p:nvPr/>
+      </p:nvGrpSpPr>
+      <p:grpSpPr>
+        <a:xfrm>
+          <a:off x="0" y="0"/>
+          <a:ext cx="0" cy="0"/>
+          <a:chOff x="0" y="0"/>
+          <a:chExt cx="0" cy="0"/>
+        </a:xfrm>
+      </p:grpSpPr>
+      <p:sp>
+        <p:nvSpPr>
+          <p:cNvPr id="2" name="Titre 1"/>
+          <p:cNvSpPr>
+            <a:spLocks noGrp="1"/>
+          </p:cNvSpPr>
+          <p:nvPr>
+            <p:ph type="title"/>
+          </p:nvPr>
+        </p:nvSpPr>
+        <p:spPr/>
+        <p:txBody>
+          <a:bodyPr/>
+          <a:lstStyle/>
+          <a:p>
+            <a:r>
+              <a:rPr lang="fr-FR" dirty="0" smtClean="0"/>
+              <a:t>Pour consommer le REST</a:t>
+            </a:r>
+            <a:endParaRPr lang="fr-FR" dirty="0"/>
+          </a:p>
+        </p:txBody>
+      </p:sp>
+      <p:sp>
+        <p:nvSpPr>
+          <p:cNvPr id="3" name="Espace réservé du contenu 2"/>
+          <p:cNvSpPr>
+            <a:spLocks noGrp="1"/>
+          </p:cNvSpPr>
+          <p:nvPr>
+            <p:ph idx="1"/>
+          </p:nvPr>
+        </p:nvSpPr>
+        <p:spPr/>
+        <p:txBody>
+          <a:bodyPr/>
+          <a:lstStyle/>
+          <a:p>
+            <a:r>
+              <a:rPr lang="fr-FR" dirty="0" err="1" smtClean="0"/>
+              <a:t>Retrofit</a:t>
+            </a:r>
+            <a:r>
+              <a:rPr lang="fr-FR" dirty="0" smtClean="0"/>
+              <a:t> : </a:t>
+            </a:r>
+          </a:p>
+          <a:p>
+            <a:pPr lvl="1"/>
+            <a:r>
+              <a:rPr lang="fr-FR" dirty="0">
+                <a:hlinkClick r:id="rId2"/>
+              </a:rPr>
+              <a:t>http://square.github.io/retrofit</a:t>
+            </a:r>
+            <a:r>
+              <a:rPr lang="fr-FR" dirty="0" smtClean="0">
+                <a:hlinkClick r:id="rId2"/>
+              </a:rPr>
+              <a:t>/</a:t>
+            </a:r>
+            <a:endParaRPr lang="fr-FR" dirty="0" smtClean="0"/>
+          </a:p>
+          <a:p>
+            <a:pPr lvl="1"/>
+            <a:r>
+              <a:rPr lang="fr-FR" dirty="0" smtClean="0"/>
+              <a:t>Version 1.9.0</a:t>
+            </a:r>
+          </a:p>
+          <a:p>
+            <a:pPr lvl="1"/>
+            <a:r>
+              <a:rPr lang="fr-FR" dirty="0" smtClean="0"/>
+              <a:t>S’appuie sur </a:t>
+            </a:r>
+            <a:r>
+              <a:rPr lang="fr-FR" dirty="0" err="1" smtClean="0"/>
+              <a:t>okHttp</a:t>
+            </a:r>
+            <a:endParaRPr lang="fr-FR" dirty="0" smtClean="0"/>
+          </a:p>
+          <a:p>
+            <a:pPr lvl="1"/>
+            <a:endParaRPr lang="fr-FR" dirty="0"/>
+          </a:p>
+          <a:p>
+            <a:r>
+              <a:rPr lang="fr-FR" dirty="0" smtClean="0"/>
+              <a:t>Définition d’une interface avec des annotations. </a:t>
+            </a:r>
+          </a:p>
+          <a:p>
+            <a:r>
+              <a:rPr lang="fr-FR" dirty="0" smtClean="0"/>
+              <a:t>Utilisation d’objets java</a:t>
+            </a:r>
+            <a:endParaRPr lang="fr-FR" dirty="0"/>
+          </a:p>
+        </p:txBody>
+      </p:sp>
+    </p:spTree>
+    <p:extLst>
+      <p:ext uri="{BB962C8B-B14F-4D97-AF65-F5344CB8AC3E}">
+        <p14:creationId xmlns:p14="http://schemas.microsoft.com/office/powerpoint/2010/main" val="4259104201"/>
       </p:ext>
     </p:extLst>
   </p:cSld>
@@ -4073,6 +4817,2436 @@
 </p:sld>
 </file>
 
+<file path=ppt/slides/slide20.xml><?xml version="1.0" encoding="utf-8"?>
+<p:sld xmlns:a="http://schemas.openxmlformats.org/drawingml/2006/main" xmlns:r="http://schemas.openxmlformats.org/officeDocument/2006/relationships" xmlns:p="http://schemas.openxmlformats.org/presentationml/2006/main">
+  <p:cSld>
+    <p:spTree>
+      <p:nvGrpSpPr>
+        <p:cNvPr id="1" name=""/>
+        <p:cNvGrpSpPr/>
+        <p:nvPr/>
+      </p:nvGrpSpPr>
+      <p:grpSpPr>
+        <a:xfrm>
+          <a:off x="0" y="0"/>
+          <a:ext cx="0" cy="0"/>
+          <a:chOff x="0" y="0"/>
+          <a:chExt cx="0" cy="0"/>
+        </a:xfrm>
+      </p:grpSpPr>
+      <p:sp>
+        <p:nvSpPr>
+          <p:cNvPr id="2" name="Titre 1"/>
+          <p:cNvSpPr>
+            <a:spLocks noGrp="1"/>
+          </p:cNvSpPr>
+          <p:nvPr>
+            <p:ph type="title"/>
+          </p:nvPr>
+        </p:nvSpPr>
+        <p:spPr/>
+        <p:txBody>
+          <a:bodyPr/>
+          <a:lstStyle/>
+          <a:p>
+            <a:r>
+              <a:rPr lang="fr-FR" dirty="0" smtClean="0"/>
+              <a:t>Pourquoi </a:t>
+            </a:r>
+            <a:r>
+              <a:rPr lang="fr-FR" dirty="0" err="1" smtClean="0"/>
+              <a:t>Retrofit</a:t>
+            </a:r>
+            <a:endParaRPr lang="fr-FR" dirty="0"/>
+          </a:p>
+        </p:txBody>
+      </p:sp>
+      <p:sp>
+        <p:nvSpPr>
+          <p:cNvPr id="3" name="Espace réservé du contenu 2"/>
+          <p:cNvSpPr>
+            <a:spLocks noGrp="1"/>
+          </p:cNvSpPr>
+          <p:nvPr>
+            <p:ph idx="1"/>
+          </p:nvPr>
+        </p:nvSpPr>
+        <p:spPr/>
+        <p:txBody>
+          <a:bodyPr/>
+          <a:lstStyle/>
+          <a:p>
+            <a:r>
+              <a:rPr lang="fr-FR" dirty="0" smtClean="0"/>
+              <a:t>Simple</a:t>
+            </a:r>
+          </a:p>
+          <a:p>
+            <a:r>
+              <a:rPr lang="fr-FR" dirty="0" smtClean="0"/>
+              <a:t>Largement </a:t>
+            </a:r>
+            <a:r>
+              <a:rPr lang="fr-FR" dirty="0" err="1" smtClean="0"/>
+              <a:t>plébicité</a:t>
+            </a:r>
+            <a:r>
+              <a:rPr lang="fr-FR" dirty="0" smtClean="0"/>
+              <a:t> sur </a:t>
+            </a:r>
+            <a:r>
+              <a:rPr lang="fr-FR" dirty="0" err="1" smtClean="0"/>
+              <a:t>Android</a:t>
+            </a:r>
+            <a:endParaRPr lang="fr-FR" dirty="0" smtClean="0"/>
+          </a:p>
+          <a:p>
+            <a:endParaRPr lang="fr-FR" dirty="0"/>
+          </a:p>
+          <a:p>
+            <a:r>
+              <a:rPr lang="fr-FR" dirty="0" err="1" smtClean="0"/>
+              <a:t>Converters</a:t>
+            </a:r>
+            <a:r>
+              <a:rPr lang="fr-FR" dirty="0" smtClean="0"/>
+              <a:t> :</a:t>
+            </a:r>
+          </a:p>
+          <a:p>
+            <a:pPr lvl="1"/>
+            <a:r>
+              <a:rPr lang="fr-FR" dirty="0" smtClean="0"/>
+              <a:t>Classe permettant de convertir Objet &lt;-&gt; Format Sérialisé</a:t>
+            </a:r>
+          </a:p>
+          <a:p>
+            <a:pPr lvl="1"/>
+            <a:r>
+              <a:rPr lang="fr-FR" dirty="0" smtClean="0"/>
+              <a:t>Possibilité de créer ses </a:t>
+            </a:r>
+            <a:r>
+              <a:rPr lang="fr-FR" dirty="0" err="1" smtClean="0"/>
+              <a:t>converters</a:t>
+            </a:r>
+            <a:endParaRPr lang="fr-FR" dirty="0"/>
+          </a:p>
+        </p:txBody>
+      </p:sp>
+    </p:spTree>
+    <p:extLst>
+      <p:ext uri="{BB962C8B-B14F-4D97-AF65-F5344CB8AC3E}">
+        <p14:creationId xmlns:p14="http://schemas.microsoft.com/office/powerpoint/2010/main" val="887856882"/>
+      </p:ext>
+    </p:extLst>
+  </p:cSld>
+  <p:clrMapOvr>
+    <a:masterClrMapping/>
+  </p:clrMapOvr>
+</p:sld>
+</file>
+
+<file path=ppt/slides/slide21.xml><?xml version="1.0" encoding="utf-8"?>
+<p:sld xmlns:a="http://schemas.openxmlformats.org/drawingml/2006/main" xmlns:r="http://schemas.openxmlformats.org/officeDocument/2006/relationships" xmlns:p="http://schemas.openxmlformats.org/presentationml/2006/main">
+  <p:cSld>
+    <p:spTree>
+      <p:nvGrpSpPr>
+        <p:cNvPr id="1" name=""/>
+        <p:cNvGrpSpPr/>
+        <p:nvPr/>
+      </p:nvGrpSpPr>
+      <p:grpSpPr>
+        <a:xfrm>
+          <a:off x="0" y="0"/>
+          <a:ext cx="0" cy="0"/>
+          <a:chOff x="0" y="0"/>
+          <a:chExt cx="0" cy="0"/>
+        </a:xfrm>
+      </p:grpSpPr>
+      <p:sp>
+        <p:nvSpPr>
+          <p:cNvPr id="2" name="Titre 1"/>
+          <p:cNvSpPr>
+            <a:spLocks noGrp="1"/>
+          </p:cNvSpPr>
+          <p:nvPr>
+            <p:ph type="title"/>
+          </p:nvPr>
+        </p:nvSpPr>
+        <p:spPr/>
+        <p:txBody>
+          <a:bodyPr/>
+          <a:lstStyle/>
+          <a:p>
+            <a:r>
+              <a:rPr lang="fr-FR" dirty="0" err="1" smtClean="0"/>
+              <a:t>Issues.toString</a:t>
+            </a:r>
+            <a:endParaRPr lang="fr-FR" dirty="0"/>
+          </a:p>
+        </p:txBody>
+      </p:sp>
+      <p:sp>
+        <p:nvSpPr>
+          <p:cNvPr id="3" name="Espace réservé du contenu 2"/>
+          <p:cNvSpPr>
+            <a:spLocks noGrp="1"/>
+          </p:cNvSpPr>
+          <p:nvPr>
+            <p:ph idx="1"/>
+          </p:nvPr>
+        </p:nvSpPr>
+        <p:spPr/>
+        <p:txBody>
+          <a:bodyPr>
+            <a:normAutofit fontScale="55000" lnSpcReduction="20000"/>
+          </a:bodyPr>
+          <a:lstStyle/>
+          <a:p>
+            <a:pPr marL="0" indent="0">
+              <a:buNone/>
+            </a:pPr>
+            <a:endParaRPr lang="fr-FR" dirty="0" smtClean="0">
+              <a:solidFill>
+                <a:srgbClr val="FF0000"/>
+              </a:solidFill>
+            </a:endParaRPr>
+          </a:p>
+          <a:p>
+            <a:pPr marL="0" indent="0">
+              <a:buNone/>
+            </a:pPr>
+            <a:r>
+              <a:rPr lang="fr-FR" dirty="0" smtClean="0"/>
+              <a:t>issues </a:t>
+            </a:r>
+            <a:r>
+              <a:rPr lang="fr-FR" dirty="0"/>
+              <a:t>{</a:t>
+            </a:r>
+          </a:p>
+          <a:p>
+            <a:pPr marL="0" indent="0">
+              <a:buNone/>
+            </a:pPr>
+            <a:r>
+              <a:rPr lang="fr-FR" dirty="0"/>
+              <a:t>  id: "</a:t>
+            </a:r>
+            <a:r>
+              <a:rPr lang="fr-FR" dirty="0" smtClean="0"/>
+              <a:t>toto"</a:t>
+            </a:r>
+            <a:endParaRPr lang="fr-FR" dirty="0">
+              <a:solidFill>
+                <a:srgbClr val="FF0000"/>
+              </a:solidFill>
+            </a:endParaRPr>
+          </a:p>
+          <a:p>
+            <a:pPr marL="0" indent="0">
+              <a:buNone/>
+            </a:pPr>
+            <a:r>
+              <a:rPr lang="fr-FR" dirty="0"/>
+              <a:t>  </a:t>
+            </a:r>
+            <a:r>
+              <a:rPr lang="fr-FR" dirty="0" err="1"/>
+              <a:t>number</a:t>
+            </a:r>
+            <a:r>
+              <a:rPr lang="fr-FR" dirty="0"/>
+              <a:t>: </a:t>
+            </a:r>
+            <a:r>
+              <a:rPr lang="fr-FR" dirty="0" smtClean="0"/>
+              <a:t>41</a:t>
+            </a:r>
+            <a:endParaRPr lang="fr-FR" dirty="0">
+              <a:solidFill>
+                <a:srgbClr val="FF0000"/>
+              </a:solidFill>
+            </a:endParaRPr>
+          </a:p>
+          <a:p>
+            <a:pPr marL="0" indent="0">
+              <a:buNone/>
+            </a:pPr>
+            <a:r>
+              <a:rPr lang="fr-FR" dirty="0"/>
+              <a:t>  </a:t>
+            </a:r>
+            <a:r>
+              <a:rPr lang="fr-FR" dirty="0" err="1"/>
+              <a:t>title</a:t>
+            </a:r>
+            <a:r>
+              <a:rPr lang="fr-FR" dirty="0"/>
+              <a:t>: "Issue </a:t>
+            </a:r>
+            <a:r>
+              <a:rPr lang="fr-FR" dirty="0" smtClean="0"/>
+              <a:t>Toto"</a:t>
+            </a:r>
+            <a:endParaRPr lang="fr-FR" dirty="0">
+              <a:solidFill>
+                <a:srgbClr val="FF0000"/>
+              </a:solidFill>
+            </a:endParaRPr>
+          </a:p>
+          <a:p>
+            <a:pPr marL="0" indent="0">
+              <a:buNone/>
+            </a:pPr>
+            <a:r>
+              <a:rPr lang="fr-FR" dirty="0"/>
+              <a:t>  state: "</a:t>
+            </a:r>
+            <a:r>
+              <a:rPr lang="fr-FR" dirty="0" smtClean="0"/>
+              <a:t>Open"</a:t>
+            </a:r>
+            <a:endParaRPr lang="fr-FR" dirty="0">
+              <a:solidFill>
+                <a:srgbClr val="FF0000"/>
+              </a:solidFill>
+            </a:endParaRPr>
+          </a:p>
+          <a:p>
+            <a:pPr marL="0" indent="0">
+              <a:buNone/>
+            </a:pPr>
+            <a:r>
+              <a:rPr lang="fr-FR" dirty="0"/>
+              <a:t>  body: "This </a:t>
+            </a:r>
+            <a:r>
+              <a:rPr lang="fr-FR" dirty="0" err="1"/>
+              <a:t>is</a:t>
+            </a:r>
+            <a:r>
+              <a:rPr lang="fr-FR" dirty="0"/>
+              <a:t> a </a:t>
+            </a:r>
+            <a:r>
+              <a:rPr lang="fr-FR" dirty="0" smtClean="0"/>
+              <a:t>body"</a:t>
+            </a:r>
+            <a:endParaRPr lang="fr-FR" dirty="0">
+              <a:solidFill>
+                <a:srgbClr val="FF0000"/>
+              </a:solidFill>
+            </a:endParaRPr>
+          </a:p>
+          <a:p>
+            <a:pPr marL="0" indent="0">
+              <a:buNone/>
+            </a:pPr>
+            <a:r>
+              <a:rPr lang="fr-FR" dirty="0" smtClean="0"/>
+              <a:t>}</a:t>
+            </a:r>
+            <a:endParaRPr lang="fr-FR" dirty="0">
+              <a:solidFill>
+                <a:srgbClr val="FF0000"/>
+              </a:solidFill>
+            </a:endParaRPr>
+          </a:p>
+          <a:p>
+            <a:pPr marL="0" indent="0">
+              <a:buNone/>
+            </a:pPr>
+            <a:r>
+              <a:rPr lang="fr-FR" dirty="0"/>
+              <a:t>issues {</a:t>
+            </a:r>
+          </a:p>
+          <a:p>
+            <a:pPr marL="0" indent="0">
+              <a:buNone/>
+            </a:pPr>
+            <a:r>
+              <a:rPr lang="fr-FR" dirty="0"/>
+              <a:t>  id: "</a:t>
+            </a:r>
+            <a:r>
+              <a:rPr lang="fr-FR" dirty="0" smtClean="0"/>
+              <a:t>titi"</a:t>
+            </a:r>
+            <a:endParaRPr lang="fr-FR" dirty="0">
+              <a:solidFill>
+                <a:srgbClr val="FF0000"/>
+              </a:solidFill>
+            </a:endParaRPr>
+          </a:p>
+          <a:p>
+            <a:pPr marL="0" indent="0">
+              <a:buNone/>
+            </a:pPr>
+            <a:r>
+              <a:rPr lang="fr-FR" dirty="0"/>
+              <a:t>  </a:t>
+            </a:r>
+            <a:r>
+              <a:rPr lang="fr-FR" dirty="0" err="1"/>
+              <a:t>number</a:t>
+            </a:r>
+            <a:r>
+              <a:rPr lang="fr-FR" dirty="0"/>
+              <a:t>: </a:t>
+            </a:r>
+            <a:r>
+              <a:rPr lang="fr-FR" dirty="0" smtClean="0"/>
+              <a:t>32</a:t>
+            </a:r>
+            <a:endParaRPr lang="fr-FR" dirty="0">
+              <a:solidFill>
+                <a:srgbClr val="FF0000"/>
+              </a:solidFill>
+            </a:endParaRPr>
+          </a:p>
+          <a:p>
+            <a:pPr marL="0" indent="0">
+              <a:buNone/>
+            </a:pPr>
+            <a:r>
+              <a:rPr lang="fr-FR" dirty="0"/>
+              <a:t>  </a:t>
+            </a:r>
+            <a:r>
+              <a:rPr lang="fr-FR" dirty="0" err="1"/>
+              <a:t>title</a:t>
+            </a:r>
+            <a:r>
+              <a:rPr lang="fr-FR" dirty="0"/>
+              <a:t>: "Issue </a:t>
+            </a:r>
+            <a:r>
+              <a:rPr lang="fr-FR" dirty="0" smtClean="0"/>
+              <a:t>titi"</a:t>
+            </a:r>
+            <a:endParaRPr lang="fr-FR" dirty="0">
+              <a:solidFill>
+                <a:srgbClr val="FF0000"/>
+              </a:solidFill>
+            </a:endParaRPr>
+          </a:p>
+          <a:p>
+            <a:pPr marL="0" indent="0">
+              <a:buNone/>
+            </a:pPr>
+            <a:r>
+              <a:rPr lang="fr-FR" dirty="0"/>
+              <a:t>  state: "</a:t>
+            </a:r>
+            <a:r>
+              <a:rPr lang="fr-FR" dirty="0" err="1" smtClean="0"/>
+              <a:t>Closed</a:t>
+            </a:r>
+            <a:r>
+              <a:rPr lang="fr-FR" dirty="0" smtClean="0"/>
+              <a:t>"</a:t>
+            </a:r>
+            <a:endParaRPr lang="fr-FR" dirty="0">
+              <a:solidFill>
+                <a:srgbClr val="FF0000"/>
+              </a:solidFill>
+            </a:endParaRPr>
+          </a:p>
+          <a:p>
+            <a:pPr marL="0" indent="0">
+              <a:buNone/>
+            </a:pPr>
+            <a:r>
+              <a:rPr lang="fr-FR" dirty="0" smtClean="0"/>
+              <a:t>}</a:t>
+            </a:r>
+          </a:p>
+          <a:p>
+            <a:pPr marL="0" indent="0">
+              <a:buNone/>
+            </a:pPr>
+            <a:endParaRPr lang="fr-FR" dirty="0" smtClean="0">
+              <a:solidFill>
+                <a:srgbClr val="FF0000"/>
+              </a:solidFill>
+            </a:endParaRPr>
+          </a:p>
+          <a:p>
+            <a:pPr marL="0" indent="0">
+              <a:buNone/>
+            </a:pPr>
+            <a:r>
+              <a:rPr lang="fr-FR" dirty="0" smtClean="0">
+                <a:solidFill>
+                  <a:schemeClr val="bg1"/>
+                </a:solidFill>
+              </a:rPr>
+              <a:t>;</a:t>
+            </a:r>
+          </a:p>
+          <a:p>
+            <a:pPr marL="0" indent="0">
+              <a:buNone/>
+            </a:pPr>
+            <a:endParaRPr lang="fr-FR" dirty="0">
+              <a:solidFill>
+                <a:srgbClr val="FF0000"/>
+              </a:solidFill>
+            </a:endParaRPr>
+          </a:p>
+        </p:txBody>
+      </p:sp>
+    </p:spTree>
+    <p:extLst>
+      <p:ext uri="{BB962C8B-B14F-4D97-AF65-F5344CB8AC3E}">
+        <p14:creationId xmlns:p14="http://schemas.microsoft.com/office/powerpoint/2010/main" val="2850568754"/>
+      </p:ext>
+    </p:extLst>
+  </p:cSld>
+  <p:clrMapOvr>
+    <a:masterClrMapping/>
+  </p:clrMapOvr>
+</p:sld>
+</file>
+
+<file path=ppt/slides/slide22.xml><?xml version="1.0" encoding="utf-8"?>
+<p:sld xmlns:a="http://schemas.openxmlformats.org/drawingml/2006/main" xmlns:r="http://schemas.openxmlformats.org/officeDocument/2006/relationships" xmlns:p="http://schemas.openxmlformats.org/presentationml/2006/main">
+  <p:cSld>
+    <p:spTree>
+      <p:nvGrpSpPr>
+        <p:cNvPr id="1" name=""/>
+        <p:cNvGrpSpPr/>
+        <p:nvPr/>
+      </p:nvGrpSpPr>
+      <p:grpSpPr>
+        <a:xfrm>
+          <a:off x="0" y="0"/>
+          <a:ext cx="0" cy="0"/>
+          <a:chOff x="0" y="0"/>
+          <a:chExt cx="0" cy="0"/>
+        </a:xfrm>
+      </p:grpSpPr>
+      <p:sp>
+        <p:nvSpPr>
+          <p:cNvPr id="2" name="Titre 1"/>
+          <p:cNvSpPr>
+            <a:spLocks noGrp="1"/>
+          </p:cNvSpPr>
+          <p:nvPr>
+            <p:ph type="title"/>
+          </p:nvPr>
+        </p:nvSpPr>
+        <p:spPr/>
+        <p:txBody>
+          <a:bodyPr/>
+          <a:lstStyle/>
+          <a:p>
+            <a:r>
+              <a:rPr lang="fr-FR" dirty="0" err="1" smtClean="0"/>
+              <a:t>Issues.toString</a:t>
+            </a:r>
+            <a:endParaRPr lang="fr-FR" dirty="0"/>
+          </a:p>
+        </p:txBody>
+      </p:sp>
+      <p:sp>
+        <p:nvSpPr>
+          <p:cNvPr id="3" name="Espace réservé du contenu 2"/>
+          <p:cNvSpPr>
+            <a:spLocks noGrp="1"/>
+          </p:cNvSpPr>
+          <p:nvPr>
+            <p:ph idx="1"/>
+          </p:nvPr>
+        </p:nvSpPr>
+        <p:spPr/>
+        <p:txBody>
+          <a:bodyPr>
+            <a:normAutofit fontScale="55000" lnSpcReduction="20000"/>
+          </a:bodyPr>
+          <a:lstStyle/>
+          <a:p>
+            <a:pPr marL="0" indent="0">
+              <a:buNone/>
+            </a:pPr>
+            <a:r>
+              <a:rPr lang="fr-FR" dirty="0" smtClean="0">
+                <a:solidFill>
+                  <a:srgbClr val="FF0000"/>
+                </a:solidFill>
+              </a:rPr>
+              <a:t>[</a:t>
+            </a:r>
+          </a:p>
+          <a:p>
+            <a:pPr marL="0" indent="0">
+              <a:buNone/>
+            </a:pPr>
+            <a:r>
+              <a:rPr lang="fr-FR" dirty="0" smtClean="0"/>
+              <a:t>issues </a:t>
+            </a:r>
+            <a:r>
+              <a:rPr lang="fr-FR" dirty="0"/>
+              <a:t>{</a:t>
+            </a:r>
+          </a:p>
+          <a:p>
+            <a:pPr marL="0" indent="0">
+              <a:buNone/>
+            </a:pPr>
+            <a:r>
+              <a:rPr lang="fr-FR" dirty="0"/>
+              <a:t>  id: "</a:t>
+            </a:r>
+            <a:r>
+              <a:rPr lang="fr-FR" dirty="0" smtClean="0"/>
+              <a:t>toto"</a:t>
+            </a:r>
+            <a:r>
+              <a:rPr lang="fr-FR" dirty="0" smtClean="0">
+                <a:solidFill>
+                  <a:srgbClr val="FF0000"/>
+                </a:solidFill>
+              </a:rPr>
+              <a:t>,</a:t>
+            </a:r>
+            <a:endParaRPr lang="fr-FR" dirty="0">
+              <a:solidFill>
+                <a:srgbClr val="FF0000"/>
+              </a:solidFill>
+            </a:endParaRPr>
+          </a:p>
+          <a:p>
+            <a:pPr marL="0" indent="0">
+              <a:buNone/>
+            </a:pPr>
+            <a:r>
+              <a:rPr lang="fr-FR" dirty="0"/>
+              <a:t>  </a:t>
+            </a:r>
+            <a:r>
+              <a:rPr lang="fr-FR" dirty="0" err="1"/>
+              <a:t>number</a:t>
+            </a:r>
+            <a:r>
+              <a:rPr lang="fr-FR" dirty="0"/>
+              <a:t>: </a:t>
+            </a:r>
+            <a:r>
+              <a:rPr lang="fr-FR" dirty="0" smtClean="0"/>
+              <a:t>41</a:t>
+            </a:r>
+            <a:r>
+              <a:rPr lang="fr-FR" dirty="0" smtClean="0">
+                <a:solidFill>
+                  <a:srgbClr val="FF0000"/>
+                </a:solidFill>
+              </a:rPr>
+              <a:t>,</a:t>
+            </a:r>
+            <a:endParaRPr lang="fr-FR" dirty="0">
+              <a:solidFill>
+                <a:srgbClr val="FF0000"/>
+              </a:solidFill>
+            </a:endParaRPr>
+          </a:p>
+          <a:p>
+            <a:pPr marL="0" indent="0">
+              <a:buNone/>
+            </a:pPr>
+            <a:r>
+              <a:rPr lang="fr-FR" dirty="0"/>
+              <a:t>  </a:t>
+            </a:r>
+            <a:r>
+              <a:rPr lang="fr-FR" dirty="0" err="1"/>
+              <a:t>title</a:t>
+            </a:r>
+            <a:r>
+              <a:rPr lang="fr-FR" dirty="0"/>
+              <a:t>: "Issue </a:t>
+            </a:r>
+            <a:r>
+              <a:rPr lang="fr-FR" dirty="0" smtClean="0"/>
+              <a:t>Toto"</a:t>
+            </a:r>
+            <a:r>
+              <a:rPr lang="fr-FR" dirty="0" smtClean="0">
+                <a:solidFill>
+                  <a:srgbClr val="FF0000"/>
+                </a:solidFill>
+              </a:rPr>
+              <a:t>,</a:t>
+            </a:r>
+            <a:endParaRPr lang="fr-FR" dirty="0">
+              <a:solidFill>
+                <a:srgbClr val="FF0000"/>
+              </a:solidFill>
+            </a:endParaRPr>
+          </a:p>
+          <a:p>
+            <a:pPr marL="0" indent="0">
+              <a:buNone/>
+            </a:pPr>
+            <a:r>
+              <a:rPr lang="fr-FR" dirty="0"/>
+              <a:t>  state: "</a:t>
+            </a:r>
+            <a:r>
+              <a:rPr lang="fr-FR" dirty="0" smtClean="0"/>
+              <a:t>Open"</a:t>
+            </a:r>
+            <a:r>
+              <a:rPr lang="fr-FR" dirty="0" smtClean="0">
+                <a:solidFill>
+                  <a:srgbClr val="FF0000"/>
+                </a:solidFill>
+              </a:rPr>
+              <a:t>,</a:t>
+            </a:r>
+            <a:endParaRPr lang="fr-FR" dirty="0">
+              <a:solidFill>
+                <a:srgbClr val="FF0000"/>
+              </a:solidFill>
+            </a:endParaRPr>
+          </a:p>
+          <a:p>
+            <a:pPr marL="0" indent="0">
+              <a:buNone/>
+            </a:pPr>
+            <a:r>
+              <a:rPr lang="fr-FR" dirty="0"/>
+              <a:t>  body: "This </a:t>
+            </a:r>
+            <a:r>
+              <a:rPr lang="fr-FR" dirty="0" err="1"/>
+              <a:t>is</a:t>
+            </a:r>
+            <a:r>
+              <a:rPr lang="fr-FR" dirty="0"/>
+              <a:t> a </a:t>
+            </a:r>
+            <a:r>
+              <a:rPr lang="fr-FR" dirty="0" smtClean="0"/>
+              <a:t>body"</a:t>
+            </a:r>
+            <a:r>
+              <a:rPr lang="fr-FR" dirty="0" smtClean="0">
+                <a:solidFill>
+                  <a:srgbClr val="FF0000"/>
+                </a:solidFill>
+              </a:rPr>
+              <a:t>,</a:t>
+            </a:r>
+            <a:endParaRPr lang="fr-FR" dirty="0">
+              <a:solidFill>
+                <a:srgbClr val="FF0000"/>
+              </a:solidFill>
+            </a:endParaRPr>
+          </a:p>
+          <a:p>
+            <a:pPr marL="0" indent="0">
+              <a:buNone/>
+            </a:pPr>
+            <a:r>
+              <a:rPr lang="fr-FR" dirty="0" smtClean="0"/>
+              <a:t>}</a:t>
+            </a:r>
+            <a:r>
+              <a:rPr lang="fr-FR" dirty="0" smtClean="0">
+                <a:solidFill>
+                  <a:srgbClr val="FF0000"/>
+                </a:solidFill>
+              </a:rPr>
+              <a:t>,</a:t>
+            </a:r>
+            <a:endParaRPr lang="fr-FR" dirty="0">
+              <a:solidFill>
+                <a:srgbClr val="FF0000"/>
+              </a:solidFill>
+            </a:endParaRPr>
+          </a:p>
+          <a:p>
+            <a:pPr marL="0" indent="0">
+              <a:buNone/>
+            </a:pPr>
+            <a:r>
+              <a:rPr lang="fr-FR" dirty="0"/>
+              <a:t>issues {</a:t>
+            </a:r>
+          </a:p>
+          <a:p>
+            <a:pPr marL="0" indent="0">
+              <a:buNone/>
+            </a:pPr>
+            <a:r>
+              <a:rPr lang="fr-FR" dirty="0"/>
+              <a:t>  id: "</a:t>
+            </a:r>
+            <a:r>
+              <a:rPr lang="fr-FR" dirty="0" smtClean="0"/>
+              <a:t>titi"</a:t>
+            </a:r>
+            <a:r>
+              <a:rPr lang="fr-FR" dirty="0" smtClean="0">
+                <a:solidFill>
+                  <a:srgbClr val="FF0000"/>
+                </a:solidFill>
+              </a:rPr>
+              <a:t>,</a:t>
+            </a:r>
+            <a:endParaRPr lang="fr-FR" dirty="0">
+              <a:solidFill>
+                <a:srgbClr val="FF0000"/>
+              </a:solidFill>
+            </a:endParaRPr>
+          </a:p>
+          <a:p>
+            <a:pPr marL="0" indent="0">
+              <a:buNone/>
+            </a:pPr>
+            <a:r>
+              <a:rPr lang="fr-FR" dirty="0"/>
+              <a:t>  </a:t>
+            </a:r>
+            <a:r>
+              <a:rPr lang="fr-FR" dirty="0" err="1"/>
+              <a:t>number</a:t>
+            </a:r>
+            <a:r>
+              <a:rPr lang="fr-FR" dirty="0"/>
+              <a:t>: </a:t>
+            </a:r>
+            <a:r>
+              <a:rPr lang="fr-FR" dirty="0" smtClean="0"/>
+              <a:t>32</a:t>
+            </a:r>
+            <a:r>
+              <a:rPr lang="fr-FR" dirty="0" smtClean="0">
+                <a:solidFill>
+                  <a:srgbClr val="FF0000"/>
+                </a:solidFill>
+              </a:rPr>
+              <a:t>,</a:t>
+            </a:r>
+            <a:endParaRPr lang="fr-FR" dirty="0">
+              <a:solidFill>
+                <a:srgbClr val="FF0000"/>
+              </a:solidFill>
+            </a:endParaRPr>
+          </a:p>
+          <a:p>
+            <a:pPr marL="0" indent="0">
+              <a:buNone/>
+            </a:pPr>
+            <a:r>
+              <a:rPr lang="fr-FR" dirty="0"/>
+              <a:t>  </a:t>
+            </a:r>
+            <a:r>
+              <a:rPr lang="fr-FR" dirty="0" err="1"/>
+              <a:t>title</a:t>
+            </a:r>
+            <a:r>
+              <a:rPr lang="fr-FR" dirty="0"/>
+              <a:t>: "Issue </a:t>
+            </a:r>
+            <a:r>
+              <a:rPr lang="fr-FR" dirty="0" smtClean="0"/>
+              <a:t>titi"</a:t>
+            </a:r>
+            <a:r>
+              <a:rPr lang="fr-FR" dirty="0" smtClean="0">
+                <a:solidFill>
+                  <a:srgbClr val="FF0000"/>
+                </a:solidFill>
+              </a:rPr>
+              <a:t>,</a:t>
+            </a:r>
+            <a:endParaRPr lang="fr-FR" dirty="0">
+              <a:solidFill>
+                <a:srgbClr val="FF0000"/>
+              </a:solidFill>
+            </a:endParaRPr>
+          </a:p>
+          <a:p>
+            <a:pPr marL="0" indent="0">
+              <a:buNone/>
+            </a:pPr>
+            <a:r>
+              <a:rPr lang="fr-FR" dirty="0"/>
+              <a:t>  state: "</a:t>
+            </a:r>
+            <a:r>
+              <a:rPr lang="fr-FR" dirty="0" err="1" smtClean="0"/>
+              <a:t>Closed</a:t>
+            </a:r>
+            <a:r>
+              <a:rPr lang="fr-FR" dirty="0" smtClean="0"/>
+              <a:t>"</a:t>
+            </a:r>
+            <a:r>
+              <a:rPr lang="fr-FR" dirty="0" smtClean="0">
+                <a:solidFill>
+                  <a:srgbClr val="FF0000"/>
+                </a:solidFill>
+              </a:rPr>
+              <a:t>,</a:t>
+            </a:r>
+            <a:endParaRPr lang="fr-FR" dirty="0">
+              <a:solidFill>
+                <a:srgbClr val="FF0000"/>
+              </a:solidFill>
+            </a:endParaRPr>
+          </a:p>
+          <a:p>
+            <a:pPr marL="0" indent="0">
+              <a:buNone/>
+            </a:pPr>
+            <a:r>
+              <a:rPr lang="fr-FR" dirty="0" smtClean="0"/>
+              <a:t>}</a:t>
+            </a:r>
+          </a:p>
+          <a:p>
+            <a:pPr marL="0" indent="0">
+              <a:buNone/>
+            </a:pPr>
+            <a:r>
+              <a:rPr lang="fr-FR" dirty="0">
+                <a:solidFill>
+                  <a:srgbClr val="FF0000"/>
+                </a:solidFill>
+              </a:rPr>
+              <a:t>]</a:t>
+            </a:r>
+          </a:p>
+        </p:txBody>
+      </p:sp>
+    </p:spTree>
+    <p:extLst>
+      <p:ext uri="{BB962C8B-B14F-4D97-AF65-F5344CB8AC3E}">
+        <p14:creationId xmlns:p14="http://schemas.microsoft.com/office/powerpoint/2010/main" val="1564795068"/>
+      </p:ext>
+    </p:extLst>
+  </p:cSld>
+  <p:clrMapOvr>
+    <a:masterClrMapping/>
+  </p:clrMapOvr>
+</p:sld>
+</file>
+
+<file path=ppt/slides/slide23.xml><?xml version="1.0" encoding="utf-8"?>
+<p:sld xmlns:a="http://schemas.openxmlformats.org/drawingml/2006/main" xmlns:r="http://schemas.openxmlformats.org/officeDocument/2006/relationships" xmlns:p="http://schemas.openxmlformats.org/presentationml/2006/main">
+  <p:cSld>
+    <p:spTree>
+      <p:nvGrpSpPr>
+        <p:cNvPr id="1" name=""/>
+        <p:cNvGrpSpPr/>
+        <p:nvPr/>
+      </p:nvGrpSpPr>
+      <p:grpSpPr>
+        <a:xfrm>
+          <a:off x="0" y="0"/>
+          <a:ext cx="0" cy="0"/>
+          <a:chOff x="0" y="0"/>
+          <a:chExt cx="0" cy="0"/>
+        </a:xfrm>
+      </p:grpSpPr>
+      <p:sp>
+        <p:nvSpPr>
+          <p:cNvPr id="2" name="Titre 1"/>
+          <p:cNvSpPr>
+            <a:spLocks noGrp="1"/>
+          </p:cNvSpPr>
+          <p:nvPr>
+            <p:ph type="title"/>
+          </p:nvPr>
+        </p:nvSpPr>
+        <p:spPr/>
+        <p:txBody>
+          <a:bodyPr/>
+          <a:lstStyle/>
+          <a:p>
+            <a:r>
+              <a:rPr lang="fr-FR" dirty="0" err="1" smtClean="0"/>
+              <a:t>Issues.toString</a:t>
+            </a:r>
+            <a:endParaRPr lang="fr-FR" dirty="0"/>
+          </a:p>
+        </p:txBody>
+      </p:sp>
+      <p:sp>
+        <p:nvSpPr>
+          <p:cNvPr id="3" name="Espace réservé du contenu 2"/>
+          <p:cNvSpPr>
+            <a:spLocks noGrp="1"/>
+          </p:cNvSpPr>
+          <p:nvPr>
+            <p:ph idx="1"/>
+          </p:nvPr>
+        </p:nvSpPr>
+        <p:spPr/>
+        <p:txBody>
+          <a:bodyPr>
+            <a:normAutofit fontScale="55000" lnSpcReduction="20000"/>
+          </a:bodyPr>
+          <a:lstStyle/>
+          <a:p>
+            <a:pPr marL="0" indent="0">
+              <a:buNone/>
+            </a:pPr>
+            <a:r>
+              <a:rPr lang="fr-FR" dirty="0" smtClean="0">
+                <a:solidFill>
+                  <a:srgbClr val="FF0000"/>
+                </a:solidFill>
+              </a:rPr>
+              <a:t>[</a:t>
+            </a:r>
+          </a:p>
+          <a:p>
+            <a:pPr marL="0" indent="0">
+              <a:buNone/>
+            </a:pPr>
+            <a:r>
+              <a:rPr lang="fr-FR" dirty="0" smtClean="0"/>
+              <a:t>{</a:t>
+            </a:r>
+            <a:endParaRPr lang="fr-FR" dirty="0"/>
+          </a:p>
+          <a:p>
+            <a:pPr marL="0" indent="0">
+              <a:buNone/>
+            </a:pPr>
+            <a:r>
+              <a:rPr lang="fr-FR" dirty="0"/>
+              <a:t>  id: "</a:t>
+            </a:r>
+            <a:r>
+              <a:rPr lang="fr-FR" dirty="0" smtClean="0"/>
+              <a:t>toto"</a:t>
+            </a:r>
+            <a:r>
+              <a:rPr lang="fr-FR" dirty="0" smtClean="0">
+                <a:solidFill>
+                  <a:srgbClr val="FF0000"/>
+                </a:solidFill>
+              </a:rPr>
+              <a:t>,</a:t>
+            </a:r>
+            <a:endParaRPr lang="fr-FR" dirty="0">
+              <a:solidFill>
+                <a:srgbClr val="FF0000"/>
+              </a:solidFill>
+            </a:endParaRPr>
+          </a:p>
+          <a:p>
+            <a:pPr marL="0" indent="0">
+              <a:buNone/>
+            </a:pPr>
+            <a:r>
+              <a:rPr lang="fr-FR" dirty="0"/>
+              <a:t>  </a:t>
+            </a:r>
+            <a:r>
+              <a:rPr lang="fr-FR" dirty="0" err="1"/>
+              <a:t>number</a:t>
+            </a:r>
+            <a:r>
+              <a:rPr lang="fr-FR" dirty="0"/>
+              <a:t>: </a:t>
+            </a:r>
+            <a:r>
+              <a:rPr lang="fr-FR" dirty="0" smtClean="0"/>
+              <a:t>41</a:t>
+            </a:r>
+            <a:r>
+              <a:rPr lang="fr-FR" dirty="0" smtClean="0">
+                <a:solidFill>
+                  <a:srgbClr val="FF0000"/>
+                </a:solidFill>
+              </a:rPr>
+              <a:t>,</a:t>
+            </a:r>
+            <a:endParaRPr lang="fr-FR" dirty="0">
+              <a:solidFill>
+                <a:srgbClr val="FF0000"/>
+              </a:solidFill>
+            </a:endParaRPr>
+          </a:p>
+          <a:p>
+            <a:pPr marL="0" indent="0">
+              <a:buNone/>
+            </a:pPr>
+            <a:r>
+              <a:rPr lang="fr-FR" dirty="0"/>
+              <a:t>  </a:t>
+            </a:r>
+            <a:r>
+              <a:rPr lang="fr-FR" dirty="0" err="1"/>
+              <a:t>title</a:t>
+            </a:r>
+            <a:r>
+              <a:rPr lang="fr-FR" dirty="0"/>
+              <a:t>: "Issue </a:t>
+            </a:r>
+            <a:r>
+              <a:rPr lang="fr-FR" dirty="0" smtClean="0"/>
+              <a:t>Toto"</a:t>
+            </a:r>
+            <a:r>
+              <a:rPr lang="fr-FR" dirty="0" smtClean="0">
+                <a:solidFill>
+                  <a:srgbClr val="FF0000"/>
+                </a:solidFill>
+              </a:rPr>
+              <a:t>,</a:t>
+            </a:r>
+            <a:endParaRPr lang="fr-FR" dirty="0">
+              <a:solidFill>
+                <a:srgbClr val="FF0000"/>
+              </a:solidFill>
+            </a:endParaRPr>
+          </a:p>
+          <a:p>
+            <a:pPr marL="0" indent="0">
+              <a:buNone/>
+            </a:pPr>
+            <a:r>
+              <a:rPr lang="fr-FR" dirty="0"/>
+              <a:t>  state: "</a:t>
+            </a:r>
+            <a:r>
+              <a:rPr lang="fr-FR" dirty="0" smtClean="0"/>
+              <a:t>Open"</a:t>
+            </a:r>
+            <a:r>
+              <a:rPr lang="fr-FR" dirty="0" smtClean="0">
+                <a:solidFill>
+                  <a:srgbClr val="FF0000"/>
+                </a:solidFill>
+              </a:rPr>
+              <a:t>,</a:t>
+            </a:r>
+            <a:endParaRPr lang="fr-FR" dirty="0">
+              <a:solidFill>
+                <a:srgbClr val="FF0000"/>
+              </a:solidFill>
+            </a:endParaRPr>
+          </a:p>
+          <a:p>
+            <a:pPr marL="0" indent="0">
+              <a:buNone/>
+            </a:pPr>
+            <a:r>
+              <a:rPr lang="fr-FR" dirty="0"/>
+              <a:t>  body: "This </a:t>
+            </a:r>
+            <a:r>
+              <a:rPr lang="fr-FR" dirty="0" err="1"/>
+              <a:t>is</a:t>
+            </a:r>
+            <a:r>
+              <a:rPr lang="fr-FR" dirty="0"/>
+              <a:t> a </a:t>
+            </a:r>
+            <a:r>
+              <a:rPr lang="fr-FR" dirty="0" smtClean="0"/>
+              <a:t>body"</a:t>
+            </a:r>
+            <a:r>
+              <a:rPr lang="fr-FR" dirty="0" smtClean="0">
+                <a:solidFill>
+                  <a:srgbClr val="FF0000"/>
+                </a:solidFill>
+              </a:rPr>
+              <a:t>,</a:t>
+            </a:r>
+            <a:endParaRPr lang="fr-FR" dirty="0">
+              <a:solidFill>
+                <a:srgbClr val="FF0000"/>
+              </a:solidFill>
+            </a:endParaRPr>
+          </a:p>
+          <a:p>
+            <a:pPr marL="0" indent="0">
+              <a:buNone/>
+            </a:pPr>
+            <a:r>
+              <a:rPr lang="fr-FR" dirty="0" smtClean="0"/>
+              <a:t>}</a:t>
+            </a:r>
+            <a:r>
+              <a:rPr lang="fr-FR" dirty="0" smtClean="0">
+                <a:solidFill>
+                  <a:srgbClr val="FF0000"/>
+                </a:solidFill>
+              </a:rPr>
+              <a:t>,</a:t>
+            </a:r>
+            <a:endParaRPr lang="fr-FR" dirty="0">
+              <a:solidFill>
+                <a:srgbClr val="FF0000"/>
+              </a:solidFill>
+            </a:endParaRPr>
+          </a:p>
+          <a:p>
+            <a:pPr marL="0" indent="0">
+              <a:buNone/>
+            </a:pPr>
+            <a:r>
+              <a:rPr lang="fr-FR" dirty="0" smtClean="0"/>
+              <a:t>{</a:t>
+            </a:r>
+            <a:endParaRPr lang="fr-FR" dirty="0"/>
+          </a:p>
+          <a:p>
+            <a:pPr marL="0" indent="0">
+              <a:buNone/>
+            </a:pPr>
+            <a:r>
+              <a:rPr lang="fr-FR" dirty="0"/>
+              <a:t>  id: "</a:t>
+            </a:r>
+            <a:r>
+              <a:rPr lang="fr-FR" dirty="0" smtClean="0"/>
+              <a:t>titi"</a:t>
+            </a:r>
+            <a:r>
+              <a:rPr lang="fr-FR" dirty="0" smtClean="0">
+                <a:solidFill>
+                  <a:srgbClr val="FF0000"/>
+                </a:solidFill>
+              </a:rPr>
+              <a:t>,</a:t>
+            </a:r>
+            <a:endParaRPr lang="fr-FR" dirty="0">
+              <a:solidFill>
+                <a:srgbClr val="FF0000"/>
+              </a:solidFill>
+            </a:endParaRPr>
+          </a:p>
+          <a:p>
+            <a:pPr marL="0" indent="0">
+              <a:buNone/>
+            </a:pPr>
+            <a:r>
+              <a:rPr lang="fr-FR" dirty="0"/>
+              <a:t>  </a:t>
+            </a:r>
+            <a:r>
+              <a:rPr lang="fr-FR" dirty="0" err="1"/>
+              <a:t>number</a:t>
+            </a:r>
+            <a:r>
+              <a:rPr lang="fr-FR" dirty="0"/>
+              <a:t>: </a:t>
+            </a:r>
+            <a:r>
+              <a:rPr lang="fr-FR" dirty="0" smtClean="0"/>
+              <a:t>32</a:t>
+            </a:r>
+            <a:r>
+              <a:rPr lang="fr-FR" dirty="0" smtClean="0">
+                <a:solidFill>
+                  <a:srgbClr val="FF0000"/>
+                </a:solidFill>
+              </a:rPr>
+              <a:t>,</a:t>
+            </a:r>
+            <a:endParaRPr lang="fr-FR" dirty="0">
+              <a:solidFill>
+                <a:srgbClr val="FF0000"/>
+              </a:solidFill>
+            </a:endParaRPr>
+          </a:p>
+          <a:p>
+            <a:pPr marL="0" indent="0">
+              <a:buNone/>
+            </a:pPr>
+            <a:r>
+              <a:rPr lang="fr-FR" dirty="0"/>
+              <a:t>  </a:t>
+            </a:r>
+            <a:r>
+              <a:rPr lang="fr-FR" dirty="0" err="1"/>
+              <a:t>title</a:t>
+            </a:r>
+            <a:r>
+              <a:rPr lang="fr-FR" dirty="0"/>
+              <a:t>: "Issue </a:t>
+            </a:r>
+            <a:r>
+              <a:rPr lang="fr-FR" dirty="0" smtClean="0"/>
+              <a:t>titi"</a:t>
+            </a:r>
+            <a:r>
+              <a:rPr lang="fr-FR" dirty="0" smtClean="0">
+                <a:solidFill>
+                  <a:srgbClr val="FF0000"/>
+                </a:solidFill>
+              </a:rPr>
+              <a:t>,</a:t>
+            </a:r>
+            <a:endParaRPr lang="fr-FR" dirty="0">
+              <a:solidFill>
+                <a:srgbClr val="FF0000"/>
+              </a:solidFill>
+            </a:endParaRPr>
+          </a:p>
+          <a:p>
+            <a:pPr marL="0" indent="0">
+              <a:buNone/>
+            </a:pPr>
+            <a:r>
+              <a:rPr lang="fr-FR" dirty="0"/>
+              <a:t>  state: "</a:t>
+            </a:r>
+            <a:r>
+              <a:rPr lang="fr-FR" dirty="0" err="1" smtClean="0"/>
+              <a:t>Closed</a:t>
+            </a:r>
+            <a:r>
+              <a:rPr lang="fr-FR" dirty="0" smtClean="0"/>
+              <a:t>"</a:t>
+            </a:r>
+            <a:r>
+              <a:rPr lang="fr-FR" dirty="0" smtClean="0">
+                <a:solidFill>
+                  <a:srgbClr val="FF0000"/>
+                </a:solidFill>
+              </a:rPr>
+              <a:t>,</a:t>
+            </a:r>
+            <a:endParaRPr lang="fr-FR" dirty="0">
+              <a:solidFill>
+                <a:srgbClr val="FF0000"/>
+              </a:solidFill>
+            </a:endParaRPr>
+          </a:p>
+          <a:p>
+            <a:pPr marL="0" indent="0">
+              <a:buNone/>
+            </a:pPr>
+            <a:r>
+              <a:rPr lang="fr-FR" dirty="0" smtClean="0"/>
+              <a:t>}</a:t>
+            </a:r>
+          </a:p>
+          <a:p>
+            <a:pPr marL="0" indent="0">
+              <a:buNone/>
+            </a:pPr>
+            <a:r>
+              <a:rPr lang="fr-FR" dirty="0">
+                <a:solidFill>
+                  <a:srgbClr val="FF0000"/>
+                </a:solidFill>
+              </a:rPr>
+              <a:t>]</a:t>
+            </a:r>
+          </a:p>
+        </p:txBody>
+      </p:sp>
+    </p:spTree>
+    <p:extLst>
+      <p:ext uri="{BB962C8B-B14F-4D97-AF65-F5344CB8AC3E}">
+        <p14:creationId xmlns:p14="http://schemas.microsoft.com/office/powerpoint/2010/main" val="1574338818"/>
+      </p:ext>
+    </p:extLst>
+  </p:cSld>
+  <p:clrMapOvr>
+    <a:masterClrMapping/>
+  </p:clrMapOvr>
+</p:sld>
+</file>
+
+<file path=ppt/slides/slide24.xml><?xml version="1.0" encoding="utf-8"?>
+<p:sld xmlns:a="http://schemas.openxmlformats.org/drawingml/2006/main" xmlns:r="http://schemas.openxmlformats.org/officeDocument/2006/relationships" xmlns:p="http://schemas.openxmlformats.org/presentationml/2006/main">
+  <p:cSld>
+    <p:spTree>
+      <p:nvGrpSpPr>
+        <p:cNvPr id="1" name=""/>
+        <p:cNvGrpSpPr/>
+        <p:nvPr/>
+      </p:nvGrpSpPr>
+      <p:grpSpPr>
+        <a:xfrm>
+          <a:off x="0" y="0"/>
+          <a:ext cx="0" cy="0"/>
+          <a:chOff x="0" y="0"/>
+          <a:chExt cx="0" cy="0"/>
+        </a:xfrm>
+      </p:grpSpPr>
+      <p:sp>
+        <p:nvSpPr>
+          <p:cNvPr id="2" name="Titre 1"/>
+          <p:cNvSpPr>
+            <a:spLocks noGrp="1"/>
+          </p:cNvSpPr>
+          <p:nvPr>
+            <p:ph type="title"/>
+          </p:nvPr>
+        </p:nvSpPr>
+        <p:spPr/>
+        <p:txBody>
+          <a:bodyPr/>
+          <a:lstStyle/>
+          <a:p>
+            <a:r>
+              <a:rPr lang="fr-FR" dirty="0" err="1" smtClean="0"/>
+              <a:t>Converter</a:t>
+            </a:r>
+            <a:endParaRPr lang="fr-FR" dirty="0"/>
+          </a:p>
+        </p:txBody>
+      </p:sp>
+      <p:sp>
+        <p:nvSpPr>
+          <p:cNvPr id="3" name="Espace réservé du contenu 2"/>
+          <p:cNvSpPr>
+            <a:spLocks noGrp="1"/>
+          </p:cNvSpPr>
+          <p:nvPr>
+            <p:ph idx="1"/>
+          </p:nvPr>
+        </p:nvSpPr>
+        <p:spPr/>
+        <p:txBody>
+          <a:bodyPr>
+            <a:normAutofit lnSpcReduction="10000"/>
+          </a:bodyPr>
+          <a:lstStyle/>
+          <a:p>
+            <a:r>
+              <a:rPr lang="fr-FR" dirty="0" smtClean="0"/>
+              <a:t>Conversion </a:t>
+            </a:r>
+            <a:r>
+              <a:rPr lang="fr-FR" dirty="0" err="1" smtClean="0"/>
+              <a:t>protobuf</a:t>
+            </a:r>
+            <a:r>
+              <a:rPr lang="fr-FR" dirty="0" smtClean="0"/>
+              <a:t> -&gt; </a:t>
+            </a:r>
+            <a:r>
+              <a:rPr lang="fr-FR" dirty="0" err="1" smtClean="0"/>
+              <a:t>json</a:t>
+            </a:r>
+            <a:r>
+              <a:rPr lang="fr-FR" dirty="0" smtClean="0"/>
+              <a:t> OK</a:t>
+            </a:r>
+          </a:p>
+          <a:p>
+            <a:endParaRPr lang="fr-FR" dirty="0"/>
+          </a:p>
+          <a:p>
+            <a:r>
+              <a:rPr lang="fr-FR" dirty="0" err="1" smtClean="0"/>
+              <a:t>Json</a:t>
+            </a:r>
+            <a:r>
+              <a:rPr lang="fr-FR" dirty="0" smtClean="0"/>
+              <a:t> -&gt; </a:t>
+            </a:r>
+            <a:r>
+              <a:rPr lang="fr-FR" dirty="0" err="1" smtClean="0"/>
+              <a:t>protobuf</a:t>
+            </a:r>
+            <a:r>
+              <a:rPr lang="fr-FR" dirty="0" smtClean="0"/>
+              <a:t> ? </a:t>
+            </a:r>
+            <a:endParaRPr lang="fr-FR" dirty="0"/>
+          </a:p>
+          <a:p>
+            <a:pPr lvl="1"/>
+            <a:r>
+              <a:rPr lang="fr-FR" dirty="0" smtClean="0"/>
+              <a:t>OK gr</a:t>
+            </a:r>
+            <a:r>
+              <a:rPr lang="fr-FR" dirty="0" smtClean="0"/>
+              <a:t>âce au </a:t>
+            </a:r>
+            <a:r>
+              <a:rPr lang="fr-FR" dirty="0" err="1" smtClean="0"/>
+              <a:t>parsing</a:t>
+            </a:r>
+            <a:r>
+              <a:rPr lang="fr-FR" dirty="0" smtClean="0"/>
+              <a:t> </a:t>
+            </a:r>
+            <a:r>
+              <a:rPr lang="fr-FR" dirty="0" err="1" smtClean="0"/>
+              <a:t>json</a:t>
+            </a:r>
+            <a:endParaRPr lang="fr-FR" dirty="0" smtClean="0"/>
+          </a:p>
+          <a:p>
+            <a:pPr lvl="1"/>
+            <a:r>
+              <a:rPr lang="fr-FR" dirty="0" smtClean="0"/>
+              <a:t>OK grâce aux </a:t>
+            </a:r>
+            <a:r>
+              <a:rPr lang="fr-FR" dirty="0" err="1" smtClean="0"/>
+              <a:t>FieldDescriptor</a:t>
+            </a:r>
+            <a:r>
+              <a:rPr lang="fr-FR" dirty="0" smtClean="0"/>
+              <a:t> qui contiennent :</a:t>
+            </a:r>
+          </a:p>
+          <a:p>
+            <a:pPr lvl="2"/>
+            <a:r>
+              <a:rPr lang="fr-FR" dirty="0" smtClean="0"/>
+              <a:t>Nom</a:t>
+            </a:r>
+          </a:p>
+          <a:p>
+            <a:pPr lvl="2"/>
+            <a:r>
+              <a:rPr lang="fr-FR" dirty="0" smtClean="0"/>
+              <a:t>Numéro</a:t>
+            </a:r>
+          </a:p>
+          <a:p>
+            <a:pPr lvl="2"/>
+            <a:r>
+              <a:rPr lang="fr-FR" dirty="0" smtClean="0"/>
+              <a:t>Type et Type Java</a:t>
+            </a:r>
+          </a:p>
+          <a:p>
+            <a:pPr lvl="2"/>
+            <a:r>
+              <a:rPr lang="fr-FR" dirty="0" smtClean="0"/>
+              <a:t>Et plus encore</a:t>
+            </a:r>
+            <a:r>
+              <a:rPr lang="is-IS" dirty="0" smtClean="0"/>
+              <a:t>…</a:t>
+            </a:r>
+            <a:endParaRPr lang="fr-FR" dirty="0" smtClean="0"/>
+          </a:p>
+          <a:p>
+            <a:pPr lvl="2"/>
+            <a:endParaRPr lang="fr-FR" dirty="0"/>
+          </a:p>
+        </p:txBody>
+      </p:sp>
+    </p:spTree>
+    <p:extLst>
+      <p:ext uri="{BB962C8B-B14F-4D97-AF65-F5344CB8AC3E}">
+        <p14:creationId xmlns:p14="http://schemas.microsoft.com/office/powerpoint/2010/main" val="2654535821"/>
+      </p:ext>
+    </p:extLst>
+  </p:cSld>
+  <p:clrMapOvr>
+    <a:masterClrMapping/>
+  </p:clrMapOvr>
+</p:sld>
+</file>
+
+<file path=ppt/slides/slide25.xml><?xml version="1.0" encoding="utf-8"?>
+<p:sld xmlns:a="http://schemas.openxmlformats.org/drawingml/2006/main" xmlns:r="http://schemas.openxmlformats.org/officeDocument/2006/relationships" xmlns:p="http://schemas.openxmlformats.org/presentationml/2006/main">
+  <p:cSld>
+    <p:spTree>
+      <p:nvGrpSpPr>
+        <p:cNvPr id="1" name=""/>
+        <p:cNvGrpSpPr/>
+        <p:nvPr/>
+      </p:nvGrpSpPr>
+      <p:grpSpPr>
+        <a:xfrm>
+          <a:off x="0" y="0"/>
+          <a:ext cx="0" cy="0"/>
+          <a:chOff x="0" y="0"/>
+          <a:chExt cx="0" cy="0"/>
+        </a:xfrm>
+      </p:grpSpPr>
+      <p:sp>
+        <p:nvSpPr>
+          <p:cNvPr id="2" name="Titre 1"/>
+          <p:cNvSpPr>
+            <a:spLocks noGrp="1"/>
+          </p:cNvSpPr>
+          <p:nvPr>
+            <p:ph type="title"/>
+          </p:nvPr>
+        </p:nvSpPr>
+        <p:spPr/>
+        <p:txBody>
+          <a:bodyPr/>
+          <a:lstStyle/>
+          <a:p>
+            <a:r>
+              <a:rPr lang="fr-FR" dirty="0" err="1" smtClean="0"/>
+              <a:t>AnyProto</a:t>
+            </a:r>
+            <a:endParaRPr lang="fr-FR" dirty="0"/>
+          </a:p>
+        </p:txBody>
+      </p:sp>
+      <p:sp>
+        <p:nvSpPr>
+          <p:cNvPr id="3" name="Espace réservé du contenu 2"/>
+          <p:cNvSpPr>
+            <a:spLocks noGrp="1"/>
+          </p:cNvSpPr>
+          <p:nvPr>
+            <p:ph idx="1"/>
+          </p:nvPr>
+        </p:nvSpPr>
+        <p:spPr/>
+        <p:txBody>
+          <a:bodyPr>
+            <a:normAutofit lnSpcReduction="10000"/>
+          </a:bodyPr>
+          <a:lstStyle/>
+          <a:p>
+            <a:r>
+              <a:rPr lang="fr-FR" dirty="0" smtClean="0"/>
+              <a:t>Librairie Perso : </a:t>
+            </a:r>
+          </a:p>
+          <a:p>
+            <a:pPr lvl="1"/>
+            <a:r>
+              <a:rPr lang="fr-FR" dirty="0">
+                <a:hlinkClick r:id="rId2"/>
+              </a:rPr>
+              <a:t>https://github.com/TheCopycat/</a:t>
+            </a:r>
+            <a:r>
+              <a:rPr lang="fr-FR" dirty="0" smtClean="0">
+                <a:hlinkClick r:id="rId2"/>
+              </a:rPr>
+              <a:t>anyproto</a:t>
+            </a:r>
+            <a:endParaRPr lang="fr-FR" dirty="0" smtClean="0"/>
+          </a:p>
+          <a:p>
+            <a:pPr lvl="1"/>
+            <a:endParaRPr lang="fr-FR" dirty="0"/>
+          </a:p>
+          <a:p>
+            <a:r>
+              <a:rPr lang="fr-FR" dirty="0" smtClean="0"/>
+              <a:t>Contient : </a:t>
+            </a:r>
+          </a:p>
+          <a:p>
+            <a:pPr lvl="1"/>
+            <a:r>
+              <a:rPr lang="fr-FR" dirty="0" err="1" smtClean="0"/>
+              <a:t>AnyProto</a:t>
+            </a:r>
+            <a:r>
+              <a:rPr lang="fr-FR" dirty="0" smtClean="0"/>
+              <a:t> : Une classe qui permet de convertir n’importe quoi &lt;-&gt; </a:t>
+            </a:r>
+            <a:r>
+              <a:rPr lang="fr-FR" dirty="0" err="1" smtClean="0"/>
+              <a:t>protobuf</a:t>
+            </a:r>
+            <a:r>
+              <a:rPr lang="fr-FR" dirty="0" smtClean="0"/>
+              <a:t> (n’importe quoi = </a:t>
+            </a:r>
+            <a:r>
+              <a:rPr lang="fr-FR" dirty="0" err="1" smtClean="0"/>
+              <a:t>json</a:t>
+            </a:r>
+            <a:r>
+              <a:rPr lang="fr-FR" dirty="0" smtClean="0"/>
+              <a:t>, </a:t>
+            </a:r>
+            <a:r>
+              <a:rPr lang="fr-FR" dirty="0" err="1" smtClean="0"/>
+              <a:t>xml</a:t>
+            </a:r>
+            <a:r>
+              <a:rPr lang="fr-FR" dirty="0" smtClean="0"/>
+              <a:t>, </a:t>
+            </a:r>
+            <a:r>
+              <a:rPr lang="fr-FR" dirty="0" err="1" smtClean="0"/>
+              <a:t>protobuf</a:t>
+            </a:r>
+            <a:r>
+              <a:rPr lang="fr-FR" dirty="0" smtClean="0"/>
+              <a:t>)</a:t>
+            </a:r>
+          </a:p>
+          <a:p>
+            <a:pPr lvl="1"/>
+            <a:r>
+              <a:rPr lang="fr-FR" dirty="0" err="1" smtClean="0"/>
+              <a:t>Converter</a:t>
+            </a:r>
+            <a:r>
+              <a:rPr lang="fr-FR" dirty="0" smtClean="0"/>
+              <a:t> </a:t>
+            </a:r>
+            <a:r>
+              <a:rPr lang="fr-FR" dirty="0" err="1" smtClean="0"/>
+              <a:t>Retrofit</a:t>
+            </a:r>
+            <a:endParaRPr lang="fr-FR" dirty="0" smtClean="0"/>
+          </a:p>
+          <a:p>
+            <a:pPr lvl="1"/>
+            <a:r>
+              <a:rPr lang="fr-FR" dirty="0" smtClean="0"/>
+              <a:t>Un </a:t>
+            </a:r>
+            <a:r>
+              <a:rPr lang="fr-FR" dirty="0" err="1" smtClean="0"/>
+              <a:t>Sample</a:t>
+            </a:r>
+            <a:r>
+              <a:rPr lang="fr-FR" dirty="0" smtClean="0"/>
+              <a:t> (qui s’interface avec un appli </a:t>
+            </a:r>
+            <a:r>
+              <a:rPr lang="fr-FR" dirty="0" err="1" smtClean="0"/>
+              <a:t>jhipster</a:t>
+            </a:r>
+            <a:r>
+              <a:rPr lang="fr-FR" dirty="0" smtClean="0"/>
+              <a:t>)</a:t>
+            </a:r>
+            <a:endParaRPr lang="fr-FR" dirty="0"/>
+          </a:p>
+        </p:txBody>
+      </p:sp>
+    </p:spTree>
+    <p:extLst>
+      <p:ext uri="{BB962C8B-B14F-4D97-AF65-F5344CB8AC3E}">
+        <p14:creationId xmlns:p14="http://schemas.microsoft.com/office/powerpoint/2010/main" val="3489220342"/>
+      </p:ext>
+    </p:extLst>
+  </p:cSld>
+  <p:clrMapOvr>
+    <a:masterClrMapping/>
+  </p:clrMapOvr>
+</p:sld>
+</file>
+
+<file path=ppt/slides/slide26.xml><?xml version="1.0" encoding="utf-8"?>
+<p:sld xmlns:a="http://schemas.openxmlformats.org/drawingml/2006/main" xmlns:r="http://schemas.openxmlformats.org/officeDocument/2006/relationships" xmlns:p="http://schemas.openxmlformats.org/presentationml/2006/main">
+  <p:cSld>
+    <p:spTree>
+      <p:nvGrpSpPr>
+        <p:cNvPr id="1" name=""/>
+        <p:cNvGrpSpPr/>
+        <p:nvPr/>
+      </p:nvGrpSpPr>
+      <p:grpSpPr>
+        <a:xfrm>
+          <a:off x="0" y="0"/>
+          <a:ext cx="0" cy="0"/>
+          <a:chOff x="0" y="0"/>
+          <a:chExt cx="0" cy="0"/>
+        </a:xfrm>
+      </p:grpSpPr>
+      <p:sp>
+        <p:nvSpPr>
+          <p:cNvPr id="2" name="Titre 1"/>
+          <p:cNvSpPr>
+            <a:spLocks noGrp="1"/>
+          </p:cNvSpPr>
+          <p:nvPr>
+            <p:ph type="title"/>
+          </p:nvPr>
+        </p:nvSpPr>
+        <p:spPr/>
+        <p:txBody>
+          <a:bodyPr/>
+          <a:lstStyle/>
+          <a:p>
+            <a:r>
+              <a:rPr lang="fr-FR" dirty="0" smtClean="0"/>
+              <a:t>Retour au </a:t>
+            </a:r>
+            <a:r>
+              <a:rPr lang="fr-FR" dirty="0" err="1" smtClean="0"/>
+              <a:t>WebService</a:t>
+            </a:r>
+            <a:endParaRPr lang="fr-FR" dirty="0"/>
+          </a:p>
+        </p:txBody>
+      </p:sp>
+      <p:sp>
+        <p:nvSpPr>
+          <p:cNvPr id="3" name="Espace réservé du contenu 2"/>
+          <p:cNvSpPr>
+            <a:spLocks noGrp="1"/>
+          </p:cNvSpPr>
+          <p:nvPr>
+            <p:ph idx="1"/>
+          </p:nvPr>
+        </p:nvSpPr>
+        <p:spPr/>
+        <p:txBody>
+          <a:bodyPr>
+            <a:normAutofit lnSpcReduction="10000"/>
+          </a:bodyPr>
+          <a:lstStyle/>
+          <a:p>
+            <a:r>
+              <a:rPr lang="fr-FR" dirty="0" smtClean="0"/>
+              <a:t>Interface </a:t>
+            </a:r>
+            <a:r>
+              <a:rPr lang="fr-FR" dirty="0" err="1" smtClean="0"/>
+              <a:t>GithubService</a:t>
+            </a:r>
+            <a:r>
+              <a:rPr lang="fr-FR" dirty="0" smtClean="0"/>
+              <a:t> : </a:t>
+            </a:r>
+          </a:p>
+          <a:p>
+            <a:pPr marL="457200" lvl="1" indent="0">
+              <a:buNone/>
+            </a:pPr>
+            <a:r>
+              <a:rPr lang="fr-FR" sz="2000" dirty="0">
+                <a:solidFill>
+                  <a:srgbClr val="808000"/>
+                </a:solidFill>
+              </a:rPr>
+              <a:t>@GET</a:t>
+            </a:r>
+            <a:r>
+              <a:rPr lang="fr-FR" sz="2000" dirty="0"/>
+              <a:t>(</a:t>
+            </a:r>
+            <a:r>
+              <a:rPr lang="fr-FR" sz="2000" b="1" dirty="0">
+                <a:solidFill>
+                  <a:srgbClr val="008000"/>
+                </a:solidFill>
+              </a:rPr>
+              <a:t>"/repos/{user}/{repo}/issues"</a:t>
+            </a:r>
+            <a:r>
+              <a:rPr lang="fr-FR" sz="2000" dirty="0"/>
+              <a:t>)</a:t>
+            </a:r>
+            <a:br>
+              <a:rPr lang="fr-FR" sz="2000" dirty="0"/>
+            </a:br>
+            <a:r>
+              <a:rPr lang="fr-FR" sz="2000" b="1" dirty="0">
+                <a:solidFill>
+                  <a:srgbClr val="000080"/>
+                </a:solidFill>
+              </a:rPr>
+              <a:t>public </a:t>
+            </a:r>
+            <a:r>
+              <a:rPr lang="fr-FR" sz="2000" dirty="0"/>
+              <a:t>List&lt;</a:t>
+            </a:r>
+            <a:r>
+              <a:rPr lang="fr-FR" sz="2000" dirty="0" err="1"/>
+              <a:t>Github.Issue</a:t>
+            </a:r>
+            <a:r>
+              <a:rPr lang="fr-FR" sz="2000" dirty="0"/>
+              <a:t>&gt; </a:t>
+            </a:r>
+            <a:r>
+              <a:rPr lang="fr-FR" sz="2000" dirty="0" err="1"/>
+              <a:t>fetchIssues</a:t>
+            </a:r>
+            <a:r>
+              <a:rPr lang="fr-FR" sz="2000" dirty="0" smtClean="0"/>
+              <a:t>(</a:t>
+            </a:r>
+          </a:p>
+          <a:p>
+            <a:pPr marL="457200" lvl="1" indent="0">
+              <a:buNone/>
+            </a:pPr>
+            <a:r>
+              <a:rPr lang="fr-FR" sz="2000" dirty="0">
+                <a:solidFill>
+                  <a:srgbClr val="808000"/>
+                </a:solidFill>
+              </a:rPr>
+              <a:t>	</a:t>
+            </a:r>
+            <a:r>
+              <a:rPr lang="fr-FR" sz="2000" dirty="0" smtClean="0">
+                <a:solidFill>
+                  <a:srgbClr val="808000"/>
+                </a:solidFill>
+              </a:rPr>
+              <a:t>@</a:t>
+            </a:r>
+            <a:r>
+              <a:rPr lang="fr-FR" sz="2000" dirty="0" err="1">
+                <a:solidFill>
+                  <a:srgbClr val="808000"/>
+                </a:solidFill>
+              </a:rPr>
+              <a:t>Path</a:t>
+            </a:r>
+            <a:r>
+              <a:rPr lang="fr-FR" sz="2000" dirty="0"/>
+              <a:t>(</a:t>
+            </a:r>
+            <a:r>
+              <a:rPr lang="fr-FR" sz="2000" b="1" dirty="0">
+                <a:solidFill>
+                  <a:srgbClr val="008000"/>
+                </a:solidFill>
+              </a:rPr>
+              <a:t>"user"</a:t>
+            </a:r>
+            <a:r>
+              <a:rPr lang="fr-FR" sz="2000" dirty="0"/>
+              <a:t>)String user, </a:t>
+            </a:r>
+            <a:endParaRPr lang="fr-FR" sz="2000" dirty="0" smtClean="0"/>
+          </a:p>
+          <a:p>
+            <a:pPr marL="457200" lvl="1" indent="0">
+              <a:buNone/>
+            </a:pPr>
+            <a:r>
+              <a:rPr lang="fr-FR" sz="2000" dirty="0">
+                <a:solidFill>
+                  <a:srgbClr val="808000"/>
+                </a:solidFill>
+              </a:rPr>
+              <a:t>	</a:t>
+            </a:r>
+            <a:r>
+              <a:rPr lang="fr-FR" sz="2000" dirty="0" smtClean="0">
+                <a:solidFill>
+                  <a:srgbClr val="808000"/>
+                </a:solidFill>
+              </a:rPr>
+              <a:t>@</a:t>
+            </a:r>
+            <a:r>
+              <a:rPr lang="fr-FR" sz="2000" dirty="0" err="1">
+                <a:solidFill>
+                  <a:srgbClr val="808000"/>
+                </a:solidFill>
+              </a:rPr>
+              <a:t>Path</a:t>
+            </a:r>
+            <a:r>
+              <a:rPr lang="fr-FR" sz="2000" dirty="0"/>
+              <a:t>(</a:t>
+            </a:r>
+            <a:r>
+              <a:rPr lang="fr-FR" sz="2000" b="1" dirty="0">
+                <a:solidFill>
+                  <a:srgbClr val="008000"/>
+                </a:solidFill>
+              </a:rPr>
+              <a:t>"repo"</a:t>
+            </a:r>
+            <a:r>
+              <a:rPr lang="fr-FR" sz="2000" dirty="0"/>
+              <a:t>) String repo)</a:t>
+            </a:r>
+            <a:r>
+              <a:rPr lang="fr-FR" sz="2000" dirty="0" smtClean="0"/>
+              <a:t>;</a:t>
+            </a:r>
+          </a:p>
+          <a:p>
+            <a:pPr marL="400050"/>
+            <a:r>
+              <a:rPr lang="fr-FR" sz="2800" dirty="0" smtClean="0"/>
+              <a:t>Adapter et Service : </a:t>
+            </a:r>
+          </a:p>
+          <a:p>
+            <a:pPr marL="514350" lvl="1" indent="0">
+              <a:buNone/>
+            </a:pPr>
+            <a:r>
+              <a:rPr lang="fr-FR" sz="2000" dirty="0" err="1"/>
+              <a:t>RestAdapter</a:t>
+            </a:r>
+            <a:r>
+              <a:rPr lang="fr-FR" sz="2000" dirty="0"/>
+              <a:t> adapter = </a:t>
+            </a:r>
+            <a:r>
+              <a:rPr lang="fr-FR" sz="2000" b="1" dirty="0">
+                <a:solidFill>
+                  <a:srgbClr val="000080"/>
+                </a:solidFill>
+              </a:rPr>
+              <a:t>new </a:t>
+            </a:r>
+            <a:r>
+              <a:rPr lang="fr-FR" sz="2000" dirty="0" err="1"/>
+              <a:t>RestAdapter.Builder</a:t>
+            </a:r>
+            <a:r>
+              <a:rPr lang="fr-FR" sz="2000" dirty="0"/>
+              <a:t>()</a:t>
+            </a:r>
+            <a:br>
+              <a:rPr lang="fr-FR" sz="2000" dirty="0"/>
+            </a:br>
+            <a:r>
+              <a:rPr lang="fr-FR" sz="2000" dirty="0"/>
+              <a:t>        .</a:t>
+            </a:r>
+            <a:r>
+              <a:rPr lang="fr-FR" sz="2000" dirty="0" err="1"/>
+              <a:t>setConverter</a:t>
+            </a:r>
+            <a:r>
+              <a:rPr lang="fr-FR" sz="2000" dirty="0"/>
+              <a:t>(</a:t>
+            </a:r>
+            <a:r>
+              <a:rPr lang="fr-FR" sz="2000" b="1" dirty="0">
+                <a:solidFill>
+                  <a:srgbClr val="000080"/>
+                </a:solidFill>
+              </a:rPr>
+              <a:t>new </a:t>
+            </a:r>
+            <a:r>
+              <a:rPr lang="fr-FR" sz="2000" dirty="0" err="1"/>
+              <a:t>AnyProtoConverter</a:t>
+            </a:r>
+            <a:r>
+              <a:rPr lang="fr-FR" sz="2000" dirty="0"/>
+              <a:t>())</a:t>
+            </a:r>
+            <a:br>
+              <a:rPr lang="fr-FR" sz="2000" dirty="0"/>
+            </a:br>
+            <a:r>
+              <a:rPr lang="fr-FR" sz="2000" dirty="0"/>
+              <a:t>        .</a:t>
+            </a:r>
+            <a:r>
+              <a:rPr lang="fr-FR" sz="2000" dirty="0" err="1"/>
+              <a:t>setEndpoint</a:t>
+            </a:r>
+            <a:r>
+              <a:rPr lang="fr-FR" sz="2000" dirty="0"/>
+              <a:t>(</a:t>
+            </a:r>
+            <a:r>
+              <a:rPr lang="fr-FR" sz="2000" b="1" dirty="0">
+                <a:solidFill>
+                  <a:srgbClr val="008000"/>
+                </a:solidFill>
+              </a:rPr>
+              <a:t>"</a:t>
+            </a:r>
+            <a:r>
+              <a:rPr lang="fr-FR" sz="2000" b="1" dirty="0" err="1">
+                <a:solidFill>
+                  <a:srgbClr val="008000"/>
+                </a:solidFill>
+              </a:rPr>
+              <a:t>https</a:t>
+            </a:r>
+            <a:r>
+              <a:rPr lang="fr-FR" sz="2000" b="1" dirty="0">
+                <a:solidFill>
+                  <a:srgbClr val="008000"/>
+                </a:solidFill>
+              </a:rPr>
+              <a:t>://</a:t>
+            </a:r>
+            <a:r>
+              <a:rPr lang="fr-FR" sz="2000" b="1" dirty="0" err="1">
+                <a:solidFill>
+                  <a:srgbClr val="008000"/>
+                </a:solidFill>
+              </a:rPr>
+              <a:t>api.github.com</a:t>
+            </a:r>
+            <a:r>
+              <a:rPr lang="fr-FR" sz="2000" b="1" dirty="0">
+                <a:solidFill>
+                  <a:srgbClr val="008000"/>
+                </a:solidFill>
+              </a:rPr>
+              <a:t>"</a:t>
+            </a:r>
+            <a:r>
+              <a:rPr lang="fr-FR" sz="2000" dirty="0"/>
+              <a:t>)</a:t>
+            </a:r>
+            <a:br>
+              <a:rPr lang="fr-FR" sz="2000" dirty="0"/>
+            </a:br>
+            <a:r>
+              <a:rPr lang="fr-FR" sz="2000" dirty="0"/>
+              <a:t>        .</a:t>
+            </a:r>
+            <a:r>
+              <a:rPr lang="fr-FR" sz="2000" dirty="0" err="1"/>
+              <a:t>build</a:t>
+            </a:r>
+            <a:r>
+              <a:rPr lang="fr-FR" sz="2000" dirty="0"/>
+              <a:t>();</a:t>
+            </a:r>
+            <a:br>
+              <a:rPr lang="fr-FR" sz="2000" dirty="0"/>
+            </a:br>
+            <a:r>
+              <a:rPr lang="fr-FR" sz="2000" dirty="0"/>
+              <a:t/>
+            </a:r>
+            <a:br>
+              <a:rPr lang="fr-FR" sz="2000" dirty="0"/>
+            </a:br>
+            <a:r>
+              <a:rPr lang="fr-FR" sz="2000" dirty="0" err="1"/>
+              <a:t>GithubService</a:t>
+            </a:r>
+            <a:r>
+              <a:rPr lang="fr-FR" sz="2000" dirty="0"/>
+              <a:t> </a:t>
+            </a:r>
+            <a:r>
+              <a:rPr lang="fr-FR" sz="2000" dirty="0" err="1"/>
+              <a:t>githubService</a:t>
+            </a:r>
+            <a:r>
+              <a:rPr lang="fr-FR" sz="2000" dirty="0"/>
+              <a:t> = </a:t>
+            </a:r>
+            <a:r>
+              <a:rPr lang="fr-FR" sz="2000" dirty="0" err="1"/>
+              <a:t>adapter.create</a:t>
+            </a:r>
+            <a:r>
+              <a:rPr lang="fr-FR" sz="2000" dirty="0"/>
+              <a:t>(</a:t>
+            </a:r>
+            <a:r>
+              <a:rPr lang="fr-FR" sz="2000" dirty="0" err="1"/>
+              <a:t>GithubService.</a:t>
+            </a:r>
+            <a:r>
+              <a:rPr lang="fr-FR" sz="2000" b="1" dirty="0" err="1">
+                <a:solidFill>
+                  <a:srgbClr val="000080"/>
+                </a:solidFill>
+              </a:rPr>
+              <a:t>class</a:t>
+            </a:r>
+            <a:r>
+              <a:rPr lang="fr-FR" sz="2000" dirty="0"/>
+              <a:t>);</a:t>
+            </a:r>
+            <a:br>
+              <a:rPr lang="fr-FR" sz="2000" dirty="0"/>
+            </a:br>
+            <a:endParaRPr lang="fr-FR" sz="2000" dirty="0"/>
+          </a:p>
+        </p:txBody>
+      </p:sp>
+    </p:spTree>
+    <p:extLst>
+      <p:ext uri="{BB962C8B-B14F-4D97-AF65-F5344CB8AC3E}">
+        <p14:creationId xmlns:p14="http://schemas.microsoft.com/office/powerpoint/2010/main" val="3659280804"/>
+      </p:ext>
+    </p:extLst>
+  </p:cSld>
+  <p:clrMapOvr>
+    <a:masterClrMapping/>
+  </p:clrMapOvr>
+</p:sld>
+</file>
+
+<file path=ppt/slides/slide27.xml><?xml version="1.0" encoding="utf-8"?>
+<p:sld xmlns:a="http://schemas.openxmlformats.org/drawingml/2006/main" xmlns:r="http://schemas.openxmlformats.org/officeDocument/2006/relationships" xmlns:p="http://schemas.openxmlformats.org/presentationml/2006/main">
+  <p:cSld>
+    <p:spTree>
+      <p:nvGrpSpPr>
+        <p:cNvPr id="1" name=""/>
+        <p:cNvGrpSpPr/>
+        <p:nvPr/>
+      </p:nvGrpSpPr>
+      <p:grpSpPr>
+        <a:xfrm>
+          <a:off x="0" y="0"/>
+          <a:ext cx="0" cy="0"/>
+          <a:chOff x="0" y="0"/>
+          <a:chExt cx="0" cy="0"/>
+        </a:xfrm>
+      </p:grpSpPr>
+      <p:sp>
+        <p:nvSpPr>
+          <p:cNvPr id="2" name="Titre 1"/>
+          <p:cNvSpPr>
+            <a:spLocks noGrp="1"/>
+          </p:cNvSpPr>
+          <p:nvPr>
+            <p:ph type="title"/>
+          </p:nvPr>
+        </p:nvSpPr>
+        <p:spPr/>
+        <p:txBody>
+          <a:bodyPr/>
+          <a:lstStyle/>
+          <a:p>
+            <a:pPr algn="ctr"/>
+            <a:r>
+              <a:rPr lang="fr-FR" dirty="0" smtClean="0"/>
+              <a:t>DEMO</a:t>
+            </a:r>
+            <a:endParaRPr lang="fr-FR" dirty="0"/>
+          </a:p>
+        </p:txBody>
+      </p:sp>
+      <p:sp>
+        <p:nvSpPr>
+          <p:cNvPr id="3" name="Espace réservé du texte 2"/>
+          <p:cNvSpPr>
+            <a:spLocks noGrp="1"/>
+          </p:cNvSpPr>
+          <p:nvPr>
+            <p:ph type="body" idx="1"/>
+          </p:nvPr>
+        </p:nvSpPr>
+        <p:spPr/>
+        <p:txBody>
+          <a:bodyPr/>
+          <a:lstStyle/>
+          <a:p>
+            <a:endParaRPr lang="fr-FR"/>
+          </a:p>
+        </p:txBody>
+      </p:sp>
+    </p:spTree>
+    <p:extLst>
+      <p:ext uri="{BB962C8B-B14F-4D97-AF65-F5344CB8AC3E}">
+        <p14:creationId xmlns:p14="http://schemas.microsoft.com/office/powerpoint/2010/main" val="1289220739"/>
+      </p:ext>
+    </p:extLst>
+  </p:cSld>
+  <p:clrMapOvr>
+    <a:masterClrMapping/>
+  </p:clrMapOvr>
+</p:sld>
+</file>
+
+<file path=ppt/slides/slide28.xml><?xml version="1.0" encoding="utf-8"?>
+<p:sld xmlns:a="http://schemas.openxmlformats.org/drawingml/2006/main" xmlns:r="http://schemas.openxmlformats.org/officeDocument/2006/relationships" xmlns:p="http://schemas.openxmlformats.org/presentationml/2006/main">
+  <p:cSld>
+    <p:spTree>
+      <p:nvGrpSpPr>
+        <p:cNvPr id="1" name=""/>
+        <p:cNvGrpSpPr/>
+        <p:nvPr/>
+      </p:nvGrpSpPr>
+      <p:grpSpPr>
+        <a:xfrm>
+          <a:off x="0" y="0"/>
+          <a:ext cx="0" cy="0"/>
+          <a:chOff x="0" y="0"/>
+          <a:chExt cx="0" cy="0"/>
+        </a:xfrm>
+      </p:grpSpPr>
+      <p:sp>
+        <p:nvSpPr>
+          <p:cNvPr id="2" name="Titre 1"/>
+          <p:cNvSpPr>
+            <a:spLocks noGrp="1"/>
+          </p:cNvSpPr>
+          <p:nvPr>
+            <p:ph type="title"/>
+          </p:nvPr>
+        </p:nvSpPr>
+        <p:spPr/>
+        <p:txBody>
+          <a:bodyPr/>
+          <a:lstStyle/>
+          <a:p>
+            <a:r>
+              <a:rPr lang="fr-FR" dirty="0" smtClean="0"/>
+              <a:t>Stockage Local</a:t>
+            </a:r>
+            <a:endParaRPr lang="fr-FR" dirty="0"/>
+          </a:p>
+        </p:txBody>
+      </p:sp>
+      <p:sp>
+        <p:nvSpPr>
+          <p:cNvPr id="3" name="Espace réservé du contenu 2"/>
+          <p:cNvSpPr>
+            <a:spLocks noGrp="1"/>
+          </p:cNvSpPr>
+          <p:nvPr>
+            <p:ph idx="1"/>
+          </p:nvPr>
+        </p:nvSpPr>
+        <p:spPr/>
+        <p:txBody>
+          <a:bodyPr/>
+          <a:lstStyle/>
+          <a:p>
+            <a:endParaRPr lang="fr-FR"/>
+          </a:p>
+        </p:txBody>
+      </p:sp>
+    </p:spTree>
+    <p:extLst>
+      <p:ext uri="{BB962C8B-B14F-4D97-AF65-F5344CB8AC3E}">
+        <p14:creationId xmlns:p14="http://schemas.microsoft.com/office/powerpoint/2010/main" val="3776416461"/>
+      </p:ext>
+    </p:extLst>
+  </p:cSld>
+  <p:clrMapOvr>
+    <a:masterClrMapping/>
+  </p:clrMapOvr>
+</p:sld>
+</file>
+
+<file path=ppt/slides/slide29.xml><?xml version="1.0" encoding="utf-8"?>
+<p:sld xmlns:a="http://schemas.openxmlformats.org/drawingml/2006/main" xmlns:r="http://schemas.openxmlformats.org/officeDocument/2006/relationships" xmlns:p="http://schemas.openxmlformats.org/presentationml/2006/main">
+  <p:cSld>
+    <p:spTree>
+      <p:nvGrpSpPr>
+        <p:cNvPr id="1" name=""/>
+        <p:cNvGrpSpPr/>
+        <p:nvPr/>
+      </p:nvGrpSpPr>
+      <p:grpSpPr>
+        <a:xfrm>
+          <a:off x="0" y="0"/>
+          <a:ext cx="0" cy="0"/>
+          <a:chOff x="0" y="0"/>
+          <a:chExt cx="0" cy="0"/>
+        </a:xfrm>
+      </p:grpSpPr>
+      <p:sp>
+        <p:nvSpPr>
+          <p:cNvPr id="2" name="Titre 1"/>
+          <p:cNvSpPr>
+            <a:spLocks noGrp="1"/>
+          </p:cNvSpPr>
+          <p:nvPr>
+            <p:ph type="title"/>
+          </p:nvPr>
+        </p:nvSpPr>
+        <p:spPr/>
+        <p:txBody>
+          <a:bodyPr/>
+          <a:lstStyle/>
+          <a:p>
+            <a:r>
+              <a:rPr lang="fr-FR" dirty="0" err="1" smtClean="0"/>
+              <a:t>Conlusion</a:t>
+            </a:r>
+            <a:r>
+              <a:rPr lang="fr-FR" dirty="0" smtClean="0"/>
+              <a:t> : La panacée ?</a:t>
+            </a:r>
+            <a:endParaRPr lang="fr-FR" dirty="0"/>
+          </a:p>
+        </p:txBody>
+      </p:sp>
+      <p:sp>
+        <p:nvSpPr>
+          <p:cNvPr id="3" name="Espace réservé du contenu 2"/>
+          <p:cNvSpPr>
+            <a:spLocks noGrp="1"/>
+          </p:cNvSpPr>
+          <p:nvPr>
+            <p:ph idx="1"/>
+          </p:nvPr>
+        </p:nvSpPr>
+        <p:spPr/>
+        <p:txBody>
+          <a:bodyPr/>
+          <a:lstStyle/>
+          <a:p>
+            <a:r>
+              <a:rPr lang="fr-FR" dirty="0" smtClean="0"/>
+              <a:t>On tape correctement notre </a:t>
+            </a:r>
+            <a:r>
+              <a:rPr lang="fr-FR" dirty="0" err="1" smtClean="0"/>
+              <a:t>webservice</a:t>
+            </a:r>
+            <a:endParaRPr lang="fr-FR" dirty="0" smtClean="0"/>
+          </a:p>
+          <a:p>
+            <a:endParaRPr lang="fr-FR" dirty="0"/>
+          </a:p>
+          <a:p>
+            <a:r>
+              <a:rPr lang="fr-FR" dirty="0" smtClean="0"/>
+              <a:t>On a notre </a:t>
+            </a:r>
+            <a:r>
+              <a:rPr lang="fr-FR" dirty="0" err="1" smtClean="0"/>
+              <a:t>storage</a:t>
+            </a:r>
+            <a:r>
+              <a:rPr lang="fr-FR" dirty="0" smtClean="0"/>
+              <a:t> local relativement simple</a:t>
+            </a:r>
+          </a:p>
+          <a:p>
+            <a:endParaRPr lang="fr-FR" dirty="0"/>
+          </a:p>
+          <a:p>
+            <a:r>
+              <a:rPr lang="fr-FR" dirty="0" smtClean="0"/>
+              <a:t>On a une application télé-paramétrable </a:t>
+            </a:r>
+          </a:p>
+          <a:p>
+            <a:endParaRPr lang="fr-FR" dirty="0"/>
+          </a:p>
+          <a:p>
+            <a:r>
+              <a:rPr lang="fr-FR" dirty="0" smtClean="0"/>
+              <a:t>MAIS : on n’a pas fait d’édition locale.</a:t>
+            </a:r>
+            <a:endParaRPr lang="fr-FR" dirty="0"/>
+          </a:p>
+        </p:txBody>
+      </p:sp>
+    </p:spTree>
+    <p:extLst>
+      <p:ext uri="{BB962C8B-B14F-4D97-AF65-F5344CB8AC3E}">
+        <p14:creationId xmlns:p14="http://schemas.microsoft.com/office/powerpoint/2010/main" val="3950536386"/>
+      </p:ext>
+    </p:extLst>
+  </p:cSld>
+  <p:clrMapOvr>
+    <a:masterClrMapping/>
+  </p:clrMapOvr>
+</p:sld>
+</file>
+
 <file path=ppt/slides/slide3.xml><?xml version="1.0" encoding="utf-8"?>
 <p:sld xmlns:a="http://schemas.openxmlformats.org/drawingml/2006/main" xmlns:r="http://schemas.openxmlformats.org/officeDocument/2006/relationships" xmlns:p="http://schemas.openxmlformats.org/presentationml/2006/main">
   <p:cSld>
@@ -4136,6 +7310,108 @@
     <p:extLst>
       <p:ext uri="{BB962C8B-B14F-4D97-AF65-F5344CB8AC3E}">
         <p14:creationId xmlns:p14="http://schemas.microsoft.com/office/powerpoint/2010/main" val="929143633"/>
+      </p:ext>
+    </p:extLst>
+  </p:cSld>
+  <p:clrMapOvr>
+    <a:masterClrMapping/>
+  </p:clrMapOvr>
+</p:sld>
+</file>
+
+<file path=ppt/slides/slide30.xml><?xml version="1.0" encoding="utf-8"?>
+<p:sld xmlns:a="http://schemas.openxmlformats.org/drawingml/2006/main" xmlns:r="http://schemas.openxmlformats.org/officeDocument/2006/relationships" xmlns:p="http://schemas.openxmlformats.org/presentationml/2006/main">
+  <p:cSld>
+    <p:spTree>
+      <p:nvGrpSpPr>
+        <p:cNvPr id="1" name=""/>
+        <p:cNvGrpSpPr/>
+        <p:nvPr/>
+      </p:nvGrpSpPr>
+      <p:grpSpPr>
+        <a:xfrm>
+          <a:off x="0" y="0"/>
+          <a:ext cx="0" cy="0"/>
+          <a:chOff x="0" y="0"/>
+          <a:chExt cx="0" cy="0"/>
+        </a:xfrm>
+      </p:grpSpPr>
+      <p:sp>
+        <p:nvSpPr>
+          <p:cNvPr id="2" name="Titre 1"/>
+          <p:cNvSpPr>
+            <a:spLocks noGrp="1"/>
+          </p:cNvSpPr>
+          <p:nvPr>
+            <p:ph type="title"/>
+          </p:nvPr>
+        </p:nvSpPr>
+        <p:spPr/>
+        <p:txBody>
+          <a:bodyPr/>
+          <a:lstStyle/>
+          <a:p>
+            <a:r>
+              <a:rPr lang="fr-FR" dirty="0" smtClean="0"/>
+              <a:t>Conclusion Bis</a:t>
+            </a:r>
+            <a:endParaRPr lang="fr-FR" dirty="0"/>
+          </a:p>
+        </p:txBody>
+      </p:sp>
+      <p:sp>
+        <p:nvSpPr>
+          <p:cNvPr id="3" name="Espace réservé du contenu 2"/>
+          <p:cNvSpPr>
+            <a:spLocks noGrp="1"/>
+          </p:cNvSpPr>
+          <p:nvPr>
+            <p:ph idx="1"/>
+          </p:nvPr>
+        </p:nvSpPr>
+        <p:spPr/>
+        <p:txBody>
+          <a:bodyPr/>
+          <a:lstStyle/>
+          <a:p>
+            <a:r>
+              <a:rPr lang="fr-FR" dirty="0" smtClean="0"/>
+              <a:t>Mécanique applicable à n’importe quel outil/librairie</a:t>
+            </a:r>
+          </a:p>
+          <a:p>
+            <a:endParaRPr lang="fr-FR" dirty="0" smtClean="0"/>
+          </a:p>
+          <a:p>
+            <a:r>
+              <a:rPr lang="fr-FR" dirty="0" smtClean="0"/>
+              <a:t>Faire l’inventaire des avantages et inconvénients</a:t>
+            </a:r>
+            <a:endParaRPr lang="fr-FR" dirty="0"/>
+          </a:p>
+          <a:p>
+            <a:endParaRPr lang="fr-FR" dirty="0"/>
+          </a:p>
+          <a:p>
+            <a:r>
+              <a:rPr lang="fr-FR" dirty="0" smtClean="0"/>
+              <a:t>Exemple : </a:t>
+            </a:r>
+          </a:p>
+          <a:p>
+            <a:pPr lvl="1"/>
+            <a:r>
+              <a:rPr lang="fr-FR" dirty="0" smtClean="0"/>
+              <a:t>Bus de communication via chat IRC.</a:t>
+            </a:r>
+            <a:endParaRPr lang="fr-FR" dirty="0"/>
+          </a:p>
+        </p:txBody>
+      </p:sp>
+    </p:spTree>
+    <p:extLst>
+      <p:ext uri="{BB962C8B-B14F-4D97-AF65-F5344CB8AC3E}">
+        <p14:creationId xmlns:p14="http://schemas.microsoft.com/office/powerpoint/2010/main" val="1318296312"/>
       </p:ext>
     </p:extLst>
   </p:cSld>
@@ -4269,8 +7545,32 @@
         </p:nvSpPr>
         <p:spPr/>
         <p:txBody>
-          <a:bodyPr/>
-          <a:lstStyle/>
+          <a:bodyPr>
+            <a:normAutofit lnSpcReduction="10000"/>
+          </a:bodyPr>
+          <a:lstStyle/>
+          <a:p>
+            <a:r>
+              <a:rPr lang="fr-FR" dirty="0" err="1" smtClean="0"/>
+              <a:t>Aka</a:t>
+            </a:r>
+            <a:r>
+              <a:rPr lang="fr-FR" dirty="0" smtClean="0"/>
+              <a:t> Protocol Buffers</a:t>
+            </a:r>
+          </a:p>
+          <a:p>
+            <a:endParaRPr lang="fr-FR" dirty="0"/>
+          </a:p>
+          <a:p>
+            <a:r>
+              <a:rPr lang="fr-FR" dirty="0" smtClean="0"/>
+              <a:t>Langage de sérialisation binaire</a:t>
+            </a:r>
+          </a:p>
+          <a:p>
+            <a:endParaRPr lang="fr-FR" dirty="0" smtClean="0"/>
+          </a:p>
           <a:p>
             <a:r>
               <a:rPr lang="fr-FR" dirty="0" smtClean="0"/>
@@ -4384,7 +7684,42 @@
             <a:pPr lvl="1"/>
             <a:r>
               <a:rPr lang="fr-FR" dirty="0" smtClean="0"/>
-              <a:t>Un générateur de code</a:t>
+              <a:t>Un générateur de code </a:t>
+            </a:r>
+          </a:p>
+          <a:p>
+            <a:pPr lvl="2"/>
+            <a:r>
+              <a:rPr lang="fr-FR" dirty="0" err="1" smtClean="0"/>
+              <a:t>Protoc</a:t>
+            </a:r>
+            <a:r>
+              <a:rPr lang="fr-FR" dirty="0" smtClean="0"/>
+              <a:t> (pour </a:t>
+            </a:r>
+            <a:r>
+              <a:rPr lang="fr-FR" b="1" dirty="0" err="1"/>
+              <a:t>P</a:t>
+            </a:r>
+            <a:r>
+              <a:rPr lang="fr-FR" b="1" dirty="0" err="1" smtClean="0"/>
+              <a:t>roto</a:t>
+            </a:r>
+            <a:r>
+              <a:rPr lang="fr-FR" dirty="0" err="1" smtClean="0"/>
+              <a:t>buf</a:t>
+            </a:r>
+            <a:r>
+              <a:rPr lang="fr-FR" dirty="0" smtClean="0"/>
+              <a:t> </a:t>
+            </a:r>
+            <a:r>
+              <a:rPr lang="fr-FR" b="1" dirty="0" smtClean="0"/>
+              <a:t>C</a:t>
+            </a:r>
+            <a:r>
+              <a:rPr lang="fr-FR" dirty="0" smtClean="0"/>
+              <a:t>ompiler)</a:t>
             </a:r>
           </a:p>
           <a:p>
@@ -4701,8 +8036,22 @@
         </p:nvSpPr>
         <p:spPr/>
         <p:txBody>
-          <a:bodyPr/>
-          <a:lstStyle/>
+          <a:bodyPr>
+            <a:normAutofit fontScale="85000" lnSpcReduction="20000"/>
+          </a:bodyPr>
+          <a:lstStyle/>
+          <a:p>
+            <a:endParaRPr lang="fr-FR" dirty="0" smtClean="0"/>
+          </a:p>
+          <a:p>
+            <a:r>
+              <a:rPr lang="fr-FR" dirty="0"/>
+              <a:t>Le fichier généré est relativement imbittable </a:t>
+            </a:r>
+          </a:p>
+          <a:p>
+            <a:endParaRPr lang="fr-FR" dirty="0" smtClean="0"/>
+          </a:p>
           <a:p>
             <a:r>
               <a:rPr lang="fr-FR" dirty="0" smtClean="0"/>

--- a/protobuf-powered.pptx
+++ b/protobuf-powered.pptx
@@ -33,8 +33,16 @@
     <p:sldId id="283" r:id="rId27"/>
     <p:sldId id="285" r:id="rId28"/>
     <p:sldId id="286" r:id="rId29"/>
-    <p:sldId id="270" r:id="rId30"/>
-    <p:sldId id="271" r:id="rId31"/>
+    <p:sldId id="287" r:id="rId30"/>
+    <p:sldId id="288" r:id="rId31"/>
+    <p:sldId id="289" r:id="rId32"/>
+    <p:sldId id="290" r:id="rId33"/>
+    <p:sldId id="291" r:id="rId34"/>
+    <p:sldId id="292" r:id="rId35"/>
+    <p:sldId id="293" r:id="rId36"/>
+    <p:sldId id="294" r:id="rId37"/>
+    <p:sldId id="270" r:id="rId38"/>
+    <p:sldId id="271" r:id="rId39"/>
   </p:sldIdLst>
   <p:sldSz cx="9144000" cy="6858000" type="screen4x3"/>
   <p:notesSz cx="6858000" cy="9144000"/>
@@ -7107,10 +7115,79 @@
         </p:nvSpPr>
         <p:spPr/>
         <p:txBody>
-          <a:bodyPr/>
-          <a:lstStyle/>
-          <a:p>
-            <a:endParaRPr lang="fr-FR"/>
+          <a:bodyPr>
+            <a:normAutofit fontScale="92500" lnSpcReduction="20000"/>
+          </a:bodyPr>
+          <a:lstStyle/>
+          <a:p>
+            <a:r>
+              <a:rPr lang="fr-FR" dirty="0" err="1" smtClean="0"/>
+              <a:t>Android</a:t>
+            </a:r>
+            <a:r>
+              <a:rPr lang="fr-FR" dirty="0" smtClean="0"/>
+              <a:t> dispose de plusieurs type de stockages locaux</a:t>
+            </a:r>
+          </a:p>
+          <a:p>
+            <a:endParaRPr lang="fr-FR" dirty="0"/>
+          </a:p>
+          <a:p>
+            <a:r>
+              <a:rPr lang="fr-FR" dirty="0" err="1" smtClean="0"/>
+              <a:t>SharedPreferences</a:t>
+            </a:r>
+            <a:r>
+              <a:rPr lang="fr-FR" dirty="0"/>
+              <a:t> </a:t>
+            </a:r>
+            <a:r>
+              <a:rPr lang="fr-FR" dirty="0" smtClean="0"/>
+              <a:t>: Pour les clé/valeurs </a:t>
+            </a:r>
+          </a:p>
+          <a:p>
+            <a:endParaRPr lang="fr-FR" dirty="0"/>
+          </a:p>
+          <a:p>
+            <a:r>
+              <a:rPr lang="fr-FR" dirty="0" err="1" smtClean="0"/>
+              <a:t>SQLite</a:t>
+            </a:r>
+            <a:r>
+              <a:rPr lang="fr-FR" dirty="0" smtClean="0"/>
+              <a:t>/</a:t>
+            </a:r>
+            <a:r>
+              <a:rPr lang="fr-FR" dirty="0" err="1" smtClean="0"/>
+              <a:t>ContentProviders</a:t>
+            </a:r>
+            <a:r>
+              <a:rPr lang="fr-FR" dirty="0" smtClean="0"/>
+              <a:t> : Format de données complexes.</a:t>
+            </a:r>
+          </a:p>
+          <a:p>
+            <a:endParaRPr lang="fr-FR" dirty="0" smtClean="0"/>
+          </a:p>
+          <a:p>
+            <a:r>
+              <a:rPr lang="fr-FR" dirty="0" err="1" smtClean="0"/>
+              <a:t>Internal</a:t>
+            </a:r>
+            <a:r>
+              <a:rPr lang="fr-FR" dirty="0" smtClean="0"/>
+              <a:t>/</a:t>
+            </a:r>
+            <a:r>
+              <a:rPr lang="fr-FR" dirty="0" err="1" smtClean="0"/>
+              <a:t>External</a:t>
+            </a:r>
+            <a:r>
+              <a:rPr lang="fr-FR" dirty="0" smtClean="0"/>
+              <a:t> Storage : Sauvegarde de fichiers.</a:t>
+            </a:r>
+            <a:endParaRPr lang="fr-FR" dirty="0"/>
           </a:p>
         </p:txBody>
       </p:sp>
@@ -7160,12 +7237,12 @@
           <a:lstStyle/>
           <a:p>
             <a:r>
-              <a:rPr lang="fr-FR" dirty="0" err="1" smtClean="0"/>
-              <a:t>Conlusion</a:t>
-            </a:r>
-            <a:r>
-              <a:rPr lang="fr-FR" dirty="0" smtClean="0"/>
-              <a:t> : La panacée ?</a:t>
+              <a:rPr lang="fr-FR" dirty="0" smtClean="0"/>
+              <a:t>Content Provider </a:t>
+            </a:r>
+            <a:r>
+              <a:rPr lang="fr-FR" dirty="0" err="1" smtClean="0"/>
+              <a:t>SQLite</a:t>
             </a:r>
             <a:endParaRPr lang="fr-FR" dirty="0"/>
           </a:p>
@@ -7183,52 +7260,71 @@
         </p:nvSpPr>
         <p:spPr/>
         <p:txBody>
-          <a:bodyPr/>
-          <a:lstStyle/>
-          <a:p>
-            <a:r>
-              <a:rPr lang="fr-FR" dirty="0" smtClean="0"/>
-              <a:t>On tape correctement notre </a:t>
-            </a:r>
-            <a:r>
-              <a:rPr lang="fr-FR" dirty="0" err="1" smtClean="0"/>
-              <a:t>webservice</a:t>
+          <a:bodyPr>
+            <a:normAutofit fontScale="92500"/>
+          </a:bodyPr>
+          <a:lstStyle/>
+          <a:p>
+            <a:r>
+              <a:rPr lang="fr-FR" dirty="0" smtClean="0"/>
+              <a:t>Bonnes Pratiques pour les Modèles de données</a:t>
+            </a:r>
+          </a:p>
+          <a:p>
+            <a:endParaRPr lang="fr-FR" dirty="0"/>
+          </a:p>
+          <a:p>
+            <a:r>
+              <a:rPr lang="fr-FR" dirty="0" smtClean="0"/>
+              <a:t>Des tonnes de </a:t>
+            </a:r>
+            <a:r>
+              <a:rPr lang="fr-FR" dirty="0" err="1" smtClean="0"/>
+              <a:t>BoilerPlate</a:t>
+            </a:r>
+            <a:r>
+              <a:rPr lang="fr-FR" dirty="0" smtClean="0"/>
+              <a:t> :</a:t>
+            </a:r>
+          </a:p>
+          <a:p>
+            <a:pPr lvl="1"/>
+            <a:r>
+              <a:rPr lang="fr-FR" dirty="0" smtClean="0"/>
+              <a:t>Scripts de création/d’update</a:t>
+            </a:r>
+          </a:p>
+          <a:p>
+            <a:pPr lvl="1"/>
+            <a:r>
+              <a:rPr lang="fr-FR" dirty="0" smtClean="0"/>
+              <a:t>Déclaration du Content Provider</a:t>
+            </a:r>
+          </a:p>
+          <a:p>
+            <a:pPr lvl="1"/>
+            <a:r>
+              <a:rPr lang="fr-FR" dirty="0" smtClean="0"/>
+              <a:t>Conversion en </a:t>
+            </a:r>
+            <a:r>
+              <a:rPr lang="fr-FR" dirty="0" err="1" smtClean="0"/>
+              <a:t>ContentValues</a:t>
             </a:r>
             <a:endParaRPr lang="fr-FR" dirty="0" smtClean="0"/>
           </a:p>
           <a:p>
-            <a:endParaRPr lang="fr-FR" dirty="0"/>
-          </a:p>
-          <a:p>
-            <a:r>
-              <a:rPr lang="fr-FR" dirty="0" smtClean="0"/>
-              <a:t>On a notre </a:t>
-            </a:r>
-            <a:r>
-              <a:rPr lang="fr-FR" dirty="0" err="1" smtClean="0"/>
-              <a:t>storage</a:t>
-            </a:r>
-            <a:r>
-              <a:rPr lang="fr-FR" dirty="0" smtClean="0"/>
-              <a:t> local relativement simple</a:t>
-            </a:r>
-          </a:p>
-          <a:p>
-            <a:endParaRPr lang="fr-FR" dirty="0"/>
-          </a:p>
-          <a:p>
-            <a:r>
-              <a:rPr lang="fr-FR" dirty="0" smtClean="0"/>
-              <a:t>On a une application télé-paramétrable </a:t>
-            </a:r>
-          </a:p>
-          <a:p>
-            <a:endParaRPr lang="fr-FR" dirty="0"/>
-          </a:p>
-          <a:p>
-            <a:r>
-              <a:rPr lang="fr-FR" dirty="0" smtClean="0"/>
-              <a:t>MAIS : on n’a pas fait d’édition locale.</a:t>
+            <a:pPr lvl="1"/>
+            <a:endParaRPr lang="fr-FR" dirty="0"/>
+          </a:p>
+          <a:p>
+            <a:r>
+              <a:rPr lang="fr-FR" dirty="0" smtClean="0"/>
+              <a:t>Un modèle complexe peut </a:t>
+            </a:r>
+            <a:r>
+              <a:rPr lang="fr-FR" dirty="0" smtClean="0"/>
+              <a:t>être peu performant</a:t>
             </a:r>
             <a:endParaRPr lang="fr-FR" dirty="0"/>
           </a:p>
@@ -7237,7 +7333,7 @@
     </p:spTree>
     <p:extLst>
       <p:ext uri="{BB962C8B-B14F-4D97-AF65-F5344CB8AC3E}">
-        <p14:creationId xmlns:p14="http://schemas.microsoft.com/office/powerpoint/2010/main" val="3950536386"/>
+        <p14:creationId xmlns:p14="http://schemas.microsoft.com/office/powerpoint/2010/main" val="1632742062"/>
       </p:ext>
     </p:extLst>
   </p:cSld>
@@ -7320,6 +7416,954 @@
 </file>
 
 <file path=ppt/slides/slide30.xml><?xml version="1.0" encoding="utf-8"?>
+<p:sld xmlns:a="http://schemas.openxmlformats.org/drawingml/2006/main" xmlns:r="http://schemas.openxmlformats.org/officeDocument/2006/relationships" xmlns:p="http://schemas.openxmlformats.org/presentationml/2006/main">
+  <p:cSld>
+    <p:spTree>
+      <p:nvGrpSpPr>
+        <p:cNvPr id="1" name=""/>
+        <p:cNvGrpSpPr/>
+        <p:nvPr/>
+      </p:nvGrpSpPr>
+      <p:grpSpPr>
+        <a:xfrm>
+          <a:off x="0" y="0"/>
+          <a:ext cx="0" cy="0"/>
+          <a:chOff x="0" y="0"/>
+          <a:chExt cx="0" cy="0"/>
+        </a:xfrm>
+      </p:grpSpPr>
+      <p:sp>
+        <p:nvSpPr>
+          <p:cNvPr id="2" name="Titre 1"/>
+          <p:cNvSpPr>
+            <a:spLocks noGrp="1"/>
+          </p:cNvSpPr>
+          <p:nvPr>
+            <p:ph type="title"/>
+          </p:nvPr>
+        </p:nvSpPr>
+        <p:spPr/>
+        <p:txBody>
+          <a:bodyPr/>
+          <a:lstStyle/>
+          <a:p>
+            <a:r>
+              <a:rPr lang="fr-FR" dirty="0" smtClean="0"/>
+              <a:t>Ce que </a:t>
+            </a:r>
+            <a:r>
+              <a:rPr lang="fr-FR" dirty="0" err="1" smtClean="0"/>
+              <a:t>Protobuf</a:t>
+            </a:r>
+            <a:r>
+              <a:rPr lang="fr-FR" dirty="0" smtClean="0"/>
+              <a:t> nous apporte</a:t>
+            </a:r>
+            <a:endParaRPr lang="fr-FR" dirty="0"/>
+          </a:p>
+        </p:txBody>
+      </p:sp>
+      <p:sp>
+        <p:nvSpPr>
+          <p:cNvPr id="3" name="Espace réservé du contenu 2"/>
+          <p:cNvSpPr>
+            <a:spLocks noGrp="1"/>
+          </p:cNvSpPr>
+          <p:nvPr>
+            <p:ph idx="1"/>
+          </p:nvPr>
+        </p:nvSpPr>
+        <p:spPr/>
+        <p:txBody>
+          <a:bodyPr/>
+          <a:lstStyle/>
+          <a:p>
+            <a:r>
+              <a:rPr lang="fr-FR" dirty="0" err="1" smtClean="0"/>
+              <a:t>Protobuf</a:t>
+            </a:r>
+            <a:r>
+              <a:rPr lang="fr-FR" dirty="0" smtClean="0"/>
+              <a:t> est </a:t>
+            </a:r>
+            <a:r>
+              <a:rPr lang="fr-FR" dirty="0" err="1" smtClean="0"/>
+              <a:t>sérialisable</a:t>
+            </a:r>
+            <a:r>
+              <a:rPr lang="fr-FR" dirty="0" smtClean="0"/>
+              <a:t> </a:t>
+            </a:r>
+          </a:p>
+          <a:p>
+            <a:endParaRPr lang="fr-FR" dirty="0"/>
+          </a:p>
+          <a:p>
+            <a:r>
+              <a:rPr lang="fr-FR" dirty="0" smtClean="0"/>
+              <a:t>La sérialisation est relativement rapide.</a:t>
+            </a:r>
+            <a:endParaRPr lang="fr-FR" dirty="0"/>
+          </a:p>
+          <a:p>
+            <a:pPr lvl="1"/>
+            <a:r>
+              <a:rPr lang="fr-FR" dirty="0" smtClean="0"/>
+              <a:t>Les volumes de données en embarqué sont petits.</a:t>
+            </a:r>
+          </a:p>
+          <a:p>
+            <a:pPr lvl="1"/>
+            <a:r>
+              <a:rPr lang="fr-FR" dirty="0" smtClean="0"/>
+              <a:t>On peut négliger le co</a:t>
+            </a:r>
+            <a:r>
+              <a:rPr lang="fr-FR" dirty="0" smtClean="0"/>
+              <a:t>ût de sérialisation/</a:t>
+            </a:r>
+            <a:r>
+              <a:rPr lang="fr-FR" dirty="0" err="1" smtClean="0"/>
+              <a:t>désérialisation</a:t>
+            </a:r>
+            <a:endParaRPr lang="fr-FR" dirty="0" smtClean="0"/>
+          </a:p>
+          <a:p>
+            <a:pPr lvl="1"/>
+            <a:endParaRPr lang="fr-FR" dirty="0"/>
+          </a:p>
+          <a:p>
+            <a:r>
+              <a:rPr lang="fr-FR" dirty="0" smtClean="0"/>
+              <a:t>On ne recherche pas la performance absolue.</a:t>
+            </a:r>
+            <a:endParaRPr lang="fr-FR" dirty="0"/>
+          </a:p>
+        </p:txBody>
+      </p:sp>
+    </p:spTree>
+    <p:extLst>
+      <p:ext uri="{BB962C8B-B14F-4D97-AF65-F5344CB8AC3E}">
+        <p14:creationId xmlns:p14="http://schemas.microsoft.com/office/powerpoint/2010/main" val="1066398995"/>
+      </p:ext>
+    </p:extLst>
+  </p:cSld>
+  <p:clrMapOvr>
+    <a:masterClrMapping/>
+  </p:clrMapOvr>
+</p:sld>
+</file>
+
+<file path=ppt/slides/slide31.xml><?xml version="1.0" encoding="utf-8"?>
+<p:sld xmlns:a="http://schemas.openxmlformats.org/drawingml/2006/main" xmlns:r="http://schemas.openxmlformats.org/officeDocument/2006/relationships" xmlns:p="http://schemas.openxmlformats.org/presentationml/2006/main">
+  <p:cSld>
+    <p:spTree>
+      <p:nvGrpSpPr>
+        <p:cNvPr id="1" name=""/>
+        <p:cNvGrpSpPr/>
+        <p:nvPr/>
+      </p:nvGrpSpPr>
+      <p:grpSpPr>
+        <a:xfrm>
+          <a:off x="0" y="0"/>
+          <a:ext cx="0" cy="0"/>
+          <a:chOff x="0" y="0"/>
+          <a:chExt cx="0" cy="0"/>
+        </a:xfrm>
+      </p:grpSpPr>
+      <p:sp>
+        <p:nvSpPr>
+          <p:cNvPr id="2" name="Titre 1"/>
+          <p:cNvSpPr>
+            <a:spLocks noGrp="1"/>
+          </p:cNvSpPr>
+          <p:nvPr>
+            <p:ph type="title"/>
+          </p:nvPr>
+        </p:nvSpPr>
+        <p:spPr/>
+        <p:txBody>
+          <a:bodyPr/>
+          <a:lstStyle/>
+          <a:p>
+            <a:r>
+              <a:rPr lang="fr-FR" dirty="0" err="1" smtClean="0"/>
+              <a:t>Internal</a:t>
+            </a:r>
+            <a:r>
+              <a:rPr lang="fr-FR" dirty="0" smtClean="0"/>
+              <a:t> Storage/</a:t>
+            </a:r>
+            <a:r>
+              <a:rPr lang="fr-FR" dirty="0" err="1" smtClean="0"/>
+              <a:t>External</a:t>
+            </a:r>
+            <a:r>
+              <a:rPr lang="fr-FR" dirty="0" smtClean="0"/>
+              <a:t> Storage</a:t>
+            </a:r>
+            <a:endParaRPr lang="fr-FR" dirty="0"/>
+          </a:p>
+        </p:txBody>
+      </p:sp>
+      <p:sp>
+        <p:nvSpPr>
+          <p:cNvPr id="3" name="Espace réservé du contenu 2"/>
+          <p:cNvSpPr>
+            <a:spLocks noGrp="1"/>
+          </p:cNvSpPr>
+          <p:nvPr>
+            <p:ph idx="1"/>
+          </p:nvPr>
+        </p:nvSpPr>
+        <p:spPr/>
+        <p:txBody>
+          <a:bodyPr/>
+          <a:lstStyle/>
+          <a:p>
+            <a:r>
+              <a:rPr lang="fr-FR" dirty="0" smtClean="0"/>
+              <a:t>Ecriture dans un fichier en binaire</a:t>
+            </a:r>
+          </a:p>
+          <a:p>
+            <a:endParaRPr lang="fr-FR" dirty="0"/>
+          </a:p>
+          <a:p>
+            <a:r>
+              <a:rPr lang="fr-FR" dirty="0" smtClean="0"/>
+              <a:t>Utilisation de </a:t>
+            </a:r>
+            <a:r>
+              <a:rPr lang="fr-FR" dirty="0" err="1" smtClean="0"/>
+              <a:t>toByteArray</a:t>
+            </a:r>
+            <a:r>
+              <a:rPr lang="fr-FR" dirty="0" smtClean="0"/>
+              <a:t>() pour convertir en binaire.</a:t>
+            </a:r>
+          </a:p>
+          <a:p>
+            <a:endParaRPr lang="fr-FR" dirty="0"/>
+          </a:p>
+          <a:p>
+            <a:r>
+              <a:rPr lang="fr-FR" dirty="0" smtClean="0"/>
+              <a:t>Possibilité d’utiliser les IO</a:t>
+            </a:r>
+          </a:p>
+          <a:p>
+            <a:pPr lvl="1"/>
+            <a:r>
+              <a:rPr lang="fr-FR" dirty="0" err="1" smtClean="0"/>
+              <a:t>InputStream</a:t>
+            </a:r>
+            <a:r>
+              <a:rPr lang="fr-FR" dirty="0" smtClean="0"/>
+              <a:t> pour la lecture</a:t>
+            </a:r>
+          </a:p>
+          <a:p>
+            <a:pPr lvl="1"/>
+            <a:r>
+              <a:rPr lang="fr-FR" dirty="0" err="1" smtClean="0"/>
+              <a:t>OutputStream</a:t>
+            </a:r>
+            <a:r>
+              <a:rPr lang="fr-FR" dirty="0" smtClean="0"/>
+              <a:t> pour l’écriture</a:t>
+            </a:r>
+            <a:endParaRPr lang="fr-FR" dirty="0"/>
+          </a:p>
+          <a:p>
+            <a:endParaRPr lang="fr-FR" dirty="0"/>
+          </a:p>
+        </p:txBody>
+      </p:sp>
+    </p:spTree>
+    <p:extLst>
+      <p:ext uri="{BB962C8B-B14F-4D97-AF65-F5344CB8AC3E}">
+        <p14:creationId xmlns:p14="http://schemas.microsoft.com/office/powerpoint/2010/main" val="1858182568"/>
+      </p:ext>
+    </p:extLst>
+  </p:cSld>
+  <p:clrMapOvr>
+    <a:masterClrMapping/>
+  </p:clrMapOvr>
+</p:sld>
+</file>
+
+<file path=ppt/slides/slide32.xml><?xml version="1.0" encoding="utf-8"?>
+<p:sld xmlns:a="http://schemas.openxmlformats.org/drawingml/2006/main" xmlns:r="http://schemas.openxmlformats.org/officeDocument/2006/relationships" xmlns:p="http://schemas.openxmlformats.org/presentationml/2006/main">
+  <p:cSld>
+    <p:spTree>
+      <p:nvGrpSpPr>
+        <p:cNvPr id="1" name=""/>
+        <p:cNvGrpSpPr/>
+        <p:nvPr/>
+      </p:nvGrpSpPr>
+      <p:grpSpPr>
+        <a:xfrm>
+          <a:off x="0" y="0"/>
+          <a:ext cx="0" cy="0"/>
+          <a:chOff x="0" y="0"/>
+          <a:chExt cx="0" cy="0"/>
+        </a:xfrm>
+      </p:grpSpPr>
+      <p:sp>
+        <p:nvSpPr>
+          <p:cNvPr id="2" name="Titre 1"/>
+          <p:cNvSpPr>
+            <a:spLocks noGrp="1"/>
+          </p:cNvSpPr>
+          <p:nvPr>
+            <p:ph type="title"/>
+          </p:nvPr>
+        </p:nvSpPr>
+        <p:spPr/>
+        <p:txBody>
+          <a:bodyPr/>
+          <a:lstStyle/>
+          <a:p>
+            <a:r>
+              <a:rPr lang="fr-FR" dirty="0" err="1" smtClean="0"/>
+              <a:t>SharedPreference</a:t>
+            </a:r>
+            <a:r>
+              <a:rPr lang="fr-FR" dirty="0"/>
+              <a:t> </a:t>
+            </a:r>
+            <a:r>
+              <a:rPr lang="fr-FR" dirty="0" smtClean="0"/>
+              <a:t>?</a:t>
+            </a:r>
+            <a:endParaRPr lang="fr-FR" dirty="0"/>
+          </a:p>
+        </p:txBody>
+      </p:sp>
+      <p:sp>
+        <p:nvSpPr>
+          <p:cNvPr id="3" name="Espace réservé du contenu 2"/>
+          <p:cNvSpPr>
+            <a:spLocks noGrp="1"/>
+          </p:cNvSpPr>
+          <p:nvPr>
+            <p:ph idx="1"/>
+          </p:nvPr>
+        </p:nvSpPr>
+        <p:spPr/>
+        <p:txBody>
+          <a:bodyPr/>
+          <a:lstStyle/>
+          <a:p>
+            <a:r>
+              <a:rPr lang="fr-FR" dirty="0" smtClean="0"/>
+              <a:t>Nécessité d’avoir un type « primitif » :</a:t>
+            </a:r>
+          </a:p>
+          <a:p>
+            <a:pPr lvl="1"/>
+            <a:r>
+              <a:rPr lang="fr-FR" dirty="0" smtClean="0"/>
+              <a:t>Nombre, </a:t>
+            </a:r>
+            <a:r>
+              <a:rPr lang="fr-FR" dirty="0" err="1" smtClean="0"/>
+              <a:t>booleen</a:t>
+            </a:r>
+            <a:r>
+              <a:rPr lang="fr-FR" dirty="0" smtClean="0"/>
+              <a:t>, chaine</a:t>
+            </a:r>
+          </a:p>
+          <a:p>
+            <a:pPr lvl="1"/>
+            <a:r>
+              <a:rPr lang="fr-FR" dirty="0" smtClean="0"/>
+              <a:t>Pas de possibilité d’avoir du binaire</a:t>
+            </a:r>
+          </a:p>
+          <a:p>
+            <a:pPr lvl="1"/>
+            <a:endParaRPr lang="fr-FR" dirty="0"/>
+          </a:p>
+          <a:p>
+            <a:r>
+              <a:rPr lang="fr-FR" dirty="0" smtClean="0"/>
+              <a:t>Possibilité de convertir le binaire en chaine base64</a:t>
+            </a:r>
+          </a:p>
+        </p:txBody>
+      </p:sp>
+    </p:spTree>
+    <p:extLst>
+      <p:ext uri="{BB962C8B-B14F-4D97-AF65-F5344CB8AC3E}">
+        <p14:creationId xmlns:p14="http://schemas.microsoft.com/office/powerpoint/2010/main" val="3285981753"/>
+      </p:ext>
+    </p:extLst>
+  </p:cSld>
+  <p:clrMapOvr>
+    <a:masterClrMapping/>
+  </p:clrMapOvr>
+</p:sld>
+</file>
+
+<file path=ppt/slides/slide33.xml><?xml version="1.0" encoding="utf-8"?>
+<p:sld xmlns:a="http://schemas.openxmlformats.org/drawingml/2006/main" xmlns:r="http://schemas.openxmlformats.org/officeDocument/2006/relationships" xmlns:p="http://schemas.openxmlformats.org/presentationml/2006/main">
+  <p:cSld>
+    <p:spTree>
+      <p:nvGrpSpPr>
+        <p:cNvPr id="1" name=""/>
+        <p:cNvGrpSpPr/>
+        <p:nvPr/>
+      </p:nvGrpSpPr>
+      <p:grpSpPr>
+        <a:xfrm>
+          <a:off x="0" y="0"/>
+          <a:ext cx="0" cy="0"/>
+          <a:chOff x="0" y="0"/>
+          <a:chExt cx="0" cy="0"/>
+        </a:xfrm>
+      </p:grpSpPr>
+      <p:sp>
+        <p:nvSpPr>
+          <p:cNvPr id="2" name="Titre 1"/>
+          <p:cNvSpPr>
+            <a:spLocks noGrp="1"/>
+          </p:cNvSpPr>
+          <p:nvPr>
+            <p:ph type="title"/>
+          </p:nvPr>
+        </p:nvSpPr>
+        <p:spPr/>
+        <p:txBody>
+          <a:bodyPr/>
+          <a:lstStyle/>
+          <a:p>
+            <a:pPr algn="ctr"/>
+            <a:r>
+              <a:rPr lang="fr-FR" dirty="0" smtClean="0"/>
+              <a:t>DEMO</a:t>
+            </a:r>
+            <a:endParaRPr lang="fr-FR" dirty="0"/>
+          </a:p>
+        </p:txBody>
+      </p:sp>
+      <p:sp>
+        <p:nvSpPr>
+          <p:cNvPr id="3" name="Espace réservé du texte 2"/>
+          <p:cNvSpPr>
+            <a:spLocks noGrp="1"/>
+          </p:cNvSpPr>
+          <p:nvPr>
+            <p:ph type="body" idx="1"/>
+          </p:nvPr>
+        </p:nvSpPr>
+        <p:spPr/>
+        <p:txBody>
+          <a:bodyPr/>
+          <a:lstStyle/>
+          <a:p>
+            <a:endParaRPr lang="fr-FR"/>
+          </a:p>
+        </p:txBody>
+      </p:sp>
+    </p:spTree>
+    <p:extLst>
+      <p:ext uri="{BB962C8B-B14F-4D97-AF65-F5344CB8AC3E}">
+        <p14:creationId xmlns:p14="http://schemas.microsoft.com/office/powerpoint/2010/main" val="3639038931"/>
+      </p:ext>
+    </p:extLst>
+  </p:cSld>
+  <p:clrMapOvr>
+    <a:masterClrMapping/>
+  </p:clrMapOvr>
+</p:sld>
+</file>
+
+<file path=ppt/slides/slide34.xml><?xml version="1.0" encoding="utf-8"?>
+<p:sld xmlns:a="http://schemas.openxmlformats.org/drawingml/2006/main" xmlns:r="http://schemas.openxmlformats.org/officeDocument/2006/relationships" xmlns:p="http://schemas.openxmlformats.org/presentationml/2006/main">
+  <p:cSld>
+    <p:spTree>
+      <p:nvGrpSpPr>
+        <p:cNvPr id="1" name=""/>
+        <p:cNvGrpSpPr/>
+        <p:nvPr/>
+      </p:nvGrpSpPr>
+      <p:grpSpPr>
+        <a:xfrm>
+          <a:off x="0" y="0"/>
+          <a:ext cx="0" cy="0"/>
+          <a:chOff x="0" y="0"/>
+          <a:chExt cx="0" cy="0"/>
+        </a:xfrm>
+      </p:grpSpPr>
+      <p:sp>
+        <p:nvSpPr>
+          <p:cNvPr id="2" name="Titre 1"/>
+          <p:cNvSpPr>
+            <a:spLocks noGrp="1"/>
+          </p:cNvSpPr>
+          <p:nvPr>
+            <p:ph type="title"/>
+          </p:nvPr>
+        </p:nvSpPr>
+        <p:spPr/>
+        <p:txBody>
+          <a:bodyPr>
+            <a:normAutofit/>
+          </a:bodyPr>
+          <a:lstStyle/>
+          <a:p>
+            <a:r>
+              <a:rPr lang="fr-FR" dirty="0" smtClean="0"/>
+              <a:t>Paramétrage</a:t>
+            </a:r>
+            <a:endParaRPr lang="fr-FR" dirty="0"/>
+          </a:p>
+        </p:txBody>
+      </p:sp>
+      <p:sp>
+        <p:nvSpPr>
+          <p:cNvPr id="3" name="Espace réservé du contenu 2"/>
+          <p:cNvSpPr>
+            <a:spLocks noGrp="1"/>
+          </p:cNvSpPr>
+          <p:nvPr>
+            <p:ph idx="1"/>
+          </p:nvPr>
+        </p:nvSpPr>
+        <p:spPr/>
+        <p:txBody>
+          <a:bodyPr>
+            <a:normAutofit fontScale="92500" lnSpcReduction="10000"/>
+          </a:bodyPr>
+          <a:lstStyle/>
+          <a:p>
+            <a:r>
+              <a:rPr lang="fr-FR" dirty="0" smtClean="0"/>
+              <a:t>Pas facile de mettre à jour des applications sur les </a:t>
+            </a:r>
+            <a:r>
+              <a:rPr lang="fr-FR" dirty="0" err="1" smtClean="0"/>
+              <a:t>devices</a:t>
+            </a:r>
+            <a:endParaRPr lang="fr-FR" dirty="0" smtClean="0"/>
+          </a:p>
+          <a:p>
+            <a:endParaRPr lang="fr-FR" dirty="0"/>
+          </a:p>
+          <a:p>
+            <a:r>
+              <a:rPr lang="fr-FR" dirty="0" smtClean="0"/>
+              <a:t>Nécessiter de limiter au maximum les mises à jour.</a:t>
+            </a:r>
+          </a:p>
+          <a:p>
+            <a:endParaRPr lang="fr-FR" dirty="0"/>
+          </a:p>
+          <a:p>
+            <a:r>
+              <a:rPr lang="fr-FR" dirty="0" smtClean="0"/>
+              <a:t>Pratique du </a:t>
+            </a:r>
+            <a:r>
+              <a:rPr lang="fr-FR" dirty="0" err="1" smtClean="0"/>
+              <a:t>feature</a:t>
+            </a:r>
+            <a:r>
+              <a:rPr lang="fr-FR" dirty="0" smtClean="0"/>
+              <a:t> </a:t>
+            </a:r>
+            <a:r>
+              <a:rPr lang="fr-FR" dirty="0" err="1" smtClean="0"/>
+              <a:t>flipping</a:t>
+            </a:r>
+            <a:r>
+              <a:rPr lang="fr-FR" dirty="0" smtClean="0"/>
+              <a:t> : </a:t>
+            </a:r>
+          </a:p>
+          <a:p>
+            <a:pPr lvl="1"/>
+            <a:r>
+              <a:rPr lang="fr-FR" dirty="0" smtClean="0"/>
+              <a:t>Les fonctionnalités sont présentes</a:t>
+            </a:r>
+          </a:p>
+          <a:p>
+            <a:pPr lvl="1"/>
+            <a:r>
+              <a:rPr lang="fr-FR" dirty="0" smtClean="0"/>
+              <a:t>Elles sont activables ou </a:t>
+            </a:r>
+            <a:r>
+              <a:rPr lang="fr-FR" dirty="0" err="1" smtClean="0"/>
+              <a:t>désactivables</a:t>
+            </a:r>
+            <a:endParaRPr lang="fr-FR" dirty="0"/>
+          </a:p>
+        </p:txBody>
+      </p:sp>
+    </p:spTree>
+    <p:extLst>
+      <p:ext uri="{BB962C8B-B14F-4D97-AF65-F5344CB8AC3E}">
+        <p14:creationId xmlns:p14="http://schemas.microsoft.com/office/powerpoint/2010/main" val="1822745561"/>
+      </p:ext>
+    </p:extLst>
+  </p:cSld>
+  <p:clrMapOvr>
+    <a:masterClrMapping/>
+  </p:clrMapOvr>
+</p:sld>
+</file>
+
+<file path=ppt/slides/slide35.xml><?xml version="1.0" encoding="utf-8"?>
+<p:sld xmlns:a="http://schemas.openxmlformats.org/drawingml/2006/main" xmlns:r="http://schemas.openxmlformats.org/officeDocument/2006/relationships" xmlns:p="http://schemas.openxmlformats.org/presentationml/2006/main">
+  <p:cSld>
+    <p:spTree>
+      <p:nvGrpSpPr>
+        <p:cNvPr id="1" name=""/>
+        <p:cNvGrpSpPr/>
+        <p:nvPr/>
+      </p:nvGrpSpPr>
+      <p:grpSpPr>
+        <a:xfrm>
+          <a:off x="0" y="0"/>
+          <a:ext cx="0" cy="0"/>
+          <a:chOff x="0" y="0"/>
+          <a:chExt cx="0" cy="0"/>
+        </a:xfrm>
+      </p:grpSpPr>
+      <p:sp>
+        <p:nvSpPr>
+          <p:cNvPr id="2" name="Titre 1"/>
+          <p:cNvSpPr>
+            <a:spLocks noGrp="1"/>
+          </p:cNvSpPr>
+          <p:nvPr>
+            <p:ph type="title"/>
+          </p:nvPr>
+        </p:nvSpPr>
+        <p:spPr/>
+        <p:txBody>
+          <a:bodyPr/>
+          <a:lstStyle/>
+          <a:p>
+            <a:r>
+              <a:rPr lang="fr-FR" dirty="0" smtClean="0"/>
+              <a:t>Télé Paramétrage</a:t>
+            </a:r>
+            <a:endParaRPr lang="fr-FR" dirty="0"/>
+          </a:p>
+        </p:txBody>
+      </p:sp>
+      <p:sp>
+        <p:nvSpPr>
+          <p:cNvPr id="3" name="Espace réservé du contenu 2"/>
+          <p:cNvSpPr>
+            <a:spLocks noGrp="1"/>
+          </p:cNvSpPr>
+          <p:nvPr>
+            <p:ph idx="1"/>
+          </p:nvPr>
+        </p:nvSpPr>
+        <p:spPr/>
+        <p:txBody>
+          <a:bodyPr/>
+          <a:lstStyle/>
+          <a:p>
+            <a:r>
+              <a:rPr lang="fr-FR" dirty="0" smtClean="0"/>
+              <a:t>Serveur à interroger</a:t>
+            </a:r>
+          </a:p>
+          <a:p>
+            <a:endParaRPr lang="fr-FR" dirty="0"/>
+          </a:p>
+          <a:p>
+            <a:r>
+              <a:rPr lang="fr-FR" dirty="0" smtClean="0"/>
+              <a:t>Contient les informations de paramétrage</a:t>
+            </a:r>
+          </a:p>
+          <a:p>
+            <a:endParaRPr lang="fr-FR" dirty="0"/>
+          </a:p>
+          <a:p>
+            <a:r>
+              <a:rPr lang="fr-FR" dirty="0" smtClean="0"/>
+              <a:t>Ensemble de clés valeurs primitives </a:t>
+            </a:r>
+          </a:p>
+          <a:p>
+            <a:pPr lvl="1"/>
+            <a:r>
+              <a:rPr lang="fr-FR" dirty="0" smtClean="0"/>
+              <a:t>String </a:t>
+            </a:r>
+          </a:p>
+          <a:p>
+            <a:pPr lvl="1"/>
+            <a:r>
+              <a:rPr lang="fr-FR" dirty="0" smtClean="0"/>
+              <a:t>Booléens</a:t>
+            </a:r>
+          </a:p>
+          <a:p>
+            <a:pPr lvl="1"/>
+            <a:r>
+              <a:rPr lang="fr-FR" dirty="0" smtClean="0"/>
+              <a:t>Entiers </a:t>
+            </a:r>
+            <a:endParaRPr lang="fr-FR" dirty="0"/>
+          </a:p>
+        </p:txBody>
+      </p:sp>
+    </p:spTree>
+    <p:extLst>
+      <p:ext uri="{BB962C8B-B14F-4D97-AF65-F5344CB8AC3E}">
+        <p14:creationId xmlns:p14="http://schemas.microsoft.com/office/powerpoint/2010/main" val="2308497746"/>
+      </p:ext>
+    </p:extLst>
+  </p:cSld>
+  <p:clrMapOvr>
+    <a:masterClrMapping/>
+  </p:clrMapOvr>
+</p:sld>
+</file>
+
+<file path=ppt/slides/slide36.xml><?xml version="1.0" encoding="utf-8"?>
+<p:sld xmlns:a="http://schemas.openxmlformats.org/drawingml/2006/main" xmlns:r="http://schemas.openxmlformats.org/officeDocument/2006/relationships" xmlns:p="http://schemas.openxmlformats.org/presentationml/2006/main">
+  <p:cSld>
+    <p:spTree>
+      <p:nvGrpSpPr>
+        <p:cNvPr id="1" name=""/>
+        <p:cNvGrpSpPr/>
+        <p:nvPr/>
+      </p:nvGrpSpPr>
+      <p:grpSpPr>
+        <a:xfrm>
+          <a:off x="0" y="0"/>
+          <a:ext cx="0" cy="0"/>
+          <a:chOff x="0" y="0"/>
+          <a:chExt cx="0" cy="0"/>
+        </a:xfrm>
+      </p:grpSpPr>
+      <p:sp>
+        <p:nvSpPr>
+          <p:cNvPr id="2" name="Titre 1"/>
+          <p:cNvSpPr>
+            <a:spLocks noGrp="1"/>
+          </p:cNvSpPr>
+          <p:nvPr>
+            <p:ph type="title"/>
+          </p:nvPr>
+        </p:nvSpPr>
+        <p:spPr/>
+        <p:txBody>
+          <a:bodyPr/>
+          <a:lstStyle/>
+          <a:p>
+            <a:r>
+              <a:rPr lang="fr-FR" dirty="0" smtClean="0"/>
+              <a:t>Paramétrage </a:t>
+            </a:r>
+            <a:r>
+              <a:rPr lang="fr-FR" dirty="0" err="1" smtClean="0"/>
+              <a:t>Android</a:t>
+            </a:r>
+            <a:endParaRPr lang="fr-FR" dirty="0"/>
+          </a:p>
+        </p:txBody>
+      </p:sp>
+      <p:sp>
+        <p:nvSpPr>
+          <p:cNvPr id="3" name="Espace réservé du contenu 2"/>
+          <p:cNvSpPr>
+            <a:spLocks noGrp="1"/>
+          </p:cNvSpPr>
+          <p:nvPr>
+            <p:ph idx="1"/>
+          </p:nvPr>
+        </p:nvSpPr>
+        <p:spPr/>
+        <p:txBody>
+          <a:bodyPr/>
+          <a:lstStyle/>
+          <a:p>
+            <a:r>
+              <a:rPr lang="fr-FR" dirty="0" smtClean="0"/>
+              <a:t>Utilisation des </a:t>
+            </a:r>
+            <a:r>
+              <a:rPr lang="fr-FR" dirty="0" err="1" smtClean="0"/>
+              <a:t>SharedPreference</a:t>
+            </a:r>
+            <a:r>
+              <a:rPr lang="fr-FR" dirty="0" smtClean="0"/>
+              <a:t> pour les paramètres.</a:t>
+            </a:r>
+          </a:p>
+          <a:p>
+            <a:endParaRPr lang="fr-FR" dirty="0"/>
+          </a:p>
+          <a:p>
+            <a:r>
+              <a:rPr lang="fr-FR" dirty="0" smtClean="0"/>
+              <a:t>Initialisé avec un fichier XML.</a:t>
+            </a:r>
+          </a:p>
+          <a:p>
+            <a:endParaRPr lang="fr-FR" dirty="0"/>
+          </a:p>
+          <a:p>
+            <a:r>
+              <a:rPr lang="fr-FR" dirty="0" smtClean="0"/>
+              <a:t>On veut </a:t>
+            </a:r>
+            <a:r>
+              <a:rPr lang="fr-FR" smtClean="0"/>
+              <a:t>pouvoir l’éditer</a:t>
+            </a:r>
+            <a:endParaRPr lang="fr-FR" dirty="0"/>
+          </a:p>
+        </p:txBody>
+      </p:sp>
+    </p:spTree>
+    <p:extLst>
+      <p:ext uri="{BB962C8B-B14F-4D97-AF65-F5344CB8AC3E}">
+        <p14:creationId xmlns:p14="http://schemas.microsoft.com/office/powerpoint/2010/main" val="1119909997"/>
+      </p:ext>
+    </p:extLst>
+  </p:cSld>
+  <p:clrMapOvr>
+    <a:masterClrMapping/>
+  </p:clrMapOvr>
+</p:sld>
+</file>
+
+<file path=ppt/slides/slide37.xml><?xml version="1.0" encoding="utf-8"?>
+<p:sld xmlns:a="http://schemas.openxmlformats.org/drawingml/2006/main" xmlns:r="http://schemas.openxmlformats.org/officeDocument/2006/relationships" xmlns:p="http://schemas.openxmlformats.org/presentationml/2006/main">
+  <p:cSld>
+    <p:spTree>
+      <p:nvGrpSpPr>
+        <p:cNvPr id="1" name=""/>
+        <p:cNvGrpSpPr/>
+        <p:nvPr/>
+      </p:nvGrpSpPr>
+      <p:grpSpPr>
+        <a:xfrm>
+          <a:off x="0" y="0"/>
+          <a:ext cx="0" cy="0"/>
+          <a:chOff x="0" y="0"/>
+          <a:chExt cx="0" cy="0"/>
+        </a:xfrm>
+      </p:grpSpPr>
+      <p:sp>
+        <p:nvSpPr>
+          <p:cNvPr id="2" name="Titre 1"/>
+          <p:cNvSpPr>
+            <a:spLocks noGrp="1"/>
+          </p:cNvSpPr>
+          <p:nvPr>
+            <p:ph type="title"/>
+          </p:nvPr>
+        </p:nvSpPr>
+        <p:spPr/>
+        <p:txBody>
+          <a:bodyPr/>
+          <a:lstStyle/>
+          <a:p>
+            <a:r>
+              <a:rPr lang="fr-FR" dirty="0" err="1" smtClean="0"/>
+              <a:t>Conlusion</a:t>
+            </a:r>
+            <a:r>
+              <a:rPr lang="fr-FR" dirty="0" smtClean="0"/>
+              <a:t> : La panacée ?</a:t>
+            </a:r>
+            <a:endParaRPr lang="fr-FR" dirty="0"/>
+          </a:p>
+        </p:txBody>
+      </p:sp>
+      <p:sp>
+        <p:nvSpPr>
+          <p:cNvPr id="3" name="Espace réservé du contenu 2"/>
+          <p:cNvSpPr>
+            <a:spLocks noGrp="1"/>
+          </p:cNvSpPr>
+          <p:nvPr>
+            <p:ph idx="1"/>
+          </p:nvPr>
+        </p:nvSpPr>
+        <p:spPr/>
+        <p:txBody>
+          <a:bodyPr/>
+          <a:lstStyle/>
+          <a:p>
+            <a:r>
+              <a:rPr lang="fr-FR" dirty="0" smtClean="0"/>
+              <a:t>On tape correctement notre </a:t>
+            </a:r>
+            <a:r>
+              <a:rPr lang="fr-FR" dirty="0" err="1" smtClean="0"/>
+              <a:t>webservice</a:t>
+            </a:r>
+            <a:endParaRPr lang="fr-FR" dirty="0" smtClean="0"/>
+          </a:p>
+          <a:p>
+            <a:endParaRPr lang="fr-FR" dirty="0"/>
+          </a:p>
+          <a:p>
+            <a:r>
+              <a:rPr lang="fr-FR" dirty="0" smtClean="0"/>
+              <a:t>On a notre </a:t>
+            </a:r>
+            <a:r>
+              <a:rPr lang="fr-FR" dirty="0" err="1" smtClean="0"/>
+              <a:t>storage</a:t>
+            </a:r>
+            <a:r>
+              <a:rPr lang="fr-FR" dirty="0" smtClean="0"/>
+              <a:t> local relativement simple</a:t>
+            </a:r>
+          </a:p>
+          <a:p>
+            <a:endParaRPr lang="fr-FR" dirty="0"/>
+          </a:p>
+          <a:p>
+            <a:r>
+              <a:rPr lang="fr-FR" dirty="0" smtClean="0"/>
+              <a:t>On a une application télé-paramétrable </a:t>
+            </a:r>
+          </a:p>
+          <a:p>
+            <a:endParaRPr lang="fr-FR" dirty="0"/>
+          </a:p>
+          <a:p>
+            <a:r>
+              <a:rPr lang="fr-FR" dirty="0" smtClean="0"/>
+              <a:t>MAIS : on n’a pas fait d’édition locale.</a:t>
+            </a:r>
+            <a:endParaRPr lang="fr-FR" dirty="0"/>
+          </a:p>
+        </p:txBody>
+      </p:sp>
+    </p:spTree>
+    <p:extLst>
+      <p:ext uri="{BB962C8B-B14F-4D97-AF65-F5344CB8AC3E}">
+        <p14:creationId xmlns:p14="http://schemas.microsoft.com/office/powerpoint/2010/main" val="3950536386"/>
+      </p:ext>
+    </p:extLst>
+  </p:cSld>
+  <p:clrMapOvr>
+    <a:masterClrMapping/>
+  </p:clrMapOvr>
+</p:sld>
+</file>
+
+<file path=ppt/slides/slide38.xml><?xml version="1.0" encoding="utf-8"?>
 <p:sld xmlns:a="http://schemas.openxmlformats.org/drawingml/2006/main" xmlns:r="http://schemas.openxmlformats.org/officeDocument/2006/relationships" xmlns:p="http://schemas.openxmlformats.org/presentationml/2006/main">
   <p:cSld>
     <p:spTree>

--- a/protobuf-powered.pptx
+++ b/protobuf-powered.pptx
@@ -7,42 +7,51 @@
   <p:sldIdLst>
     <p:sldId id="256" r:id="rId2"/>
     <p:sldId id="257" r:id="rId3"/>
-    <p:sldId id="258" r:id="rId4"/>
-    <p:sldId id="259" r:id="rId5"/>
-    <p:sldId id="260" r:id="rId6"/>
-    <p:sldId id="261" r:id="rId7"/>
-    <p:sldId id="262" r:id="rId8"/>
-    <p:sldId id="263" r:id="rId9"/>
-    <p:sldId id="264" r:id="rId10"/>
-    <p:sldId id="272" r:id="rId11"/>
-    <p:sldId id="265" r:id="rId12"/>
-    <p:sldId id="266" r:id="rId13"/>
-    <p:sldId id="267" r:id="rId14"/>
-    <p:sldId id="268" r:id="rId15"/>
-    <p:sldId id="269" r:id="rId16"/>
-    <p:sldId id="273" r:id="rId17"/>
-    <p:sldId id="276" r:id="rId18"/>
-    <p:sldId id="275" r:id="rId19"/>
-    <p:sldId id="274" r:id="rId20"/>
-    <p:sldId id="278" r:id="rId21"/>
-    <p:sldId id="277" r:id="rId22"/>
-    <p:sldId id="279" r:id="rId23"/>
-    <p:sldId id="280" r:id="rId24"/>
-    <p:sldId id="281" r:id="rId25"/>
-    <p:sldId id="282" r:id="rId26"/>
-    <p:sldId id="283" r:id="rId27"/>
-    <p:sldId id="285" r:id="rId28"/>
-    <p:sldId id="286" r:id="rId29"/>
-    <p:sldId id="287" r:id="rId30"/>
-    <p:sldId id="288" r:id="rId31"/>
-    <p:sldId id="289" r:id="rId32"/>
-    <p:sldId id="290" r:id="rId33"/>
-    <p:sldId id="291" r:id="rId34"/>
-    <p:sldId id="292" r:id="rId35"/>
-    <p:sldId id="293" r:id="rId36"/>
-    <p:sldId id="294" r:id="rId37"/>
-    <p:sldId id="270" r:id="rId38"/>
-    <p:sldId id="271" r:id="rId39"/>
+    <p:sldId id="296" r:id="rId4"/>
+    <p:sldId id="295" r:id="rId5"/>
+    <p:sldId id="298" r:id="rId6"/>
+    <p:sldId id="258" r:id="rId7"/>
+    <p:sldId id="259" r:id="rId8"/>
+    <p:sldId id="260" r:id="rId9"/>
+    <p:sldId id="261" r:id="rId10"/>
+    <p:sldId id="262" r:id="rId11"/>
+    <p:sldId id="263" r:id="rId12"/>
+    <p:sldId id="264" r:id="rId13"/>
+    <p:sldId id="272" r:id="rId14"/>
+    <p:sldId id="265" r:id="rId15"/>
+    <p:sldId id="266" r:id="rId16"/>
+    <p:sldId id="267" r:id="rId17"/>
+    <p:sldId id="268" r:id="rId18"/>
+    <p:sldId id="269" r:id="rId19"/>
+    <p:sldId id="273" r:id="rId20"/>
+    <p:sldId id="276" r:id="rId21"/>
+    <p:sldId id="275" r:id="rId22"/>
+    <p:sldId id="274" r:id="rId23"/>
+    <p:sldId id="278" r:id="rId24"/>
+    <p:sldId id="277" r:id="rId25"/>
+    <p:sldId id="279" r:id="rId26"/>
+    <p:sldId id="280" r:id="rId27"/>
+    <p:sldId id="281" r:id="rId28"/>
+    <p:sldId id="282" r:id="rId29"/>
+    <p:sldId id="283" r:id="rId30"/>
+    <p:sldId id="285" r:id="rId31"/>
+    <p:sldId id="286" r:id="rId32"/>
+    <p:sldId id="287" r:id="rId33"/>
+    <p:sldId id="288" r:id="rId34"/>
+    <p:sldId id="289" r:id="rId35"/>
+    <p:sldId id="290" r:id="rId36"/>
+    <p:sldId id="291" r:id="rId37"/>
+    <p:sldId id="292" r:id="rId38"/>
+    <p:sldId id="293" r:id="rId39"/>
+    <p:sldId id="294" r:id="rId40"/>
+    <p:sldId id="299" r:id="rId41"/>
+    <p:sldId id="300" r:id="rId42"/>
+    <p:sldId id="301" r:id="rId43"/>
+    <p:sldId id="303" r:id="rId44"/>
+    <p:sldId id="302" r:id="rId45"/>
+    <p:sldId id="304" r:id="rId46"/>
+    <p:sldId id="270" r:id="rId47"/>
+    <p:sldId id="271" r:id="rId48"/>
   </p:sldIdLst>
   <p:sldSz cx="9144000" cy="6858000" type="screen4x3"/>
   <p:notesSz cx="6858000" cy="9144000"/>
@@ -325,7 +334,7 @@
           <a:p>
             <a:fld id="{10B3F19B-9563-F042-816E-6C7946FA7A3B}" type="datetimeFigureOut">
               <a:rPr lang="fr-FR" smtClean="0"/>
-              <a:t>08/04/16</a:t>
+              <a:t>19/04/16</a:t>
             </a:fld>
             <a:endParaRPr lang="fr-FR"/>
           </a:p>
@@ -495,7 +504,7 @@
           <a:p>
             <a:fld id="{10B3F19B-9563-F042-816E-6C7946FA7A3B}" type="datetimeFigureOut">
               <a:rPr lang="fr-FR" smtClean="0"/>
-              <a:t>08/04/16</a:t>
+              <a:t>19/04/16</a:t>
             </a:fld>
             <a:endParaRPr lang="fr-FR"/>
           </a:p>
@@ -675,7 +684,7 @@
           <a:p>
             <a:fld id="{10B3F19B-9563-F042-816E-6C7946FA7A3B}" type="datetimeFigureOut">
               <a:rPr lang="fr-FR" smtClean="0"/>
-              <a:t>08/04/16</a:t>
+              <a:t>19/04/16</a:t>
             </a:fld>
             <a:endParaRPr lang="fr-FR"/>
           </a:p>
@@ -845,7 +854,7 @@
           <a:p>
             <a:fld id="{10B3F19B-9563-F042-816E-6C7946FA7A3B}" type="datetimeFigureOut">
               <a:rPr lang="fr-FR" smtClean="0"/>
-              <a:t>08/04/16</a:t>
+              <a:t>19/04/16</a:t>
             </a:fld>
             <a:endParaRPr lang="fr-FR"/>
           </a:p>
@@ -1091,7 +1100,7 @@
           <a:p>
             <a:fld id="{10B3F19B-9563-F042-816E-6C7946FA7A3B}" type="datetimeFigureOut">
               <a:rPr lang="fr-FR" smtClean="0"/>
-              <a:t>08/04/16</a:t>
+              <a:t>19/04/16</a:t>
             </a:fld>
             <a:endParaRPr lang="fr-FR"/>
           </a:p>
@@ -1379,7 +1388,7 @@
           <a:p>
             <a:fld id="{10B3F19B-9563-F042-816E-6C7946FA7A3B}" type="datetimeFigureOut">
               <a:rPr lang="fr-FR" smtClean="0"/>
-              <a:t>08/04/16</a:t>
+              <a:t>19/04/16</a:t>
             </a:fld>
             <a:endParaRPr lang="fr-FR"/>
           </a:p>
@@ -1801,7 +1810,7 @@
           <a:p>
             <a:fld id="{10B3F19B-9563-F042-816E-6C7946FA7A3B}" type="datetimeFigureOut">
               <a:rPr lang="fr-FR" smtClean="0"/>
-              <a:t>08/04/16</a:t>
+              <a:t>19/04/16</a:t>
             </a:fld>
             <a:endParaRPr lang="fr-FR"/>
           </a:p>
@@ -1919,7 +1928,7 @@
           <a:p>
             <a:fld id="{10B3F19B-9563-F042-816E-6C7946FA7A3B}" type="datetimeFigureOut">
               <a:rPr lang="fr-FR" smtClean="0"/>
-              <a:t>08/04/16</a:t>
+              <a:t>19/04/16</a:t>
             </a:fld>
             <a:endParaRPr lang="fr-FR"/>
           </a:p>
@@ -2014,7 +2023,7 @@
           <a:p>
             <a:fld id="{10B3F19B-9563-F042-816E-6C7946FA7A3B}" type="datetimeFigureOut">
               <a:rPr lang="fr-FR" smtClean="0"/>
-              <a:t>08/04/16</a:t>
+              <a:t>19/04/16</a:t>
             </a:fld>
             <a:endParaRPr lang="fr-FR"/>
           </a:p>
@@ -2291,7 +2300,7 @@
           <a:p>
             <a:fld id="{10B3F19B-9563-F042-816E-6C7946FA7A3B}" type="datetimeFigureOut">
               <a:rPr lang="fr-FR" smtClean="0"/>
-              <a:t>08/04/16</a:t>
+              <a:t>19/04/16</a:t>
             </a:fld>
             <a:endParaRPr lang="fr-FR"/>
           </a:p>
@@ -2544,7 +2553,7 @@
           <a:p>
             <a:fld id="{10B3F19B-9563-F042-816E-6C7946FA7A3B}" type="datetimeFigureOut">
               <a:rPr lang="fr-FR" smtClean="0"/>
-              <a:t>08/04/16</a:t>
+              <a:t>19/04/16</a:t>
             </a:fld>
             <a:endParaRPr lang="fr-FR"/>
           </a:p>
@@ -2757,7 +2766,7 @@
           <a:p>
             <a:fld id="{10B3F19B-9563-F042-816E-6C7946FA7A3B}" type="datetimeFigureOut">
               <a:rPr lang="fr-FR" smtClean="0"/>
-              <a:t>08/04/16</a:t>
+              <a:t>19/04/16</a:t>
             </a:fld>
             <a:endParaRPr lang="fr-FR"/>
           </a:p>
@@ -3249,7 +3258,7 @@
           <a:p>
             <a:r>
               <a:rPr lang="fr-FR" dirty="0" smtClean="0"/>
-              <a:t>Générateur de code</a:t>
+              <a:t>Langage descripteur</a:t>
             </a:r>
             <a:endParaRPr lang="fr-FR" dirty="0"/>
           </a:p>
@@ -3277,7 +3286,7 @@
     </p:spTree>
     <p:extLst>
       <p:ext uri="{BB962C8B-B14F-4D97-AF65-F5344CB8AC3E}">
-        <p14:creationId xmlns:p14="http://schemas.microsoft.com/office/powerpoint/2010/main" val="402769495"/>
+        <p14:creationId xmlns:p14="http://schemas.microsoft.com/office/powerpoint/2010/main" val="3777387149"/>
       </p:ext>
     </p:extLst>
   </p:cSld>
@@ -3321,12 +3330,9 @@
           <a:p>
             <a:r>
               <a:rPr lang="fr-FR" dirty="0" smtClean="0"/>
-              <a:t>Format sérialis</a:t>
-            </a:r>
-            <a:r>
-              <a:rPr lang="fr-FR" dirty="0"/>
-              <a:t>é</a:t>
-            </a:r>
+              <a:t>Générateur de code</a:t>
+            </a:r>
+            <a:endParaRPr lang="fr-FR" dirty="0"/>
           </a:p>
         </p:txBody>
       </p:sp>
@@ -3342,16 +3348,52 @@
         </p:nvSpPr>
         <p:spPr/>
         <p:txBody>
-          <a:bodyPr/>
-          <a:lstStyle/>
-          <a:p>
-            <a:r>
-              <a:rPr lang="fr-FR" dirty="0" smtClean="0"/>
-              <a:t>Format Binaire -&gt; non </a:t>
-            </a:r>
-            <a:r>
-              <a:rPr lang="fr-FR" dirty="0" err="1" smtClean="0"/>
-              <a:t>human</a:t>
+          <a:bodyPr>
+            <a:normAutofit lnSpcReduction="10000"/>
+          </a:bodyPr>
+          <a:lstStyle/>
+          <a:p>
+            <a:r>
+              <a:rPr lang="fr-FR" dirty="0" smtClean="0"/>
+              <a:t>Disponible pour plusieurs langages : </a:t>
+            </a:r>
+          </a:p>
+          <a:p>
+            <a:pPr lvl="1"/>
+            <a:r>
+              <a:rPr lang="fr-FR" dirty="0" smtClean="0"/>
+              <a:t>Java, C#, C++, Python, </a:t>
+            </a:r>
+            <a:r>
+              <a:rPr lang="fr-FR" dirty="0" err="1" smtClean="0"/>
+              <a:t>Javascript</a:t>
+            </a:r>
+            <a:r>
+              <a:rPr lang="fr-FR" dirty="0" smtClean="0"/>
+              <a:t>, Objective-C, etc.</a:t>
+            </a:r>
+          </a:p>
+          <a:p>
+            <a:pPr lvl="1"/>
+            <a:endParaRPr lang="fr-FR" dirty="0"/>
+          </a:p>
+          <a:p>
+            <a:r>
+              <a:rPr lang="fr-FR" dirty="0" smtClean="0"/>
+              <a:t>Se présente sous la forme d’un exécutable</a:t>
+            </a:r>
+          </a:p>
+          <a:p>
+            <a:endParaRPr lang="fr-FR" dirty="0"/>
+          </a:p>
+          <a:p>
+            <a:r>
+              <a:rPr lang="fr-FR" dirty="0" smtClean="0"/>
+              <a:t>Intégrable au </a:t>
+            </a:r>
+            <a:r>
+              <a:rPr lang="fr-FR" dirty="0" err="1" smtClean="0"/>
+              <a:t>build</a:t>
             </a:r>
             <a:r>
               <a:rPr lang="fr-FR" dirty="0" smtClean="0"/>
@@ -3359,35 +3401,60 @@
             </a:r>
             <a:r>
               <a:rPr lang="fr-FR" dirty="0" err="1" smtClean="0"/>
-              <a:t>readable</a:t>
+              <a:t>maven</a:t>
+            </a:r>
+            <a:r>
+              <a:rPr lang="fr-FR" dirty="0" smtClean="0"/>
+              <a:t>/</a:t>
+            </a:r>
+            <a:r>
+              <a:rPr lang="fr-FR" dirty="0" err="1" smtClean="0"/>
+              <a:t>gradle</a:t>
+            </a:r>
+            <a:r>
+              <a:rPr lang="fr-FR" dirty="0" smtClean="0"/>
+              <a:t> :</a:t>
+            </a:r>
+          </a:p>
+          <a:p>
+            <a:pPr lvl="1"/>
+            <a:r>
+              <a:rPr lang="fr-FR" dirty="0" smtClean="0">
+                <a:hlinkClick r:id="rId2"/>
+              </a:rPr>
+              <a:t>https://www.xolstice.org/protobuf-maven-plugin/</a:t>
             </a:r>
             <a:endParaRPr lang="fr-FR" dirty="0" smtClean="0"/>
           </a:p>
           <a:p>
-            <a:endParaRPr lang="fr-FR" dirty="0"/>
-          </a:p>
-          <a:p>
-            <a:r>
-              <a:rPr lang="fr-FR" dirty="0" smtClean="0"/>
-              <a:t>Basé sur l’ordre des champs et leur taille</a:t>
-            </a:r>
-          </a:p>
-          <a:p>
-            <a:endParaRPr lang="fr-FR" dirty="0"/>
-          </a:p>
-          <a:p>
-            <a:r>
-              <a:rPr lang="fr-FR" dirty="0" smtClean="0"/>
-              <a:t>Relativement performant</a:t>
-            </a:r>
-            <a:endParaRPr lang="fr-FR" dirty="0"/>
+            <a:pPr lvl="1"/>
+            <a:r>
+              <a:rPr lang="fr-FR" dirty="0" smtClean="0">
+                <a:hlinkClick r:id="rId3"/>
+              </a:rPr>
+              <a:t>https://github.com/google/protobuf-gradle-plugin</a:t>
+            </a:r>
+            <a:endParaRPr lang="fr-FR" dirty="0" smtClean="0"/>
+          </a:p>
+          <a:p>
+            <a:pPr lvl="1"/>
+            <a:r>
+              <a:rPr lang="fr-FR" dirty="0" smtClean="0">
+                <a:hlinkClick r:id="rId4"/>
+              </a:rPr>
+              <a:t>https://github.com/Atry/sbt-cppp</a:t>
+            </a:r>
+            <a:r>
+              <a:rPr lang="fr-FR" dirty="0" smtClean="0"/>
+              <a:t> </a:t>
+            </a:r>
           </a:p>
         </p:txBody>
       </p:sp>
     </p:spTree>
     <p:extLst>
       <p:ext uri="{BB962C8B-B14F-4D97-AF65-F5344CB8AC3E}">
-        <p14:creationId xmlns:p14="http://schemas.microsoft.com/office/powerpoint/2010/main" val="1725805716"/>
+        <p14:creationId xmlns:p14="http://schemas.microsoft.com/office/powerpoint/2010/main" val="1667600080"/>
       </p:ext>
     </p:extLst>
   </p:cSld>
@@ -3431,7 +3498,7 @@
           <a:p>
             <a:r>
               <a:rPr lang="fr-FR" dirty="0" smtClean="0"/>
-              <a:t>Avantages</a:t>
+              <a:t>Générateur de code</a:t>
             </a:r>
             <a:endParaRPr lang="fr-FR" dirty="0"/>
           </a:p>
@@ -3449,57 +3516,67 @@
         </p:nvSpPr>
         <p:spPr/>
         <p:txBody>
-          <a:bodyPr/>
-          <a:lstStyle/>
-          <a:p>
-            <a:r>
-              <a:rPr lang="fr-FR" dirty="0" smtClean="0"/>
-              <a:t>Immutable</a:t>
-            </a:r>
-          </a:p>
-          <a:p>
-            <a:endParaRPr lang="fr-FR" dirty="0"/>
-          </a:p>
-          <a:p>
-            <a:r>
-              <a:rPr lang="fr-FR" dirty="0" smtClean="0"/>
-              <a:t>Simple à écrire</a:t>
-            </a:r>
-          </a:p>
-          <a:p>
-            <a:pPr lvl="1"/>
-            <a:r>
-              <a:rPr lang="fr-FR" dirty="0" smtClean="0"/>
-              <a:t>Création</a:t>
-            </a:r>
-          </a:p>
-          <a:p>
-            <a:pPr lvl="1"/>
-            <a:r>
-              <a:rPr lang="fr-FR" dirty="0" smtClean="0"/>
-              <a:t>Modification</a:t>
-            </a:r>
-          </a:p>
-          <a:p>
-            <a:pPr lvl="1"/>
-            <a:endParaRPr lang="fr-FR" dirty="0"/>
-          </a:p>
-          <a:p>
-            <a:r>
-              <a:rPr lang="fr-FR" dirty="0" smtClean="0"/>
-              <a:t>Pas mal de </a:t>
-            </a:r>
-            <a:r>
-              <a:rPr lang="fr-FR" dirty="0" err="1" smtClean="0"/>
-              <a:t>built</a:t>
-            </a:r>
-            <a:r>
-              <a:rPr lang="fr-FR" dirty="0" smtClean="0"/>
-              <a:t>-in </a:t>
-            </a:r>
-            <a:r>
-              <a:rPr lang="fr-FR" dirty="0" err="1" smtClean="0"/>
-              <a:t>methods</a:t>
+          <a:bodyPr>
+            <a:normAutofit fontScale="85000" lnSpcReduction="20000"/>
+          </a:bodyPr>
+          <a:lstStyle/>
+          <a:p>
+            <a:endParaRPr lang="fr-FR" dirty="0" smtClean="0"/>
+          </a:p>
+          <a:p>
+            <a:r>
+              <a:rPr lang="fr-FR" dirty="0"/>
+              <a:t>Le fichier généré est relativement imbittable </a:t>
+            </a:r>
+          </a:p>
+          <a:p>
+            <a:endParaRPr lang="fr-FR" dirty="0" smtClean="0"/>
+          </a:p>
+          <a:p>
+            <a:r>
+              <a:rPr lang="fr-FR" dirty="0" smtClean="0"/>
+              <a:t>Crée des Objets héritant de « Message »</a:t>
+            </a:r>
+          </a:p>
+          <a:p>
+            <a:endParaRPr lang="fr-FR" dirty="0" smtClean="0"/>
+          </a:p>
+          <a:p>
+            <a:r>
+              <a:rPr lang="fr-FR" dirty="0" smtClean="0"/>
+              <a:t>Disposent d’un </a:t>
+            </a:r>
+            <a:r>
+              <a:rPr lang="fr-FR" dirty="0" err="1" smtClean="0"/>
+              <a:t>Builder</a:t>
+            </a:r>
+            <a:endParaRPr lang="fr-FR" dirty="0" smtClean="0"/>
+          </a:p>
+          <a:p>
+            <a:endParaRPr lang="fr-FR" dirty="0"/>
+          </a:p>
+          <a:p>
+            <a:r>
+              <a:rPr lang="fr-FR" dirty="0" smtClean="0"/>
+              <a:t>Sont </a:t>
+            </a:r>
+            <a:r>
+              <a:rPr lang="fr-FR" u="sng" dirty="0" smtClean="0"/>
+              <a:t>immutables</a:t>
+            </a:r>
+            <a:endParaRPr lang="fr-FR" u="sng" dirty="0"/>
+          </a:p>
+          <a:p>
+            <a:endParaRPr lang="fr-FR" dirty="0" smtClean="0"/>
+          </a:p>
+          <a:p>
+            <a:r>
+              <a:rPr lang="fr-FR" dirty="0" smtClean="0"/>
+              <a:t>Ont un </a:t>
+            </a:r>
+            <a:r>
+              <a:rPr lang="fr-FR" dirty="0" err="1" smtClean="0"/>
+              <a:t>toString</a:t>
             </a:r>
             <a:endParaRPr lang="fr-FR" dirty="0"/>
           </a:p>
@@ -3508,7 +3585,7 @@
     </p:spTree>
     <p:extLst>
       <p:ext uri="{BB962C8B-B14F-4D97-AF65-F5344CB8AC3E}">
-        <p14:creationId xmlns:p14="http://schemas.microsoft.com/office/powerpoint/2010/main" val="3481788304"/>
+        <p14:creationId xmlns:p14="http://schemas.microsoft.com/office/powerpoint/2010/main" val="151900677"/>
       </p:ext>
     </p:extLst>
   </p:cSld>
@@ -3552,7 +3629,7 @@
           <a:p>
             <a:r>
               <a:rPr lang="fr-FR" dirty="0" smtClean="0"/>
-              <a:t>Inconvénients</a:t>
+              <a:t>Générateur de code</a:t>
             </a:r>
             <a:endParaRPr lang="fr-FR" dirty="0"/>
           </a:p>
@@ -3573,61 +3650,6 @@
           <a:bodyPr/>
           <a:lstStyle/>
           <a:p>
-            <a:r>
-              <a:rPr lang="fr-FR" dirty="0" smtClean="0"/>
-              <a:t>Non </a:t>
-            </a:r>
-            <a:r>
-              <a:rPr lang="fr-FR" dirty="0" err="1" smtClean="0"/>
-              <a:t>Human</a:t>
-            </a:r>
-            <a:r>
-              <a:rPr lang="fr-FR" dirty="0" smtClean="0"/>
-              <a:t> </a:t>
-            </a:r>
-            <a:r>
-              <a:rPr lang="fr-FR" dirty="0" err="1" smtClean="0"/>
-              <a:t>Readable</a:t>
-            </a:r>
-            <a:endParaRPr lang="fr-FR" dirty="0" smtClean="0"/>
-          </a:p>
-          <a:p>
-            <a:endParaRPr lang="fr-FR" dirty="0"/>
-          </a:p>
-          <a:p>
-            <a:r>
-              <a:rPr lang="fr-FR" dirty="0" smtClean="0"/>
-              <a:t>Pas utilisé par tout le monde</a:t>
-            </a:r>
-          </a:p>
-          <a:p>
-            <a:pPr lvl="1"/>
-            <a:r>
-              <a:rPr lang="fr-FR" dirty="0" smtClean="0"/>
-              <a:t>En particulier sur les </a:t>
-            </a:r>
-            <a:r>
-              <a:rPr lang="fr-FR" dirty="0" err="1" smtClean="0"/>
-              <a:t>WebServices</a:t>
-            </a:r>
-            <a:endParaRPr lang="fr-FR" dirty="0"/>
-          </a:p>
-          <a:p>
-            <a:endParaRPr lang="fr-FR" dirty="0" smtClean="0"/>
-          </a:p>
-          <a:p>
-            <a:r>
-              <a:rPr lang="fr-FR" dirty="0" smtClean="0"/>
-              <a:t>Pas facilement </a:t>
-            </a:r>
-            <a:r>
-              <a:rPr lang="fr-FR" dirty="0" err="1" smtClean="0"/>
-              <a:t>Etendable</a:t>
-            </a:r>
-            <a:r>
-              <a:rPr lang="fr-FR" dirty="0" smtClean="0"/>
-              <a:t> (hormis à partir d’un fichier proto)</a:t>
-            </a:r>
             <a:endParaRPr lang="fr-FR" dirty="0"/>
           </a:p>
         </p:txBody>
@@ -3635,7 +3657,7 @@
     </p:spTree>
     <p:extLst>
       <p:ext uri="{BB962C8B-B14F-4D97-AF65-F5344CB8AC3E}">
-        <p14:creationId xmlns:p14="http://schemas.microsoft.com/office/powerpoint/2010/main" val="4117981998"/>
+        <p14:creationId xmlns:p14="http://schemas.microsoft.com/office/powerpoint/2010/main" val="402769495"/>
       </p:ext>
     </p:extLst>
   </p:cSld>
@@ -3679,9 +3701,12 @@
           <a:p>
             <a:r>
               <a:rPr lang="fr-FR" dirty="0" smtClean="0"/>
-              <a:t>Et Maintenant ?</a:t>
-            </a:r>
-            <a:endParaRPr lang="fr-FR" dirty="0"/>
+              <a:t>Format sérialis</a:t>
+            </a:r>
+            <a:r>
+              <a:rPr lang="fr-FR" dirty="0"/>
+              <a:t>é</a:t>
+            </a:r>
           </a:p>
         </p:txBody>
       </p:sp>
@@ -3697,57 +3722,43 @@
         </p:nvSpPr>
         <p:spPr/>
         <p:txBody>
-          <a:bodyPr>
-            <a:normAutofit lnSpcReduction="10000"/>
-          </a:bodyPr>
-          <a:lstStyle/>
-          <a:p>
-            <a:r>
-              <a:rPr lang="fr-FR" dirty="0" smtClean="0"/>
-              <a:t>On aime </a:t>
-            </a:r>
-            <a:r>
-              <a:rPr lang="fr-FR" dirty="0" err="1" smtClean="0"/>
-              <a:t>protobuf</a:t>
-            </a:r>
-            <a:r>
-              <a:rPr lang="fr-FR" dirty="0"/>
+          <a:bodyPr/>
+          <a:lstStyle/>
+          <a:p>
+            <a:r>
+              <a:rPr lang="fr-FR" dirty="0" smtClean="0"/>
+              <a:t>Format Binaire -&gt; non </a:t>
+            </a:r>
+            <a:r>
+              <a:rPr lang="fr-FR" dirty="0" err="1" smtClean="0"/>
+              <a:t>human</a:t>
+            </a:r>
+            <a:r>
+              <a:rPr lang="fr-FR" dirty="0" smtClean="0"/>
               <a:t> </a:t>
             </a:r>
             <a:r>
-              <a:rPr lang="fr-FR" dirty="0" smtClean="0"/>
-              <a:t>pour ses avantages</a:t>
-            </a:r>
-          </a:p>
-          <a:p>
-            <a:endParaRPr lang="fr-FR" dirty="0"/>
-          </a:p>
-          <a:p>
-            <a:r>
-              <a:rPr lang="fr-FR" dirty="0" smtClean="0"/>
-              <a:t>On l’aime moins pour ses inconvénients</a:t>
-            </a:r>
-          </a:p>
-          <a:p>
-            <a:endParaRPr lang="fr-FR" dirty="0"/>
-          </a:p>
-          <a:p>
-            <a:r>
-              <a:rPr lang="fr-FR" dirty="0" smtClean="0"/>
-              <a:t>On a envie de l’utiliser</a:t>
-            </a:r>
-            <a:r>
-              <a:rPr lang="fr-FR" dirty="0" smtClean="0"/>
-              <a:t>.</a:t>
-            </a:r>
-          </a:p>
-          <a:p>
-            <a:endParaRPr lang="fr-FR" dirty="0"/>
-          </a:p>
-          <a:p>
-            <a:r>
-              <a:rPr lang="fr-FR" dirty="0" smtClean="0"/>
-              <a:t>On n’a pas le temps d’apprendre beaucoup de nouvelles technos.</a:t>
+              <a:rPr lang="fr-FR" dirty="0" err="1" smtClean="0"/>
+              <a:t>readable</a:t>
+            </a:r>
+            <a:endParaRPr lang="fr-FR" dirty="0" smtClean="0"/>
+          </a:p>
+          <a:p>
+            <a:endParaRPr lang="fr-FR" dirty="0"/>
+          </a:p>
+          <a:p>
+            <a:r>
+              <a:rPr lang="fr-FR" dirty="0" smtClean="0"/>
+              <a:t>Basé sur l’ordre des champs et leur taille</a:t>
+            </a:r>
+          </a:p>
+          <a:p>
+            <a:endParaRPr lang="fr-FR" dirty="0"/>
+          </a:p>
+          <a:p>
+            <a:r>
+              <a:rPr lang="fr-FR" dirty="0" smtClean="0"/>
+              <a:t>Relativement performant</a:t>
             </a:r>
             <a:endParaRPr lang="fr-FR" dirty="0"/>
           </a:p>
@@ -3756,7 +3767,7 @@
     </p:spTree>
     <p:extLst>
       <p:ext uri="{BB962C8B-B14F-4D97-AF65-F5344CB8AC3E}">
-        <p14:creationId xmlns:p14="http://schemas.microsoft.com/office/powerpoint/2010/main" val="4064413871"/>
+        <p14:creationId xmlns:p14="http://schemas.microsoft.com/office/powerpoint/2010/main" val="1725805716"/>
       </p:ext>
     </p:extLst>
   </p:cSld>
@@ -3800,7 +3811,7 @@
           <a:p>
             <a:r>
               <a:rPr lang="fr-FR" dirty="0" smtClean="0"/>
-              <a:t>Notre cas de figure</a:t>
+              <a:t>Avantages</a:t>
             </a:r>
             <a:endParaRPr lang="fr-FR" dirty="0"/>
           </a:p>
@@ -3823,66 +3834,61 @@
           <a:p>
             <a:r>
               <a:rPr lang="fr-FR" dirty="0" smtClean="0"/>
-              <a:t>On veut faire une application :</a:t>
+              <a:t>Immutable</a:t>
+            </a:r>
+          </a:p>
+          <a:p>
+            <a:endParaRPr lang="fr-FR" dirty="0"/>
+          </a:p>
+          <a:p>
+            <a:r>
+              <a:rPr lang="fr-FR" dirty="0" smtClean="0"/>
+              <a:t>Simple à écrire</a:t>
             </a:r>
           </a:p>
           <a:p>
             <a:pPr lvl="1"/>
             <a:r>
               <a:rPr lang="fr-FR" dirty="0" smtClean="0"/>
-              <a:t>Liste les issues </a:t>
-            </a:r>
-            <a:r>
-              <a:rPr lang="fr-FR" dirty="0" err="1" smtClean="0"/>
-              <a:t>github</a:t>
-            </a:r>
-            <a:r>
-              <a:rPr lang="fr-FR" dirty="0" smtClean="0"/>
-              <a:t> pour </a:t>
-            </a:r>
-            <a:r>
-              <a:rPr lang="fr-FR" dirty="0" err="1" smtClean="0"/>
-              <a:t>protobuf</a:t>
-            </a:r>
-            <a:endParaRPr lang="fr-FR" dirty="0" smtClean="0"/>
+              <a:t>Création</a:t>
+            </a:r>
           </a:p>
           <a:p>
             <a:pPr lvl="1"/>
             <a:r>
               <a:rPr lang="fr-FR" dirty="0" smtClean="0"/>
-              <a:t>En </a:t>
-            </a:r>
-            <a:r>
-              <a:rPr lang="fr-FR" dirty="0" smtClean="0"/>
-              <a:t>consultation seulement</a:t>
-            </a:r>
-            <a:endParaRPr lang="fr-FR" dirty="0"/>
+              <a:t>Modification</a:t>
+            </a:r>
           </a:p>
           <a:p>
             <a:pPr lvl="1"/>
-            <a:endParaRPr lang="fr-FR" dirty="0" smtClean="0"/>
-          </a:p>
-          <a:p>
-            <a:r>
-              <a:rPr lang="fr-FR" dirty="0" smtClean="0"/>
-              <a:t>Avec du cache local</a:t>
-            </a:r>
-          </a:p>
-          <a:p>
-            <a:endParaRPr lang="fr-FR" dirty="0"/>
-          </a:p>
-          <a:p>
-            <a:r>
-              <a:rPr lang="fr-FR" dirty="0" smtClean="0"/>
-              <a:t>Paramétrable (nombre d’issue, délai de cache)</a:t>
-            </a:r>
+            <a:endParaRPr lang="fr-FR" dirty="0"/>
+          </a:p>
+          <a:p>
+            <a:r>
+              <a:rPr lang="fr-FR" dirty="0" smtClean="0"/>
+              <a:t>Pas mal de </a:t>
+            </a:r>
+            <a:r>
+              <a:rPr lang="fr-FR" dirty="0" err="1" smtClean="0"/>
+              <a:t>built</a:t>
+            </a:r>
+            <a:r>
+              <a:rPr lang="fr-FR" dirty="0" smtClean="0"/>
+              <a:t>-in </a:t>
+            </a:r>
+            <a:r>
+              <a:rPr lang="fr-FR" dirty="0" err="1" smtClean="0"/>
+              <a:t>methods</a:t>
+            </a:r>
+            <a:endParaRPr lang="fr-FR" dirty="0"/>
           </a:p>
         </p:txBody>
       </p:sp>
     </p:spTree>
     <p:extLst>
       <p:ext uri="{BB962C8B-B14F-4D97-AF65-F5344CB8AC3E}">
-        <p14:creationId xmlns:p14="http://schemas.microsoft.com/office/powerpoint/2010/main" val="3172752415"/>
+        <p14:creationId xmlns:p14="http://schemas.microsoft.com/office/powerpoint/2010/main" val="3481788304"/>
       </p:ext>
     </p:extLst>
   </p:cSld>
@@ -3926,7 +3932,7 @@
           <a:p>
             <a:r>
               <a:rPr lang="fr-FR" dirty="0" smtClean="0"/>
-              <a:t>Appels REST</a:t>
+              <a:t>Inconvénients</a:t>
             </a:r>
             <a:endParaRPr lang="fr-FR" dirty="0"/>
           </a:p>
@@ -3949,11 +3955,11 @@
           <a:p>
             <a:r>
               <a:rPr lang="fr-FR" dirty="0" smtClean="0"/>
-              <a:t>API </a:t>
-            </a:r>
-            <a:r>
-              <a:rPr lang="fr-FR" dirty="0" err="1" smtClean="0"/>
-              <a:t>Github</a:t>
+              <a:t>Non </a:t>
+            </a:r>
+            <a:r>
+              <a:rPr lang="fr-FR" dirty="0" err="1" smtClean="0"/>
+              <a:t>Human</a:t>
             </a:r>
             <a:r>
               <a:rPr lang="fr-FR" dirty="0" smtClean="0"/>
@@ -3961,7 +3967,7 @@
             </a:r>
             <a:r>
               <a:rPr lang="fr-FR" dirty="0" err="1" smtClean="0"/>
-              <a:t>RESTful</a:t>
+              <a:t>Readable</a:t>
             </a:r>
             <a:endParaRPr lang="fr-FR" dirty="0" smtClean="0"/>
           </a:p>
@@ -3971,47 +3977,45 @@
           <a:p>
             <a:r>
               <a:rPr lang="fr-FR" dirty="0" smtClean="0"/>
-              <a:t>Retourne du JSON</a:t>
-            </a:r>
-          </a:p>
-          <a:p>
-            <a:endParaRPr lang="fr-FR" dirty="0"/>
-          </a:p>
-          <a:p>
-            <a:r>
-              <a:rPr lang="fr-FR" dirty="0" smtClean="0"/>
-              <a:t>Les issues d’un </a:t>
-            </a:r>
-            <a:r>
-              <a:rPr lang="fr-FR" dirty="0" err="1" smtClean="0"/>
-              <a:t>repository</a:t>
-            </a:r>
-            <a:r>
-              <a:rPr lang="fr-FR" dirty="0" smtClean="0"/>
-              <a:t>  :</a:t>
+              <a:t>Pas utilisé par tout le monde</a:t>
             </a:r>
           </a:p>
           <a:p>
             <a:pPr lvl="1"/>
             <a:r>
               <a:rPr lang="fr-FR" dirty="0" smtClean="0"/>
-              <a:t>GET /repos/:</a:t>
-            </a:r>
-            <a:r>
-              <a:rPr lang="fr-FR" dirty="0" err="1" smtClean="0"/>
-              <a:t>owner</a:t>
-            </a:r>
-            <a:r>
-              <a:rPr lang="fr-FR" dirty="0" smtClean="0"/>
-              <a:t>/:repo/issues</a:t>
-            </a:r>
+              <a:t>En particulier sur les </a:t>
+            </a:r>
+            <a:r>
+              <a:rPr lang="fr-FR" dirty="0" err="1" smtClean="0"/>
+              <a:t>WebServices</a:t>
+            </a:r>
+            <a:endParaRPr lang="fr-FR" dirty="0"/>
+          </a:p>
+          <a:p>
+            <a:endParaRPr lang="fr-FR" dirty="0" smtClean="0"/>
+          </a:p>
+          <a:p>
+            <a:r>
+              <a:rPr lang="fr-FR" dirty="0" smtClean="0"/>
+              <a:t>Pas facilement </a:t>
+            </a:r>
+            <a:r>
+              <a:rPr lang="fr-FR" dirty="0" err="1" smtClean="0"/>
+              <a:t>Etendable</a:t>
+            </a:r>
+            <a:r>
+              <a:rPr lang="fr-FR" dirty="0" smtClean="0"/>
+              <a:t> (hormis à partir d’un fichier proto)</a:t>
+            </a:r>
+            <a:endParaRPr lang="fr-FR" dirty="0"/>
           </a:p>
         </p:txBody>
       </p:sp>
     </p:spTree>
     <p:extLst>
       <p:ext uri="{BB962C8B-B14F-4D97-AF65-F5344CB8AC3E}">
-        <p14:creationId xmlns:p14="http://schemas.microsoft.com/office/powerpoint/2010/main" val="4073601911"/>
+        <p14:creationId xmlns:p14="http://schemas.microsoft.com/office/powerpoint/2010/main" val="4117981998"/>
       </p:ext>
     </p:extLst>
   </p:cSld>
@@ -4055,7 +4059,7 @@
           <a:p>
             <a:r>
               <a:rPr lang="fr-FR" dirty="0" smtClean="0"/>
-              <a:t>Issue</a:t>
+              <a:t>Et Maintenant ?</a:t>
             </a:r>
             <a:endParaRPr lang="fr-FR" dirty="0"/>
           </a:p>
@@ -4074,387 +4078,53 @@
         <p:spPr/>
         <p:txBody>
           <a:bodyPr>
-            <a:normAutofit fontScale="70000" lnSpcReduction="20000"/>
+            <a:normAutofit lnSpcReduction="10000"/>
           </a:bodyPr>
           <a:lstStyle/>
           <a:p>
             <a:r>
               <a:rPr lang="fr-FR" dirty="0" smtClean="0"/>
-              <a:t>Créons un objet </a:t>
-            </a:r>
-            <a:r>
-              <a:rPr lang="fr-FR" dirty="0" err="1"/>
-              <a:t>P</a:t>
-            </a:r>
-            <a:r>
-              <a:rPr lang="fr-FR" dirty="0" err="1" smtClean="0"/>
-              <a:t>rotobuf</a:t>
-            </a:r>
-            <a:r>
-              <a:rPr lang="fr-FR" dirty="0" smtClean="0"/>
-              <a:t> basique</a:t>
-            </a:r>
-          </a:p>
-          <a:p>
-            <a:endParaRPr lang="fr-FR" dirty="0" smtClean="0"/>
-          </a:p>
-          <a:p>
-            <a:pPr marL="0" indent="0">
-              <a:buNone/>
-            </a:pPr>
-            <a:r>
-              <a:rPr lang="fr-FR" b="1" dirty="0">
-                <a:solidFill>
-                  <a:srgbClr val="000080"/>
-                </a:solidFill>
-              </a:rPr>
-              <a:t>message </a:t>
+              <a:t>On aime </a:t>
+            </a:r>
+            <a:r>
+              <a:rPr lang="fr-FR" dirty="0" err="1" smtClean="0"/>
+              <a:t>protobuf</a:t>
             </a:r>
             <a:r>
               <a:rPr lang="fr-FR" dirty="0"/>
-              <a:t>Issue {</a:t>
-            </a:r>
-            <a:br>
-              <a:rPr lang="fr-FR" dirty="0"/>
-            </a:br>
-            <a:r>
-              <a:rPr lang="fr-FR" dirty="0"/>
-              <a:t>   </a:t>
-            </a:r>
-            <a:r>
-              <a:rPr lang="fr-FR" b="1" dirty="0" err="1">
-                <a:solidFill>
-                  <a:srgbClr val="000080"/>
-                </a:solidFill>
-              </a:rPr>
-              <a:t>required</a:t>
-            </a:r>
-            <a:r>
-              <a:rPr lang="fr-FR" b="1" dirty="0">
-                <a:solidFill>
-                  <a:srgbClr val="000080"/>
-                </a:solidFill>
-              </a:rPr>
-              <a:t> string </a:t>
-            </a:r>
-            <a:r>
-              <a:rPr lang="fr-FR" dirty="0"/>
-              <a:t>id = </a:t>
-            </a:r>
-            <a:r>
-              <a:rPr lang="fr-FR" dirty="0">
-                <a:solidFill>
-                  <a:srgbClr val="0000FF"/>
-                </a:solidFill>
-              </a:rPr>
-              <a:t>1</a:t>
-            </a:r>
-            <a:r>
-              <a:rPr lang="fr-FR" dirty="0"/>
-              <a:t>;</a:t>
-            </a:r>
-            <a:br>
-              <a:rPr lang="fr-FR" dirty="0"/>
-            </a:br>
-            <a:r>
-              <a:rPr lang="fr-FR" dirty="0"/>
-              <a:t>   </a:t>
-            </a:r>
-            <a:r>
-              <a:rPr lang="fr-FR" b="1" dirty="0" err="1">
-                <a:solidFill>
-                  <a:srgbClr val="000080"/>
-                </a:solidFill>
-              </a:rPr>
-              <a:t>required</a:t>
-            </a:r>
-            <a:r>
-              <a:rPr lang="fr-FR" b="1" dirty="0">
-                <a:solidFill>
-                  <a:srgbClr val="000080"/>
-                </a:solidFill>
-              </a:rPr>
-              <a:t> int32 </a:t>
-            </a:r>
-            <a:r>
-              <a:rPr lang="fr-FR" dirty="0" err="1"/>
-              <a:t>number</a:t>
-            </a:r>
-            <a:r>
-              <a:rPr lang="fr-FR" dirty="0"/>
-              <a:t> = </a:t>
-            </a:r>
-            <a:r>
-              <a:rPr lang="fr-FR" dirty="0">
-                <a:solidFill>
-                  <a:srgbClr val="0000FF"/>
-                </a:solidFill>
-              </a:rPr>
-              <a:t>2</a:t>
-            </a:r>
-            <a:r>
-              <a:rPr lang="fr-FR" dirty="0"/>
-              <a:t>;</a:t>
-            </a:r>
-            <a:br>
-              <a:rPr lang="fr-FR" dirty="0"/>
-            </a:br>
-            <a:r>
-              <a:rPr lang="fr-FR" dirty="0"/>
-              <a:t>   </a:t>
-            </a:r>
-            <a:r>
-              <a:rPr lang="fr-FR" b="1" dirty="0" err="1">
-                <a:solidFill>
-                  <a:srgbClr val="000080"/>
-                </a:solidFill>
-              </a:rPr>
-              <a:t>optional</a:t>
-            </a:r>
-            <a:r>
-              <a:rPr lang="fr-FR" b="1" dirty="0">
-                <a:solidFill>
-                  <a:srgbClr val="000080"/>
-                </a:solidFill>
-              </a:rPr>
-              <a:t> string </a:t>
-            </a:r>
-            <a:r>
-              <a:rPr lang="fr-FR" dirty="0" err="1"/>
-              <a:t>title</a:t>
-            </a:r>
-            <a:r>
-              <a:rPr lang="fr-FR" dirty="0"/>
-              <a:t> = </a:t>
-            </a:r>
-            <a:r>
-              <a:rPr lang="fr-FR" dirty="0">
-                <a:solidFill>
-                  <a:srgbClr val="0000FF"/>
-                </a:solidFill>
-              </a:rPr>
-              <a:t>3</a:t>
-            </a:r>
-            <a:r>
-              <a:rPr lang="fr-FR" dirty="0"/>
-              <a:t>;</a:t>
-            </a:r>
-            <a:br>
-              <a:rPr lang="fr-FR" dirty="0"/>
-            </a:br>
-            <a:r>
-              <a:rPr lang="fr-FR" dirty="0"/>
-              <a:t>   </a:t>
-            </a:r>
-            <a:r>
-              <a:rPr lang="fr-FR" b="1" dirty="0" err="1">
-                <a:solidFill>
-                  <a:srgbClr val="000080"/>
-                </a:solidFill>
-              </a:rPr>
-              <a:t>optional</a:t>
-            </a:r>
-            <a:r>
-              <a:rPr lang="fr-FR" b="1" dirty="0">
-                <a:solidFill>
-                  <a:srgbClr val="000080"/>
-                </a:solidFill>
-              </a:rPr>
-              <a:t> string </a:t>
-            </a:r>
-            <a:r>
-              <a:rPr lang="fr-FR" dirty="0"/>
-              <a:t>state = </a:t>
-            </a:r>
-            <a:r>
-              <a:rPr lang="fr-FR" dirty="0">
-                <a:solidFill>
-                  <a:srgbClr val="0000FF"/>
-                </a:solidFill>
-              </a:rPr>
-              <a:t>4</a:t>
-            </a:r>
-            <a:r>
-              <a:rPr lang="fr-FR" dirty="0"/>
-              <a:t>;</a:t>
-            </a:r>
-            <a:br>
-              <a:rPr lang="fr-FR" dirty="0"/>
-            </a:br>
-            <a:r>
-              <a:rPr lang="fr-FR" dirty="0"/>
-              <a:t>   </a:t>
-            </a:r>
-            <a:r>
-              <a:rPr lang="fr-FR" b="1" dirty="0" err="1">
-                <a:solidFill>
-                  <a:srgbClr val="000080"/>
-                </a:solidFill>
-              </a:rPr>
-              <a:t>optional</a:t>
-            </a:r>
-            <a:r>
-              <a:rPr lang="fr-FR" b="1" dirty="0">
-                <a:solidFill>
-                  <a:srgbClr val="000080"/>
-                </a:solidFill>
-              </a:rPr>
-              <a:t> string </a:t>
-            </a:r>
-            <a:r>
-              <a:rPr lang="fr-FR" dirty="0"/>
-              <a:t>body = </a:t>
-            </a:r>
-            <a:r>
-              <a:rPr lang="fr-FR" dirty="0">
-                <a:solidFill>
-                  <a:srgbClr val="0000FF"/>
-                </a:solidFill>
-              </a:rPr>
-              <a:t>5</a:t>
-            </a:r>
-            <a:r>
-              <a:rPr lang="fr-FR" dirty="0"/>
-              <a:t>;</a:t>
-            </a:r>
-            <a:br>
-              <a:rPr lang="fr-FR" dirty="0"/>
-            </a:br>
-            <a:r>
-              <a:rPr lang="fr-FR" dirty="0"/>
-              <a:t/>
-            </a:r>
-            <a:br>
-              <a:rPr lang="fr-FR" dirty="0"/>
-            </a:br>
-            <a:r>
-              <a:rPr lang="fr-FR" dirty="0" smtClean="0"/>
-              <a:t>}</a:t>
-            </a:r>
-          </a:p>
-          <a:p>
-            <a:endParaRPr lang="fr-FR" dirty="0">
-              <a:solidFill>
-                <a:srgbClr val="000000"/>
-              </a:solidFill>
-              <a:latin typeface="Helvetica"/>
-              <a:ea typeface="Helvetica"/>
-              <a:cs typeface="Helvetica"/>
-            </a:endParaRPr>
-          </a:p>
-          <a:p>
-            <a:pPr marL="0" indent="0">
-              <a:buNone/>
-            </a:pPr>
-            <a:r>
-              <a:rPr lang="fr-FR" b="1" dirty="0">
-                <a:solidFill>
-                  <a:srgbClr val="011893"/>
-                </a:solidFill>
-                <a:ea typeface="Menlo"/>
-                <a:cs typeface="Menlo"/>
-              </a:rPr>
-              <a:t>message </a:t>
-            </a:r>
-            <a:r>
-              <a:rPr lang="fr-FR" dirty="0">
-                <a:solidFill>
-                  <a:srgbClr val="000000"/>
-                </a:solidFill>
-                <a:ea typeface="Menlo"/>
-                <a:cs typeface="Menlo"/>
-              </a:rPr>
-              <a:t>Issues {</a:t>
-            </a:r>
-          </a:p>
-          <a:p>
-            <a:pPr marL="0" indent="0">
-              <a:buNone/>
-            </a:pPr>
-            <a:r>
-              <a:rPr lang="fr-FR" dirty="0">
-                <a:solidFill>
-                  <a:srgbClr val="000000"/>
-                </a:solidFill>
-                <a:ea typeface="Menlo"/>
-                <a:cs typeface="Menlo"/>
-              </a:rPr>
-              <a:t>	</a:t>
-            </a:r>
-            <a:r>
-              <a:rPr lang="fr-FR" b="1" dirty="0" err="1">
-                <a:solidFill>
-                  <a:srgbClr val="011893"/>
-                </a:solidFill>
-                <a:ea typeface="Menlo"/>
-                <a:cs typeface="Menlo"/>
-              </a:rPr>
-              <a:t>repeated</a:t>
-            </a:r>
-            <a:r>
-              <a:rPr lang="fr-FR" b="1" dirty="0">
-                <a:solidFill>
-                  <a:srgbClr val="011893"/>
-                </a:solidFill>
-                <a:ea typeface="Menlo"/>
-                <a:cs typeface="Menlo"/>
-              </a:rPr>
               <a:t> </a:t>
             </a:r>
             <a:r>
-              <a:rPr lang="fr-FR" dirty="0">
-                <a:solidFill>
-                  <a:srgbClr val="000000"/>
-                </a:solidFill>
-                <a:ea typeface="Menlo"/>
-                <a:cs typeface="Menlo"/>
-              </a:rPr>
-              <a:t>Issue issues = </a:t>
-            </a:r>
-            <a:r>
-              <a:rPr lang="fr-FR" dirty="0">
-                <a:solidFill>
-                  <a:srgbClr val="0432FF"/>
-                </a:solidFill>
-                <a:ea typeface="Menlo"/>
-                <a:cs typeface="Menlo"/>
-              </a:rPr>
-              <a:t>1</a:t>
-            </a:r>
-            <a:r>
-              <a:rPr lang="fr-FR" dirty="0">
-                <a:solidFill>
-                  <a:srgbClr val="000000"/>
-                </a:solidFill>
-                <a:ea typeface="Menlo"/>
-                <a:cs typeface="Menlo"/>
-              </a:rPr>
-              <a:t>;</a:t>
-            </a:r>
-          </a:p>
-          <a:p>
-            <a:pPr marL="0" indent="0">
-              <a:buNone/>
-            </a:pPr>
-            <a:r>
-              <a:rPr lang="fr-FR" dirty="0">
-                <a:solidFill>
-                  <a:srgbClr val="000000"/>
-                </a:solidFill>
-                <a:ea typeface="Menlo"/>
-                <a:cs typeface="Menlo"/>
-              </a:rPr>
-              <a:t>}</a:t>
-            </a:r>
-            <a:endParaRPr lang="fr-FR" dirty="0" smtClean="0"/>
-          </a:p>
-          <a:p>
-            <a:pPr marL="0" indent="0">
-              <a:buNone/>
-            </a:pPr>
-            <a:endParaRPr lang="fr-FR" dirty="0"/>
-          </a:p>
-          <a:p>
+              <a:rPr lang="fr-FR" dirty="0" smtClean="0"/>
+              <a:t>pour ses avantages</a:t>
+            </a:r>
+          </a:p>
+          <a:p>
+            <a:endParaRPr lang="fr-FR" dirty="0"/>
+          </a:p>
+          <a:p>
+            <a:r>
+              <a:rPr lang="fr-FR" dirty="0" smtClean="0"/>
+              <a:t>On l’aime moins pour ses inconvénients</a:t>
+            </a:r>
+          </a:p>
+          <a:p>
+            <a:endParaRPr lang="fr-FR" dirty="0"/>
+          </a:p>
+          <a:p>
+            <a:r>
+              <a:rPr lang="fr-FR" dirty="0" smtClean="0"/>
+              <a:t>On a envie de l’utiliser.</a:t>
+            </a:r>
+          </a:p>
+          <a:p>
+            <a:endParaRPr lang="fr-FR" dirty="0"/>
+          </a:p>
+          <a:p>
+            <a:r>
+              <a:rPr lang="fr-FR" dirty="0" smtClean="0"/>
+              <a:t>On n’a pas le temps d’apprendre beaucoup de nouvelles technos.</a:t>
+            </a:r>
             <a:endParaRPr lang="fr-FR" dirty="0"/>
           </a:p>
         </p:txBody>
@@ -4462,7 +4132,7 @@
     </p:spTree>
     <p:extLst>
       <p:ext uri="{BB962C8B-B14F-4D97-AF65-F5344CB8AC3E}">
-        <p14:creationId xmlns:p14="http://schemas.microsoft.com/office/powerpoint/2010/main" val="2450042435"/>
+        <p14:creationId xmlns:p14="http://schemas.microsoft.com/office/powerpoint/2010/main" val="4064413871"/>
       </p:ext>
     </p:extLst>
   </p:cSld>
@@ -4506,7 +4176,7 @@
           <a:p>
             <a:r>
               <a:rPr lang="fr-FR" dirty="0" smtClean="0"/>
-              <a:t>Et donc ?</a:t>
+              <a:t>Notre cas de figure</a:t>
             </a:r>
             <a:endParaRPr lang="fr-FR" dirty="0"/>
           </a:p>
@@ -4529,18 +4199,26 @@
           <a:p>
             <a:r>
               <a:rPr lang="fr-FR" dirty="0" smtClean="0"/>
-              <a:t>Le plus : </a:t>
+              <a:t>On veut faire une application :</a:t>
             </a:r>
           </a:p>
           <a:p>
             <a:pPr lvl="1"/>
             <a:r>
               <a:rPr lang="fr-FR" dirty="0" smtClean="0"/>
-              <a:t>Modèle </a:t>
-            </a:r>
-            <a:r>
-              <a:rPr lang="fr-FR" dirty="0" err="1" smtClean="0"/>
-              <a:t>Protobuf</a:t>
+              <a:t>Liste les issues </a:t>
+            </a:r>
+            <a:r>
+              <a:rPr lang="fr-FR" dirty="0" err="1" smtClean="0"/>
+              <a:t>github</a:t>
+            </a:r>
+            <a:r>
+              <a:rPr lang="fr-FR" dirty="0" smtClean="0"/>
+              <a:t> pour </a:t>
+            </a:r>
+            <a:r>
+              <a:rPr lang="fr-FR" dirty="0" err="1" smtClean="0"/>
+              <a:t>protobuf</a:t>
             </a:r>
             <a:endParaRPr lang="fr-FR" dirty="0" smtClean="0"/>
           </a:p>
@@ -4548,71 +4226,35 @@
             <a:pPr lvl="1"/>
             <a:r>
               <a:rPr lang="fr-FR" dirty="0" smtClean="0"/>
-              <a:t>Objets générés (+ </a:t>
-            </a:r>
-            <a:r>
-              <a:rPr lang="fr-FR" dirty="0" err="1" smtClean="0"/>
-              <a:t>builder</a:t>
-            </a:r>
-            <a:r>
-              <a:rPr lang="fr-FR" dirty="0" smtClean="0"/>
-              <a:t> + </a:t>
-            </a:r>
-            <a:r>
-              <a:rPr lang="fr-FR" dirty="0" err="1" smtClean="0"/>
-              <a:t>toString</a:t>
-            </a:r>
-            <a:r>
-              <a:rPr lang="fr-FR" dirty="0" smtClean="0"/>
-              <a:t>, etc.)</a:t>
-            </a:r>
-          </a:p>
-          <a:p>
-            <a:endParaRPr lang="fr-FR" dirty="0"/>
-          </a:p>
-          <a:p>
-            <a:r>
-              <a:rPr lang="fr-FR" dirty="0" smtClean="0"/>
-              <a:t>Mais on ne peut pas consommer le </a:t>
-            </a:r>
-            <a:r>
-              <a:rPr lang="fr-FR" dirty="0" err="1" smtClean="0"/>
-              <a:t>WebService</a:t>
-            </a:r>
+              <a:t>En consultation seulement</a:t>
+            </a:r>
+            <a:endParaRPr lang="fr-FR" dirty="0"/>
+          </a:p>
+          <a:p>
+            <a:pPr lvl="1"/>
             <a:endParaRPr lang="fr-FR" dirty="0" smtClean="0"/>
           </a:p>
           <a:p>
-            <a:endParaRPr lang="fr-FR" dirty="0"/>
-          </a:p>
-          <a:p>
-            <a:r>
-              <a:rPr lang="fr-FR" dirty="0" smtClean="0"/>
-              <a:t>Le </a:t>
-            </a:r>
-            <a:r>
-              <a:rPr lang="fr-FR" dirty="0" err="1" smtClean="0"/>
-              <a:t>WebService</a:t>
-            </a:r>
-            <a:r>
-              <a:rPr lang="fr-FR" dirty="0" smtClean="0"/>
-              <a:t> produit du </a:t>
-            </a:r>
-            <a:r>
-              <a:rPr lang="fr-FR" dirty="0" err="1" smtClean="0"/>
-              <a:t>json</a:t>
-            </a:r>
-            <a:r>
-              <a:rPr lang="is-IS" dirty="0" smtClean="0"/>
-              <a:t>…</a:t>
-            </a:r>
-            <a:endParaRPr lang="fr-FR" dirty="0"/>
+            <a:r>
+              <a:rPr lang="fr-FR" dirty="0" smtClean="0"/>
+              <a:t>Avec du cache local</a:t>
+            </a:r>
+          </a:p>
+          <a:p>
+            <a:endParaRPr lang="fr-FR" dirty="0"/>
+          </a:p>
+          <a:p>
+            <a:r>
+              <a:rPr lang="fr-FR" dirty="0" smtClean="0"/>
+              <a:t>Paramétrable (nombre d’issue, délai de cache)</a:t>
+            </a:r>
           </a:p>
         </p:txBody>
       </p:sp>
     </p:spTree>
     <p:extLst>
       <p:ext uri="{BB962C8B-B14F-4D97-AF65-F5344CB8AC3E}">
-        <p14:creationId xmlns:p14="http://schemas.microsoft.com/office/powerpoint/2010/main" val="678657226"/>
+        <p14:creationId xmlns:p14="http://schemas.microsoft.com/office/powerpoint/2010/main" val="3172752415"/>
       </p:ext>
     </p:extLst>
   </p:cSld>
@@ -4656,7 +4298,7 @@
           <a:p>
             <a:r>
               <a:rPr lang="fr-FR" dirty="0" smtClean="0"/>
-              <a:t>Pour consommer le REST</a:t>
+              <a:t>Appels REST</a:t>
             </a:r>
             <a:endParaRPr lang="fr-FR" dirty="0"/>
           </a:p>
@@ -4678,72 +4320,70 @@
           <a:lstStyle/>
           <a:p>
             <a:r>
-              <a:rPr lang="fr-FR" dirty="0" err="1" smtClean="0"/>
-              <a:t>Retrofit</a:t>
-            </a:r>
-            <a:r>
-              <a:rPr lang="fr-FR" dirty="0" smtClean="0"/>
-              <a:t> : </a:t>
+              <a:rPr lang="fr-FR" dirty="0" smtClean="0"/>
+              <a:t>API </a:t>
+            </a:r>
+            <a:r>
+              <a:rPr lang="fr-FR" dirty="0" err="1" smtClean="0"/>
+              <a:t>Github</a:t>
+            </a:r>
+            <a:r>
+              <a:rPr lang="fr-FR" dirty="0" smtClean="0"/>
+              <a:t> </a:t>
+            </a:r>
+            <a:r>
+              <a:rPr lang="fr-FR" dirty="0" err="1" smtClean="0"/>
+              <a:t>RESTful</a:t>
+            </a:r>
+            <a:endParaRPr lang="fr-FR" dirty="0" smtClean="0"/>
+          </a:p>
+          <a:p>
+            <a:endParaRPr lang="fr-FR" dirty="0"/>
+          </a:p>
+          <a:p>
+            <a:r>
+              <a:rPr lang="fr-FR" dirty="0" smtClean="0"/>
+              <a:t>Retourne du JSON</a:t>
+            </a:r>
+          </a:p>
+          <a:p>
+            <a:endParaRPr lang="fr-FR" dirty="0"/>
+          </a:p>
+          <a:p>
+            <a:r>
+              <a:rPr lang="fr-FR" dirty="0" smtClean="0"/>
+              <a:t>Les issues d’un </a:t>
+            </a:r>
+            <a:r>
+              <a:rPr lang="fr-FR" dirty="0" err="1" smtClean="0"/>
+              <a:t>repository</a:t>
+            </a:r>
+            <a:r>
+              <a:rPr lang="fr-FR" dirty="0" smtClean="0"/>
+              <a:t>  :</a:t>
             </a:r>
           </a:p>
           <a:p>
             <a:pPr lvl="1"/>
             <a:r>
-              <a:rPr lang="fr-FR" dirty="0">
-                <a:hlinkClick r:id="rId2"/>
-              </a:rPr>
-              <a:t>http://square.github.io/retrofit</a:t>
-            </a:r>
-            <a:r>
-              <a:rPr lang="fr-FR" dirty="0" smtClean="0">
-                <a:hlinkClick r:id="rId2"/>
-              </a:rPr>
-              <a:t>/</a:t>
-            </a:r>
-            <a:endParaRPr lang="fr-FR" dirty="0" smtClean="0"/>
-          </a:p>
-          <a:p>
-            <a:pPr lvl="1"/>
-            <a:r>
-              <a:rPr lang="fr-FR" dirty="0" smtClean="0"/>
-              <a:t>Version 1.9.0</a:t>
-            </a:r>
-          </a:p>
-          <a:p>
-            <a:pPr lvl="1"/>
-            <a:r>
-              <a:rPr lang="fr-FR" dirty="0" smtClean="0"/>
-              <a:t>S’appuie sur </a:t>
-            </a:r>
-            <a:r>
-              <a:rPr lang="fr-FR" dirty="0" err="1" smtClean="0"/>
-              <a:t>okHttp</a:t>
-            </a:r>
-            <a:endParaRPr lang="fr-FR" dirty="0" smtClean="0"/>
-          </a:p>
-          <a:p>
-            <a:pPr lvl="1"/>
-            <a:endParaRPr lang="fr-FR" dirty="0"/>
-          </a:p>
-          <a:p>
-            <a:r>
-              <a:rPr lang="fr-FR" dirty="0" smtClean="0"/>
-              <a:t>Définition d’une interface avec des annotations. </a:t>
-            </a:r>
-          </a:p>
-          <a:p>
-            <a:r>
-              <a:rPr lang="fr-FR" dirty="0" smtClean="0"/>
-              <a:t>Utilisation d’objets java</a:t>
-            </a:r>
-            <a:endParaRPr lang="fr-FR" dirty="0"/>
+              <a:rPr lang="fr-FR" dirty="0" smtClean="0"/>
+              <a:t>GET /repos/:</a:t>
+            </a:r>
+            <a:r>
+              <a:rPr lang="fr-FR" dirty="0" err="1" smtClean="0"/>
+              <a:t>owner</a:t>
+            </a:r>
+            <a:r>
+              <a:rPr lang="fr-FR" dirty="0" smtClean="0"/>
+              <a:t>/:repo/issues</a:t>
+            </a:r>
           </a:p>
         </p:txBody>
       </p:sp>
     </p:spTree>
     <p:extLst>
       <p:ext uri="{BB962C8B-B14F-4D97-AF65-F5344CB8AC3E}">
-        <p14:creationId xmlns:p14="http://schemas.microsoft.com/office/powerpoint/2010/main" val="4259104201"/>
+        <p14:creationId xmlns:p14="http://schemas.microsoft.com/office/powerpoint/2010/main" val="4073601911"/>
       </p:ext>
     </p:extLst>
   </p:cSld>
@@ -4805,10 +4445,101 @@
         </p:nvSpPr>
         <p:spPr/>
         <p:txBody>
-          <a:bodyPr/>
-          <a:lstStyle/>
-          <a:p>
-            <a:endParaRPr lang="fr-FR"/>
+          <a:bodyPr>
+            <a:normAutofit lnSpcReduction="10000"/>
+          </a:bodyPr>
+          <a:lstStyle/>
+          <a:p>
+            <a:r>
+              <a:rPr lang="fr-FR" dirty="0" smtClean="0"/>
+              <a:t>Charles-Marie Ambrosetti</a:t>
+            </a:r>
+          </a:p>
+          <a:p>
+            <a:pPr lvl="1"/>
+            <a:r>
+              <a:rPr lang="fr-FR" dirty="0" smtClean="0"/>
+              <a:t>Lead </a:t>
+            </a:r>
+            <a:r>
+              <a:rPr lang="fr-FR" dirty="0" err="1" smtClean="0"/>
+              <a:t>Developer</a:t>
+            </a:r>
+            <a:r>
+              <a:rPr lang="fr-FR" dirty="0" smtClean="0"/>
+              <a:t> chez </a:t>
+            </a:r>
+            <a:r>
+              <a:rPr lang="fr-FR" dirty="0" err="1" smtClean="0"/>
+              <a:t>Worldline</a:t>
+            </a:r>
+            <a:endParaRPr lang="fr-FR" dirty="0" smtClean="0"/>
+          </a:p>
+          <a:p>
+            <a:pPr lvl="1"/>
+            <a:r>
+              <a:rPr lang="fr-FR" dirty="0" smtClean="0"/>
+              <a:t>Expert Junior en Programmation Fonctionnelle</a:t>
+            </a:r>
+          </a:p>
+          <a:p>
+            <a:pPr lvl="1"/>
+            <a:endParaRPr lang="fr-FR" dirty="0"/>
+          </a:p>
+          <a:p>
+            <a:r>
+              <a:rPr lang="fr-FR" dirty="0" smtClean="0"/>
+              <a:t>Passions : </a:t>
+            </a:r>
+          </a:p>
+          <a:p>
+            <a:pPr lvl="1"/>
+            <a:r>
+              <a:rPr lang="fr-FR" dirty="0" smtClean="0"/>
+              <a:t>Jeux (</a:t>
+            </a:r>
+            <a:r>
+              <a:rPr lang="fr-FR" dirty="0" smtClean="0">
+                <a:hlinkClick r:id="rId2"/>
+              </a:rPr>
+              <a:t>https://twitch.tv/deathkatapoual</a:t>
+            </a:r>
+            <a:r>
+              <a:rPr lang="fr-FR" dirty="0" smtClean="0"/>
+              <a:t>)</a:t>
+            </a:r>
+          </a:p>
+          <a:p>
+            <a:pPr lvl="1"/>
+            <a:r>
+              <a:rPr lang="fr-FR" dirty="0" smtClean="0"/>
+              <a:t>Code (</a:t>
+            </a:r>
+            <a:r>
+              <a:rPr lang="fr-FR" dirty="0" smtClean="0">
+                <a:hlinkClick r:id="rId3"/>
+              </a:rPr>
+              <a:t>https://github.com/thecopycat</a:t>
+            </a:r>
+            <a:r>
+              <a:rPr lang="fr-FR" dirty="0" smtClean="0"/>
+              <a:t>)</a:t>
+            </a:r>
+          </a:p>
+          <a:p>
+            <a:pPr lvl="1"/>
+            <a:r>
+              <a:rPr lang="fr-FR" dirty="0" smtClean="0"/>
+              <a:t>Procrastination (Lien à venir)</a:t>
+            </a:r>
+          </a:p>
+          <a:p>
+            <a:pPr lvl="1"/>
+            <a:r>
+              <a:rPr lang="fr-FR" dirty="0" smtClean="0"/>
+              <a:t>Les jeux de mots</a:t>
+            </a:r>
+            <a:endParaRPr lang="fr-FR" dirty="0"/>
           </a:p>
         </p:txBody>
       </p:sp>
@@ -4859,11 +4590,7 @@
           <a:p>
             <a:r>
               <a:rPr lang="fr-FR" dirty="0" smtClean="0"/>
-              <a:t>Pourquoi </a:t>
-            </a:r>
-            <a:r>
-              <a:rPr lang="fr-FR" dirty="0" err="1" smtClean="0"/>
-              <a:t>Retrofit</a:t>
+              <a:t>Issue</a:t>
             </a:r>
             <a:endParaRPr lang="fr-FR" dirty="0"/>
           </a:p>
@@ -4881,63 +4608,388 @@
         </p:nvSpPr>
         <p:spPr/>
         <p:txBody>
-          <a:bodyPr/>
-          <a:lstStyle/>
-          <a:p>
-            <a:r>
-              <a:rPr lang="fr-FR" dirty="0" smtClean="0"/>
-              <a:t>Simple</a:t>
-            </a:r>
-          </a:p>
-          <a:p>
-            <a:r>
-              <a:rPr lang="fr-FR" dirty="0" smtClean="0"/>
-              <a:t>Largement </a:t>
-            </a:r>
-            <a:r>
-              <a:rPr lang="fr-FR" dirty="0" err="1" smtClean="0"/>
-              <a:t>plébicité</a:t>
-            </a:r>
-            <a:r>
-              <a:rPr lang="fr-FR" dirty="0" smtClean="0"/>
-              <a:t> sur </a:t>
-            </a:r>
-            <a:r>
-              <a:rPr lang="fr-FR" dirty="0" err="1" smtClean="0"/>
-              <a:t>Android</a:t>
-            </a:r>
+          <a:bodyPr>
+            <a:normAutofit fontScale="70000" lnSpcReduction="20000"/>
+          </a:bodyPr>
+          <a:lstStyle/>
+          <a:p>
+            <a:r>
+              <a:rPr lang="fr-FR" dirty="0" smtClean="0"/>
+              <a:t>Créons un objet </a:t>
+            </a:r>
+            <a:r>
+              <a:rPr lang="fr-FR" dirty="0" err="1"/>
+              <a:t>P</a:t>
+            </a:r>
+            <a:r>
+              <a:rPr lang="fr-FR" dirty="0" err="1" smtClean="0"/>
+              <a:t>rotobuf</a:t>
+            </a:r>
+            <a:r>
+              <a:rPr lang="fr-FR" dirty="0" smtClean="0"/>
+              <a:t> basique</a:t>
+            </a:r>
+          </a:p>
+          <a:p>
             <a:endParaRPr lang="fr-FR" dirty="0" smtClean="0"/>
           </a:p>
           <a:p>
-            <a:endParaRPr lang="fr-FR" dirty="0"/>
-          </a:p>
-          <a:p>
-            <a:r>
-              <a:rPr lang="fr-FR" dirty="0" err="1" smtClean="0"/>
-              <a:t>Converters</a:t>
-            </a:r>
-            <a:r>
-              <a:rPr lang="fr-FR" dirty="0" smtClean="0"/>
-              <a:t> :</a:t>
-            </a:r>
-          </a:p>
-          <a:p>
-            <a:pPr lvl="1"/>
-            <a:r>
-              <a:rPr lang="fr-FR" dirty="0" smtClean="0"/>
-              <a:t>Classe permettant de convertir Objet &lt;-&gt; Format Sérialisé</a:t>
-            </a:r>
-          </a:p>
-          <a:p>
-            <a:pPr lvl="1"/>
-            <a:r>
-              <a:rPr lang="fr-FR" dirty="0" smtClean="0"/>
-              <a:t>Possibilité de créer ses </a:t>
-            </a:r>
-            <a:r>
-              <a:rPr lang="fr-FR" dirty="0" err="1" smtClean="0"/>
-              <a:t>converters</a:t>
-            </a:r>
+            <a:pPr marL="0" indent="0">
+              <a:buNone/>
+            </a:pPr>
+            <a:r>
+              <a:rPr lang="fr-FR" b="1" dirty="0">
+                <a:solidFill>
+                  <a:srgbClr val="000080"/>
+                </a:solidFill>
+              </a:rPr>
+              <a:t>message </a:t>
+            </a:r>
+            <a:r>
+              <a:rPr lang="fr-FR" dirty="0"/>
+              <a:t>Issue {</a:t>
+            </a:r>
+            <a:br>
+              <a:rPr lang="fr-FR" dirty="0"/>
+            </a:br>
+            <a:r>
+              <a:rPr lang="fr-FR" dirty="0"/>
+              <a:t>   </a:t>
+            </a:r>
+            <a:r>
+              <a:rPr lang="fr-FR" b="1" dirty="0" err="1">
+                <a:solidFill>
+                  <a:srgbClr val="000080"/>
+                </a:solidFill>
+              </a:rPr>
+              <a:t>required</a:t>
+            </a:r>
+            <a:r>
+              <a:rPr lang="fr-FR" b="1" dirty="0">
+                <a:solidFill>
+                  <a:srgbClr val="000080"/>
+                </a:solidFill>
+              </a:rPr>
+              <a:t> string </a:t>
+            </a:r>
+            <a:r>
+              <a:rPr lang="fr-FR" dirty="0"/>
+              <a:t>id = </a:t>
+            </a:r>
+            <a:r>
+              <a:rPr lang="fr-FR" dirty="0">
+                <a:solidFill>
+                  <a:srgbClr val="0000FF"/>
+                </a:solidFill>
+              </a:rPr>
+              <a:t>1</a:t>
+            </a:r>
+            <a:r>
+              <a:rPr lang="fr-FR" dirty="0"/>
+              <a:t>;</a:t>
+            </a:r>
+            <a:br>
+              <a:rPr lang="fr-FR" dirty="0"/>
+            </a:br>
+            <a:r>
+              <a:rPr lang="fr-FR" dirty="0"/>
+              <a:t>   </a:t>
+            </a:r>
+            <a:r>
+              <a:rPr lang="fr-FR" b="1" dirty="0" err="1">
+                <a:solidFill>
+                  <a:srgbClr val="000080"/>
+                </a:solidFill>
+              </a:rPr>
+              <a:t>required</a:t>
+            </a:r>
+            <a:r>
+              <a:rPr lang="fr-FR" b="1" dirty="0">
+                <a:solidFill>
+                  <a:srgbClr val="000080"/>
+                </a:solidFill>
+              </a:rPr>
+              <a:t> int32 </a:t>
+            </a:r>
+            <a:r>
+              <a:rPr lang="fr-FR" dirty="0" err="1"/>
+              <a:t>number</a:t>
+            </a:r>
+            <a:r>
+              <a:rPr lang="fr-FR" dirty="0"/>
+              <a:t> = </a:t>
+            </a:r>
+            <a:r>
+              <a:rPr lang="fr-FR" dirty="0">
+                <a:solidFill>
+                  <a:srgbClr val="0000FF"/>
+                </a:solidFill>
+              </a:rPr>
+              <a:t>2</a:t>
+            </a:r>
+            <a:r>
+              <a:rPr lang="fr-FR" dirty="0"/>
+              <a:t>;</a:t>
+            </a:r>
+            <a:br>
+              <a:rPr lang="fr-FR" dirty="0"/>
+            </a:br>
+            <a:r>
+              <a:rPr lang="fr-FR" dirty="0"/>
+              <a:t>   </a:t>
+            </a:r>
+            <a:r>
+              <a:rPr lang="fr-FR" b="1" dirty="0" err="1">
+                <a:solidFill>
+                  <a:srgbClr val="000080"/>
+                </a:solidFill>
+              </a:rPr>
+              <a:t>optional</a:t>
+            </a:r>
+            <a:r>
+              <a:rPr lang="fr-FR" b="1" dirty="0">
+                <a:solidFill>
+                  <a:srgbClr val="000080"/>
+                </a:solidFill>
+              </a:rPr>
+              <a:t> string </a:t>
+            </a:r>
+            <a:r>
+              <a:rPr lang="fr-FR" dirty="0" err="1"/>
+              <a:t>title</a:t>
+            </a:r>
+            <a:r>
+              <a:rPr lang="fr-FR" dirty="0"/>
+              <a:t> = </a:t>
+            </a:r>
+            <a:r>
+              <a:rPr lang="fr-FR" dirty="0">
+                <a:solidFill>
+                  <a:srgbClr val="0000FF"/>
+                </a:solidFill>
+              </a:rPr>
+              <a:t>3</a:t>
+            </a:r>
+            <a:r>
+              <a:rPr lang="fr-FR" dirty="0"/>
+              <a:t>;</a:t>
+            </a:r>
+            <a:br>
+              <a:rPr lang="fr-FR" dirty="0"/>
+            </a:br>
+            <a:r>
+              <a:rPr lang="fr-FR" dirty="0"/>
+              <a:t>   </a:t>
+            </a:r>
+            <a:r>
+              <a:rPr lang="fr-FR" b="1" dirty="0" err="1">
+                <a:solidFill>
+                  <a:srgbClr val="000080"/>
+                </a:solidFill>
+              </a:rPr>
+              <a:t>optional</a:t>
+            </a:r>
+            <a:r>
+              <a:rPr lang="fr-FR" b="1" dirty="0">
+                <a:solidFill>
+                  <a:srgbClr val="000080"/>
+                </a:solidFill>
+              </a:rPr>
+              <a:t> string </a:t>
+            </a:r>
+            <a:r>
+              <a:rPr lang="fr-FR" dirty="0"/>
+              <a:t>state = </a:t>
+            </a:r>
+            <a:r>
+              <a:rPr lang="fr-FR" dirty="0">
+                <a:solidFill>
+                  <a:srgbClr val="0000FF"/>
+                </a:solidFill>
+              </a:rPr>
+              <a:t>4</a:t>
+            </a:r>
+            <a:r>
+              <a:rPr lang="fr-FR" dirty="0"/>
+              <a:t>;</a:t>
+            </a:r>
+            <a:br>
+              <a:rPr lang="fr-FR" dirty="0"/>
+            </a:br>
+            <a:r>
+              <a:rPr lang="fr-FR" dirty="0"/>
+              <a:t>   </a:t>
+            </a:r>
+            <a:r>
+              <a:rPr lang="fr-FR" b="1" dirty="0" err="1">
+                <a:solidFill>
+                  <a:srgbClr val="000080"/>
+                </a:solidFill>
+              </a:rPr>
+              <a:t>optional</a:t>
+            </a:r>
+            <a:r>
+              <a:rPr lang="fr-FR" b="1" dirty="0">
+                <a:solidFill>
+                  <a:srgbClr val="000080"/>
+                </a:solidFill>
+              </a:rPr>
+              <a:t> string </a:t>
+            </a:r>
+            <a:r>
+              <a:rPr lang="fr-FR" dirty="0"/>
+              <a:t>body = </a:t>
+            </a:r>
+            <a:r>
+              <a:rPr lang="fr-FR" dirty="0">
+                <a:solidFill>
+                  <a:srgbClr val="0000FF"/>
+                </a:solidFill>
+              </a:rPr>
+              <a:t>5</a:t>
+            </a:r>
+            <a:r>
+              <a:rPr lang="fr-FR" dirty="0"/>
+              <a:t>;</a:t>
+            </a:r>
+            <a:br>
+              <a:rPr lang="fr-FR" dirty="0"/>
+            </a:br>
+            <a:r>
+              <a:rPr lang="fr-FR" dirty="0"/>
+              <a:t/>
+            </a:r>
+            <a:br>
+              <a:rPr lang="fr-FR" dirty="0"/>
+            </a:br>
+            <a:r>
+              <a:rPr lang="fr-FR" dirty="0" smtClean="0"/>
+              <a:t>}</a:t>
+            </a:r>
+          </a:p>
+          <a:p>
+            <a:endParaRPr lang="fr-FR" dirty="0">
+              <a:solidFill>
+                <a:srgbClr val="000000"/>
+              </a:solidFill>
+              <a:latin typeface="Helvetica"/>
+              <a:ea typeface="Helvetica"/>
+              <a:cs typeface="Helvetica"/>
+            </a:endParaRPr>
+          </a:p>
+          <a:p>
+            <a:pPr marL="0" indent="0">
+              <a:buNone/>
+            </a:pPr>
+            <a:r>
+              <a:rPr lang="fr-FR" b="1" dirty="0">
+                <a:solidFill>
+                  <a:srgbClr val="011893"/>
+                </a:solidFill>
+                <a:ea typeface="Menlo"/>
+                <a:cs typeface="Menlo"/>
+              </a:rPr>
+              <a:t>message </a:t>
+            </a:r>
+            <a:r>
+              <a:rPr lang="fr-FR" dirty="0">
+                <a:solidFill>
+                  <a:srgbClr val="000000"/>
+                </a:solidFill>
+                <a:ea typeface="Menlo"/>
+                <a:cs typeface="Menlo"/>
+              </a:rPr>
+              <a:t>Issues {</a:t>
+            </a:r>
+          </a:p>
+          <a:p>
+            <a:pPr marL="0" indent="0">
+              <a:buNone/>
+            </a:pPr>
+            <a:r>
+              <a:rPr lang="fr-FR" dirty="0">
+                <a:solidFill>
+                  <a:srgbClr val="000000"/>
+                </a:solidFill>
+                <a:ea typeface="Menlo"/>
+                <a:cs typeface="Menlo"/>
+              </a:rPr>
+              <a:t>	</a:t>
+            </a:r>
+            <a:r>
+              <a:rPr lang="fr-FR" b="1" dirty="0" err="1">
+                <a:solidFill>
+                  <a:srgbClr val="011893"/>
+                </a:solidFill>
+                <a:ea typeface="Menlo"/>
+                <a:cs typeface="Menlo"/>
+              </a:rPr>
+              <a:t>repeated</a:t>
+            </a:r>
+            <a:r>
+              <a:rPr lang="fr-FR" b="1" dirty="0">
+                <a:solidFill>
+                  <a:srgbClr val="011893"/>
+                </a:solidFill>
+                <a:ea typeface="Menlo"/>
+                <a:cs typeface="Menlo"/>
+              </a:rPr>
+              <a:t> </a:t>
+            </a:r>
+            <a:r>
+              <a:rPr lang="fr-FR" dirty="0">
+                <a:solidFill>
+                  <a:srgbClr val="000000"/>
+                </a:solidFill>
+                <a:ea typeface="Menlo"/>
+                <a:cs typeface="Menlo"/>
+              </a:rPr>
+              <a:t>Issue issues = </a:t>
+            </a:r>
+            <a:r>
+              <a:rPr lang="fr-FR" dirty="0">
+                <a:solidFill>
+                  <a:srgbClr val="0432FF"/>
+                </a:solidFill>
+                <a:ea typeface="Menlo"/>
+                <a:cs typeface="Menlo"/>
+              </a:rPr>
+              <a:t>1</a:t>
+            </a:r>
+            <a:r>
+              <a:rPr lang="fr-FR" dirty="0">
+                <a:solidFill>
+                  <a:srgbClr val="000000"/>
+                </a:solidFill>
+                <a:ea typeface="Menlo"/>
+                <a:cs typeface="Menlo"/>
+              </a:rPr>
+              <a:t>;</a:t>
+            </a:r>
+          </a:p>
+          <a:p>
+            <a:pPr marL="0" indent="0">
+              <a:buNone/>
+            </a:pPr>
+            <a:r>
+              <a:rPr lang="fr-FR" dirty="0">
+                <a:solidFill>
+                  <a:srgbClr val="000000"/>
+                </a:solidFill>
+                <a:ea typeface="Menlo"/>
+                <a:cs typeface="Menlo"/>
+              </a:rPr>
+              <a:t>}</a:t>
+            </a:r>
+            <a:endParaRPr lang="fr-FR" dirty="0" smtClean="0"/>
+          </a:p>
+          <a:p>
+            <a:pPr marL="0" indent="0">
+              <a:buNone/>
+            </a:pPr>
+            <a:endParaRPr lang="fr-FR" dirty="0"/>
+          </a:p>
+          <a:p>
             <a:endParaRPr lang="fr-FR" dirty="0"/>
           </a:p>
         </p:txBody>
@@ -4945,7 +4997,7 @@
     </p:spTree>
     <p:extLst>
       <p:ext uri="{BB962C8B-B14F-4D97-AF65-F5344CB8AC3E}">
-        <p14:creationId xmlns:p14="http://schemas.microsoft.com/office/powerpoint/2010/main" val="887856882"/>
+        <p14:creationId xmlns:p14="http://schemas.microsoft.com/office/powerpoint/2010/main" val="2450042435"/>
       </p:ext>
     </p:extLst>
   </p:cSld>
@@ -4988,8 +5040,8 @@
           <a:lstStyle/>
           <a:p>
             <a:r>
-              <a:rPr lang="fr-FR" dirty="0" err="1" smtClean="0"/>
-              <a:t>Issues.toString</a:t>
+              <a:rPr lang="fr-FR" dirty="0" smtClean="0"/>
+              <a:t>Et donc ?</a:t>
             </a:r>
             <a:endParaRPr lang="fr-FR" dirty="0"/>
           </a:p>
@@ -5007,310 +5059,95 @@
         </p:nvSpPr>
         <p:spPr/>
         <p:txBody>
-          <a:bodyPr>
-            <a:normAutofit fontScale="55000" lnSpcReduction="20000"/>
-          </a:bodyPr>
-          <a:lstStyle/>
-          <a:p>
-            <a:pPr marL="0" indent="0">
-              <a:buNone/>
-            </a:pPr>
-            <a:endParaRPr lang="fr-FR" dirty="0" smtClean="0">
-              <a:solidFill>
-                <a:srgbClr val="FF0000"/>
-              </a:solidFill>
-            </a:endParaRPr>
-          </a:p>
-          <a:p>
-            <a:pPr marL="0" indent="0">
-              <a:buNone/>
-            </a:pPr>
-            <a:r>
-              <a:rPr lang="fr-FR" dirty="0" smtClean="0"/>
-              <a:t>issues </a:t>
-            </a:r>
-            <a:r>
-              <a:rPr lang="fr-FR" dirty="0"/>
-              <a:t>{</a:t>
-            </a:r>
-          </a:p>
-          <a:p>
-            <a:pPr marL="0" indent="0">
-              <a:buNone/>
-            </a:pPr>
-            <a:r>
-              <a:rPr lang="fr-FR" dirty="0"/>
-              <a:t>  id: "</a:t>
-            </a:r>
-            <a:r>
-              <a:rPr lang="fr-FR" dirty="0" smtClean="0"/>
-              <a:t>toto"</a:t>
-            </a:r>
-            <a:endParaRPr lang="fr-FR" dirty="0">
-              <a:solidFill>
-                <a:srgbClr val="FF0000"/>
-              </a:solidFill>
-            </a:endParaRPr>
-          </a:p>
-          <a:p>
-            <a:pPr marL="0" indent="0">
-              <a:buNone/>
-            </a:pPr>
-            <a:r>
-              <a:rPr lang="fr-FR" dirty="0"/>
-              <a:t>  </a:t>
-            </a:r>
-            <a:r>
-              <a:rPr lang="fr-FR" dirty="0" err="1"/>
-              <a:t>number</a:t>
-            </a:r>
-            <a:r>
-              <a:rPr lang="fr-FR" dirty="0"/>
-              <a:t>: </a:t>
-            </a:r>
-            <a:r>
-              <a:rPr lang="fr-FR" dirty="0" smtClean="0"/>
-              <a:t>41</a:t>
-            </a:r>
-            <a:endParaRPr lang="fr-FR" dirty="0">
-              <a:solidFill>
-                <a:srgbClr val="FF0000"/>
-              </a:solidFill>
-            </a:endParaRPr>
-          </a:p>
-          <a:p>
-            <a:pPr marL="0" indent="0">
-              <a:buNone/>
-            </a:pPr>
-            <a:r>
-              <a:rPr lang="fr-FR" dirty="0"/>
-              <a:t>  </a:t>
-            </a:r>
-            <a:r>
-              <a:rPr lang="fr-FR" dirty="0" err="1"/>
-              <a:t>title</a:t>
-            </a:r>
-            <a:r>
-              <a:rPr lang="fr-FR" dirty="0"/>
-              <a:t>: "Issue </a:t>
-            </a:r>
-            <a:r>
-              <a:rPr lang="fr-FR" dirty="0" smtClean="0"/>
-              <a:t>Toto"</a:t>
-            </a:r>
-            <a:endParaRPr lang="fr-FR" dirty="0">
-              <a:solidFill>
-                <a:srgbClr val="FF0000"/>
-              </a:solidFill>
-            </a:endParaRPr>
-          </a:p>
-          <a:p>
-            <a:pPr marL="0" indent="0">
-              <a:buNone/>
-            </a:pPr>
-            <a:r>
-              <a:rPr lang="fr-FR" dirty="0"/>
-              <a:t>  state: "</a:t>
-            </a:r>
-            <a:r>
-              <a:rPr lang="fr-FR" dirty="0" smtClean="0"/>
-              <a:t>Open"</a:t>
-            </a:r>
-            <a:endParaRPr lang="fr-FR" dirty="0">
-              <a:solidFill>
-                <a:srgbClr val="FF0000"/>
-              </a:solidFill>
-            </a:endParaRPr>
-          </a:p>
-          <a:p>
-            <a:pPr marL="0" indent="0">
-              <a:buNone/>
-            </a:pPr>
-            <a:r>
-              <a:rPr lang="fr-FR" dirty="0"/>
-              <a:t>  body: "This </a:t>
-            </a:r>
-            <a:r>
-              <a:rPr lang="fr-FR" dirty="0" err="1"/>
-              <a:t>is</a:t>
-            </a:r>
-            <a:r>
-              <a:rPr lang="fr-FR" dirty="0"/>
-              <a:t> a </a:t>
-            </a:r>
-            <a:r>
-              <a:rPr lang="fr-FR" dirty="0" smtClean="0"/>
-              <a:t>body"</a:t>
-            </a:r>
-            <a:endParaRPr lang="fr-FR" dirty="0">
-              <a:solidFill>
-                <a:srgbClr val="FF0000"/>
-              </a:solidFill>
-            </a:endParaRPr>
-          </a:p>
-          <a:p>
-            <a:pPr marL="0" indent="0">
-              <a:buNone/>
-            </a:pPr>
-            <a:r>
-              <a:rPr lang="fr-FR" dirty="0" smtClean="0"/>
-              <a:t>}</a:t>
-            </a:r>
-            <a:endParaRPr lang="fr-FR" dirty="0">
-              <a:solidFill>
-                <a:srgbClr val="FF0000"/>
-              </a:solidFill>
-            </a:endParaRPr>
-          </a:p>
-          <a:p>
-            <a:pPr marL="0" indent="0">
-              <a:buNone/>
-            </a:pPr>
-            <a:r>
-              <a:rPr lang="fr-FR" dirty="0"/>
-              <a:t>issues {</a:t>
-            </a:r>
-          </a:p>
-          <a:p>
-            <a:pPr marL="0" indent="0">
-              <a:buNone/>
-            </a:pPr>
-            <a:r>
-              <a:rPr lang="fr-FR" dirty="0"/>
-              <a:t>  id: "</a:t>
-            </a:r>
-            <a:r>
-              <a:rPr lang="fr-FR" dirty="0" smtClean="0"/>
-              <a:t>titi"</a:t>
-            </a:r>
-            <a:endParaRPr lang="fr-FR" dirty="0">
-              <a:solidFill>
-                <a:srgbClr val="FF0000"/>
-              </a:solidFill>
-            </a:endParaRPr>
-          </a:p>
-          <a:p>
-            <a:pPr marL="0" indent="0">
-              <a:buNone/>
-            </a:pPr>
-            <a:r>
-              <a:rPr lang="fr-FR" dirty="0"/>
-              <a:t>  </a:t>
-            </a:r>
-            <a:r>
-              <a:rPr lang="fr-FR" dirty="0" err="1"/>
-              <a:t>number</a:t>
-            </a:r>
-            <a:r>
-              <a:rPr lang="fr-FR" dirty="0"/>
-              <a:t>: </a:t>
-            </a:r>
-            <a:r>
-              <a:rPr lang="fr-FR" dirty="0" smtClean="0"/>
-              <a:t>32</a:t>
-            </a:r>
-            <a:endParaRPr lang="fr-FR" dirty="0">
-              <a:solidFill>
-                <a:srgbClr val="FF0000"/>
-              </a:solidFill>
-            </a:endParaRPr>
-          </a:p>
-          <a:p>
-            <a:pPr marL="0" indent="0">
-              <a:buNone/>
-            </a:pPr>
-            <a:r>
-              <a:rPr lang="fr-FR" dirty="0"/>
-              <a:t>  </a:t>
-            </a:r>
-            <a:r>
-              <a:rPr lang="fr-FR" dirty="0" err="1"/>
-              <a:t>title</a:t>
-            </a:r>
-            <a:r>
-              <a:rPr lang="fr-FR" dirty="0"/>
-              <a:t>: "Issue </a:t>
-            </a:r>
-            <a:r>
-              <a:rPr lang="fr-FR" dirty="0" smtClean="0"/>
-              <a:t>titi"</a:t>
-            </a:r>
-            <a:endParaRPr lang="fr-FR" dirty="0">
-              <a:solidFill>
-                <a:srgbClr val="FF0000"/>
-              </a:solidFill>
-            </a:endParaRPr>
-          </a:p>
-          <a:p>
-            <a:pPr marL="0" indent="0">
-              <a:buNone/>
-            </a:pPr>
-            <a:r>
-              <a:rPr lang="fr-FR" dirty="0"/>
-              <a:t>  state: "</a:t>
-            </a:r>
-            <a:r>
-              <a:rPr lang="fr-FR" dirty="0" err="1" smtClean="0"/>
-              <a:t>Closed</a:t>
-            </a:r>
-            <a:r>
-              <a:rPr lang="fr-FR" dirty="0" smtClean="0"/>
-              <a:t>"</a:t>
-            </a:r>
-            <a:endParaRPr lang="fr-FR" dirty="0">
-              <a:solidFill>
-                <a:srgbClr val="FF0000"/>
-              </a:solidFill>
-            </a:endParaRPr>
-          </a:p>
-          <a:p>
-            <a:pPr marL="0" indent="0">
-              <a:buNone/>
-            </a:pPr>
-            <a:r>
-              <a:rPr lang="fr-FR" dirty="0" smtClean="0"/>
-              <a:t>}</a:t>
-            </a:r>
-          </a:p>
-          <a:p>
-            <a:pPr marL="0" indent="0">
-              <a:buNone/>
-            </a:pPr>
-            <a:endParaRPr lang="fr-FR" dirty="0" smtClean="0">
-              <a:solidFill>
-                <a:srgbClr val="FF0000"/>
-              </a:solidFill>
-            </a:endParaRPr>
-          </a:p>
-          <a:p>
-            <a:pPr marL="0" indent="0">
-              <a:buNone/>
-            </a:pPr>
-            <a:r>
-              <a:rPr lang="fr-FR" dirty="0" smtClean="0">
-                <a:solidFill>
-                  <a:schemeClr val="bg1"/>
-                </a:solidFill>
-              </a:rPr>
-              <a:t>;</a:t>
-            </a:r>
-          </a:p>
-          <a:p>
-            <a:pPr marL="0" indent="0">
-              <a:buNone/>
-            </a:pPr>
-            <a:endParaRPr lang="fr-FR" dirty="0">
-              <a:solidFill>
-                <a:srgbClr val="FF0000"/>
-              </a:solidFill>
-            </a:endParaRPr>
+          <a:bodyPr/>
+          <a:lstStyle/>
+          <a:p>
+            <a:r>
+              <a:rPr lang="fr-FR" dirty="0" smtClean="0"/>
+              <a:t>Le plus : </a:t>
+            </a:r>
+          </a:p>
+          <a:p>
+            <a:pPr lvl="1"/>
+            <a:r>
+              <a:rPr lang="fr-FR" dirty="0" smtClean="0"/>
+              <a:t>Modèle </a:t>
+            </a:r>
+            <a:r>
+              <a:rPr lang="fr-FR" dirty="0" err="1" smtClean="0"/>
+              <a:t>Protobuf</a:t>
+            </a:r>
+            <a:endParaRPr lang="fr-FR" dirty="0" smtClean="0"/>
+          </a:p>
+          <a:p>
+            <a:pPr lvl="1"/>
+            <a:r>
+              <a:rPr lang="fr-FR" dirty="0" smtClean="0"/>
+              <a:t>Objets générés (+ </a:t>
+            </a:r>
+            <a:r>
+              <a:rPr lang="fr-FR" dirty="0" err="1" smtClean="0"/>
+              <a:t>builder</a:t>
+            </a:r>
+            <a:r>
+              <a:rPr lang="fr-FR" dirty="0" smtClean="0"/>
+              <a:t> + </a:t>
+            </a:r>
+            <a:r>
+              <a:rPr lang="fr-FR" dirty="0" err="1" smtClean="0"/>
+              <a:t>toString</a:t>
+            </a:r>
+            <a:r>
+              <a:rPr lang="fr-FR" dirty="0" smtClean="0"/>
+              <a:t>, etc.)</a:t>
+            </a:r>
+          </a:p>
+          <a:p>
+            <a:endParaRPr lang="fr-FR" dirty="0"/>
+          </a:p>
+          <a:p>
+            <a:r>
+              <a:rPr lang="fr-FR" dirty="0" smtClean="0"/>
+              <a:t>Mais on ne peut pas consommer le </a:t>
+            </a:r>
+            <a:r>
+              <a:rPr lang="fr-FR" dirty="0" err="1" smtClean="0"/>
+              <a:t>WebService</a:t>
+            </a:r>
+            <a:endParaRPr lang="fr-FR" dirty="0" smtClean="0"/>
+          </a:p>
+          <a:p>
+            <a:endParaRPr lang="fr-FR" dirty="0"/>
+          </a:p>
+          <a:p>
+            <a:r>
+              <a:rPr lang="fr-FR" dirty="0" smtClean="0"/>
+              <a:t>Le </a:t>
+            </a:r>
+            <a:r>
+              <a:rPr lang="fr-FR" dirty="0" err="1" smtClean="0"/>
+              <a:t>WebService</a:t>
+            </a:r>
+            <a:r>
+              <a:rPr lang="fr-FR" dirty="0" smtClean="0"/>
+              <a:t> produit du </a:t>
+            </a:r>
+            <a:r>
+              <a:rPr lang="fr-FR" dirty="0" err="1" smtClean="0"/>
+              <a:t>json</a:t>
+            </a:r>
+            <a:r>
+              <a:rPr lang="is-IS" dirty="0" smtClean="0"/>
+              <a:t>…</a:t>
+            </a:r>
+            <a:endParaRPr lang="fr-FR" dirty="0"/>
           </a:p>
         </p:txBody>
       </p:sp>
     </p:spTree>
     <p:extLst>
       <p:ext uri="{BB962C8B-B14F-4D97-AF65-F5344CB8AC3E}">
-        <p14:creationId xmlns:p14="http://schemas.microsoft.com/office/powerpoint/2010/main" val="2850568754"/>
+        <p14:creationId xmlns:p14="http://schemas.microsoft.com/office/powerpoint/2010/main" val="678657226"/>
       </p:ext>
     </p:extLst>
   </p:cSld>
@@ -5353,8 +5190,8 @@
           <a:lstStyle/>
           <a:p>
             <a:r>
-              <a:rPr lang="fr-FR" dirty="0" err="1" smtClean="0"/>
-              <a:t>Issues.toString</a:t>
+              <a:rPr lang="fr-FR" dirty="0" smtClean="0"/>
+              <a:t>Pour consommer le REST</a:t>
             </a:r>
             <a:endParaRPr lang="fr-FR" dirty="0"/>
           </a:p>
@@ -5372,373 +5209,76 @@
         </p:nvSpPr>
         <p:spPr/>
         <p:txBody>
-          <a:bodyPr>
-            <a:normAutofit fontScale="55000" lnSpcReduction="20000"/>
-          </a:bodyPr>
-          <a:lstStyle/>
-          <a:p>
-            <a:pPr marL="0" indent="0">
-              <a:buNone/>
-            </a:pPr>
+          <a:bodyPr/>
+          <a:lstStyle/>
+          <a:p>
+            <a:r>
+              <a:rPr lang="fr-FR" dirty="0" err="1" smtClean="0"/>
+              <a:t>Retrofit</a:t>
+            </a:r>
+            <a:r>
+              <a:rPr lang="fr-FR" dirty="0" smtClean="0"/>
+              <a:t> : </a:t>
+            </a:r>
+          </a:p>
+          <a:p>
+            <a:pPr lvl="1"/>
+            <a:r>
+              <a:rPr lang="fr-FR" dirty="0">
+                <a:hlinkClick r:id="rId2"/>
+              </a:rPr>
+              <a:t>http://square.github.io/retrofit</a:t>
+            </a:r>
             <a:r>
               <a:rPr lang="fr-FR" dirty="0" smtClean="0">
-                <a:solidFill>
-                  <a:srgbClr val="FF0000"/>
-                </a:solidFill>
+                <a:hlinkClick r:id="rId2"/>
               </a:rPr>
-              <a:t>[</a:t>
-            </a:r>
-          </a:p>
-          <a:p>
-            <a:pPr marL="0" indent="0">
-              <a:buNone/>
-            </a:pPr>
-            <a:r>
-              <a:rPr lang="fr-FR" dirty="0" smtClean="0"/>
-              <a:t>issues </a:t>
-            </a:r>
-            <a:r>
-              <a:rPr lang="fr-FR" dirty="0"/>
-              <a:t>{</a:t>
-            </a:r>
-          </a:p>
-          <a:p>
-            <a:pPr marL="0" indent="0">
-              <a:buNone/>
-            </a:pPr>
-            <a:r>
-              <a:rPr lang="fr-FR" dirty="0"/>
-              <a:t>  id: "</a:t>
-            </a:r>
-            <a:r>
-              <a:rPr lang="fr-FR" dirty="0" smtClean="0"/>
-              <a:t>toto"</a:t>
-            </a:r>
-            <a:r>
-              <a:rPr lang="fr-FR" dirty="0" smtClean="0">
-                <a:solidFill>
-                  <a:srgbClr val="FF0000"/>
-                </a:solidFill>
-              </a:rPr>
-              <a:t>,</a:t>
-            </a:r>
-            <a:endParaRPr lang="fr-FR" dirty="0">
-              <a:solidFill>
-                <a:srgbClr val="FF0000"/>
-              </a:solidFill>
-            </a:endParaRPr>
-          </a:p>
-          <a:p>
-            <a:pPr marL="0" indent="0">
-              <a:buNone/>
-            </a:pPr>
-            <a:r>
-              <a:rPr lang="fr-FR" dirty="0"/>
-              <a:t>  </a:t>
-            </a:r>
-            <a:r>
-              <a:rPr lang="fr-FR" dirty="0" err="1"/>
-              <a:t>number</a:t>
-            </a:r>
-            <a:r>
-              <a:rPr lang="fr-FR" dirty="0"/>
-              <a:t>: </a:t>
-            </a:r>
-            <a:r>
-              <a:rPr lang="fr-FR" dirty="0" smtClean="0"/>
-              <a:t>41</a:t>
-            </a:r>
-            <a:r>
-              <a:rPr lang="fr-FR" dirty="0" smtClean="0">
-                <a:solidFill>
-                  <a:srgbClr val="FF0000"/>
-                </a:solidFill>
-              </a:rPr>
-              <a:t>,</a:t>
-            </a:r>
-            <a:endParaRPr lang="fr-FR" dirty="0">
-              <a:solidFill>
-                <a:srgbClr val="FF0000"/>
-              </a:solidFill>
-            </a:endParaRPr>
-          </a:p>
-          <a:p>
-            <a:pPr marL="0" indent="0">
-              <a:buNone/>
-            </a:pPr>
-            <a:r>
-              <a:rPr lang="fr-FR" dirty="0"/>
-              <a:t>  </a:t>
-            </a:r>
-            <a:r>
-              <a:rPr lang="fr-FR" dirty="0" err="1"/>
-              <a:t>title</a:t>
-            </a:r>
-            <a:r>
-              <a:rPr lang="fr-FR" dirty="0"/>
-              <a:t>: "Issue </a:t>
-            </a:r>
-            <a:r>
-              <a:rPr lang="fr-FR" dirty="0" smtClean="0"/>
-              <a:t>Toto"</a:t>
-            </a:r>
-            <a:r>
-              <a:rPr lang="fr-FR" dirty="0" smtClean="0">
-                <a:solidFill>
-                  <a:srgbClr val="FF0000"/>
-                </a:solidFill>
-              </a:rPr>
-              <a:t>,</a:t>
-            </a:r>
-            <a:endParaRPr lang="fr-FR" dirty="0">
-              <a:solidFill>
-                <a:srgbClr val="FF0000"/>
-              </a:solidFill>
-            </a:endParaRPr>
-          </a:p>
-          <a:p>
-            <a:pPr marL="0" indent="0">
-              <a:buNone/>
-            </a:pPr>
-            <a:r>
-              <a:rPr lang="fr-FR" dirty="0"/>
-              <a:t>  state: "</a:t>
-            </a:r>
-            <a:r>
-              <a:rPr lang="fr-FR" dirty="0" smtClean="0"/>
-              <a:t>Open"</a:t>
-            </a:r>
-            <a:r>
-              <a:rPr lang="fr-FR" dirty="0" smtClean="0">
-                <a:solidFill>
-                  <a:srgbClr val="FF0000"/>
-                </a:solidFill>
-              </a:rPr>
-              <a:t>,</a:t>
-            </a:r>
-            <a:endParaRPr lang="fr-FR" dirty="0">
-              <a:solidFill>
-                <a:srgbClr val="FF0000"/>
-              </a:solidFill>
-            </a:endParaRPr>
-          </a:p>
-          <a:p>
-            <a:pPr marL="0" indent="0">
-              <a:buNone/>
-            </a:pPr>
-            <a:r>
-              <a:rPr lang="fr-FR" dirty="0"/>
-              <a:t>  body: "This </a:t>
-            </a:r>
-            <a:r>
-              <a:rPr lang="fr-FR" dirty="0" err="1"/>
-              <a:t>is</a:t>
-            </a:r>
-            <a:r>
-              <a:rPr lang="fr-FR" dirty="0"/>
-              <a:t> a </a:t>
-            </a:r>
-            <a:r>
-              <a:rPr lang="fr-FR" dirty="0" smtClean="0"/>
-              <a:t>body"</a:t>
-            </a:r>
-            <a:r>
-              <a:rPr lang="fr-FR" dirty="0" smtClean="0">
-                <a:solidFill>
-                  <a:srgbClr val="FF0000"/>
-                </a:solidFill>
-              </a:rPr>
-              <a:t>,</a:t>
-            </a:r>
-            <a:endParaRPr lang="fr-FR" dirty="0">
-              <a:solidFill>
-                <a:srgbClr val="FF0000"/>
-              </a:solidFill>
-            </a:endParaRPr>
-          </a:p>
-          <a:p>
-            <a:pPr marL="0" indent="0">
-              <a:buNone/>
-            </a:pPr>
-            <a:r>
-              <a:rPr lang="fr-FR" dirty="0" smtClean="0"/>
-              <a:t>}</a:t>
-            </a:r>
-            <a:r>
-              <a:rPr lang="fr-FR" dirty="0" smtClean="0">
-                <a:solidFill>
-                  <a:srgbClr val="FF0000"/>
-                </a:solidFill>
-              </a:rPr>
-              <a:t>,</a:t>
-            </a:r>
-            <a:endParaRPr lang="fr-FR" dirty="0">
-              <a:solidFill>
-                <a:srgbClr val="FF0000"/>
-              </a:solidFill>
-            </a:endParaRPr>
-          </a:p>
-          <a:p>
-            <a:pPr marL="0" indent="0">
-              <a:buNone/>
-            </a:pPr>
-            <a:r>
-              <a:rPr lang="fr-FR" dirty="0"/>
-              <a:t>issues {</a:t>
-            </a:r>
-          </a:p>
-          <a:p>
-            <a:pPr marL="0" indent="0">
-              <a:buNone/>
-            </a:pPr>
-            <a:r>
-              <a:rPr lang="fr-FR" dirty="0"/>
-              <a:t>  id: "</a:t>
-            </a:r>
-            <a:r>
-              <a:rPr lang="fr-FR" dirty="0" smtClean="0"/>
-              <a:t>titi"</a:t>
-            </a:r>
-            <a:r>
-              <a:rPr lang="fr-FR" dirty="0" smtClean="0">
-                <a:solidFill>
-                  <a:srgbClr val="FF0000"/>
-                </a:solidFill>
-              </a:rPr>
-              <a:t>,</a:t>
-            </a:r>
-            <a:endParaRPr lang="fr-FR" dirty="0">
-              <a:solidFill>
-                <a:srgbClr val="FF0000"/>
-              </a:solidFill>
-            </a:endParaRPr>
-          </a:p>
-          <a:p>
-            <a:pPr marL="0" indent="0">
-              <a:buNone/>
-            </a:pPr>
-            <a:r>
-              <a:rPr lang="fr-FR" dirty="0"/>
-              <a:t>  </a:t>
-            </a:r>
-            <a:r>
-              <a:rPr lang="fr-FR" dirty="0" err="1"/>
-              <a:t>number</a:t>
-            </a:r>
-            <a:r>
-              <a:rPr lang="fr-FR" dirty="0"/>
-              <a:t>: </a:t>
-            </a:r>
-            <a:r>
-              <a:rPr lang="fr-FR" dirty="0" smtClean="0"/>
-              <a:t>32</a:t>
-            </a:r>
-            <a:r>
-              <a:rPr lang="fr-FR" dirty="0" smtClean="0">
-                <a:solidFill>
-                  <a:srgbClr val="FF0000"/>
-                </a:solidFill>
-              </a:rPr>
-              <a:t>,</a:t>
-            </a:r>
-            <a:endParaRPr lang="fr-FR" dirty="0">
-              <a:solidFill>
-                <a:srgbClr val="FF0000"/>
-              </a:solidFill>
-            </a:endParaRPr>
-          </a:p>
-          <a:p>
-            <a:pPr marL="0" indent="0">
-              <a:buNone/>
-            </a:pPr>
-            <a:r>
-              <a:rPr lang="fr-FR" dirty="0"/>
-              <a:t>  </a:t>
-            </a:r>
-            <a:r>
-              <a:rPr lang="fr-FR" dirty="0" err="1"/>
-              <a:t>title</a:t>
-            </a:r>
-            <a:r>
-              <a:rPr lang="fr-FR" dirty="0"/>
-              <a:t>: "Issue </a:t>
-            </a:r>
-            <a:r>
-              <a:rPr lang="fr-FR" dirty="0" smtClean="0"/>
-              <a:t>titi"</a:t>
-            </a:r>
-            <a:r>
-              <a:rPr lang="fr-FR" dirty="0" smtClean="0">
-                <a:solidFill>
-                  <a:srgbClr val="FF0000"/>
-                </a:solidFill>
-              </a:rPr>
-              <a:t>,</a:t>
-            </a:r>
-            <a:endParaRPr lang="fr-FR" dirty="0">
-              <a:solidFill>
-                <a:srgbClr val="FF0000"/>
-              </a:solidFill>
-            </a:endParaRPr>
-          </a:p>
-          <a:p>
-            <a:pPr marL="0" indent="0">
-              <a:buNone/>
-            </a:pPr>
-            <a:r>
-              <a:rPr lang="fr-FR" dirty="0"/>
-              <a:t>  state: "</a:t>
-            </a:r>
-            <a:r>
-              <a:rPr lang="fr-FR" dirty="0" err="1" smtClean="0"/>
-              <a:t>Closed</a:t>
-            </a:r>
-            <a:r>
-              <a:rPr lang="fr-FR" dirty="0" smtClean="0"/>
-              <a:t>"</a:t>
-            </a:r>
-            <a:r>
-              <a:rPr lang="fr-FR" dirty="0" smtClean="0">
-                <a:solidFill>
-                  <a:srgbClr val="FF0000"/>
-                </a:solidFill>
-              </a:rPr>
-              <a:t>,</a:t>
-            </a:r>
-            <a:endParaRPr lang="fr-FR" dirty="0">
-              <a:solidFill>
-                <a:srgbClr val="FF0000"/>
-              </a:solidFill>
-            </a:endParaRPr>
-          </a:p>
-          <a:p>
-            <a:pPr marL="0" indent="0">
-              <a:buNone/>
-            </a:pPr>
-            <a:r>
-              <a:rPr lang="fr-FR" dirty="0" smtClean="0"/>
-              <a:t>}</a:t>
-            </a:r>
-          </a:p>
-          <a:p>
-            <a:pPr marL="0" indent="0">
-              <a:buNone/>
-            </a:pPr>
-            <a:r>
-              <a:rPr lang="fr-FR" dirty="0">
-                <a:solidFill>
-                  <a:srgbClr val="FF0000"/>
-                </a:solidFill>
-              </a:rPr>
-              <a:t>]</a:t>
-            </a:r>
+              <a:t>/</a:t>
+            </a:r>
+            <a:endParaRPr lang="fr-FR" dirty="0" smtClean="0"/>
+          </a:p>
+          <a:p>
+            <a:pPr lvl="1"/>
+            <a:r>
+              <a:rPr lang="fr-FR" dirty="0" smtClean="0"/>
+              <a:t>Version 1.9.0</a:t>
+            </a:r>
+          </a:p>
+          <a:p>
+            <a:pPr lvl="1"/>
+            <a:r>
+              <a:rPr lang="fr-FR" dirty="0" smtClean="0"/>
+              <a:t>S’appuie sur </a:t>
+            </a:r>
+            <a:r>
+              <a:rPr lang="fr-FR" dirty="0" err="1" smtClean="0"/>
+              <a:t>okHttp</a:t>
+            </a:r>
+            <a:endParaRPr lang="fr-FR" dirty="0" smtClean="0"/>
+          </a:p>
+          <a:p>
+            <a:pPr lvl="1"/>
+            <a:endParaRPr lang="fr-FR" dirty="0"/>
+          </a:p>
+          <a:p>
+            <a:r>
+              <a:rPr lang="fr-FR" dirty="0" smtClean="0"/>
+              <a:t>Définition d’une interface avec des annotations. </a:t>
+            </a:r>
+          </a:p>
+          <a:p>
+            <a:r>
+              <a:rPr lang="fr-FR" dirty="0" smtClean="0"/>
+              <a:t>Utilisation d’objets java</a:t>
+            </a:r>
+            <a:endParaRPr lang="fr-FR" dirty="0"/>
           </a:p>
         </p:txBody>
       </p:sp>
     </p:spTree>
     <p:extLst>
       <p:ext uri="{BB962C8B-B14F-4D97-AF65-F5344CB8AC3E}">
-        <p14:creationId xmlns:p14="http://schemas.microsoft.com/office/powerpoint/2010/main" val="1564795068"/>
+        <p14:creationId xmlns:p14="http://schemas.microsoft.com/office/powerpoint/2010/main" val="4259104201"/>
       </p:ext>
     </p:extLst>
   </p:cSld>
@@ -5781,8 +5321,12 @@
           <a:lstStyle/>
           <a:p>
             <a:r>
-              <a:rPr lang="fr-FR" dirty="0" err="1" smtClean="0"/>
-              <a:t>Issues.toString</a:t>
+              <a:rPr lang="fr-FR" dirty="0" smtClean="0"/>
+              <a:t>Pourquoi </a:t>
+            </a:r>
+            <a:r>
+              <a:rPr lang="fr-FR" dirty="0" err="1" smtClean="0"/>
+              <a:t>Retrofit</a:t>
             </a:r>
             <a:endParaRPr lang="fr-FR" dirty="0"/>
           </a:p>
@@ -5800,371 +5344,71 @@
         </p:nvSpPr>
         <p:spPr/>
         <p:txBody>
-          <a:bodyPr>
-            <a:normAutofit fontScale="55000" lnSpcReduction="20000"/>
-          </a:bodyPr>
-          <a:lstStyle/>
-          <a:p>
-            <a:pPr marL="0" indent="0">
-              <a:buNone/>
-            </a:pPr>
-            <a:r>
-              <a:rPr lang="fr-FR" dirty="0" smtClean="0">
-                <a:solidFill>
-                  <a:srgbClr val="FF0000"/>
-                </a:solidFill>
-              </a:rPr>
-              <a:t>[</a:t>
-            </a:r>
-          </a:p>
-          <a:p>
-            <a:pPr marL="0" indent="0">
-              <a:buNone/>
-            </a:pPr>
-            <a:r>
-              <a:rPr lang="fr-FR" dirty="0" smtClean="0"/>
-              <a:t>{</a:t>
-            </a:r>
-            <a:endParaRPr lang="fr-FR" dirty="0"/>
-          </a:p>
-          <a:p>
-            <a:pPr marL="0" indent="0">
-              <a:buNone/>
-            </a:pPr>
-            <a:r>
-              <a:rPr lang="fr-FR" dirty="0"/>
-              <a:t>  id: "</a:t>
-            </a:r>
-            <a:r>
-              <a:rPr lang="fr-FR" dirty="0" smtClean="0"/>
-              <a:t>toto"</a:t>
-            </a:r>
-            <a:r>
-              <a:rPr lang="fr-FR" dirty="0" smtClean="0">
-                <a:solidFill>
-                  <a:srgbClr val="FF0000"/>
-                </a:solidFill>
-              </a:rPr>
-              <a:t>,</a:t>
-            </a:r>
-            <a:endParaRPr lang="fr-FR" dirty="0">
-              <a:solidFill>
-                <a:srgbClr val="FF0000"/>
-              </a:solidFill>
-            </a:endParaRPr>
-          </a:p>
-          <a:p>
-            <a:pPr marL="0" indent="0">
-              <a:buNone/>
-            </a:pPr>
-            <a:r>
-              <a:rPr lang="fr-FR" dirty="0"/>
-              <a:t>  </a:t>
-            </a:r>
-            <a:r>
-              <a:rPr lang="fr-FR" dirty="0" err="1"/>
-              <a:t>number</a:t>
-            </a:r>
-            <a:r>
-              <a:rPr lang="fr-FR" dirty="0"/>
-              <a:t>: </a:t>
-            </a:r>
-            <a:r>
-              <a:rPr lang="fr-FR" dirty="0" smtClean="0"/>
-              <a:t>41</a:t>
-            </a:r>
-            <a:r>
-              <a:rPr lang="fr-FR" dirty="0" smtClean="0">
-                <a:solidFill>
-                  <a:srgbClr val="FF0000"/>
-                </a:solidFill>
-              </a:rPr>
-              <a:t>,</a:t>
-            </a:r>
-            <a:endParaRPr lang="fr-FR" dirty="0">
-              <a:solidFill>
-                <a:srgbClr val="FF0000"/>
-              </a:solidFill>
-            </a:endParaRPr>
-          </a:p>
-          <a:p>
-            <a:pPr marL="0" indent="0">
-              <a:buNone/>
-            </a:pPr>
-            <a:r>
-              <a:rPr lang="fr-FR" dirty="0"/>
-              <a:t>  </a:t>
-            </a:r>
-            <a:r>
-              <a:rPr lang="fr-FR" dirty="0" err="1"/>
-              <a:t>title</a:t>
-            </a:r>
-            <a:r>
-              <a:rPr lang="fr-FR" dirty="0"/>
-              <a:t>: "Issue </a:t>
-            </a:r>
-            <a:r>
-              <a:rPr lang="fr-FR" dirty="0" smtClean="0"/>
-              <a:t>Toto"</a:t>
-            </a:r>
-            <a:r>
-              <a:rPr lang="fr-FR" dirty="0" smtClean="0">
-                <a:solidFill>
-                  <a:srgbClr val="FF0000"/>
-                </a:solidFill>
-              </a:rPr>
-              <a:t>,</a:t>
-            </a:r>
-            <a:endParaRPr lang="fr-FR" dirty="0">
-              <a:solidFill>
-                <a:srgbClr val="FF0000"/>
-              </a:solidFill>
-            </a:endParaRPr>
-          </a:p>
-          <a:p>
-            <a:pPr marL="0" indent="0">
-              <a:buNone/>
-            </a:pPr>
-            <a:r>
-              <a:rPr lang="fr-FR" dirty="0"/>
-              <a:t>  state: "</a:t>
-            </a:r>
-            <a:r>
-              <a:rPr lang="fr-FR" dirty="0" smtClean="0"/>
-              <a:t>Open"</a:t>
-            </a:r>
-            <a:r>
-              <a:rPr lang="fr-FR" dirty="0" smtClean="0">
-                <a:solidFill>
-                  <a:srgbClr val="FF0000"/>
-                </a:solidFill>
-              </a:rPr>
-              <a:t>,</a:t>
-            </a:r>
-            <a:endParaRPr lang="fr-FR" dirty="0">
-              <a:solidFill>
-                <a:srgbClr val="FF0000"/>
-              </a:solidFill>
-            </a:endParaRPr>
-          </a:p>
-          <a:p>
-            <a:pPr marL="0" indent="0">
-              <a:buNone/>
-            </a:pPr>
-            <a:r>
-              <a:rPr lang="fr-FR" dirty="0"/>
-              <a:t>  body: "This </a:t>
-            </a:r>
-            <a:r>
-              <a:rPr lang="fr-FR" dirty="0" err="1"/>
-              <a:t>is</a:t>
-            </a:r>
-            <a:r>
-              <a:rPr lang="fr-FR" dirty="0"/>
-              <a:t> a </a:t>
-            </a:r>
-            <a:r>
-              <a:rPr lang="fr-FR" dirty="0" smtClean="0"/>
-              <a:t>body"</a:t>
-            </a:r>
-            <a:r>
-              <a:rPr lang="fr-FR" dirty="0" smtClean="0">
-                <a:solidFill>
-                  <a:srgbClr val="FF0000"/>
-                </a:solidFill>
-              </a:rPr>
-              <a:t>,</a:t>
-            </a:r>
-            <a:endParaRPr lang="fr-FR" dirty="0">
-              <a:solidFill>
-                <a:srgbClr val="FF0000"/>
-              </a:solidFill>
-            </a:endParaRPr>
-          </a:p>
-          <a:p>
-            <a:pPr marL="0" indent="0">
-              <a:buNone/>
-            </a:pPr>
-            <a:r>
-              <a:rPr lang="fr-FR" dirty="0" smtClean="0"/>
-              <a:t>}</a:t>
-            </a:r>
-            <a:r>
-              <a:rPr lang="fr-FR" dirty="0" smtClean="0">
-                <a:solidFill>
-                  <a:srgbClr val="FF0000"/>
-                </a:solidFill>
-              </a:rPr>
-              <a:t>,</a:t>
-            </a:r>
-            <a:endParaRPr lang="fr-FR" dirty="0">
-              <a:solidFill>
-                <a:srgbClr val="FF0000"/>
-              </a:solidFill>
-            </a:endParaRPr>
-          </a:p>
-          <a:p>
-            <a:pPr marL="0" indent="0">
-              <a:buNone/>
-            </a:pPr>
-            <a:r>
-              <a:rPr lang="fr-FR" dirty="0" smtClean="0"/>
-              <a:t>{</a:t>
-            </a:r>
-            <a:endParaRPr lang="fr-FR" dirty="0"/>
-          </a:p>
-          <a:p>
-            <a:pPr marL="0" indent="0">
-              <a:buNone/>
-            </a:pPr>
-            <a:r>
-              <a:rPr lang="fr-FR" dirty="0"/>
-              <a:t>  id: "</a:t>
-            </a:r>
-            <a:r>
-              <a:rPr lang="fr-FR" dirty="0" smtClean="0"/>
-              <a:t>titi"</a:t>
-            </a:r>
-            <a:r>
-              <a:rPr lang="fr-FR" dirty="0" smtClean="0">
-                <a:solidFill>
-                  <a:srgbClr val="FF0000"/>
-                </a:solidFill>
-              </a:rPr>
-              <a:t>,</a:t>
-            </a:r>
-            <a:endParaRPr lang="fr-FR" dirty="0">
-              <a:solidFill>
-                <a:srgbClr val="FF0000"/>
-              </a:solidFill>
-            </a:endParaRPr>
-          </a:p>
-          <a:p>
-            <a:pPr marL="0" indent="0">
-              <a:buNone/>
-            </a:pPr>
-            <a:r>
-              <a:rPr lang="fr-FR" dirty="0"/>
-              <a:t>  </a:t>
-            </a:r>
-            <a:r>
-              <a:rPr lang="fr-FR" dirty="0" err="1"/>
-              <a:t>number</a:t>
-            </a:r>
-            <a:r>
-              <a:rPr lang="fr-FR" dirty="0"/>
-              <a:t>: </a:t>
-            </a:r>
-            <a:r>
-              <a:rPr lang="fr-FR" dirty="0" smtClean="0"/>
-              <a:t>32</a:t>
-            </a:r>
-            <a:r>
-              <a:rPr lang="fr-FR" dirty="0" smtClean="0">
-                <a:solidFill>
-                  <a:srgbClr val="FF0000"/>
-                </a:solidFill>
-              </a:rPr>
-              <a:t>,</a:t>
-            </a:r>
-            <a:endParaRPr lang="fr-FR" dirty="0">
-              <a:solidFill>
-                <a:srgbClr val="FF0000"/>
-              </a:solidFill>
-            </a:endParaRPr>
-          </a:p>
-          <a:p>
-            <a:pPr marL="0" indent="0">
-              <a:buNone/>
-            </a:pPr>
-            <a:r>
-              <a:rPr lang="fr-FR" dirty="0"/>
-              <a:t>  </a:t>
-            </a:r>
-            <a:r>
-              <a:rPr lang="fr-FR" dirty="0" err="1"/>
-              <a:t>title</a:t>
-            </a:r>
-            <a:r>
-              <a:rPr lang="fr-FR" dirty="0"/>
-              <a:t>: "Issue </a:t>
-            </a:r>
-            <a:r>
-              <a:rPr lang="fr-FR" dirty="0" smtClean="0"/>
-              <a:t>titi"</a:t>
-            </a:r>
-            <a:r>
-              <a:rPr lang="fr-FR" dirty="0" smtClean="0">
-                <a:solidFill>
-                  <a:srgbClr val="FF0000"/>
-                </a:solidFill>
-              </a:rPr>
-              <a:t>,</a:t>
-            </a:r>
-            <a:endParaRPr lang="fr-FR" dirty="0">
-              <a:solidFill>
-                <a:srgbClr val="FF0000"/>
-              </a:solidFill>
-            </a:endParaRPr>
-          </a:p>
-          <a:p>
-            <a:pPr marL="0" indent="0">
-              <a:buNone/>
-            </a:pPr>
-            <a:r>
-              <a:rPr lang="fr-FR" dirty="0"/>
-              <a:t>  state: "</a:t>
-            </a:r>
-            <a:r>
-              <a:rPr lang="fr-FR" dirty="0" err="1" smtClean="0"/>
-              <a:t>Closed</a:t>
-            </a:r>
-            <a:r>
-              <a:rPr lang="fr-FR" dirty="0" smtClean="0"/>
-              <a:t>"</a:t>
-            </a:r>
-            <a:r>
-              <a:rPr lang="fr-FR" dirty="0" smtClean="0">
-                <a:solidFill>
-                  <a:srgbClr val="FF0000"/>
-                </a:solidFill>
-              </a:rPr>
-              <a:t>,</a:t>
-            </a:r>
-            <a:endParaRPr lang="fr-FR" dirty="0">
-              <a:solidFill>
-                <a:srgbClr val="FF0000"/>
-              </a:solidFill>
-            </a:endParaRPr>
-          </a:p>
-          <a:p>
-            <a:pPr marL="0" indent="0">
-              <a:buNone/>
-            </a:pPr>
-            <a:r>
-              <a:rPr lang="fr-FR" dirty="0" smtClean="0"/>
-              <a:t>}</a:t>
-            </a:r>
-          </a:p>
-          <a:p>
-            <a:pPr marL="0" indent="0">
-              <a:buNone/>
-            </a:pPr>
-            <a:r>
-              <a:rPr lang="fr-FR" dirty="0">
-                <a:solidFill>
-                  <a:srgbClr val="FF0000"/>
-                </a:solidFill>
-              </a:rPr>
-              <a:t>]</a:t>
-            </a:r>
+          <a:bodyPr/>
+          <a:lstStyle/>
+          <a:p>
+            <a:r>
+              <a:rPr lang="fr-FR" dirty="0" smtClean="0"/>
+              <a:t>Simple</a:t>
+            </a:r>
+          </a:p>
+          <a:p>
+            <a:r>
+              <a:rPr lang="fr-FR" dirty="0" smtClean="0"/>
+              <a:t>Largement </a:t>
+            </a:r>
+            <a:r>
+              <a:rPr lang="fr-FR" dirty="0" err="1" smtClean="0"/>
+              <a:t>plébicité</a:t>
+            </a:r>
+            <a:r>
+              <a:rPr lang="fr-FR" dirty="0" smtClean="0"/>
+              <a:t> sur </a:t>
+            </a:r>
+            <a:r>
+              <a:rPr lang="fr-FR" dirty="0" err="1" smtClean="0"/>
+              <a:t>Android</a:t>
+            </a:r>
+            <a:endParaRPr lang="fr-FR" dirty="0" smtClean="0"/>
+          </a:p>
+          <a:p>
+            <a:endParaRPr lang="fr-FR" dirty="0"/>
+          </a:p>
+          <a:p>
+            <a:r>
+              <a:rPr lang="fr-FR" dirty="0" err="1" smtClean="0"/>
+              <a:t>Converters</a:t>
+            </a:r>
+            <a:r>
+              <a:rPr lang="fr-FR" dirty="0" smtClean="0"/>
+              <a:t> :</a:t>
+            </a:r>
+          </a:p>
+          <a:p>
+            <a:pPr lvl="1"/>
+            <a:r>
+              <a:rPr lang="fr-FR" dirty="0" smtClean="0"/>
+              <a:t>Classe permettant de convertir Objet &lt;-&gt; Format Sérialisé</a:t>
+            </a:r>
+          </a:p>
+          <a:p>
+            <a:pPr lvl="1"/>
+            <a:r>
+              <a:rPr lang="fr-FR" dirty="0" smtClean="0"/>
+              <a:t>Possibilité de créer ses </a:t>
+            </a:r>
+            <a:r>
+              <a:rPr lang="fr-FR" dirty="0" err="1" smtClean="0"/>
+              <a:t>converters</a:t>
+            </a:r>
+            <a:endParaRPr lang="fr-FR" dirty="0"/>
           </a:p>
         </p:txBody>
       </p:sp>
     </p:spTree>
     <p:extLst>
       <p:ext uri="{BB962C8B-B14F-4D97-AF65-F5344CB8AC3E}">
-        <p14:creationId xmlns:p14="http://schemas.microsoft.com/office/powerpoint/2010/main" val="1574338818"/>
+        <p14:creationId xmlns:p14="http://schemas.microsoft.com/office/powerpoint/2010/main" val="887856882"/>
       </p:ext>
     </p:extLst>
   </p:cSld>
@@ -6208,7 +5452,7 @@
           <a:p>
             <a:r>
               <a:rPr lang="fr-FR" dirty="0" err="1" smtClean="0"/>
-              <a:t>Converter</a:t>
+              <a:t>Issues.toString</a:t>
             </a:r>
             <a:endParaRPr lang="fr-FR" dirty="0"/>
           </a:p>
@@ -6227,135 +5471,309 @@
         <p:spPr/>
         <p:txBody>
           <a:bodyPr>
-            <a:normAutofit lnSpcReduction="10000"/>
+            <a:normAutofit fontScale="55000" lnSpcReduction="20000"/>
           </a:bodyPr>
           <a:lstStyle/>
           <a:p>
-            <a:r>
-              <a:rPr lang="fr-FR" dirty="0" smtClean="0"/>
-              <a:t>Conversion </a:t>
-            </a:r>
-            <a:r>
-              <a:rPr lang="fr-FR" dirty="0" err="1" smtClean="0"/>
-              <a:t>protobuf</a:t>
-            </a:r>
-            <a:r>
-              <a:rPr lang="fr-FR" dirty="0" smtClean="0"/>
-              <a:t> -&gt; </a:t>
-            </a:r>
-            <a:r>
-              <a:rPr lang="fr-FR" dirty="0" err="1" smtClean="0"/>
-              <a:t>json</a:t>
-            </a:r>
-            <a:r>
-              <a:rPr lang="fr-FR" dirty="0" smtClean="0"/>
-              <a:t> OK</a:t>
-            </a:r>
-          </a:p>
-          <a:p>
-            <a:endParaRPr lang="fr-FR" dirty="0"/>
-          </a:p>
-          <a:p>
-            <a:r>
-              <a:rPr lang="fr-FR" dirty="0" err="1" smtClean="0"/>
-              <a:t>Json</a:t>
-            </a:r>
-            <a:r>
-              <a:rPr lang="fr-FR" dirty="0" smtClean="0"/>
-              <a:t> -&gt; </a:t>
-            </a:r>
-            <a:r>
-              <a:rPr lang="fr-FR" dirty="0" err="1" smtClean="0"/>
-              <a:t>protobuf</a:t>
-            </a:r>
-            <a:r>
-              <a:rPr lang="fr-FR" dirty="0" smtClean="0"/>
-              <a:t> ? </a:t>
-            </a:r>
-            <a:endParaRPr lang="fr-FR" dirty="0"/>
-          </a:p>
-          <a:p>
-            <a:pPr lvl="1"/>
-            <a:r>
-              <a:rPr lang="fr-FR" dirty="0" smtClean="0"/>
-              <a:t>OK gr</a:t>
-            </a:r>
-            <a:r>
-              <a:rPr lang="fr-FR" dirty="0" smtClean="0"/>
-              <a:t>âce au </a:t>
-            </a:r>
-            <a:r>
-              <a:rPr lang="fr-FR" dirty="0" err="1" smtClean="0"/>
-              <a:t>parsing</a:t>
-            </a:r>
-            <a:r>
-              <a:rPr lang="fr-FR" dirty="0" smtClean="0"/>
-              <a:t> </a:t>
-            </a:r>
-            <a:r>
-              <a:rPr lang="fr-FR" dirty="0" err="1" smtClean="0"/>
-              <a:t>json</a:t>
-            </a:r>
-            <a:endParaRPr lang="fr-FR" dirty="0" smtClean="0"/>
-          </a:p>
-          <a:p>
-            <a:pPr lvl="1"/>
-            <a:r>
-              <a:rPr lang="fr-FR" dirty="0" smtClean="0"/>
-              <a:t>OK grâce aux </a:t>
-            </a:r>
-            <a:r>
-              <a:rPr lang="fr-FR" dirty="0" err="1" smtClean="0"/>
-              <a:t>FieldDescriptor</a:t>
-            </a:r>
-            <a:r>
-              <a:rPr lang="fr-FR" dirty="0" smtClean="0"/>
-              <a:t> qui contiennent :</a:t>
-            </a:r>
-          </a:p>
-          <a:p>
-            <a:pPr lvl="2"/>
-            <a:r>
-              <a:rPr lang="fr-FR" dirty="0" smtClean="0"/>
-              <a:t>Nom</a:t>
-            </a:r>
-          </a:p>
-          <a:p>
-            <a:pPr lvl="2"/>
-            <a:r>
-              <a:rPr lang="fr-FR" dirty="0" smtClean="0"/>
-              <a:t>Numéro</a:t>
-            </a:r>
-          </a:p>
-          <a:p>
-            <a:pPr lvl="2"/>
-            <a:r>
-              <a:rPr lang="fr-FR" dirty="0" smtClean="0"/>
-              <a:t>Type et Type Java</a:t>
-            </a:r>
-          </a:p>
-          <a:p>
-            <a:pPr lvl="2"/>
-            <a:r>
-              <a:rPr lang="fr-FR" dirty="0" smtClean="0"/>
-              <a:t>Et plus encore</a:t>
-            </a:r>
-            <a:r>
-              <a:rPr lang="is-IS" dirty="0" smtClean="0"/>
-              <a:t>…</a:t>
-            </a:r>
-            <a:endParaRPr lang="fr-FR" dirty="0" smtClean="0"/>
-          </a:p>
-          <a:p>
-            <a:pPr lvl="2"/>
-            <a:endParaRPr lang="fr-FR" dirty="0"/>
+            <a:pPr marL="0" indent="0">
+              <a:buNone/>
+            </a:pPr>
+            <a:endParaRPr lang="fr-FR" dirty="0" smtClean="0">
+              <a:solidFill>
+                <a:srgbClr val="FF0000"/>
+              </a:solidFill>
+            </a:endParaRPr>
+          </a:p>
+          <a:p>
+            <a:pPr marL="0" indent="0">
+              <a:buNone/>
+            </a:pPr>
+            <a:r>
+              <a:rPr lang="fr-FR" dirty="0" smtClean="0"/>
+              <a:t>issues </a:t>
+            </a:r>
+            <a:r>
+              <a:rPr lang="fr-FR" dirty="0"/>
+              <a:t>{</a:t>
+            </a:r>
+          </a:p>
+          <a:p>
+            <a:pPr marL="0" indent="0">
+              <a:buNone/>
+            </a:pPr>
+            <a:r>
+              <a:rPr lang="fr-FR" dirty="0"/>
+              <a:t>  id: "</a:t>
+            </a:r>
+            <a:r>
+              <a:rPr lang="fr-FR" dirty="0" smtClean="0"/>
+              <a:t>toto"</a:t>
+            </a:r>
+            <a:endParaRPr lang="fr-FR" dirty="0">
+              <a:solidFill>
+                <a:srgbClr val="FF0000"/>
+              </a:solidFill>
+            </a:endParaRPr>
+          </a:p>
+          <a:p>
+            <a:pPr marL="0" indent="0">
+              <a:buNone/>
+            </a:pPr>
+            <a:r>
+              <a:rPr lang="fr-FR" dirty="0"/>
+              <a:t>  </a:t>
+            </a:r>
+            <a:r>
+              <a:rPr lang="fr-FR" dirty="0" err="1"/>
+              <a:t>number</a:t>
+            </a:r>
+            <a:r>
+              <a:rPr lang="fr-FR" dirty="0"/>
+              <a:t>: </a:t>
+            </a:r>
+            <a:r>
+              <a:rPr lang="fr-FR" dirty="0" smtClean="0"/>
+              <a:t>41</a:t>
+            </a:r>
+            <a:endParaRPr lang="fr-FR" dirty="0">
+              <a:solidFill>
+                <a:srgbClr val="FF0000"/>
+              </a:solidFill>
+            </a:endParaRPr>
+          </a:p>
+          <a:p>
+            <a:pPr marL="0" indent="0">
+              <a:buNone/>
+            </a:pPr>
+            <a:r>
+              <a:rPr lang="fr-FR" dirty="0"/>
+              <a:t>  </a:t>
+            </a:r>
+            <a:r>
+              <a:rPr lang="fr-FR" dirty="0" err="1"/>
+              <a:t>title</a:t>
+            </a:r>
+            <a:r>
+              <a:rPr lang="fr-FR" dirty="0"/>
+              <a:t>: "Issue </a:t>
+            </a:r>
+            <a:r>
+              <a:rPr lang="fr-FR" dirty="0" smtClean="0"/>
+              <a:t>Toto"</a:t>
+            </a:r>
+            <a:endParaRPr lang="fr-FR" dirty="0">
+              <a:solidFill>
+                <a:srgbClr val="FF0000"/>
+              </a:solidFill>
+            </a:endParaRPr>
+          </a:p>
+          <a:p>
+            <a:pPr marL="0" indent="0">
+              <a:buNone/>
+            </a:pPr>
+            <a:r>
+              <a:rPr lang="fr-FR" dirty="0"/>
+              <a:t>  state: "</a:t>
+            </a:r>
+            <a:r>
+              <a:rPr lang="fr-FR" dirty="0" smtClean="0"/>
+              <a:t>Open"</a:t>
+            </a:r>
+            <a:endParaRPr lang="fr-FR" dirty="0">
+              <a:solidFill>
+                <a:srgbClr val="FF0000"/>
+              </a:solidFill>
+            </a:endParaRPr>
+          </a:p>
+          <a:p>
+            <a:pPr marL="0" indent="0">
+              <a:buNone/>
+            </a:pPr>
+            <a:r>
+              <a:rPr lang="fr-FR" dirty="0"/>
+              <a:t>  body: "This </a:t>
+            </a:r>
+            <a:r>
+              <a:rPr lang="fr-FR" dirty="0" err="1"/>
+              <a:t>is</a:t>
+            </a:r>
+            <a:r>
+              <a:rPr lang="fr-FR" dirty="0"/>
+              <a:t> a </a:t>
+            </a:r>
+            <a:r>
+              <a:rPr lang="fr-FR" dirty="0" smtClean="0"/>
+              <a:t>body"</a:t>
+            </a:r>
+            <a:endParaRPr lang="fr-FR" dirty="0">
+              <a:solidFill>
+                <a:srgbClr val="FF0000"/>
+              </a:solidFill>
+            </a:endParaRPr>
+          </a:p>
+          <a:p>
+            <a:pPr marL="0" indent="0">
+              <a:buNone/>
+            </a:pPr>
+            <a:r>
+              <a:rPr lang="fr-FR" dirty="0" smtClean="0"/>
+              <a:t>}</a:t>
+            </a:r>
+            <a:endParaRPr lang="fr-FR" dirty="0">
+              <a:solidFill>
+                <a:srgbClr val="FF0000"/>
+              </a:solidFill>
+            </a:endParaRPr>
+          </a:p>
+          <a:p>
+            <a:pPr marL="0" indent="0">
+              <a:buNone/>
+            </a:pPr>
+            <a:r>
+              <a:rPr lang="fr-FR" dirty="0"/>
+              <a:t>issues {</a:t>
+            </a:r>
+          </a:p>
+          <a:p>
+            <a:pPr marL="0" indent="0">
+              <a:buNone/>
+            </a:pPr>
+            <a:r>
+              <a:rPr lang="fr-FR" dirty="0"/>
+              <a:t>  id: "</a:t>
+            </a:r>
+            <a:r>
+              <a:rPr lang="fr-FR" dirty="0" smtClean="0"/>
+              <a:t>titi"</a:t>
+            </a:r>
+            <a:endParaRPr lang="fr-FR" dirty="0">
+              <a:solidFill>
+                <a:srgbClr val="FF0000"/>
+              </a:solidFill>
+            </a:endParaRPr>
+          </a:p>
+          <a:p>
+            <a:pPr marL="0" indent="0">
+              <a:buNone/>
+            </a:pPr>
+            <a:r>
+              <a:rPr lang="fr-FR" dirty="0"/>
+              <a:t>  </a:t>
+            </a:r>
+            <a:r>
+              <a:rPr lang="fr-FR" dirty="0" err="1"/>
+              <a:t>number</a:t>
+            </a:r>
+            <a:r>
+              <a:rPr lang="fr-FR" dirty="0"/>
+              <a:t>: </a:t>
+            </a:r>
+            <a:r>
+              <a:rPr lang="fr-FR" dirty="0" smtClean="0"/>
+              <a:t>32</a:t>
+            </a:r>
+            <a:endParaRPr lang="fr-FR" dirty="0">
+              <a:solidFill>
+                <a:srgbClr val="FF0000"/>
+              </a:solidFill>
+            </a:endParaRPr>
+          </a:p>
+          <a:p>
+            <a:pPr marL="0" indent="0">
+              <a:buNone/>
+            </a:pPr>
+            <a:r>
+              <a:rPr lang="fr-FR" dirty="0"/>
+              <a:t>  </a:t>
+            </a:r>
+            <a:r>
+              <a:rPr lang="fr-FR" dirty="0" err="1"/>
+              <a:t>title</a:t>
+            </a:r>
+            <a:r>
+              <a:rPr lang="fr-FR" dirty="0"/>
+              <a:t>: "Issue </a:t>
+            </a:r>
+            <a:r>
+              <a:rPr lang="fr-FR" dirty="0" smtClean="0"/>
+              <a:t>titi"</a:t>
+            </a:r>
+            <a:endParaRPr lang="fr-FR" dirty="0">
+              <a:solidFill>
+                <a:srgbClr val="FF0000"/>
+              </a:solidFill>
+            </a:endParaRPr>
+          </a:p>
+          <a:p>
+            <a:pPr marL="0" indent="0">
+              <a:buNone/>
+            </a:pPr>
+            <a:r>
+              <a:rPr lang="fr-FR" dirty="0"/>
+              <a:t>  state: "</a:t>
+            </a:r>
+            <a:r>
+              <a:rPr lang="fr-FR" dirty="0" err="1" smtClean="0"/>
+              <a:t>Closed</a:t>
+            </a:r>
+            <a:r>
+              <a:rPr lang="fr-FR" dirty="0" smtClean="0"/>
+              <a:t>"</a:t>
+            </a:r>
+            <a:endParaRPr lang="fr-FR" dirty="0">
+              <a:solidFill>
+                <a:srgbClr val="FF0000"/>
+              </a:solidFill>
+            </a:endParaRPr>
+          </a:p>
+          <a:p>
+            <a:pPr marL="0" indent="0">
+              <a:buNone/>
+            </a:pPr>
+            <a:r>
+              <a:rPr lang="fr-FR" dirty="0" smtClean="0"/>
+              <a:t>}</a:t>
+            </a:r>
+          </a:p>
+          <a:p>
+            <a:pPr marL="0" indent="0">
+              <a:buNone/>
+            </a:pPr>
+            <a:endParaRPr lang="fr-FR" dirty="0" smtClean="0">
+              <a:solidFill>
+                <a:srgbClr val="FF0000"/>
+              </a:solidFill>
+            </a:endParaRPr>
+          </a:p>
+          <a:p>
+            <a:pPr marL="0" indent="0">
+              <a:buNone/>
+            </a:pPr>
+            <a:r>
+              <a:rPr lang="fr-FR" dirty="0" smtClean="0">
+                <a:solidFill>
+                  <a:schemeClr val="bg1"/>
+                </a:solidFill>
+              </a:rPr>
+              <a:t>;</a:t>
+            </a:r>
+          </a:p>
+          <a:p>
+            <a:pPr marL="0" indent="0">
+              <a:buNone/>
+            </a:pPr>
+            <a:endParaRPr lang="fr-FR" dirty="0">
+              <a:solidFill>
+                <a:srgbClr val="FF0000"/>
+              </a:solidFill>
+            </a:endParaRPr>
           </a:p>
         </p:txBody>
       </p:sp>
     </p:spTree>
     <p:extLst>
       <p:ext uri="{BB962C8B-B14F-4D97-AF65-F5344CB8AC3E}">
-        <p14:creationId xmlns:p14="http://schemas.microsoft.com/office/powerpoint/2010/main" val="2654535821"/>
+        <p14:creationId xmlns:p14="http://schemas.microsoft.com/office/powerpoint/2010/main" val="2850568754"/>
       </p:ext>
     </p:extLst>
   </p:cSld>
@@ -6399,7 +5817,7 @@
           <a:p>
             <a:r>
               <a:rPr lang="fr-FR" dirty="0" err="1" smtClean="0"/>
-              <a:t>AnyProto</a:t>
+              <a:t>Issues.toString</a:t>
             </a:r>
             <a:endParaRPr lang="fr-FR" dirty="0"/>
           </a:p>
@@ -6418,130 +5836,372 @@
         <p:spPr/>
         <p:txBody>
           <a:bodyPr>
-            <a:normAutofit lnSpcReduction="10000"/>
+            <a:normAutofit fontScale="55000" lnSpcReduction="20000"/>
           </a:bodyPr>
           <a:lstStyle/>
           <a:p>
-            <a:r>
-              <a:rPr lang="fr-FR" dirty="0" smtClean="0"/>
-              <a:t>Librairie Perso : </a:t>
-            </a:r>
-          </a:p>
-          <a:p>
-            <a:pPr lvl="1"/>
+            <a:pPr marL="0" indent="0">
+              <a:buNone/>
+            </a:pPr>
+            <a:r>
+              <a:rPr lang="fr-FR" dirty="0" smtClean="0">
+                <a:solidFill>
+                  <a:srgbClr val="FF0000"/>
+                </a:solidFill>
+              </a:rPr>
+              <a:t>[</a:t>
+            </a:r>
+          </a:p>
+          <a:p>
+            <a:pPr marL="0" indent="0">
+              <a:buNone/>
+            </a:pPr>
+            <a:r>
+              <a:rPr lang="fr-FR" dirty="0" smtClean="0"/>
+              <a:t>issues </a:t>
+            </a:r>
+            <a:r>
+              <a:rPr lang="fr-FR" dirty="0"/>
+              <a:t>{</a:t>
+            </a:r>
+          </a:p>
+          <a:p>
+            <a:pPr marL="0" indent="0">
+              <a:buNone/>
+            </a:pPr>
+            <a:r>
+              <a:rPr lang="fr-FR" dirty="0"/>
+              <a:t>  id: "</a:t>
+            </a:r>
+            <a:r>
+              <a:rPr lang="fr-FR" dirty="0" smtClean="0"/>
+              <a:t>toto"</a:t>
+            </a:r>
+            <a:r>
+              <a:rPr lang="fr-FR" dirty="0" smtClean="0">
+                <a:solidFill>
+                  <a:srgbClr val="FF0000"/>
+                </a:solidFill>
+              </a:rPr>
+              <a:t>,</a:t>
+            </a:r>
+            <a:endParaRPr lang="fr-FR" dirty="0">
+              <a:solidFill>
+                <a:srgbClr val="FF0000"/>
+              </a:solidFill>
+            </a:endParaRPr>
+          </a:p>
+          <a:p>
+            <a:pPr marL="0" indent="0">
+              <a:buNone/>
+            </a:pPr>
+            <a:r>
+              <a:rPr lang="fr-FR" dirty="0"/>
+              <a:t>  </a:t>
+            </a:r>
+            <a:r>
+              <a:rPr lang="fr-FR" dirty="0" err="1"/>
+              <a:t>number</a:t>
+            </a:r>
+            <a:r>
+              <a:rPr lang="fr-FR" dirty="0"/>
+              <a:t>: </a:t>
+            </a:r>
+            <a:r>
+              <a:rPr lang="fr-FR" dirty="0" smtClean="0"/>
+              <a:t>41</a:t>
+            </a:r>
+            <a:r>
+              <a:rPr lang="fr-FR" dirty="0" smtClean="0">
+                <a:solidFill>
+                  <a:srgbClr val="FF0000"/>
+                </a:solidFill>
+              </a:rPr>
+              <a:t>,</a:t>
+            </a:r>
+            <a:endParaRPr lang="fr-FR" dirty="0">
+              <a:solidFill>
+                <a:srgbClr val="FF0000"/>
+              </a:solidFill>
+            </a:endParaRPr>
+          </a:p>
+          <a:p>
+            <a:pPr marL="0" indent="0">
+              <a:buNone/>
+            </a:pPr>
+            <a:r>
+              <a:rPr lang="fr-FR" dirty="0"/>
+              <a:t>  </a:t>
+            </a:r>
+            <a:r>
+              <a:rPr lang="fr-FR" dirty="0" err="1"/>
+              <a:t>title</a:t>
+            </a:r>
+            <a:r>
+              <a:rPr lang="fr-FR" dirty="0"/>
+              <a:t>: "Issue </a:t>
+            </a:r>
+            <a:r>
+              <a:rPr lang="fr-FR" dirty="0" smtClean="0"/>
+              <a:t>Toto"</a:t>
+            </a:r>
+            <a:r>
+              <a:rPr lang="fr-FR" dirty="0" smtClean="0">
+                <a:solidFill>
+                  <a:srgbClr val="FF0000"/>
+                </a:solidFill>
+              </a:rPr>
+              <a:t>,</a:t>
+            </a:r>
+            <a:endParaRPr lang="fr-FR" dirty="0">
+              <a:solidFill>
+                <a:srgbClr val="FF0000"/>
+              </a:solidFill>
+            </a:endParaRPr>
+          </a:p>
+          <a:p>
+            <a:pPr marL="0" indent="0">
+              <a:buNone/>
+            </a:pPr>
+            <a:r>
+              <a:rPr lang="fr-FR" dirty="0"/>
+              <a:t>  state: "</a:t>
+            </a:r>
+            <a:r>
+              <a:rPr lang="fr-FR" dirty="0" smtClean="0"/>
+              <a:t>Open"</a:t>
+            </a:r>
+            <a:r>
+              <a:rPr lang="fr-FR" dirty="0" smtClean="0">
+                <a:solidFill>
+                  <a:srgbClr val="FF0000"/>
+                </a:solidFill>
+              </a:rPr>
+              <a:t>,</a:t>
+            </a:r>
+            <a:endParaRPr lang="fr-FR" dirty="0">
+              <a:solidFill>
+                <a:srgbClr val="FF0000"/>
+              </a:solidFill>
+            </a:endParaRPr>
+          </a:p>
+          <a:p>
+            <a:pPr marL="0" indent="0">
+              <a:buNone/>
+            </a:pPr>
+            <a:r>
+              <a:rPr lang="fr-FR" dirty="0"/>
+              <a:t>  body: "This </a:t>
+            </a:r>
+            <a:r>
+              <a:rPr lang="fr-FR" dirty="0" err="1"/>
+              <a:t>is</a:t>
+            </a:r>
+            <a:r>
+              <a:rPr lang="fr-FR" dirty="0"/>
+              <a:t> a </a:t>
+            </a:r>
+            <a:r>
+              <a:rPr lang="fr-FR" dirty="0" smtClean="0"/>
+              <a:t>body"</a:t>
+            </a:r>
+            <a:r>
+              <a:rPr lang="fr-FR" dirty="0" smtClean="0">
+                <a:solidFill>
+                  <a:srgbClr val="FF0000"/>
+                </a:solidFill>
+              </a:rPr>
+              <a:t>,</a:t>
+            </a:r>
+            <a:endParaRPr lang="fr-FR" dirty="0">
+              <a:solidFill>
+                <a:srgbClr val="FF0000"/>
+              </a:solidFill>
+            </a:endParaRPr>
+          </a:p>
+          <a:p>
+            <a:pPr marL="0" indent="0">
+              <a:buNone/>
+            </a:pPr>
+            <a:r>
+              <a:rPr lang="fr-FR" dirty="0" smtClean="0"/>
+              <a:t>}</a:t>
+            </a:r>
+            <a:r>
+              <a:rPr lang="fr-FR" dirty="0" smtClean="0">
+                <a:solidFill>
+                  <a:srgbClr val="FF0000"/>
+                </a:solidFill>
+              </a:rPr>
+              <a:t>,</a:t>
+            </a:r>
+            <a:endParaRPr lang="fr-FR" dirty="0">
+              <a:solidFill>
+                <a:srgbClr val="FF0000"/>
+              </a:solidFill>
+            </a:endParaRPr>
+          </a:p>
+          <a:p>
+            <a:pPr marL="0" indent="0">
+              <a:buNone/>
+            </a:pPr>
+            <a:r>
+              <a:rPr lang="fr-FR" dirty="0"/>
+              <a:t>issues {</a:t>
+            </a:r>
+          </a:p>
+          <a:p>
+            <a:pPr marL="0" indent="0">
+              <a:buNone/>
+            </a:pPr>
+            <a:r>
+              <a:rPr lang="fr-FR" dirty="0"/>
+              <a:t>  id: "</a:t>
+            </a:r>
+            <a:r>
+              <a:rPr lang="fr-FR" dirty="0" smtClean="0"/>
+              <a:t>titi"</a:t>
+            </a:r>
+            <a:r>
+              <a:rPr lang="fr-FR" dirty="0" smtClean="0">
+                <a:solidFill>
+                  <a:srgbClr val="FF0000"/>
+                </a:solidFill>
+              </a:rPr>
+              <a:t>,</a:t>
+            </a:r>
+            <a:endParaRPr lang="fr-FR" dirty="0">
+              <a:solidFill>
+                <a:srgbClr val="FF0000"/>
+              </a:solidFill>
+            </a:endParaRPr>
+          </a:p>
+          <a:p>
+            <a:pPr marL="0" indent="0">
+              <a:buNone/>
+            </a:pPr>
+            <a:r>
+              <a:rPr lang="fr-FR" dirty="0"/>
+              <a:t>  </a:t>
+            </a:r>
+            <a:r>
+              <a:rPr lang="fr-FR" dirty="0" err="1"/>
+              <a:t>number</a:t>
+            </a:r>
+            <a:r>
+              <a:rPr lang="fr-FR" dirty="0"/>
+              <a:t>: </a:t>
+            </a:r>
+            <a:r>
+              <a:rPr lang="fr-FR" dirty="0" smtClean="0"/>
+              <a:t>32</a:t>
+            </a:r>
+            <a:r>
+              <a:rPr lang="fr-FR" dirty="0" smtClean="0">
+                <a:solidFill>
+                  <a:srgbClr val="FF0000"/>
+                </a:solidFill>
+              </a:rPr>
+              <a:t>,</a:t>
+            </a:r>
+            <a:endParaRPr lang="fr-FR" dirty="0">
+              <a:solidFill>
+                <a:srgbClr val="FF0000"/>
+              </a:solidFill>
+            </a:endParaRPr>
+          </a:p>
+          <a:p>
+            <a:pPr marL="0" indent="0">
+              <a:buNone/>
+            </a:pPr>
+            <a:r>
+              <a:rPr lang="fr-FR" dirty="0"/>
+              <a:t>  </a:t>
+            </a:r>
+            <a:r>
+              <a:rPr lang="fr-FR" dirty="0" err="1"/>
+              <a:t>title</a:t>
+            </a:r>
+            <a:r>
+              <a:rPr lang="fr-FR" dirty="0"/>
+              <a:t>: "Issue </a:t>
+            </a:r>
+            <a:r>
+              <a:rPr lang="fr-FR" dirty="0" smtClean="0"/>
+              <a:t>titi"</a:t>
+            </a:r>
+            <a:r>
+              <a:rPr lang="fr-FR" dirty="0" smtClean="0">
+                <a:solidFill>
+                  <a:srgbClr val="FF0000"/>
+                </a:solidFill>
+              </a:rPr>
+              <a:t>,</a:t>
+            </a:r>
+            <a:endParaRPr lang="fr-FR" dirty="0">
+              <a:solidFill>
+                <a:srgbClr val="FF0000"/>
+              </a:solidFill>
+            </a:endParaRPr>
+          </a:p>
+          <a:p>
+            <a:pPr marL="0" indent="0">
+              <a:buNone/>
+            </a:pPr>
+            <a:r>
+              <a:rPr lang="fr-FR" dirty="0"/>
+              <a:t>  state: "</a:t>
+            </a:r>
+            <a:r>
+              <a:rPr lang="fr-FR" dirty="0" err="1" smtClean="0"/>
+              <a:t>Closed</a:t>
+            </a:r>
+            <a:r>
+              <a:rPr lang="fr-FR" dirty="0" smtClean="0"/>
+              <a:t>"</a:t>
+            </a:r>
+            <a:r>
+              <a:rPr lang="fr-FR" dirty="0" smtClean="0">
+                <a:solidFill>
+                  <a:srgbClr val="FF0000"/>
+                </a:solidFill>
+              </a:rPr>
+              <a:t>,</a:t>
+            </a:r>
+            <a:endParaRPr lang="fr-FR" dirty="0">
+              <a:solidFill>
+                <a:srgbClr val="FF0000"/>
+              </a:solidFill>
+            </a:endParaRPr>
+          </a:p>
+          <a:p>
+            <a:pPr marL="0" indent="0">
+              <a:buNone/>
+            </a:pPr>
+            <a:r>
+              <a:rPr lang="fr-FR" dirty="0" smtClean="0"/>
+              <a:t>}</a:t>
+            </a:r>
+          </a:p>
+          <a:p>
+            <a:pPr marL="0" indent="0">
+              <a:buNone/>
+            </a:pPr>
             <a:r>
               <a:rPr lang="fr-FR" dirty="0">
-                <a:hlinkClick r:id="rId2"/>
+                <a:solidFill>
+                  <a:srgbClr val="FF0000"/>
+                </a:solidFill>
               </a:rPr>
-              <a:t>https://github.com/TheCopycat/</a:t>
-            </a:r>
-            <a:r>
-              <a:rPr lang="fr-FR" dirty="0" smtClean="0">
-                <a:hlinkClick r:id="rId2"/>
-              </a:rPr>
-              <a:t>anyproto</a:t>
-            </a:r>
-            <a:endParaRPr lang="fr-FR" dirty="0" smtClean="0"/>
-          </a:p>
-          <a:p>
-            <a:pPr lvl="1"/>
-            <a:endParaRPr lang="fr-FR" dirty="0"/>
-          </a:p>
-          <a:p>
-            <a:r>
-              <a:rPr lang="fr-FR" dirty="0" smtClean="0"/>
-              <a:t>Contient : </a:t>
-            </a:r>
-          </a:p>
-          <a:p>
-            <a:pPr lvl="1"/>
-            <a:r>
-              <a:rPr lang="fr-FR" dirty="0" err="1" smtClean="0"/>
-              <a:t>AnyProto</a:t>
-            </a:r>
-            <a:r>
-              <a:rPr lang="fr-FR" dirty="0" smtClean="0"/>
-              <a:t> : Une classe qui permet de convertir n’importe quoi &lt;-&gt; </a:t>
-            </a:r>
-            <a:r>
-              <a:rPr lang="fr-FR" dirty="0" err="1" smtClean="0"/>
-              <a:t>protobuf</a:t>
-            </a:r>
-            <a:r>
-              <a:rPr lang="fr-FR" dirty="0" smtClean="0"/>
-              <a:t> (n’importe quoi = </a:t>
-            </a:r>
-            <a:r>
-              <a:rPr lang="fr-FR" dirty="0" err="1" smtClean="0"/>
-              <a:t>json</a:t>
-            </a:r>
-            <a:r>
-              <a:rPr lang="fr-FR" dirty="0" smtClean="0"/>
-              <a:t>, </a:t>
-            </a:r>
-            <a:r>
-              <a:rPr lang="fr-FR" dirty="0" err="1" smtClean="0"/>
-              <a:t>xml</a:t>
-            </a:r>
-            <a:r>
-              <a:rPr lang="fr-FR" dirty="0" smtClean="0"/>
-              <a:t>, </a:t>
-            </a:r>
-            <a:r>
-              <a:rPr lang="fr-FR" dirty="0" err="1" smtClean="0"/>
-              <a:t>protobuf</a:t>
-            </a:r>
-            <a:r>
-              <a:rPr lang="fr-FR" dirty="0" smtClean="0"/>
-              <a:t>)</a:t>
-            </a:r>
-          </a:p>
-          <a:p>
-            <a:pPr lvl="1"/>
-            <a:r>
-              <a:rPr lang="fr-FR" dirty="0" err="1" smtClean="0"/>
-              <a:t>Converter</a:t>
-            </a:r>
-            <a:r>
-              <a:rPr lang="fr-FR" dirty="0" smtClean="0"/>
-              <a:t> </a:t>
-            </a:r>
-            <a:r>
-              <a:rPr lang="fr-FR" dirty="0" err="1" smtClean="0"/>
-              <a:t>Retrofit</a:t>
-            </a:r>
-            <a:endParaRPr lang="fr-FR" dirty="0" smtClean="0"/>
-          </a:p>
-          <a:p>
-            <a:pPr lvl="1"/>
-            <a:r>
-              <a:rPr lang="fr-FR" dirty="0" smtClean="0"/>
-              <a:t>Un </a:t>
-            </a:r>
-            <a:r>
-              <a:rPr lang="fr-FR" dirty="0" err="1" smtClean="0"/>
-              <a:t>Sample</a:t>
-            </a:r>
-            <a:r>
-              <a:rPr lang="fr-FR" dirty="0" smtClean="0"/>
-              <a:t> (qui s’interface avec un appli </a:t>
-            </a:r>
-            <a:r>
-              <a:rPr lang="fr-FR" dirty="0" err="1" smtClean="0"/>
-              <a:t>jhipster</a:t>
-            </a:r>
-            <a:r>
-              <a:rPr lang="fr-FR" dirty="0" smtClean="0"/>
-              <a:t>)</a:t>
-            </a:r>
-            <a:endParaRPr lang="fr-FR" dirty="0"/>
+              <a:t>]</a:t>
+            </a:r>
           </a:p>
         </p:txBody>
       </p:sp>
     </p:spTree>
     <p:extLst>
       <p:ext uri="{BB962C8B-B14F-4D97-AF65-F5344CB8AC3E}">
-        <p14:creationId xmlns:p14="http://schemas.microsoft.com/office/powerpoint/2010/main" val="3489220342"/>
+        <p14:creationId xmlns:p14="http://schemas.microsoft.com/office/powerpoint/2010/main" val="1564795068"/>
       </p:ext>
     </p:extLst>
   </p:cSld>
@@ -6584,12 +6244,8 @@
           <a:lstStyle/>
           <a:p>
             <a:r>
-              <a:rPr lang="fr-FR" dirty="0" smtClean="0"/>
-              <a:t>Retour au </a:t>
-            </a:r>
-            <a:r>
-              <a:rPr lang="fr-FR" dirty="0" err="1" smtClean="0"/>
-              <a:t>WebService</a:t>
+              <a:rPr lang="fr-FR" dirty="0" err="1" smtClean="0"/>
+              <a:t>Issues.toString</a:t>
             </a:r>
             <a:endParaRPr lang="fr-FR" dirty="0"/>
           </a:p>
@@ -6608,379 +6264,370 @@
         <p:spPr/>
         <p:txBody>
           <a:bodyPr>
-            <a:normAutofit lnSpcReduction="10000"/>
+            <a:normAutofit fontScale="55000" lnSpcReduction="20000"/>
           </a:bodyPr>
           <a:lstStyle/>
           <a:p>
-            <a:r>
-              <a:rPr lang="fr-FR" dirty="0" smtClean="0"/>
-              <a:t>Interface </a:t>
-            </a:r>
-            <a:r>
-              <a:rPr lang="fr-FR" dirty="0" err="1" smtClean="0"/>
-              <a:t>GithubService</a:t>
-            </a:r>
-            <a:r>
-              <a:rPr lang="fr-FR" dirty="0" smtClean="0"/>
-              <a:t> : </a:t>
-            </a:r>
-          </a:p>
-          <a:p>
-            <a:pPr marL="457200" lvl="1" indent="0">
+            <a:pPr marL="0" indent="0">
               <a:buNone/>
             </a:pPr>
             <a:r>
-              <a:rPr lang="fr-FR" sz="2000" dirty="0">
+              <a:rPr lang="fr-FR" dirty="0" smtClean="0">
                 <a:solidFill>
-                  <a:srgbClr val="808000"/>
+                  <a:srgbClr val="FF0000"/>
                 </a:solidFill>
               </a:rPr>
-              <a:t>@GET</a:t>
-            </a:r>
-            <a:r>
-              <a:rPr lang="fr-FR" sz="2000" dirty="0"/>
-              <a:t>(</a:t>
-            </a:r>
-            <a:r>
-              <a:rPr lang="fr-FR" sz="2000" b="1" dirty="0">
+              <a:t>[</a:t>
+            </a:r>
+          </a:p>
+          <a:p>
+            <a:pPr marL="0" indent="0">
+              <a:buNone/>
+            </a:pPr>
+            <a:r>
+              <a:rPr lang="fr-FR" dirty="0" smtClean="0"/>
+              <a:t>{</a:t>
+            </a:r>
+            <a:endParaRPr lang="fr-FR" dirty="0"/>
+          </a:p>
+          <a:p>
+            <a:pPr marL="0" indent="0">
+              <a:buNone/>
+            </a:pPr>
+            <a:r>
+              <a:rPr lang="fr-FR" dirty="0"/>
+              <a:t>  id: "</a:t>
+            </a:r>
+            <a:r>
+              <a:rPr lang="fr-FR" dirty="0" smtClean="0"/>
+              <a:t>toto"</a:t>
+            </a:r>
+            <a:r>
+              <a:rPr lang="fr-FR" dirty="0" smtClean="0">
                 <a:solidFill>
-                  <a:srgbClr val="008000"/>
+                  <a:srgbClr val="FF0000"/>
                 </a:solidFill>
               </a:rPr>
-              <a:t>"/repos/{user}/{repo}/issues"</a:t>
-            </a:r>
-            <a:r>
-              <a:rPr lang="fr-FR" sz="2000" dirty="0"/>
-              <a:t>)</a:t>
-            </a:r>
-            <a:br>
-              <a:rPr lang="fr-FR" sz="2000" dirty="0"/>
-            </a:br>
-            <a:r>
-              <a:rPr lang="fr-FR" sz="2000" b="1" dirty="0">
+              <a:t>,</a:t>
+            </a:r>
+            <a:endParaRPr lang="fr-FR" dirty="0">
+              <a:solidFill>
+                <a:srgbClr val="FF0000"/>
+              </a:solidFill>
+            </a:endParaRPr>
+          </a:p>
+          <a:p>
+            <a:pPr marL="0" indent="0">
+              <a:buNone/>
+            </a:pPr>
+            <a:r>
+              <a:rPr lang="fr-FR" dirty="0"/>
+              <a:t>  </a:t>
+            </a:r>
+            <a:r>
+              <a:rPr lang="fr-FR" dirty="0" err="1"/>
+              <a:t>number</a:t>
+            </a:r>
+            <a:r>
+              <a:rPr lang="fr-FR" dirty="0"/>
+              <a:t>: </a:t>
+            </a:r>
+            <a:r>
+              <a:rPr lang="fr-FR" dirty="0" smtClean="0"/>
+              <a:t>41</a:t>
+            </a:r>
+            <a:r>
+              <a:rPr lang="fr-FR" dirty="0" smtClean="0">
                 <a:solidFill>
-                  <a:srgbClr val="000080"/>
+                  <a:srgbClr val="FF0000"/>
                 </a:solidFill>
               </a:rPr>
-              <a:t>public </a:t>
-            </a:r>
-            <a:r>
-              <a:rPr lang="fr-FR" sz="2000" dirty="0"/>
-              <a:t>List&lt;</a:t>
-            </a:r>
-            <a:r>
-              <a:rPr lang="fr-FR" sz="2000" dirty="0" err="1"/>
-              <a:t>Github.Issue</a:t>
-            </a:r>
-            <a:r>
-              <a:rPr lang="fr-FR" sz="2000" dirty="0"/>
-              <a:t>&gt; </a:t>
-            </a:r>
-            <a:r>
-              <a:rPr lang="fr-FR" sz="2000" dirty="0" err="1"/>
-              <a:t>fetchIssues</a:t>
-            </a:r>
-            <a:r>
-              <a:rPr lang="fr-FR" sz="2000" dirty="0" smtClean="0"/>
-              <a:t>(</a:t>
-            </a:r>
-          </a:p>
-          <a:p>
-            <a:pPr marL="457200" lvl="1" indent="0">
+              <a:t>,</a:t>
+            </a:r>
+            <a:endParaRPr lang="fr-FR" dirty="0">
+              <a:solidFill>
+                <a:srgbClr val="FF0000"/>
+              </a:solidFill>
+            </a:endParaRPr>
+          </a:p>
+          <a:p>
+            <a:pPr marL="0" indent="0">
               <a:buNone/>
             </a:pPr>
             <a:r>
-              <a:rPr lang="fr-FR" sz="2000" dirty="0">
+              <a:rPr lang="fr-FR" dirty="0"/>
+              <a:t>  </a:t>
+            </a:r>
+            <a:r>
+              <a:rPr lang="fr-FR" dirty="0" err="1"/>
+              <a:t>title</a:t>
+            </a:r>
+            <a:r>
+              <a:rPr lang="fr-FR" dirty="0"/>
+              <a:t>: "Issue </a:t>
+            </a:r>
+            <a:r>
+              <a:rPr lang="fr-FR" dirty="0" smtClean="0"/>
+              <a:t>Toto"</a:t>
+            </a:r>
+            <a:r>
+              <a:rPr lang="fr-FR" dirty="0" smtClean="0">
                 <a:solidFill>
-                  <a:srgbClr val="808000"/>
+                  <a:srgbClr val="FF0000"/>
                 </a:solidFill>
               </a:rPr>
-              <a:t>	</a:t>
-            </a:r>
-            <a:r>
-              <a:rPr lang="fr-FR" sz="2000" dirty="0" smtClean="0">
+              <a:t>,</a:t>
+            </a:r>
+            <a:endParaRPr lang="fr-FR" dirty="0">
+              <a:solidFill>
+                <a:srgbClr val="FF0000"/>
+              </a:solidFill>
+            </a:endParaRPr>
+          </a:p>
+          <a:p>
+            <a:pPr marL="0" indent="0">
+              <a:buNone/>
+            </a:pPr>
+            <a:r>
+              <a:rPr lang="fr-FR" dirty="0"/>
+              <a:t>  state: "</a:t>
+            </a:r>
+            <a:r>
+              <a:rPr lang="fr-FR" dirty="0" smtClean="0"/>
+              <a:t>Open"</a:t>
+            </a:r>
+            <a:r>
+              <a:rPr lang="fr-FR" dirty="0" smtClean="0">
                 <a:solidFill>
-                  <a:srgbClr val="808000"/>
+                  <a:srgbClr val="FF0000"/>
                 </a:solidFill>
               </a:rPr>
-              <a:t>@</a:t>
-            </a:r>
-            <a:r>
-              <a:rPr lang="fr-FR" sz="2000" dirty="0" err="1">
+              <a:t>,</a:t>
+            </a:r>
+            <a:endParaRPr lang="fr-FR" dirty="0">
+              <a:solidFill>
+                <a:srgbClr val="FF0000"/>
+              </a:solidFill>
+            </a:endParaRPr>
+          </a:p>
+          <a:p>
+            <a:pPr marL="0" indent="0">
+              <a:buNone/>
+            </a:pPr>
+            <a:r>
+              <a:rPr lang="fr-FR" dirty="0"/>
+              <a:t>  body: "This </a:t>
+            </a:r>
+            <a:r>
+              <a:rPr lang="fr-FR" dirty="0" err="1"/>
+              <a:t>is</a:t>
+            </a:r>
+            <a:r>
+              <a:rPr lang="fr-FR" dirty="0"/>
+              <a:t> a </a:t>
+            </a:r>
+            <a:r>
+              <a:rPr lang="fr-FR" dirty="0" smtClean="0"/>
+              <a:t>body"</a:t>
+            </a:r>
+            <a:r>
+              <a:rPr lang="fr-FR" dirty="0" smtClean="0">
                 <a:solidFill>
-                  <a:srgbClr val="808000"/>
+                  <a:srgbClr val="FF0000"/>
                 </a:solidFill>
               </a:rPr>
-              <a:t>Path</a:t>
-            </a:r>
-            <a:r>
-              <a:rPr lang="fr-FR" sz="2000" dirty="0"/>
-              <a:t>(</a:t>
-            </a:r>
-            <a:r>
-              <a:rPr lang="fr-FR" sz="2000" b="1" dirty="0">
+              <a:t>,</a:t>
+            </a:r>
+            <a:endParaRPr lang="fr-FR" dirty="0">
+              <a:solidFill>
+                <a:srgbClr val="FF0000"/>
+              </a:solidFill>
+            </a:endParaRPr>
+          </a:p>
+          <a:p>
+            <a:pPr marL="0" indent="0">
+              <a:buNone/>
+            </a:pPr>
+            <a:r>
+              <a:rPr lang="fr-FR" dirty="0" smtClean="0"/>
+              <a:t>}</a:t>
+            </a:r>
+            <a:r>
+              <a:rPr lang="fr-FR" dirty="0" smtClean="0">
                 <a:solidFill>
-                  <a:srgbClr val="008000"/>
+                  <a:srgbClr val="FF0000"/>
                 </a:solidFill>
               </a:rPr>
-              <a:t>"user"</a:t>
-            </a:r>
-            <a:r>
-              <a:rPr lang="fr-FR" sz="2000" dirty="0"/>
-              <a:t>)String user, </a:t>
-            </a:r>
-            <a:endParaRPr lang="fr-FR" sz="2000" dirty="0" smtClean="0"/>
-          </a:p>
-          <a:p>
-            <a:pPr marL="457200" lvl="1" indent="0">
+              <a:t>,</a:t>
+            </a:r>
+            <a:endParaRPr lang="fr-FR" dirty="0">
+              <a:solidFill>
+                <a:srgbClr val="FF0000"/>
+              </a:solidFill>
+            </a:endParaRPr>
+          </a:p>
+          <a:p>
+            <a:pPr marL="0" indent="0">
               <a:buNone/>
             </a:pPr>
             <a:r>
-              <a:rPr lang="fr-FR" sz="2000" dirty="0">
+              <a:rPr lang="fr-FR" dirty="0" smtClean="0"/>
+              <a:t>{</a:t>
+            </a:r>
+            <a:endParaRPr lang="fr-FR" dirty="0"/>
+          </a:p>
+          <a:p>
+            <a:pPr marL="0" indent="0">
+              <a:buNone/>
+            </a:pPr>
+            <a:r>
+              <a:rPr lang="fr-FR" dirty="0"/>
+              <a:t>  id: "</a:t>
+            </a:r>
+            <a:r>
+              <a:rPr lang="fr-FR" dirty="0" smtClean="0"/>
+              <a:t>titi"</a:t>
+            </a:r>
+            <a:r>
+              <a:rPr lang="fr-FR" dirty="0" smtClean="0">
                 <a:solidFill>
-                  <a:srgbClr val="808000"/>
+                  <a:srgbClr val="FF0000"/>
                 </a:solidFill>
               </a:rPr>
-              <a:t>	</a:t>
-            </a:r>
-            <a:r>
-              <a:rPr lang="fr-FR" sz="2000" dirty="0" smtClean="0">
+              <a:t>,</a:t>
+            </a:r>
+            <a:endParaRPr lang="fr-FR" dirty="0">
+              <a:solidFill>
+                <a:srgbClr val="FF0000"/>
+              </a:solidFill>
+            </a:endParaRPr>
+          </a:p>
+          <a:p>
+            <a:pPr marL="0" indent="0">
+              <a:buNone/>
+            </a:pPr>
+            <a:r>
+              <a:rPr lang="fr-FR" dirty="0"/>
+              <a:t>  </a:t>
+            </a:r>
+            <a:r>
+              <a:rPr lang="fr-FR" dirty="0" err="1"/>
+              <a:t>number</a:t>
+            </a:r>
+            <a:r>
+              <a:rPr lang="fr-FR" dirty="0"/>
+              <a:t>: </a:t>
+            </a:r>
+            <a:r>
+              <a:rPr lang="fr-FR" dirty="0" smtClean="0"/>
+              <a:t>32</a:t>
+            </a:r>
+            <a:r>
+              <a:rPr lang="fr-FR" dirty="0" smtClean="0">
                 <a:solidFill>
-                  <a:srgbClr val="808000"/>
+                  <a:srgbClr val="FF0000"/>
                 </a:solidFill>
               </a:rPr>
-              <a:t>@</a:t>
-            </a:r>
-            <a:r>
-              <a:rPr lang="fr-FR" sz="2000" dirty="0" err="1">
+              <a:t>,</a:t>
+            </a:r>
+            <a:endParaRPr lang="fr-FR" dirty="0">
+              <a:solidFill>
+                <a:srgbClr val="FF0000"/>
+              </a:solidFill>
+            </a:endParaRPr>
+          </a:p>
+          <a:p>
+            <a:pPr marL="0" indent="0">
+              <a:buNone/>
+            </a:pPr>
+            <a:r>
+              <a:rPr lang="fr-FR" dirty="0"/>
+              <a:t>  </a:t>
+            </a:r>
+            <a:r>
+              <a:rPr lang="fr-FR" dirty="0" err="1"/>
+              <a:t>title</a:t>
+            </a:r>
+            <a:r>
+              <a:rPr lang="fr-FR" dirty="0"/>
+              <a:t>: "Issue </a:t>
+            </a:r>
+            <a:r>
+              <a:rPr lang="fr-FR" dirty="0" smtClean="0"/>
+              <a:t>titi"</a:t>
+            </a:r>
+            <a:r>
+              <a:rPr lang="fr-FR" dirty="0" smtClean="0">
                 <a:solidFill>
-                  <a:srgbClr val="808000"/>
+                  <a:srgbClr val="FF0000"/>
                 </a:solidFill>
               </a:rPr>
-              <a:t>Path</a:t>
-            </a:r>
-            <a:r>
-              <a:rPr lang="fr-FR" sz="2000" dirty="0"/>
-              <a:t>(</a:t>
-            </a:r>
-            <a:r>
-              <a:rPr lang="fr-FR" sz="2000" b="1" dirty="0">
+              <a:t>,</a:t>
+            </a:r>
+            <a:endParaRPr lang="fr-FR" dirty="0">
+              <a:solidFill>
+                <a:srgbClr val="FF0000"/>
+              </a:solidFill>
+            </a:endParaRPr>
+          </a:p>
+          <a:p>
+            <a:pPr marL="0" indent="0">
+              <a:buNone/>
+            </a:pPr>
+            <a:r>
+              <a:rPr lang="fr-FR" dirty="0"/>
+              <a:t>  state: "</a:t>
+            </a:r>
+            <a:r>
+              <a:rPr lang="fr-FR" dirty="0" err="1" smtClean="0"/>
+              <a:t>Closed</a:t>
+            </a:r>
+            <a:r>
+              <a:rPr lang="fr-FR" dirty="0" smtClean="0"/>
+              <a:t>"</a:t>
+            </a:r>
+            <a:r>
+              <a:rPr lang="fr-FR" dirty="0" smtClean="0">
                 <a:solidFill>
-                  <a:srgbClr val="008000"/>
+                  <a:srgbClr val="FF0000"/>
                 </a:solidFill>
               </a:rPr>
-              <a:t>"repo"</a:t>
-            </a:r>
-            <a:r>
-              <a:rPr lang="fr-FR" sz="2000" dirty="0"/>
-              <a:t>) String repo)</a:t>
-            </a:r>
-            <a:r>
-              <a:rPr lang="fr-FR" sz="2000" dirty="0" smtClean="0"/>
-              <a:t>;</a:t>
-            </a:r>
-          </a:p>
-          <a:p>
-            <a:pPr marL="400050"/>
-            <a:r>
-              <a:rPr lang="fr-FR" sz="2800" dirty="0" smtClean="0"/>
-              <a:t>Adapter et Service : </a:t>
-            </a:r>
-          </a:p>
-          <a:p>
-            <a:pPr marL="514350" lvl="1" indent="0">
+              <a:t>,</a:t>
+            </a:r>
+            <a:endParaRPr lang="fr-FR" dirty="0">
+              <a:solidFill>
+                <a:srgbClr val="FF0000"/>
+              </a:solidFill>
+            </a:endParaRPr>
+          </a:p>
+          <a:p>
+            <a:pPr marL="0" indent="0">
               <a:buNone/>
             </a:pPr>
             <a:r>
-              <a:rPr lang="fr-FR" sz="2000" dirty="0" err="1"/>
-              <a:t>RestAdapter</a:t>
-            </a:r>
-            <a:r>
-              <a:rPr lang="fr-FR" sz="2000" dirty="0"/>
-              <a:t> adapter = </a:t>
-            </a:r>
-            <a:r>
-              <a:rPr lang="fr-FR" sz="2000" b="1" dirty="0">
+              <a:rPr lang="fr-FR" dirty="0" smtClean="0"/>
+              <a:t>}</a:t>
+            </a:r>
+          </a:p>
+          <a:p>
+            <a:pPr marL="0" indent="0">
+              <a:buNone/>
+            </a:pPr>
+            <a:r>
+              <a:rPr lang="fr-FR" dirty="0">
                 <a:solidFill>
-                  <a:srgbClr val="000080"/>
+                  <a:srgbClr val="FF0000"/>
                 </a:solidFill>
               </a:rPr>
-              <a:t>new </a:t>
-            </a:r>
-            <a:r>
-              <a:rPr lang="fr-FR" sz="2000" dirty="0" err="1"/>
-              <a:t>RestAdapter.Builder</a:t>
-            </a:r>
-            <a:r>
-              <a:rPr lang="fr-FR" sz="2000" dirty="0"/>
-              <a:t>()</a:t>
-            </a:r>
-            <a:br>
-              <a:rPr lang="fr-FR" sz="2000" dirty="0"/>
-            </a:br>
-            <a:r>
-              <a:rPr lang="fr-FR" sz="2000" dirty="0"/>
-              <a:t>        .</a:t>
-            </a:r>
-            <a:r>
-              <a:rPr lang="fr-FR" sz="2000" dirty="0" err="1"/>
-              <a:t>setConverter</a:t>
-            </a:r>
-            <a:r>
-              <a:rPr lang="fr-FR" sz="2000" dirty="0"/>
-              <a:t>(</a:t>
-            </a:r>
-            <a:r>
-              <a:rPr lang="fr-FR" sz="2000" b="1" dirty="0">
-                <a:solidFill>
-                  <a:srgbClr val="000080"/>
-                </a:solidFill>
-              </a:rPr>
-              <a:t>new </a:t>
-            </a:r>
-            <a:r>
-              <a:rPr lang="fr-FR" sz="2000" dirty="0" err="1"/>
-              <a:t>AnyProtoConverter</a:t>
-            </a:r>
-            <a:r>
-              <a:rPr lang="fr-FR" sz="2000" dirty="0"/>
-              <a:t>())</a:t>
-            </a:r>
-            <a:br>
-              <a:rPr lang="fr-FR" sz="2000" dirty="0"/>
-            </a:br>
-            <a:r>
-              <a:rPr lang="fr-FR" sz="2000" dirty="0"/>
-              <a:t>        .</a:t>
-            </a:r>
-            <a:r>
-              <a:rPr lang="fr-FR" sz="2000" dirty="0" err="1"/>
-              <a:t>setEndpoint</a:t>
-            </a:r>
-            <a:r>
-              <a:rPr lang="fr-FR" sz="2000" dirty="0"/>
-              <a:t>(</a:t>
-            </a:r>
-            <a:r>
-              <a:rPr lang="fr-FR" sz="2000" b="1" dirty="0">
-                <a:solidFill>
-                  <a:srgbClr val="008000"/>
-                </a:solidFill>
-              </a:rPr>
-              <a:t>"</a:t>
-            </a:r>
-            <a:r>
-              <a:rPr lang="fr-FR" sz="2000" b="1" dirty="0" err="1">
-                <a:solidFill>
-                  <a:srgbClr val="008000"/>
-                </a:solidFill>
-              </a:rPr>
-              <a:t>https</a:t>
-            </a:r>
-            <a:r>
-              <a:rPr lang="fr-FR" sz="2000" b="1" dirty="0">
-                <a:solidFill>
-                  <a:srgbClr val="008000"/>
-                </a:solidFill>
-              </a:rPr>
-              <a:t>://</a:t>
-            </a:r>
-            <a:r>
-              <a:rPr lang="fr-FR" sz="2000" b="1" dirty="0" err="1">
-                <a:solidFill>
-                  <a:srgbClr val="008000"/>
-                </a:solidFill>
-              </a:rPr>
-              <a:t>api.github.com</a:t>
-            </a:r>
-            <a:r>
-              <a:rPr lang="fr-FR" sz="2000" b="1" dirty="0">
-                <a:solidFill>
-                  <a:srgbClr val="008000"/>
-                </a:solidFill>
-              </a:rPr>
-              <a:t>"</a:t>
-            </a:r>
-            <a:r>
-              <a:rPr lang="fr-FR" sz="2000" dirty="0"/>
-              <a:t>)</a:t>
-            </a:r>
-            <a:br>
-              <a:rPr lang="fr-FR" sz="2000" dirty="0"/>
-            </a:br>
-            <a:r>
-              <a:rPr lang="fr-FR" sz="2000" dirty="0"/>
-              <a:t>        .</a:t>
-            </a:r>
-            <a:r>
-              <a:rPr lang="fr-FR" sz="2000" dirty="0" err="1"/>
-              <a:t>build</a:t>
-            </a:r>
-            <a:r>
-              <a:rPr lang="fr-FR" sz="2000" dirty="0"/>
-              <a:t>();</a:t>
-            </a:r>
-            <a:br>
-              <a:rPr lang="fr-FR" sz="2000" dirty="0"/>
-            </a:br>
-            <a:r>
-              <a:rPr lang="fr-FR" sz="2000" dirty="0"/>
-              <a:t/>
-            </a:r>
-            <a:br>
-              <a:rPr lang="fr-FR" sz="2000" dirty="0"/>
-            </a:br>
-            <a:r>
-              <a:rPr lang="fr-FR" sz="2000" dirty="0" err="1"/>
-              <a:t>GithubService</a:t>
-            </a:r>
-            <a:r>
-              <a:rPr lang="fr-FR" sz="2000" dirty="0"/>
-              <a:t> </a:t>
-            </a:r>
-            <a:r>
-              <a:rPr lang="fr-FR" sz="2000" dirty="0" err="1"/>
-              <a:t>githubService</a:t>
-            </a:r>
-            <a:r>
-              <a:rPr lang="fr-FR" sz="2000" dirty="0"/>
-              <a:t> = </a:t>
-            </a:r>
-            <a:r>
-              <a:rPr lang="fr-FR" sz="2000" dirty="0" err="1"/>
-              <a:t>adapter.create</a:t>
-            </a:r>
-            <a:r>
-              <a:rPr lang="fr-FR" sz="2000" dirty="0"/>
-              <a:t>(</a:t>
-            </a:r>
-            <a:r>
-              <a:rPr lang="fr-FR" sz="2000" dirty="0" err="1"/>
-              <a:t>GithubService.</a:t>
-            </a:r>
-            <a:r>
-              <a:rPr lang="fr-FR" sz="2000" b="1" dirty="0" err="1">
-                <a:solidFill>
-                  <a:srgbClr val="000080"/>
-                </a:solidFill>
-              </a:rPr>
-              <a:t>class</a:t>
-            </a:r>
-            <a:r>
-              <a:rPr lang="fr-FR" sz="2000" dirty="0"/>
-              <a:t>);</a:t>
-            </a:r>
-            <a:br>
-              <a:rPr lang="fr-FR" sz="2000" dirty="0"/>
-            </a:br>
-            <a:endParaRPr lang="fr-FR" sz="2000" dirty="0"/>
+              <a:t>]</a:t>
+            </a:r>
           </a:p>
         </p:txBody>
       </p:sp>
     </p:spTree>
     <p:extLst>
       <p:ext uri="{BB962C8B-B14F-4D97-AF65-F5344CB8AC3E}">
-        <p14:creationId xmlns:p14="http://schemas.microsoft.com/office/powerpoint/2010/main" val="3659280804"/>
+        <p14:creationId xmlns:p14="http://schemas.microsoft.com/office/powerpoint/2010/main" val="1574338818"/>
       </p:ext>
     </p:extLst>
   </p:cSld>
@@ -7022,38 +6669,152 @@
           <a:bodyPr/>
           <a:lstStyle/>
           <a:p>
-            <a:pPr algn="ctr"/>
-            <a:r>
-              <a:rPr lang="fr-FR" dirty="0" smtClean="0"/>
-              <a:t>DEMO</a:t>
-            </a:r>
-            <a:endParaRPr lang="fr-FR" dirty="0"/>
-          </a:p>
-        </p:txBody>
-      </p:sp>
-      <p:sp>
-        <p:nvSpPr>
-          <p:cNvPr id="3" name="Espace réservé du texte 2"/>
-          <p:cNvSpPr>
-            <a:spLocks noGrp="1"/>
-          </p:cNvSpPr>
-          <p:nvPr>
-            <p:ph type="body" idx="1"/>
-          </p:nvPr>
-        </p:nvSpPr>
-        <p:spPr/>
-        <p:txBody>
-          <a:bodyPr/>
-          <a:lstStyle/>
-          <a:p>
-            <a:endParaRPr lang="fr-FR"/>
+            <a:r>
+              <a:rPr lang="fr-FR" dirty="0" err="1" smtClean="0"/>
+              <a:t>Converter</a:t>
+            </a:r>
+            <a:endParaRPr lang="fr-FR" dirty="0"/>
+          </a:p>
+        </p:txBody>
+      </p:sp>
+      <p:sp>
+        <p:nvSpPr>
+          <p:cNvPr id="3" name="Espace réservé du contenu 2"/>
+          <p:cNvSpPr>
+            <a:spLocks noGrp="1"/>
+          </p:cNvSpPr>
+          <p:nvPr>
+            <p:ph idx="1"/>
+          </p:nvPr>
+        </p:nvSpPr>
+        <p:spPr/>
+        <p:txBody>
+          <a:bodyPr>
+            <a:normAutofit lnSpcReduction="10000"/>
+          </a:bodyPr>
+          <a:lstStyle/>
+          <a:p>
+            <a:r>
+              <a:rPr lang="fr-FR" dirty="0" smtClean="0"/>
+              <a:t>Conversion </a:t>
+            </a:r>
+            <a:r>
+              <a:rPr lang="fr-FR" dirty="0" err="1" smtClean="0"/>
+              <a:t>protobuf</a:t>
+            </a:r>
+            <a:r>
+              <a:rPr lang="fr-FR" dirty="0" smtClean="0"/>
+              <a:t> -&gt; </a:t>
+            </a:r>
+            <a:r>
+              <a:rPr lang="fr-FR" dirty="0" err="1" smtClean="0"/>
+              <a:t>json</a:t>
+            </a:r>
+            <a:r>
+              <a:rPr lang="fr-FR" dirty="0" smtClean="0"/>
+              <a:t> OK</a:t>
+            </a:r>
+          </a:p>
+          <a:p>
+            <a:endParaRPr lang="fr-FR" dirty="0"/>
+          </a:p>
+          <a:p>
+            <a:r>
+              <a:rPr lang="fr-FR" dirty="0" err="1" smtClean="0"/>
+              <a:t>Json</a:t>
+            </a:r>
+            <a:r>
+              <a:rPr lang="fr-FR" dirty="0" smtClean="0"/>
+              <a:t> -&gt; </a:t>
+            </a:r>
+            <a:r>
+              <a:rPr lang="fr-FR" dirty="0" err="1" smtClean="0"/>
+              <a:t>protobuf</a:t>
+            </a:r>
+            <a:r>
+              <a:rPr lang="fr-FR" dirty="0" smtClean="0"/>
+              <a:t> ? </a:t>
+            </a:r>
+            <a:endParaRPr lang="fr-FR" dirty="0"/>
+          </a:p>
+          <a:p>
+            <a:pPr lvl="1"/>
+            <a:r>
+              <a:rPr lang="fr-FR" dirty="0" smtClean="0"/>
+              <a:t>OK grâce au </a:t>
+            </a:r>
+            <a:r>
+              <a:rPr lang="fr-FR" dirty="0" err="1" smtClean="0"/>
+              <a:t>parsing</a:t>
+            </a:r>
+            <a:r>
+              <a:rPr lang="fr-FR" dirty="0" smtClean="0"/>
+              <a:t> </a:t>
+            </a:r>
+            <a:r>
+              <a:rPr lang="fr-FR" dirty="0" err="1" smtClean="0"/>
+              <a:t>json</a:t>
+            </a:r>
+            <a:endParaRPr lang="fr-FR" dirty="0" smtClean="0"/>
+          </a:p>
+          <a:p>
+            <a:pPr lvl="1"/>
+            <a:r>
+              <a:rPr lang="fr-FR" dirty="0" smtClean="0"/>
+              <a:t>OK grâce aux </a:t>
+            </a:r>
+            <a:r>
+              <a:rPr lang="fr-FR" dirty="0" err="1" smtClean="0"/>
+              <a:t>FieldDescriptor</a:t>
+            </a:r>
+            <a:r>
+              <a:rPr lang="fr-FR" dirty="0" smtClean="0"/>
+              <a:t> qui contiennent :</a:t>
+            </a:r>
+          </a:p>
+          <a:p>
+            <a:pPr lvl="2"/>
+            <a:r>
+              <a:rPr lang="fr-FR" dirty="0" smtClean="0"/>
+              <a:t>Nom</a:t>
+            </a:r>
+          </a:p>
+          <a:p>
+            <a:pPr lvl="2"/>
+            <a:r>
+              <a:rPr lang="fr-FR" dirty="0" smtClean="0"/>
+              <a:t>Numéro</a:t>
+            </a:r>
+          </a:p>
+          <a:p>
+            <a:pPr lvl="2"/>
+            <a:r>
+              <a:rPr lang="fr-FR" dirty="0" smtClean="0"/>
+              <a:t>Type et Type Java</a:t>
+            </a:r>
+          </a:p>
+          <a:p>
+            <a:pPr lvl="2"/>
+            <a:r>
+              <a:rPr lang="fr-FR" dirty="0" smtClean="0"/>
+              <a:t>Et plus encore</a:t>
+            </a:r>
+            <a:r>
+              <a:rPr lang="is-IS" dirty="0" smtClean="0"/>
+              <a:t>…</a:t>
+            </a:r>
+            <a:endParaRPr lang="fr-FR" dirty="0" smtClean="0"/>
+          </a:p>
+          <a:p>
+            <a:pPr lvl="2"/>
+            <a:endParaRPr lang="fr-FR" dirty="0"/>
           </a:p>
         </p:txBody>
       </p:sp>
     </p:spTree>
     <p:extLst>
       <p:ext uri="{BB962C8B-B14F-4D97-AF65-F5344CB8AC3E}">
-        <p14:creationId xmlns:p14="http://schemas.microsoft.com/office/powerpoint/2010/main" val="1289220739"/>
+        <p14:creationId xmlns:p14="http://schemas.microsoft.com/office/powerpoint/2010/main" val="2654535821"/>
       </p:ext>
     </p:extLst>
   </p:cSld>
@@ -7096,8 +6857,8 @@
           <a:lstStyle/>
           <a:p>
             <a:r>
-              <a:rPr lang="fr-FR" dirty="0" smtClean="0"/>
-              <a:t>Stockage Local</a:t>
+              <a:rPr lang="fr-FR" dirty="0" err="1" smtClean="0"/>
+              <a:t>AnyProto</a:t>
             </a:r>
             <a:endParaRPr lang="fr-FR" dirty="0"/>
           </a:p>
@@ -7116,76 +6877,121 @@
         <p:spPr/>
         <p:txBody>
           <a:bodyPr>
-            <a:normAutofit fontScale="92500" lnSpcReduction="20000"/>
+            <a:normAutofit lnSpcReduction="10000"/>
           </a:bodyPr>
           <a:lstStyle/>
           <a:p>
             <a:r>
-              <a:rPr lang="fr-FR" dirty="0" err="1" smtClean="0"/>
-              <a:t>Android</a:t>
-            </a:r>
-            <a:r>
-              <a:rPr lang="fr-FR" dirty="0" smtClean="0"/>
-              <a:t> dispose de plusieurs type de stockages locaux</a:t>
-            </a:r>
-          </a:p>
-          <a:p>
-            <a:endParaRPr lang="fr-FR" dirty="0"/>
-          </a:p>
-          <a:p>
-            <a:r>
-              <a:rPr lang="fr-FR" dirty="0" err="1" smtClean="0"/>
-              <a:t>SharedPreferences</a:t>
-            </a:r>
-            <a:r>
-              <a:rPr lang="fr-FR" dirty="0"/>
+              <a:rPr lang="fr-FR" dirty="0" smtClean="0"/>
+              <a:t>Librairie Perso : </a:t>
+            </a:r>
+          </a:p>
+          <a:p>
+            <a:pPr lvl="1"/>
+            <a:r>
+              <a:rPr lang="fr-FR" dirty="0">
+                <a:hlinkClick r:id="rId2"/>
+              </a:rPr>
+              <a:t>https://github.com/TheCopycat/</a:t>
+            </a:r>
+            <a:r>
+              <a:rPr lang="fr-FR" dirty="0" smtClean="0">
+                <a:hlinkClick r:id="rId2"/>
+              </a:rPr>
+              <a:t>anyproto</a:t>
+            </a:r>
+            <a:endParaRPr lang="fr-FR" dirty="0" smtClean="0"/>
+          </a:p>
+          <a:p>
+            <a:pPr lvl="1"/>
+            <a:endParaRPr lang="fr-FR" dirty="0"/>
+          </a:p>
+          <a:p>
+            <a:r>
+              <a:rPr lang="fr-FR" dirty="0" smtClean="0"/>
+              <a:t>Contient : </a:t>
+            </a:r>
+          </a:p>
+          <a:p>
+            <a:pPr lvl="1"/>
+            <a:r>
+              <a:rPr lang="fr-FR" dirty="0" err="1" smtClean="0"/>
+              <a:t>AnyProto</a:t>
+            </a:r>
+            <a:r>
+              <a:rPr lang="fr-FR" dirty="0" smtClean="0"/>
+              <a:t> : Une classe qui permet de convertir n’importe quoi &lt;-&gt; </a:t>
+            </a:r>
+            <a:r>
+              <a:rPr lang="fr-FR" dirty="0" err="1" smtClean="0"/>
+              <a:t>protobuf</a:t>
+            </a:r>
+            <a:r>
+              <a:rPr lang="fr-FR" dirty="0" smtClean="0"/>
+              <a:t> (n’importe quoi = </a:t>
+            </a:r>
+            <a:r>
+              <a:rPr lang="fr-FR" dirty="0" err="1" smtClean="0"/>
+              <a:t>json</a:t>
+            </a:r>
+            <a:r>
+              <a:rPr lang="fr-FR" dirty="0" smtClean="0"/>
+              <a:t>, </a:t>
+            </a:r>
+            <a:r>
+              <a:rPr lang="fr-FR" dirty="0" err="1" smtClean="0"/>
+              <a:t>xml</a:t>
+            </a:r>
+            <a:r>
+              <a:rPr lang="fr-FR" dirty="0" smtClean="0"/>
+              <a:t>, </a:t>
+            </a:r>
+            <a:r>
+              <a:rPr lang="fr-FR" dirty="0" err="1" smtClean="0"/>
+              <a:t>protobuf</a:t>
+            </a:r>
+            <a:r>
+              <a:rPr lang="fr-FR" dirty="0" smtClean="0"/>
+              <a:t>)</a:t>
+            </a:r>
+          </a:p>
+          <a:p>
+            <a:pPr lvl="1"/>
+            <a:r>
+              <a:rPr lang="fr-FR" dirty="0" err="1" smtClean="0"/>
+              <a:t>Converter</a:t>
+            </a:r>
+            <a:r>
+              <a:rPr lang="fr-FR" dirty="0" smtClean="0"/>
               <a:t> </a:t>
             </a:r>
             <a:r>
-              <a:rPr lang="fr-FR" dirty="0" smtClean="0"/>
-              <a:t>: Pour les clé/valeurs </a:t>
-            </a:r>
-          </a:p>
-          <a:p>
-            <a:endParaRPr lang="fr-FR" dirty="0"/>
-          </a:p>
-          <a:p>
-            <a:r>
-              <a:rPr lang="fr-FR" dirty="0" err="1" smtClean="0"/>
-              <a:t>SQLite</a:t>
-            </a:r>
-            <a:r>
-              <a:rPr lang="fr-FR" dirty="0" smtClean="0"/>
-              <a:t>/</a:t>
-            </a:r>
-            <a:r>
-              <a:rPr lang="fr-FR" dirty="0" err="1" smtClean="0"/>
-              <a:t>ContentProviders</a:t>
-            </a:r>
-            <a:r>
-              <a:rPr lang="fr-FR" dirty="0" smtClean="0"/>
-              <a:t> : Format de données complexes.</a:t>
-            </a:r>
-          </a:p>
-          <a:p>
+              <a:rPr lang="fr-FR" dirty="0" err="1" smtClean="0"/>
+              <a:t>Retrofit</a:t>
+            </a:r>
             <a:endParaRPr lang="fr-FR" dirty="0" smtClean="0"/>
           </a:p>
           <a:p>
-            <a:r>
-              <a:rPr lang="fr-FR" dirty="0" err="1" smtClean="0"/>
-              <a:t>Internal</a:t>
-            </a:r>
-            <a:r>
-              <a:rPr lang="fr-FR" dirty="0" smtClean="0"/>
-              <a:t>/</a:t>
-            </a:r>
-            <a:r>
-              <a:rPr lang="fr-FR" dirty="0" err="1" smtClean="0"/>
-              <a:t>External</a:t>
-            </a:r>
-            <a:r>
-              <a:rPr lang="fr-FR" dirty="0" smtClean="0"/>
-              <a:t> Storage : Sauvegarde de fichiers.</a:t>
+            <a:pPr lvl="1"/>
+            <a:r>
+              <a:rPr lang="fr-FR" dirty="0" smtClean="0"/>
+              <a:t>Un </a:t>
+            </a:r>
+            <a:r>
+              <a:rPr lang="fr-FR" dirty="0" err="1" smtClean="0"/>
+              <a:t>Sample</a:t>
+            </a:r>
+            <a:r>
+              <a:rPr lang="fr-FR" dirty="0" smtClean="0"/>
+              <a:t> (qui s’interface avec un appli </a:t>
+            </a:r>
+            <a:r>
+              <a:rPr lang="fr-FR" dirty="0" err="1" smtClean="0"/>
+              <a:t>jhipster</a:t>
+            </a:r>
+            <a:r>
+              <a:rPr lang="fr-FR" dirty="0" smtClean="0"/>
+              <a:t>)</a:t>
             </a:r>
             <a:endParaRPr lang="fr-FR" dirty="0"/>
           </a:p>
@@ -7194,7 +7000,7 @@
     </p:spTree>
     <p:extLst>
       <p:ext uri="{BB962C8B-B14F-4D97-AF65-F5344CB8AC3E}">
-        <p14:creationId xmlns:p14="http://schemas.microsoft.com/office/powerpoint/2010/main" val="3776416461"/>
+        <p14:creationId xmlns:p14="http://schemas.microsoft.com/office/powerpoint/2010/main" val="3489220342"/>
       </p:ext>
     </p:extLst>
   </p:cSld>
@@ -7238,11 +7044,11 @@
           <a:p>
             <a:r>
               <a:rPr lang="fr-FR" dirty="0" smtClean="0"/>
-              <a:t>Content Provider </a:t>
-            </a:r>
-            <a:r>
-              <a:rPr lang="fr-FR" dirty="0" err="1" smtClean="0"/>
-              <a:t>SQLite</a:t>
+              <a:t>Retour au </a:t>
+            </a:r>
+            <a:r>
+              <a:rPr lang="fr-FR" dirty="0" err="1" smtClean="0"/>
+              <a:t>WebService</a:t>
             </a:r>
             <a:endParaRPr lang="fr-FR" dirty="0"/>
           </a:p>
@@ -7261,79 +7067,379 @@
         <p:spPr/>
         <p:txBody>
           <a:bodyPr>
-            <a:normAutofit fontScale="92500"/>
+            <a:normAutofit lnSpcReduction="10000"/>
           </a:bodyPr>
           <a:lstStyle/>
           <a:p>
             <a:r>
               <a:rPr lang="fr-FR" dirty="0" smtClean="0"/>
-              <a:t>Bonnes Pratiques pour les Modèles de données</a:t>
-            </a:r>
-          </a:p>
-          <a:p>
-            <a:endParaRPr lang="fr-FR" dirty="0"/>
-          </a:p>
-          <a:p>
-            <a:r>
-              <a:rPr lang="fr-FR" dirty="0" smtClean="0"/>
-              <a:t>Des tonnes de </a:t>
-            </a:r>
-            <a:r>
-              <a:rPr lang="fr-FR" dirty="0" err="1" smtClean="0"/>
-              <a:t>BoilerPlate</a:t>
-            </a:r>
-            <a:r>
-              <a:rPr lang="fr-FR" dirty="0" smtClean="0"/>
-              <a:t> :</a:t>
-            </a:r>
-          </a:p>
-          <a:p>
-            <a:pPr lvl="1"/>
-            <a:r>
-              <a:rPr lang="fr-FR" dirty="0" smtClean="0"/>
-              <a:t>Scripts de création/d’update</a:t>
-            </a:r>
-          </a:p>
-          <a:p>
-            <a:pPr lvl="1"/>
-            <a:r>
-              <a:rPr lang="fr-FR" dirty="0" smtClean="0"/>
-              <a:t>Déclaration du Content Provider</a:t>
-            </a:r>
-          </a:p>
-          <a:p>
-            <a:pPr lvl="1"/>
-            <a:r>
-              <a:rPr lang="fr-FR" dirty="0" smtClean="0"/>
-              <a:t>Conversion en </a:t>
-            </a:r>
-            <a:r>
-              <a:rPr lang="fr-FR" dirty="0" err="1" smtClean="0"/>
-              <a:t>ContentValues</a:t>
-            </a:r>
-            <a:endParaRPr lang="fr-FR" dirty="0" smtClean="0"/>
-          </a:p>
-          <a:p>
-            <a:pPr lvl="1"/>
-            <a:endParaRPr lang="fr-FR" dirty="0"/>
-          </a:p>
-          <a:p>
-            <a:r>
-              <a:rPr lang="fr-FR" dirty="0" smtClean="0"/>
-              <a:t>Un modèle complexe peut </a:t>
-            </a:r>
-            <a:r>
-              <a:rPr lang="fr-FR" dirty="0" smtClean="0"/>
-              <a:t>être peu performant</a:t>
-            </a:r>
-            <a:endParaRPr lang="fr-FR" dirty="0"/>
+              <a:t>Interface </a:t>
+            </a:r>
+            <a:r>
+              <a:rPr lang="fr-FR" dirty="0" err="1" smtClean="0"/>
+              <a:t>GithubService</a:t>
+            </a:r>
+            <a:r>
+              <a:rPr lang="fr-FR" dirty="0" smtClean="0"/>
+              <a:t> : </a:t>
+            </a:r>
+          </a:p>
+          <a:p>
+            <a:pPr marL="457200" lvl="1" indent="0">
+              <a:buNone/>
+            </a:pPr>
+            <a:r>
+              <a:rPr lang="fr-FR" sz="2000" dirty="0">
+                <a:solidFill>
+                  <a:srgbClr val="808000"/>
+                </a:solidFill>
+              </a:rPr>
+              <a:t>@GET</a:t>
+            </a:r>
+            <a:r>
+              <a:rPr lang="fr-FR" sz="2000" dirty="0"/>
+              <a:t>(</a:t>
+            </a:r>
+            <a:r>
+              <a:rPr lang="fr-FR" sz="2000" b="1" dirty="0">
+                <a:solidFill>
+                  <a:srgbClr val="008000"/>
+                </a:solidFill>
+              </a:rPr>
+              <a:t>"/repos/{user}/{repo}/issues"</a:t>
+            </a:r>
+            <a:r>
+              <a:rPr lang="fr-FR" sz="2000" dirty="0"/>
+              <a:t>)</a:t>
+            </a:r>
+            <a:br>
+              <a:rPr lang="fr-FR" sz="2000" dirty="0"/>
+            </a:br>
+            <a:r>
+              <a:rPr lang="fr-FR" sz="2000" b="1" dirty="0">
+                <a:solidFill>
+                  <a:srgbClr val="000080"/>
+                </a:solidFill>
+              </a:rPr>
+              <a:t>public </a:t>
+            </a:r>
+            <a:r>
+              <a:rPr lang="fr-FR" sz="2000" dirty="0"/>
+              <a:t>List&lt;</a:t>
+            </a:r>
+            <a:r>
+              <a:rPr lang="fr-FR" sz="2000" dirty="0" err="1"/>
+              <a:t>Github.Issue</a:t>
+            </a:r>
+            <a:r>
+              <a:rPr lang="fr-FR" sz="2000" dirty="0"/>
+              <a:t>&gt; </a:t>
+            </a:r>
+            <a:r>
+              <a:rPr lang="fr-FR" sz="2000" dirty="0" err="1"/>
+              <a:t>fetchIssues</a:t>
+            </a:r>
+            <a:r>
+              <a:rPr lang="fr-FR" sz="2000" dirty="0" smtClean="0"/>
+              <a:t>(</a:t>
+            </a:r>
+          </a:p>
+          <a:p>
+            <a:pPr marL="457200" lvl="1" indent="0">
+              <a:buNone/>
+            </a:pPr>
+            <a:r>
+              <a:rPr lang="fr-FR" sz="2000" dirty="0">
+                <a:solidFill>
+                  <a:srgbClr val="808000"/>
+                </a:solidFill>
+              </a:rPr>
+              <a:t>	</a:t>
+            </a:r>
+            <a:r>
+              <a:rPr lang="fr-FR" sz="2000" dirty="0" smtClean="0">
+                <a:solidFill>
+                  <a:srgbClr val="808000"/>
+                </a:solidFill>
+              </a:rPr>
+              <a:t>@</a:t>
+            </a:r>
+            <a:r>
+              <a:rPr lang="fr-FR" sz="2000" dirty="0" err="1">
+                <a:solidFill>
+                  <a:srgbClr val="808000"/>
+                </a:solidFill>
+              </a:rPr>
+              <a:t>Path</a:t>
+            </a:r>
+            <a:r>
+              <a:rPr lang="fr-FR" sz="2000" dirty="0"/>
+              <a:t>(</a:t>
+            </a:r>
+            <a:r>
+              <a:rPr lang="fr-FR" sz="2000" b="1" dirty="0">
+                <a:solidFill>
+                  <a:srgbClr val="008000"/>
+                </a:solidFill>
+              </a:rPr>
+              <a:t>"user"</a:t>
+            </a:r>
+            <a:r>
+              <a:rPr lang="fr-FR" sz="2000" dirty="0"/>
+              <a:t>)String user, </a:t>
+            </a:r>
+            <a:endParaRPr lang="fr-FR" sz="2000" dirty="0" smtClean="0"/>
+          </a:p>
+          <a:p>
+            <a:pPr marL="457200" lvl="1" indent="0">
+              <a:buNone/>
+            </a:pPr>
+            <a:r>
+              <a:rPr lang="fr-FR" sz="2000" dirty="0">
+                <a:solidFill>
+                  <a:srgbClr val="808000"/>
+                </a:solidFill>
+              </a:rPr>
+              <a:t>	</a:t>
+            </a:r>
+            <a:r>
+              <a:rPr lang="fr-FR" sz="2000" dirty="0" smtClean="0">
+                <a:solidFill>
+                  <a:srgbClr val="808000"/>
+                </a:solidFill>
+              </a:rPr>
+              <a:t>@</a:t>
+            </a:r>
+            <a:r>
+              <a:rPr lang="fr-FR" sz="2000" dirty="0" err="1">
+                <a:solidFill>
+                  <a:srgbClr val="808000"/>
+                </a:solidFill>
+              </a:rPr>
+              <a:t>Path</a:t>
+            </a:r>
+            <a:r>
+              <a:rPr lang="fr-FR" sz="2000" dirty="0"/>
+              <a:t>(</a:t>
+            </a:r>
+            <a:r>
+              <a:rPr lang="fr-FR" sz="2000" b="1" dirty="0">
+                <a:solidFill>
+                  <a:srgbClr val="008000"/>
+                </a:solidFill>
+              </a:rPr>
+              <a:t>"repo"</a:t>
+            </a:r>
+            <a:r>
+              <a:rPr lang="fr-FR" sz="2000" dirty="0"/>
+              <a:t>) String repo)</a:t>
+            </a:r>
+            <a:r>
+              <a:rPr lang="fr-FR" sz="2000" dirty="0" smtClean="0"/>
+              <a:t>;</a:t>
+            </a:r>
+          </a:p>
+          <a:p>
+            <a:pPr marL="400050"/>
+            <a:r>
+              <a:rPr lang="fr-FR" sz="2800" dirty="0" smtClean="0"/>
+              <a:t>Adapter et Service : </a:t>
+            </a:r>
+          </a:p>
+          <a:p>
+            <a:pPr marL="514350" lvl="1" indent="0">
+              <a:buNone/>
+            </a:pPr>
+            <a:r>
+              <a:rPr lang="fr-FR" sz="2000" dirty="0" err="1"/>
+              <a:t>RestAdapter</a:t>
+            </a:r>
+            <a:r>
+              <a:rPr lang="fr-FR" sz="2000" dirty="0"/>
+              <a:t> adapter = </a:t>
+            </a:r>
+            <a:r>
+              <a:rPr lang="fr-FR" sz="2000" b="1" dirty="0">
+                <a:solidFill>
+                  <a:srgbClr val="000080"/>
+                </a:solidFill>
+              </a:rPr>
+              <a:t>new </a:t>
+            </a:r>
+            <a:r>
+              <a:rPr lang="fr-FR" sz="2000" dirty="0" err="1"/>
+              <a:t>RestAdapter.Builder</a:t>
+            </a:r>
+            <a:r>
+              <a:rPr lang="fr-FR" sz="2000" dirty="0"/>
+              <a:t>()</a:t>
+            </a:r>
+            <a:br>
+              <a:rPr lang="fr-FR" sz="2000" dirty="0"/>
+            </a:br>
+            <a:r>
+              <a:rPr lang="fr-FR" sz="2000" dirty="0"/>
+              <a:t>        .</a:t>
+            </a:r>
+            <a:r>
+              <a:rPr lang="fr-FR" sz="2000" dirty="0" err="1"/>
+              <a:t>setConverter</a:t>
+            </a:r>
+            <a:r>
+              <a:rPr lang="fr-FR" sz="2000" dirty="0"/>
+              <a:t>(</a:t>
+            </a:r>
+            <a:r>
+              <a:rPr lang="fr-FR" sz="2000" b="1" dirty="0">
+                <a:solidFill>
+                  <a:srgbClr val="000080"/>
+                </a:solidFill>
+              </a:rPr>
+              <a:t>new </a:t>
+            </a:r>
+            <a:r>
+              <a:rPr lang="fr-FR" sz="2000" dirty="0" err="1"/>
+              <a:t>AnyProtoConverter</a:t>
+            </a:r>
+            <a:r>
+              <a:rPr lang="fr-FR" sz="2000" dirty="0"/>
+              <a:t>())</a:t>
+            </a:r>
+            <a:br>
+              <a:rPr lang="fr-FR" sz="2000" dirty="0"/>
+            </a:br>
+            <a:r>
+              <a:rPr lang="fr-FR" sz="2000" dirty="0"/>
+              <a:t>        .</a:t>
+            </a:r>
+            <a:r>
+              <a:rPr lang="fr-FR" sz="2000" dirty="0" err="1"/>
+              <a:t>setEndpoint</a:t>
+            </a:r>
+            <a:r>
+              <a:rPr lang="fr-FR" sz="2000" dirty="0"/>
+              <a:t>(</a:t>
+            </a:r>
+            <a:r>
+              <a:rPr lang="fr-FR" sz="2000" b="1" dirty="0">
+                <a:solidFill>
+                  <a:srgbClr val="008000"/>
+                </a:solidFill>
+              </a:rPr>
+              <a:t>"</a:t>
+            </a:r>
+            <a:r>
+              <a:rPr lang="fr-FR" sz="2000" b="1" dirty="0" err="1">
+                <a:solidFill>
+                  <a:srgbClr val="008000"/>
+                </a:solidFill>
+              </a:rPr>
+              <a:t>https</a:t>
+            </a:r>
+            <a:r>
+              <a:rPr lang="fr-FR" sz="2000" b="1" dirty="0">
+                <a:solidFill>
+                  <a:srgbClr val="008000"/>
+                </a:solidFill>
+              </a:rPr>
+              <a:t>://</a:t>
+            </a:r>
+            <a:r>
+              <a:rPr lang="fr-FR" sz="2000" b="1" dirty="0" err="1">
+                <a:solidFill>
+                  <a:srgbClr val="008000"/>
+                </a:solidFill>
+              </a:rPr>
+              <a:t>api.github.com</a:t>
+            </a:r>
+            <a:r>
+              <a:rPr lang="fr-FR" sz="2000" b="1" dirty="0">
+                <a:solidFill>
+                  <a:srgbClr val="008000"/>
+                </a:solidFill>
+              </a:rPr>
+              <a:t>"</a:t>
+            </a:r>
+            <a:r>
+              <a:rPr lang="fr-FR" sz="2000" dirty="0"/>
+              <a:t>)</a:t>
+            </a:r>
+            <a:br>
+              <a:rPr lang="fr-FR" sz="2000" dirty="0"/>
+            </a:br>
+            <a:r>
+              <a:rPr lang="fr-FR" sz="2000" dirty="0"/>
+              <a:t>        .</a:t>
+            </a:r>
+            <a:r>
+              <a:rPr lang="fr-FR" sz="2000" dirty="0" err="1"/>
+              <a:t>build</a:t>
+            </a:r>
+            <a:r>
+              <a:rPr lang="fr-FR" sz="2000" dirty="0"/>
+              <a:t>();</a:t>
+            </a:r>
+            <a:br>
+              <a:rPr lang="fr-FR" sz="2000" dirty="0"/>
+            </a:br>
+            <a:r>
+              <a:rPr lang="fr-FR" sz="2000" dirty="0"/>
+              <a:t/>
+            </a:r>
+            <a:br>
+              <a:rPr lang="fr-FR" sz="2000" dirty="0"/>
+            </a:br>
+            <a:r>
+              <a:rPr lang="fr-FR" sz="2000" dirty="0" err="1"/>
+              <a:t>GithubService</a:t>
+            </a:r>
+            <a:r>
+              <a:rPr lang="fr-FR" sz="2000" dirty="0"/>
+              <a:t> </a:t>
+            </a:r>
+            <a:r>
+              <a:rPr lang="fr-FR" sz="2000" dirty="0" err="1"/>
+              <a:t>githubService</a:t>
+            </a:r>
+            <a:r>
+              <a:rPr lang="fr-FR" sz="2000" dirty="0"/>
+              <a:t> = </a:t>
+            </a:r>
+            <a:r>
+              <a:rPr lang="fr-FR" sz="2000" dirty="0" err="1"/>
+              <a:t>adapter.create</a:t>
+            </a:r>
+            <a:r>
+              <a:rPr lang="fr-FR" sz="2000" dirty="0"/>
+              <a:t>(</a:t>
+            </a:r>
+            <a:r>
+              <a:rPr lang="fr-FR" sz="2000" dirty="0" err="1"/>
+              <a:t>GithubService.</a:t>
+            </a:r>
+            <a:r>
+              <a:rPr lang="fr-FR" sz="2000" b="1" dirty="0" err="1">
+                <a:solidFill>
+                  <a:srgbClr val="000080"/>
+                </a:solidFill>
+              </a:rPr>
+              <a:t>class</a:t>
+            </a:r>
+            <a:r>
+              <a:rPr lang="fr-FR" sz="2000" dirty="0"/>
+              <a:t>);</a:t>
+            </a:r>
+            <a:br>
+              <a:rPr lang="fr-FR" sz="2000" dirty="0"/>
+            </a:br>
+            <a:endParaRPr lang="fr-FR" sz="2000" dirty="0"/>
           </a:p>
         </p:txBody>
       </p:sp>
     </p:spTree>
     <p:extLst>
       <p:ext uri="{BB962C8B-B14F-4D97-AF65-F5344CB8AC3E}">
-        <p14:creationId xmlns:p14="http://schemas.microsoft.com/office/powerpoint/2010/main" val="1632742062"/>
+        <p14:creationId xmlns:p14="http://schemas.microsoft.com/office/powerpoint/2010/main" val="3659280804"/>
       </p:ext>
     </p:extLst>
   </p:cSld>
@@ -7377,7 +7483,7 @@
           <a:p>
             <a:r>
               <a:rPr lang="fr-FR" dirty="0" smtClean="0"/>
-              <a:t>A Propos</a:t>
+              <a:t>Technos favorites</a:t>
             </a:r>
             <a:endParaRPr lang="fr-FR" dirty="0"/>
           </a:p>
@@ -7398,14 +7504,46 @@
           <a:bodyPr/>
           <a:lstStyle/>
           <a:p>
-            <a:endParaRPr lang="fr-FR"/>
+            <a:r>
+              <a:rPr lang="fr-FR" dirty="0" smtClean="0"/>
+              <a:t>Scala et son écosystème</a:t>
+            </a:r>
+          </a:p>
+          <a:p>
+            <a:endParaRPr lang="fr-FR" dirty="0"/>
+          </a:p>
+          <a:p>
+            <a:r>
+              <a:rPr lang="fr-FR" dirty="0" smtClean="0"/>
+              <a:t>Programmation fonctionnelle</a:t>
+            </a:r>
+          </a:p>
+          <a:p>
+            <a:endParaRPr lang="fr-FR" dirty="0"/>
+          </a:p>
+          <a:p>
+            <a:r>
+              <a:rPr lang="fr-FR" dirty="0" err="1" smtClean="0"/>
+              <a:t>Android</a:t>
+            </a:r>
+            <a:endParaRPr lang="fr-FR" dirty="0" smtClean="0"/>
+          </a:p>
+          <a:p>
+            <a:endParaRPr lang="fr-FR" dirty="0"/>
+          </a:p>
+          <a:p>
+            <a:r>
+              <a:rPr lang="fr-FR" dirty="0" err="1" smtClean="0"/>
+              <a:t>Protobuf</a:t>
+            </a:r>
+            <a:endParaRPr lang="fr-FR" dirty="0" smtClean="0"/>
           </a:p>
         </p:txBody>
       </p:sp>
     </p:spTree>
     <p:extLst>
       <p:ext uri="{BB962C8B-B14F-4D97-AF65-F5344CB8AC3E}">
-        <p14:creationId xmlns:p14="http://schemas.microsoft.com/office/powerpoint/2010/main" val="929143633"/>
+        <p14:creationId xmlns:p14="http://schemas.microsoft.com/office/powerpoint/2010/main" val="3602580527"/>
       </p:ext>
     </p:extLst>
   </p:cSld>
@@ -7447,104 +7585,38 @@
           <a:bodyPr/>
           <a:lstStyle/>
           <a:p>
-            <a:r>
-              <a:rPr lang="fr-FR" dirty="0" smtClean="0"/>
-              <a:t>Ce que </a:t>
-            </a:r>
-            <a:r>
-              <a:rPr lang="fr-FR" dirty="0" err="1" smtClean="0"/>
-              <a:t>Protobuf</a:t>
-            </a:r>
-            <a:r>
-              <a:rPr lang="fr-FR" dirty="0" smtClean="0"/>
-              <a:t> nous apporte</a:t>
-            </a:r>
-            <a:endParaRPr lang="fr-FR" dirty="0"/>
-          </a:p>
-        </p:txBody>
-      </p:sp>
-      <p:sp>
-        <p:nvSpPr>
-          <p:cNvPr id="3" name="Espace réservé du contenu 2"/>
-          <p:cNvSpPr>
-            <a:spLocks noGrp="1"/>
-          </p:cNvSpPr>
-          <p:nvPr>
-            <p:ph idx="1"/>
-          </p:nvPr>
-        </p:nvSpPr>
-        <p:spPr/>
-        <p:txBody>
-          <a:bodyPr/>
-          <a:lstStyle/>
-          <a:p>
-            <a:r>
-              <a:rPr lang="fr-FR" dirty="0" err="1" smtClean="0"/>
-              <a:t>Protobuf</a:t>
-            </a:r>
-            <a:r>
-              <a:rPr lang="fr-FR" dirty="0" smtClean="0"/>
-              <a:t> est </a:t>
-            </a:r>
-            <a:r>
-              <a:rPr lang="fr-FR" dirty="0" err="1" smtClean="0"/>
-              <a:t>sérialisable</a:t>
-            </a:r>
-            <a:r>
-              <a:rPr lang="fr-FR" dirty="0" smtClean="0"/>
-              <a:t> </a:t>
-            </a:r>
-          </a:p>
-          <a:p>
-            <a:endParaRPr lang="fr-FR" dirty="0"/>
-          </a:p>
-          <a:p>
-            <a:r>
-              <a:rPr lang="fr-FR" dirty="0" smtClean="0"/>
-              <a:t>La sérialisation est relativement rapide.</a:t>
-            </a:r>
-            <a:endParaRPr lang="fr-FR" dirty="0"/>
-          </a:p>
-          <a:p>
-            <a:pPr lvl="1"/>
-            <a:r>
-              <a:rPr lang="fr-FR" dirty="0" smtClean="0"/>
-              <a:t>Les volumes de données en embarqué sont petits.</a:t>
-            </a:r>
-          </a:p>
-          <a:p>
-            <a:pPr lvl="1"/>
-            <a:r>
-              <a:rPr lang="fr-FR" dirty="0" smtClean="0"/>
-              <a:t>On peut négliger le co</a:t>
-            </a:r>
-            <a:r>
-              <a:rPr lang="fr-FR" dirty="0" smtClean="0"/>
-              <a:t>ût de sérialisation/</a:t>
-            </a:r>
-            <a:r>
-              <a:rPr lang="fr-FR" dirty="0" err="1" smtClean="0"/>
-              <a:t>désérialisation</a:t>
-            </a:r>
-            <a:endParaRPr lang="fr-FR" dirty="0" smtClean="0"/>
-          </a:p>
-          <a:p>
-            <a:pPr lvl="1"/>
-            <a:endParaRPr lang="fr-FR" dirty="0"/>
-          </a:p>
-          <a:p>
-            <a:r>
-              <a:rPr lang="fr-FR" dirty="0" smtClean="0"/>
-              <a:t>On ne recherche pas la performance absolue.</a:t>
-            </a:r>
-            <a:endParaRPr lang="fr-FR" dirty="0"/>
+            <a:pPr algn="ctr"/>
+            <a:r>
+              <a:rPr lang="fr-FR" dirty="0" smtClean="0"/>
+              <a:t>DEMO</a:t>
+            </a:r>
+            <a:endParaRPr lang="fr-FR" dirty="0"/>
+          </a:p>
+        </p:txBody>
+      </p:sp>
+      <p:sp>
+        <p:nvSpPr>
+          <p:cNvPr id="3" name="Espace réservé du texte 2"/>
+          <p:cNvSpPr>
+            <a:spLocks noGrp="1"/>
+          </p:cNvSpPr>
+          <p:nvPr>
+            <p:ph type="body" idx="1"/>
+          </p:nvPr>
+        </p:nvSpPr>
+        <p:spPr/>
+        <p:txBody>
+          <a:bodyPr/>
+          <a:lstStyle/>
+          <a:p>
+            <a:endParaRPr lang="fr-FR"/>
           </a:p>
         </p:txBody>
       </p:sp>
     </p:spTree>
     <p:extLst>
       <p:ext uri="{BB962C8B-B14F-4D97-AF65-F5344CB8AC3E}">
-        <p14:creationId xmlns:p14="http://schemas.microsoft.com/office/powerpoint/2010/main" val="1066398995"/>
+        <p14:creationId xmlns:p14="http://schemas.microsoft.com/office/powerpoint/2010/main" val="1289220739"/>
       </p:ext>
     </p:extLst>
   </p:cSld>
@@ -7587,12 +7659,88 @@
           <a:lstStyle/>
           <a:p>
             <a:r>
+              <a:rPr lang="fr-FR" dirty="0" smtClean="0"/>
+              <a:t>Stockage Local</a:t>
+            </a:r>
+            <a:endParaRPr lang="fr-FR" dirty="0"/>
+          </a:p>
+        </p:txBody>
+      </p:sp>
+      <p:sp>
+        <p:nvSpPr>
+          <p:cNvPr id="3" name="Espace réservé du contenu 2"/>
+          <p:cNvSpPr>
+            <a:spLocks noGrp="1"/>
+          </p:cNvSpPr>
+          <p:nvPr>
+            <p:ph idx="1"/>
+          </p:nvPr>
+        </p:nvSpPr>
+        <p:spPr/>
+        <p:txBody>
+          <a:bodyPr>
+            <a:normAutofit fontScale="92500" lnSpcReduction="20000"/>
+          </a:bodyPr>
+          <a:lstStyle/>
+          <a:p>
+            <a:r>
+              <a:rPr lang="fr-FR" dirty="0" err="1" smtClean="0"/>
+              <a:t>Android</a:t>
+            </a:r>
+            <a:r>
+              <a:rPr lang="fr-FR" dirty="0" smtClean="0"/>
+              <a:t> dispose de plusieurs type de stockages locaux</a:t>
+            </a:r>
+          </a:p>
+          <a:p>
+            <a:endParaRPr lang="fr-FR" dirty="0"/>
+          </a:p>
+          <a:p>
+            <a:r>
+              <a:rPr lang="fr-FR" dirty="0" err="1" smtClean="0"/>
+              <a:t>SharedPreferences</a:t>
+            </a:r>
+            <a:r>
+              <a:rPr lang="fr-FR" dirty="0"/>
+              <a:t> </a:t>
+            </a:r>
+            <a:r>
+              <a:rPr lang="fr-FR" dirty="0" smtClean="0"/>
+              <a:t>: Pour les clé/valeurs </a:t>
+            </a:r>
+          </a:p>
+          <a:p>
+            <a:endParaRPr lang="fr-FR" dirty="0"/>
+          </a:p>
+          <a:p>
+            <a:r>
+              <a:rPr lang="fr-FR" dirty="0" err="1" smtClean="0"/>
+              <a:t>SQLite</a:t>
+            </a:r>
+            <a:r>
+              <a:rPr lang="fr-FR" dirty="0" smtClean="0"/>
+              <a:t>/</a:t>
+            </a:r>
+            <a:r>
+              <a:rPr lang="fr-FR" dirty="0" err="1" smtClean="0"/>
+              <a:t>ContentProviders</a:t>
+            </a:r>
+            <a:r>
+              <a:rPr lang="fr-FR" dirty="0" smtClean="0"/>
+              <a:t> : Format de données complexes.</a:t>
+            </a:r>
+          </a:p>
+          <a:p>
+            <a:endParaRPr lang="fr-FR" dirty="0" smtClean="0"/>
+          </a:p>
+          <a:p>
+            <a:r>
               <a:rPr lang="fr-FR" dirty="0" err="1" smtClean="0"/>
               <a:t>Internal</a:t>
             </a:r>
             <a:r>
               <a:rPr lang="fr-FR" dirty="0" smtClean="0"/>
-              <a:t> Storage/</a:t>
+              <a:t>/</a:t>
             </a:r>
             <a:r>
               <a:rPr lang="fr-FR" dirty="0" err="1" smtClean="0"/>
@@ -7600,82 +7748,8 @@
             </a:r>
             <a:r>
               <a:rPr lang="fr-FR" dirty="0" smtClean="0"/>
-              <a:t> Storage</a:t>
-            </a:r>
-            <a:endParaRPr lang="fr-FR" dirty="0"/>
-          </a:p>
-        </p:txBody>
-      </p:sp>
-      <p:sp>
-        <p:nvSpPr>
-          <p:cNvPr id="3" name="Espace réservé du contenu 2"/>
-          <p:cNvSpPr>
-            <a:spLocks noGrp="1"/>
-          </p:cNvSpPr>
-          <p:nvPr>
-            <p:ph idx="1"/>
-          </p:nvPr>
-        </p:nvSpPr>
-        <p:spPr/>
-        <p:txBody>
-          <a:bodyPr/>
-          <a:lstStyle/>
-          <a:p>
-            <a:r>
-              <a:rPr lang="fr-FR" dirty="0" smtClean="0"/>
-              <a:t>Ecriture dans un fichier en binaire</a:t>
-            </a:r>
-          </a:p>
-          <a:p>
-            <a:endParaRPr lang="fr-FR" dirty="0"/>
-          </a:p>
-          <a:p>
-            <a:r>
-              <a:rPr lang="fr-FR" dirty="0" smtClean="0"/>
-              <a:t>Utilisation de </a:t>
-            </a:r>
-            <a:r>
-              <a:rPr lang="fr-FR" dirty="0" err="1" smtClean="0"/>
-              <a:t>toByteArray</a:t>
-            </a:r>
-            <a:r>
-              <a:rPr lang="fr-FR" dirty="0" smtClean="0"/>
-              <a:t>() pour convertir en binaire.</a:t>
-            </a:r>
-          </a:p>
-          <a:p>
-            <a:endParaRPr lang="fr-FR" dirty="0"/>
-          </a:p>
-          <a:p>
-            <a:r>
-              <a:rPr lang="fr-FR" dirty="0" smtClean="0"/>
-              <a:t>Possibilité d’utiliser les IO</a:t>
-            </a:r>
-          </a:p>
-          <a:p>
-            <a:pPr lvl="1"/>
-            <a:r>
-              <a:rPr lang="fr-FR" dirty="0" err="1" smtClean="0"/>
-              <a:t>InputStream</a:t>
-            </a:r>
-            <a:r>
-              <a:rPr lang="fr-FR" dirty="0" smtClean="0"/>
-              <a:t> pour la lecture</a:t>
-            </a:r>
-          </a:p>
-          <a:p>
-            <a:pPr lvl="1"/>
-            <a:r>
-              <a:rPr lang="fr-FR" dirty="0" err="1" smtClean="0"/>
-              <a:t>OutputStream</a:t>
-            </a:r>
-            <a:r>
-              <a:rPr lang="fr-FR" dirty="0" smtClean="0"/>
-              <a:t> pour l’écriture</a:t>
-            </a:r>
-            <a:endParaRPr lang="fr-FR" dirty="0"/>
-          </a:p>
-          <a:p>
+              <a:t> Storage : Sauvegarde de fichiers.</a:t>
+            </a:r>
             <a:endParaRPr lang="fr-FR" dirty="0"/>
           </a:p>
         </p:txBody>
@@ -7683,7 +7757,7 @@
     </p:spTree>
     <p:extLst>
       <p:ext uri="{BB962C8B-B14F-4D97-AF65-F5344CB8AC3E}">
-        <p14:creationId xmlns:p14="http://schemas.microsoft.com/office/powerpoint/2010/main" val="1858182568"/>
+        <p14:creationId xmlns:p14="http://schemas.microsoft.com/office/powerpoint/2010/main" val="3776416461"/>
       </p:ext>
     </p:extLst>
   </p:cSld>
@@ -7726,16 +7800,12 @@
           <a:lstStyle/>
           <a:p>
             <a:r>
-              <a:rPr lang="fr-FR" dirty="0" err="1" smtClean="0"/>
-              <a:t>SharedPreference</a:t>
-            </a:r>
-            <a:r>
-              <a:rPr lang="fr-FR" dirty="0"/>
-              <a:t> </a:t>
-            </a:r>
-            <a:r>
-              <a:rPr lang="fr-FR" dirty="0" smtClean="0"/>
-              <a:t>?</a:t>
+              <a:rPr lang="fr-FR" dirty="0" smtClean="0"/>
+              <a:t>Content Provider </a:t>
+            </a:r>
+            <a:r>
+              <a:rPr lang="fr-FR" dirty="0" err="1" smtClean="0"/>
+              <a:t>SQLite</a:t>
             </a:r>
             <a:endParaRPr lang="fr-FR" dirty="0"/>
           </a:p>
@@ -7753,52 +7823,76 @@
         </p:nvSpPr>
         <p:spPr/>
         <p:txBody>
-          <a:bodyPr/>
-          <a:lstStyle/>
-          <a:p>
-            <a:r>
-              <a:rPr lang="fr-FR" dirty="0" smtClean="0"/>
-              <a:t>Nécessité d’avoir un type « primitif » :</a:t>
+          <a:bodyPr>
+            <a:normAutofit fontScale="92500"/>
+          </a:bodyPr>
+          <a:lstStyle/>
+          <a:p>
+            <a:r>
+              <a:rPr lang="fr-FR" dirty="0" smtClean="0"/>
+              <a:t>Bonnes Pratiques pour les Modèles de données</a:t>
+            </a:r>
+          </a:p>
+          <a:p>
+            <a:endParaRPr lang="fr-FR" dirty="0"/>
+          </a:p>
+          <a:p>
+            <a:r>
+              <a:rPr lang="fr-FR" dirty="0" smtClean="0"/>
+              <a:t>Des tonnes de </a:t>
+            </a:r>
+            <a:r>
+              <a:rPr lang="fr-FR" dirty="0" err="1" smtClean="0"/>
+              <a:t>BoilerPlate</a:t>
+            </a:r>
+            <a:r>
+              <a:rPr lang="fr-FR" dirty="0" smtClean="0"/>
+              <a:t> :</a:t>
             </a:r>
           </a:p>
           <a:p>
             <a:pPr lvl="1"/>
             <a:r>
               <a:rPr lang="fr-FR" dirty="0" smtClean="0"/>
-              <a:t>Nombre, </a:t>
-            </a:r>
-            <a:r>
-              <a:rPr lang="fr-FR" dirty="0" err="1" smtClean="0"/>
-              <a:t>booleen</a:t>
-            </a:r>
-            <a:r>
-              <a:rPr lang="fr-FR" dirty="0" smtClean="0"/>
-              <a:t>, chaine</a:t>
+              <a:t>Scripts de création/d’update</a:t>
             </a:r>
           </a:p>
           <a:p>
             <a:pPr lvl="1"/>
             <a:r>
               <a:rPr lang="fr-FR" dirty="0" smtClean="0"/>
-              <a:t>Pas de possibilité d’avoir du binaire</a:t>
+              <a:t>Déclaration du Content Provider</a:t>
             </a:r>
           </a:p>
           <a:p>
             <a:pPr lvl="1"/>
-            <a:endParaRPr lang="fr-FR" dirty="0"/>
-          </a:p>
-          <a:p>
-            <a:r>
-              <a:rPr lang="fr-FR" dirty="0" smtClean="0"/>
-              <a:t>Possibilité de convertir le binaire en chaine base64</a:t>
-            </a:r>
+            <a:r>
+              <a:rPr lang="fr-FR" dirty="0" smtClean="0"/>
+              <a:t>Conversion en </a:t>
+            </a:r>
+            <a:r>
+              <a:rPr lang="fr-FR" dirty="0" err="1" smtClean="0"/>
+              <a:t>ContentValues</a:t>
+            </a:r>
+            <a:endParaRPr lang="fr-FR" dirty="0" smtClean="0"/>
+          </a:p>
+          <a:p>
+            <a:pPr lvl="1"/>
+            <a:endParaRPr lang="fr-FR" dirty="0"/>
+          </a:p>
+          <a:p>
+            <a:r>
+              <a:rPr lang="fr-FR" dirty="0" smtClean="0"/>
+              <a:t>Un modèle complexe peut être peu performant</a:t>
+            </a:r>
+            <a:endParaRPr lang="fr-FR" dirty="0"/>
           </a:p>
         </p:txBody>
       </p:sp>
     </p:spTree>
     <p:extLst>
       <p:ext uri="{BB962C8B-B14F-4D97-AF65-F5344CB8AC3E}">
-        <p14:creationId xmlns:p14="http://schemas.microsoft.com/office/powerpoint/2010/main" val="3285981753"/>
+        <p14:creationId xmlns:p14="http://schemas.microsoft.com/office/powerpoint/2010/main" val="1632742062"/>
       </p:ext>
     </p:extLst>
   </p:cSld>
@@ -7840,38 +7934,100 @@
           <a:bodyPr/>
           <a:lstStyle/>
           <a:p>
-            <a:pPr algn="ctr"/>
-            <a:r>
-              <a:rPr lang="fr-FR" dirty="0" smtClean="0"/>
-              <a:t>DEMO</a:t>
-            </a:r>
-            <a:endParaRPr lang="fr-FR" dirty="0"/>
-          </a:p>
-        </p:txBody>
-      </p:sp>
-      <p:sp>
-        <p:nvSpPr>
-          <p:cNvPr id="3" name="Espace réservé du texte 2"/>
-          <p:cNvSpPr>
-            <a:spLocks noGrp="1"/>
-          </p:cNvSpPr>
-          <p:nvPr>
-            <p:ph type="body" idx="1"/>
-          </p:nvPr>
-        </p:nvSpPr>
-        <p:spPr/>
-        <p:txBody>
-          <a:bodyPr/>
-          <a:lstStyle/>
-          <a:p>
-            <a:endParaRPr lang="fr-FR"/>
+            <a:r>
+              <a:rPr lang="fr-FR" dirty="0" smtClean="0"/>
+              <a:t>Ce que </a:t>
+            </a:r>
+            <a:r>
+              <a:rPr lang="fr-FR" dirty="0" err="1" smtClean="0"/>
+              <a:t>Protobuf</a:t>
+            </a:r>
+            <a:r>
+              <a:rPr lang="fr-FR" dirty="0" smtClean="0"/>
+              <a:t> nous apporte</a:t>
+            </a:r>
+            <a:endParaRPr lang="fr-FR" dirty="0"/>
+          </a:p>
+        </p:txBody>
+      </p:sp>
+      <p:sp>
+        <p:nvSpPr>
+          <p:cNvPr id="3" name="Espace réservé du contenu 2"/>
+          <p:cNvSpPr>
+            <a:spLocks noGrp="1"/>
+          </p:cNvSpPr>
+          <p:nvPr>
+            <p:ph idx="1"/>
+          </p:nvPr>
+        </p:nvSpPr>
+        <p:spPr/>
+        <p:txBody>
+          <a:bodyPr/>
+          <a:lstStyle/>
+          <a:p>
+            <a:r>
+              <a:rPr lang="fr-FR" dirty="0" err="1" smtClean="0"/>
+              <a:t>Protobuf</a:t>
+            </a:r>
+            <a:r>
+              <a:rPr lang="fr-FR" dirty="0" smtClean="0"/>
+              <a:t> est </a:t>
+            </a:r>
+            <a:r>
+              <a:rPr lang="fr-FR" dirty="0" err="1" smtClean="0"/>
+              <a:t>sérialisable</a:t>
+            </a:r>
+            <a:r>
+              <a:rPr lang="fr-FR" dirty="0" smtClean="0"/>
+              <a:t> </a:t>
+            </a:r>
+          </a:p>
+          <a:p>
+            <a:endParaRPr lang="fr-FR" dirty="0"/>
+          </a:p>
+          <a:p>
+            <a:r>
+              <a:rPr lang="fr-FR" dirty="0" smtClean="0"/>
+              <a:t>La sérialisation est relativement rapide.</a:t>
+            </a:r>
+            <a:endParaRPr lang="fr-FR" dirty="0"/>
+          </a:p>
+          <a:p>
+            <a:pPr lvl="1"/>
+            <a:r>
+              <a:rPr lang="fr-FR" dirty="0" smtClean="0"/>
+              <a:t>Les volumes de données en embarqué sont petits.</a:t>
+            </a:r>
+          </a:p>
+          <a:p>
+            <a:pPr lvl="1"/>
+            <a:r>
+              <a:rPr lang="fr-FR" dirty="0" smtClean="0"/>
+              <a:t>On peut négliger le coût de sérialisation/</a:t>
+            </a:r>
+            <a:r>
+              <a:rPr lang="fr-FR" dirty="0" err="1" smtClean="0"/>
+              <a:t>désérialisation</a:t>
+            </a:r>
+            <a:endParaRPr lang="fr-FR" dirty="0" smtClean="0"/>
+          </a:p>
+          <a:p>
+            <a:pPr lvl="1"/>
+            <a:endParaRPr lang="fr-FR" dirty="0"/>
+          </a:p>
+          <a:p>
+            <a:r>
+              <a:rPr lang="fr-FR" dirty="0" smtClean="0"/>
+              <a:t>On ne recherche pas la performance absolue.</a:t>
+            </a:r>
+            <a:endParaRPr lang="fr-FR" dirty="0"/>
           </a:p>
         </p:txBody>
       </p:sp>
     </p:spTree>
     <p:extLst>
       <p:ext uri="{BB962C8B-B14F-4D97-AF65-F5344CB8AC3E}">
-        <p14:creationId xmlns:p14="http://schemas.microsoft.com/office/powerpoint/2010/main" val="3639038931"/>
+        <p14:creationId xmlns:p14="http://schemas.microsoft.com/office/powerpoint/2010/main" val="1066398995"/>
       </p:ext>
     </p:extLst>
   </p:cSld>
@@ -7910,14 +8066,24 @@
         </p:nvSpPr>
         <p:spPr/>
         <p:txBody>
-          <a:bodyPr>
-            <a:normAutofit/>
-          </a:bodyPr>
-          <a:lstStyle/>
-          <a:p>
-            <a:r>
-              <a:rPr lang="fr-FR" dirty="0" smtClean="0"/>
-              <a:t>Paramétrage</a:t>
+          <a:bodyPr/>
+          <a:lstStyle/>
+          <a:p>
+            <a:r>
+              <a:rPr lang="fr-FR" dirty="0" err="1" smtClean="0"/>
+              <a:t>Internal</a:t>
+            </a:r>
+            <a:r>
+              <a:rPr lang="fr-FR" dirty="0" smtClean="0"/>
+              <a:t> Storage/</a:t>
+            </a:r>
+            <a:r>
+              <a:rPr lang="fr-FR" dirty="0" err="1" smtClean="0"/>
+              <a:t>External</a:t>
+            </a:r>
+            <a:r>
+              <a:rPr lang="fr-FR" dirty="0" smtClean="0"/>
+              <a:t> Storage</a:t>
             </a:r>
             <a:endParaRPr lang="fr-FR" dirty="0"/>
           </a:p>
@@ -7935,72 +8101,64 @@
         </p:nvSpPr>
         <p:spPr/>
         <p:txBody>
-          <a:bodyPr>
-            <a:normAutofit fontScale="92500" lnSpcReduction="10000"/>
-          </a:bodyPr>
-          <a:lstStyle/>
-          <a:p>
-            <a:r>
-              <a:rPr lang="fr-FR" dirty="0" smtClean="0"/>
-              <a:t>Pas facile de mettre à jour des applications sur les </a:t>
-            </a:r>
-            <a:r>
-              <a:rPr lang="fr-FR" dirty="0" err="1" smtClean="0"/>
-              <a:t>devices</a:t>
-            </a:r>
-            <a:endParaRPr lang="fr-FR" dirty="0" smtClean="0"/>
-          </a:p>
-          <a:p>
-            <a:endParaRPr lang="fr-FR" dirty="0"/>
-          </a:p>
-          <a:p>
-            <a:r>
-              <a:rPr lang="fr-FR" dirty="0" smtClean="0"/>
-              <a:t>Nécessiter de limiter au maximum les mises à jour.</a:t>
-            </a:r>
-          </a:p>
-          <a:p>
-            <a:endParaRPr lang="fr-FR" dirty="0"/>
-          </a:p>
-          <a:p>
-            <a:r>
-              <a:rPr lang="fr-FR" dirty="0" smtClean="0"/>
-              <a:t>Pratique du </a:t>
-            </a:r>
-            <a:r>
-              <a:rPr lang="fr-FR" dirty="0" err="1" smtClean="0"/>
-              <a:t>feature</a:t>
-            </a:r>
-            <a:r>
-              <a:rPr lang="fr-FR" dirty="0" smtClean="0"/>
-              <a:t> </a:t>
-            </a:r>
-            <a:r>
-              <a:rPr lang="fr-FR" dirty="0" err="1" smtClean="0"/>
-              <a:t>flipping</a:t>
-            </a:r>
-            <a:r>
-              <a:rPr lang="fr-FR" dirty="0" smtClean="0"/>
-              <a:t> : </a:t>
+          <a:bodyPr/>
+          <a:lstStyle/>
+          <a:p>
+            <a:r>
+              <a:rPr lang="fr-FR" dirty="0" smtClean="0"/>
+              <a:t>Ecriture dans un fichier en binaire</a:t>
+            </a:r>
+          </a:p>
+          <a:p>
+            <a:endParaRPr lang="fr-FR" dirty="0"/>
+          </a:p>
+          <a:p>
+            <a:r>
+              <a:rPr lang="fr-FR" dirty="0" smtClean="0"/>
+              <a:t>Utilisation de </a:t>
+            </a:r>
+            <a:r>
+              <a:rPr lang="fr-FR" dirty="0" err="1" smtClean="0"/>
+              <a:t>toByteArray</a:t>
+            </a:r>
+            <a:r>
+              <a:rPr lang="fr-FR" dirty="0" smtClean="0"/>
+              <a:t>() pour convertir en binaire.</a:t>
+            </a:r>
+          </a:p>
+          <a:p>
+            <a:endParaRPr lang="fr-FR" dirty="0"/>
+          </a:p>
+          <a:p>
+            <a:r>
+              <a:rPr lang="fr-FR" dirty="0" smtClean="0"/>
+              <a:t>Possibilité d’utiliser les IO</a:t>
             </a:r>
           </a:p>
           <a:p>
             <a:pPr lvl="1"/>
             <a:r>
-              <a:rPr lang="fr-FR" dirty="0" smtClean="0"/>
-              <a:t>Les fonctionnalités sont présentes</a:t>
+              <a:rPr lang="fr-FR" dirty="0" err="1" smtClean="0"/>
+              <a:t>InputStream</a:t>
+            </a:r>
+            <a:r>
+              <a:rPr lang="fr-FR" dirty="0" smtClean="0"/>
+              <a:t> pour la lecture</a:t>
             </a:r>
           </a:p>
           <a:p>
             <a:pPr lvl="1"/>
             <a:r>
-              <a:rPr lang="fr-FR" dirty="0" smtClean="0"/>
-              <a:t>Elles sont activables ou </a:t>
-            </a:r>
-            <a:r>
-              <a:rPr lang="fr-FR" dirty="0" err="1" smtClean="0"/>
-              <a:t>désactivables</a:t>
-            </a:r>
+              <a:rPr lang="fr-FR" dirty="0" err="1" smtClean="0"/>
+              <a:t>OutputStream</a:t>
+            </a:r>
+            <a:r>
+              <a:rPr lang="fr-FR" dirty="0" smtClean="0"/>
+              <a:t> pour l’écriture</a:t>
+            </a:r>
+            <a:endParaRPr lang="fr-FR" dirty="0"/>
+          </a:p>
+          <a:p>
             <a:endParaRPr lang="fr-FR" dirty="0"/>
           </a:p>
         </p:txBody>
@@ -8008,7 +8166,7 @@
     </p:spTree>
     <p:extLst>
       <p:ext uri="{BB962C8B-B14F-4D97-AF65-F5344CB8AC3E}">
-        <p14:creationId xmlns:p14="http://schemas.microsoft.com/office/powerpoint/2010/main" val="1822745561"/>
+        <p14:creationId xmlns:p14="http://schemas.microsoft.com/office/powerpoint/2010/main" val="1858182568"/>
       </p:ext>
     </p:extLst>
   </p:cSld>
@@ -8051,8 +8209,16 @@
           <a:lstStyle/>
           <a:p>
             <a:r>
-              <a:rPr lang="fr-FR" dirty="0" smtClean="0"/>
-              <a:t>Télé Paramétrage</a:t>
+              <a:rPr lang="fr-FR" dirty="0" err="1" smtClean="0"/>
+              <a:t>SharedPreference</a:t>
+            </a:r>
+            <a:r>
+              <a:rPr lang="fr-FR" dirty="0"/>
+              <a:t> </a:t>
+            </a:r>
+            <a:r>
+              <a:rPr lang="fr-FR" dirty="0" smtClean="0"/>
+              <a:t>?</a:t>
             </a:r>
             <a:endParaRPr lang="fr-FR" dirty="0"/>
           </a:p>
@@ -8075,55 +8241,47 @@
           <a:p>
             <a:r>
               <a:rPr lang="fr-FR" dirty="0" smtClean="0"/>
-              <a:t>Serveur à interroger</a:t>
-            </a:r>
-          </a:p>
-          <a:p>
-            <a:endParaRPr lang="fr-FR" dirty="0"/>
-          </a:p>
-          <a:p>
-            <a:r>
-              <a:rPr lang="fr-FR" dirty="0" smtClean="0"/>
-              <a:t>Contient les informations de paramétrage</a:t>
-            </a:r>
-          </a:p>
-          <a:p>
-            <a:endParaRPr lang="fr-FR" dirty="0"/>
-          </a:p>
-          <a:p>
-            <a:r>
-              <a:rPr lang="fr-FR" dirty="0" smtClean="0"/>
-              <a:t>Ensemble de clés valeurs primitives </a:t>
+              <a:t>Nécessité d’avoir un type « primitif » :</a:t>
             </a:r>
           </a:p>
           <a:p>
             <a:pPr lvl="1"/>
             <a:r>
               <a:rPr lang="fr-FR" dirty="0" smtClean="0"/>
-              <a:t>String </a:t>
+              <a:t>Nombre, </a:t>
+            </a:r>
+            <a:r>
+              <a:rPr lang="fr-FR" dirty="0" err="1" smtClean="0"/>
+              <a:t>booleen</a:t>
+            </a:r>
+            <a:r>
+              <a:rPr lang="fr-FR" dirty="0" smtClean="0"/>
+              <a:t>, chaine</a:t>
             </a:r>
           </a:p>
           <a:p>
             <a:pPr lvl="1"/>
             <a:r>
               <a:rPr lang="fr-FR" dirty="0" smtClean="0"/>
-              <a:t>Booléens</a:t>
+              <a:t>Pas de possibilité d’avoir du binaire</a:t>
             </a:r>
           </a:p>
           <a:p>
             <a:pPr lvl="1"/>
-            <a:r>
-              <a:rPr lang="fr-FR" dirty="0" smtClean="0"/>
-              <a:t>Entiers </a:t>
-            </a:r>
-            <a:endParaRPr lang="fr-FR" dirty="0"/>
+            <a:endParaRPr lang="fr-FR" dirty="0"/>
+          </a:p>
+          <a:p>
+            <a:r>
+              <a:rPr lang="fr-FR" dirty="0" smtClean="0"/>
+              <a:t>Possibilité de convertir le binaire en chaine base64</a:t>
+            </a:r>
           </a:p>
         </p:txBody>
       </p:sp>
     </p:spTree>
     <p:extLst>
       <p:ext uri="{BB962C8B-B14F-4D97-AF65-F5344CB8AC3E}">
-        <p14:creationId xmlns:p14="http://schemas.microsoft.com/office/powerpoint/2010/main" val="2308497746"/>
+        <p14:creationId xmlns:p14="http://schemas.microsoft.com/office/powerpoint/2010/main" val="3285981753"/>
       </p:ext>
     </p:extLst>
   </p:cSld>
@@ -8165,75 +8323,38 @@
           <a:bodyPr/>
           <a:lstStyle/>
           <a:p>
-            <a:r>
-              <a:rPr lang="fr-FR" dirty="0" smtClean="0"/>
-              <a:t>Paramétrage </a:t>
-            </a:r>
-            <a:r>
-              <a:rPr lang="fr-FR" dirty="0" err="1" smtClean="0"/>
-              <a:t>Android</a:t>
-            </a:r>
-            <a:endParaRPr lang="fr-FR" dirty="0"/>
-          </a:p>
-        </p:txBody>
-      </p:sp>
-      <p:sp>
-        <p:nvSpPr>
-          <p:cNvPr id="3" name="Espace réservé du contenu 2"/>
-          <p:cNvSpPr>
-            <a:spLocks noGrp="1"/>
-          </p:cNvSpPr>
-          <p:nvPr>
-            <p:ph idx="1"/>
-          </p:nvPr>
-        </p:nvSpPr>
-        <p:spPr/>
-        <p:txBody>
-          <a:bodyPr/>
-          <a:lstStyle/>
-          <a:p>
-            <a:r>
-              <a:rPr lang="fr-FR" dirty="0" smtClean="0"/>
-              <a:t>Utilisation des </a:t>
-            </a:r>
-            <a:r>
-              <a:rPr lang="fr-FR" dirty="0" err="1" smtClean="0"/>
-              <a:t>SharedPreference</a:t>
-            </a:r>
-            <a:r>
-              <a:rPr lang="fr-FR" dirty="0" smtClean="0"/>
-              <a:t> pour les paramètres.</a:t>
-            </a:r>
-          </a:p>
-          <a:p>
-            <a:endParaRPr lang="fr-FR" dirty="0"/>
-          </a:p>
-          <a:p>
-            <a:r>
-              <a:rPr lang="fr-FR" dirty="0" smtClean="0"/>
-              <a:t>Initialisé avec un fichier XML.</a:t>
-            </a:r>
-          </a:p>
-          <a:p>
-            <a:endParaRPr lang="fr-FR" dirty="0"/>
-          </a:p>
-          <a:p>
-            <a:r>
-              <a:rPr lang="fr-FR" dirty="0" smtClean="0"/>
-              <a:t>On veut </a:t>
-            </a:r>
-            <a:r>
-              <a:rPr lang="fr-FR" smtClean="0"/>
-              <a:t>pouvoir l’éditer</a:t>
-            </a:r>
-            <a:endParaRPr lang="fr-FR" dirty="0"/>
+            <a:pPr algn="ctr"/>
+            <a:r>
+              <a:rPr lang="fr-FR" dirty="0" smtClean="0"/>
+              <a:t>DEMO</a:t>
+            </a:r>
+            <a:endParaRPr lang="fr-FR" dirty="0"/>
+          </a:p>
+        </p:txBody>
+      </p:sp>
+      <p:sp>
+        <p:nvSpPr>
+          <p:cNvPr id="3" name="Espace réservé du texte 2"/>
+          <p:cNvSpPr>
+            <a:spLocks noGrp="1"/>
+          </p:cNvSpPr>
+          <p:nvPr>
+            <p:ph type="body" idx="1"/>
+          </p:nvPr>
+        </p:nvSpPr>
+        <p:spPr/>
+        <p:txBody>
+          <a:bodyPr/>
+          <a:lstStyle/>
+          <a:p>
+            <a:endParaRPr lang="fr-FR"/>
           </a:p>
         </p:txBody>
       </p:sp>
     </p:spTree>
     <p:extLst>
       <p:ext uri="{BB962C8B-B14F-4D97-AF65-F5344CB8AC3E}">
-        <p14:creationId xmlns:p14="http://schemas.microsoft.com/office/powerpoint/2010/main" val="1119909997"/>
+        <p14:creationId xmlns:p14="http://schemas.microsoft.com/office/powerpoint/2010/main" val="3639038931"/>
       </p:ext>
     </p:extLst>
   </p:cSld>
@@ -8272,16 +8393,14 @@
         </p:nvSpPr>
         <p:spPr/>
         <p:txBody>
-          <a:bodyPr/>
-          <a:lstStyle/>
-          <a:p>
-            <a:r>
-              <a:rPr lang="fr-FR" dirty="0" err="1" smtClean="0"/>
-              <a:t>Conlusion</a:t>
-            </a:r>
-            <a:r>
-              <a:rPr lang="fr-FR" dirty="0" smtClean="0"/>
-              <a:t> : La panacée ?</a:t>
+          <a:bodyPr>
+            <a:normAutofit/>
+          </a:bodyPr>
+          <a:lstStyle/>
+          <a:p>
+            <a:r>
+              <a:rPr lang="fr-FR" dirty="0" smtClean="0"/>
+              <a:t>Paramétrage</a:t>
             </a:r>
             <a:endParaRPr lang="fr-FR" dirty="0"/>
           </a:p>
@@ -8299,16 +8418,18 @@
         </p:nvSpPr>
         <p:spPr/>
         <p:txBody>
-          <a:bodyPr/>
-          <a:lstStyle/>
-          <a:p>
-            <a:r>
-              <a:rPr lang="fr-FR" dirty="0" smtClean="0"/>
-              <a:t>On tape correctement notre </a:t>
-            </a:r>
-            <a:r>
-              <a:rPr lang="fr-FR" dirty="0" err="1" smtClean="0"/>
-              <a:t>webservice</a:t>
+          <a:bodyPr>
+            <a:normAutofit fontScale="92500" lnSpcReduction="10000"/>
+          </a:bodyPr>
+          <a:lstStyle/>
+          <a:p>
+            <a:r>
+              <a:rPr lang="fr-FR" dirty="0" smtClean="0"/>
+              <a:t>Pas facile de mettre à jour des applications sur les </a:t>
+            </a:r>
+            <a:r>
+              <a:rPr lang="fr-FR" dirty="0" err="1" smtClean="0"/>
+              <a:t>devices</a:t>
             </a:r>
             <a:endParaRPr lang="fr-FR" dirty="0" smtClean="0"/>
           </a:p>
@@ -8318,33 +8439,50 @@
           <a:p>
             <a:r>
               <a:rPr lang="fr-FR" dirty="0" smtClean="0"/>
-              <a:t>On a notre </a:t>
-            </a:r>
-            <a:r>
-              <a:rPr lang="fr-FR" dirty="0" err="1" smtClean="0"/>
-              <a:t>storage</a:t>
-            </a:r>
-            <a:r>
-              <a:rPr lang="fr-FR" dirty="0" smtClean="0"/>
-              <a:t> local relativement simple</a:t>
-            </a:r>
-          </a:p>
-          <a:p>
-            <a:endParaRPr lang="fr-FR" dirty="0"/>
-          </a:p>
-          <a:p>
-            <a:r>
-              <a:rPr lang="fr-FR" dirty="0" smtClean="0"/>
-              <a:t>On a une application télé-paramétrable </a:t>
-            </a:r>
-          </a:p>
-          <a:p>
-            <a:endParaRPr lang="fr-FR" dirty="0"/>
-          </a:p>
-          <a:p>
-            <a:r>
-              <a:rPr lang="fr-FR" dirty="0" smtClean="0"/>
-              <a:t>MAIS : on n’a pas fait d’édition locale.</a:t>
+              <a:t>Nécessiter de limiter au maximum les mises à jour.</a:t>
+            </a:r>
+          </a:p>
+          <a:p>
+            <a:endParaRPr lang="fr-FR" dirty="0"/>
+          </a:p>
+          <a:p>
+            <a:r>
+              <a:rPr lang="fr-FR" dirty="0" smtClean="0"/>
+              <a:t>Pratique du </a:t>
+            </a:r>
+            <a:r>
+              <a:rPr lang="fr-FR" dirty="0" err="1" smtClean="0"/>
+              <a:t>feature</a:t>
+            </a:r>
+            <a:r>
+              <a:rPr lang="fr-FR" dirty="0" smtClean="0"/>
+              <a:t> </a:t>
+            </a:r>
+            <a:r>
+              <a:rPr lang="fr-FR" dirty="0" err="1" smtClean="0"/>
+              <a:t>flipping</a:t>
+            </a:r>
+            <a:r>
+              <a:rPr lang="fr-FR" dirty="0" smtClean="0"/>
+              <a:t> : </a:t>
+            </a:r>
+          </a:p>
+          <a:p>
+            <a:pPr lvl="1"/>
+            <a:r>
+              <a:rPr lang="fr-FR" dirty="0" smtClean="0"/>
+              <a:t>Les fonctionnalités sont présentes</a:t>
+            </a:r>
+          </a:p>
+          <a:p>
+            <a:pPr lvl="1"/>
+            <a:r>
+              <a:rPr lang="fr-FR" dirty="0" smtClean="0"/>
+              <a:t>Elles sont activables ou </a:t>
+            </a:r>
+            <a:r>
+              <a:rPr lang="fr-FR" dirty="0" err="1" smtClean="0"/>
+              <a:t>désactivables</a:t>
             </a:r>
             <a:endParaRPr lang="fr-FR" dirty="0"/>
           </a:p>
@@ -8353,7 +8491,7 @@
     </p:spTree>
     <p:extLst>
       <p:ext uri="{BB962C8B-B14F-4D97-AF65-F5344CB8AC3E}">
-        <p14:creationId xmlns:p14="http://schemas.microsoft.com/office/powerpoint/2010/main" val="3950536386"/>
+        <p14:creationId xmlns:p14="http://schemas.microsoft.com/office/powerpoint/2010/main" val="1822745561"/>
       </p:ext>
     </p:extLst>
   </p:cSld>
@@ -8397,7 +8535,7 @@
           <a:p>
             <a:r>
               <a:rPr lang="fr-FR" dirty="0" smtClean="0"/>
-              <a:t>Conclusion Bis</a:t>
+              <a:t>Télé Paramétrage</a:t>
             </a:r>
             <a:endParaRPr lang="fr-FR" dirty="0"/>
           </a:p>
@@ -8420,33 +8558,46 @@
           <a:p>
             <a:r>
               <a:rPr lang="fr-FR" dirty="0" smtClean="0"/>
-              <a:t>Mécanique applicable à n’importe quel outil/librairie</a:t>
-            </a:r>
-          </a:p>
-          <a:p>
-            <a:endParaRPr lang="fr-FR" dirty="0" smtClean="0"/>
-          </a:p>
-          <a:p>
-            <a:r>
-              <a:rPr lang="fr-FR" dirty="0" smtClean="0"/>
-              <a:t>Faire l’inventaire des avantages et inconvénients</a:t>
-            </a:r>
-            <a:endParaRPr lang="fr-FR" dirty="0"/>
-          </a:p>
-          <a:p>
-            <a:endParaRPr lang="fr-FR" dirty="0"/>
-          </a:p>
-          <a:p>
-            <a:r>
-              <a:rPr lang="fr-FR" dirty="0" smtClean="0"/>
-              <a:t>Exemple : </a:t>
+              <a:t>Serveur à interroger</a:t>
+            </a:r>
+          </a:p>
+          <a:p>
+            <a:endParaRPr lang="fr-FR" dirty="0"/>
+          </a:p>
+          <a:p>
+            <a:r>
+              <a:rPr lang="fr-FR" dirty="0" smtClean="0"/>
+              <a:t>Contient les informations de paramétrage</a:t>
+            </a:r>
+          </a:p>
+          <a:p>
+            <a:endParaRPr lang="fr-FR" dirty="0"/>
+          </a:p>
+          <a:p>
+            <a:r>
+              <a:rPr lang="fr-FR" dirty="0" smtClean="0"/>
+              <a:t>Ensemble de clés valeurs primitives </a:t>
             </a:r>
           </a:p>
           <a:p>
             <a:pPr lvl="1"/>
             <a:r>
               <a:rPr lang="fr-FR" dirty="0" smtClean="0"/>
-              <a:t>Bus de communication via chat IRC.</a:t>
+              <a:t>String </a:t>
+            </a:r>
+          </a:p>
+          <a:p>
+            <a:pPr lvl="1"/>
+            <a:r>
+              <a:rPr lang="fr-FR" dirty="0" smtClean="0"/>
+              <a:t>Booléens</a:t>
+            </a:r>
+          </a:p>
+          <a:p>
+            <a:pPr lvl="1"/>
+            <a:r>
+              <a:rPr lang="fr-FR" dirty="0" smtClean="0"/>
+              <a:t>Entiers </a:t>
             </a:r>
             <a:endParaRPr lang="fr-FR" dirty="0"/>
           </a:p>
@@ -8455,7 +8606,157 @@
     </p:spTree>
     <p:extLst>
       <p:ext uri="{BB962C8B-B14F-4D97-AF65-F5344CB8AC3E}">
-        <p14:creationId xmlns:p14="http://schemas.microsoft.com/office/powerpoint/2010/main" val="1318296312"/>
+        <p14:creationId xmlns:p14="http://schemas.microsoft.com/office/powerpoint/2010/main" val="2308497746"/>
+      </p:ext>
+    </p:extLst>
+  </p:cSld>
+  <p:clrMapOvr>
+    <a:masterClrMapping/>
+  </p:clrMapOvr>
+</p:sld>
+</file>
+
+<file path=ppt/slides/slide39.xml><?xml version="1.0" encoding="utf-8"?>
+<p:sld xmlns:a="http://schemas.openxmlformats.org/drawingml/2006/main" xmlns:r="http://schemas.openxmlformats.org/officeDocument/2006/relationships" xmlns:p="http://schemas.openxmlformats.org/presentationml/2006/main">
+  <p:cSld>
+    <p:spTree>
+      <p:nvGrpSpPr>
+        <p:cNvPr id="1" name=""/>
+        <p:cNvGrpSpPr/>
+        <p:nvPr/>
+      </p:nvGrpSpPr>
+      <p:grpSpPr>
+        <a:xfrm>
+          <a:off x="0" y="0"/>
+          <a:ext cx="0" cy="0"/>
+          <a:chOff x="0" y="0"/>
+          <a:chExt cx="0" cy="0"/>
+        </a:xfrm>
+      </p:grpSpPr>
+      <p:sp>
+        <p:nvSpPr>
+          <p:cNvPr id="2" name="Titre 1"/>
+          <p:cNvSpPr>
+            <a:spLocks noGrp="1"/>
+          </p:cNvSpPr>
+          <p:nvPr>
+            <p:ph type="title"/>
+          </p:nvPr>
+        </p:nvSpPr>
+        <p:spPr/>
+        <p:txBody>
+          <a:bodyPr/>
+          <a:lstStyle/>
+          <a:p>
+            <a:r>
+              <a:rPr lang="fr-FR" dirty="0" smtClean="0"/>
+              <a:t>Paramétrage </a:t>
+            </a:r>
+            <a:r>
+              <a:rPr lang="fr-FR" dirty="0" err="1" smtClean="0"/>
+              <a:t>Android</a:t>
+            </a:r>
+            <a:endParaRPr lang="fr-FR" dirty="0"/>
+          </a:p>
+        </p:txBody>
+      </p:sp>
+      <p:sp>
+        <p:nvSpPr>
+          <p:cNvPr id="3" name="Espace réservé du contenu 2"/>
+          <p:cNvSpPr>
+            <a:spLocks noGrp="1"/>
+          </p:cNvSpPr>
+          <p:nvPr>
+            <p:ph idx="1"/>
+          </p:nvPr>
+        </p:nvSpPr>
+        <p:spPr/>
+        <p:txBody>
+          <a:bodyPr>
+            <a:normAutofit fontScale="85000" lnSpcReduction="10000"/>
+          </a:bodyPr>
+          <a:lstStyle/>
+          <a:p>
+            <a:r>
+              <a:rPr lang="fr-FR" dirty="0" smtClean="0"/>
+              <a:t>Utilisation des </a:t>
+            </a:r>
+            <a:r>
+              <a:rPr lang="fr-FR" dirty="0" err="1" smtClean="0"/>
+              <a:t>SharedPreference</a:t>
+            </a:r>
+            <a:r>
+              <a:rPr lang="fr-FR" dirty="0" smtClean="0"/>
+              <a:t> pour les paramètres</a:t>
+            </a:r>
+            <a:r>
+              <a:rPr lang="fr-FR" dirty="0" smtClean="0"/>
+              <a:t>.</a:t>
+            </a:r>
+          </a:p>
+          <a:p>
+            <a:endParaRPr lang="fr-FR" dirty="0"/>
+          </a:p>
+          <a:p>
+            <a:r>
+              <a:rPr lang="fr-FR" dirty="0" smtClean="0"/>
+              <a:t>Un </a:t>
+            </a:r>
+            <a:r>
+              <a:rPr lang="fr-FR" dirty="0" err="1" smtClean="0"/>
+              <a:t>sharedPreference</a:t>
+            </a:r>
+            <a:r>
+              <a:rPr lang="fr-FR" dirty="0" smtClean="0"/>
+              <a:t> en particulier : le default.</a:t>
+            </a:r>
+            <a:endParaRPr lang="fr-FR" dirty="0" smtClean="0"/>
+          </a:p>
+          <a:p>
+            <a:endParaRPr lang="fr-FR" dirty="0"/>
+          </a:p>
+          <a:p>
+            <a:r>
+              <a:rPr lang="fr-FR" dirty="0" err="1" smtClean="0"/>
+              <a:t>Android</a:t>
+            </a:r>
+            <a:r>
+              <a:rPr lang="fr-FR" dirty="0" smtClean="0"/>
+              <a:t> fournit des </a:t>
+            </a:r>
+            <a:r>
+              <a:rPr lang="fr-FR" dirty="0" err="1" smtClean="0"/>
+              <a:t>templates</a:t>
+            </a:r>
+            <a:r>
+              <a:rPr lang="fr-FR" dirty="0" smtClean="0"/>
+              <a:t> d’écran Settings pour simplifier la création.</a:t>
+            </a:r>
+          </a:p>
+          <a:p>
+            <a:pPr lvl="1"/>
+            <a:r>
+              <a:rPr lang="fr-FR" dirty="0" smtClean="0"/>
+              <a:t>Modifiable par l’utilisateur.</a:t>
+            </a:r>
+            <a:endParaRPr lang="fr-FR" dirty="0"/>
+          </a:p>
+          <a:p>
+            <a:endParaRPr lang="fr-FR" dirty="0" smtClean="0"/>
+          </a:p>
+          <a:p>
+            <a:r>
+              <a:rPr lang="fr-FR" dirty="0" smtClean="0"/>
+              <a:t>On veut modifier des paramètres non visibles par l’utilisateur.</a:t>
+            </a:r>
+            <a:endParaRPr lang="fr-FR" dirty="0" smtClean="0"/>
+          </a:p>
+        </p:txBody>
+      </p:sp>
+    </p:spTree>
+    <p:extLst>
+      <p:ext uri="{BB962C8B-B14F-4D97-AF65-F5344CB8AC3E}">
+        <p14:creationId xmlns:p14="http://schemas.microsoft.com/office/powerpoint/2010/main" val="1119909997"/>
       </p:ext>
     </p:extLst>
   </p:cSld>
@@ -8499,7 +8800,7 @@
           <a:p>
             <a:r>
               <a:rPr lang="fr-FR" dirty="0" smtClean="0"/>
-              <a:t>A Propos 2</a:t>
+              <a:t>Présentation suite</a:t>
             </a:r>
             <a:endParaRPr lang="fr-FR" dirty="0"/>
           </a:p>
@@ -8520,14 +8821,1424 @@
           <a:bodyPr/>
           <a:lstStyle/>
           <a:p>
-            <a:endParaRPr lang="fr-FR"/>
-          </a:p>
-        </p:txBody>
-      </p:sp>
+            <a:r>
+              <a:rPr lang="fr-FR" dirty="0" smtClean="0"/>
+              <a:t>Un problème :</a:t>
+            </a:r>
+          </a:p>
+          <a:p>
+            <a:endParaRPr lang="fr-FR" dirty="0"/>
+          </a:p>
+          <a:p>
+            <a:r>
+              <a:rPr lang="fr-FR" dirty="0" smtClean="0"/>
+              <a:t>Pas de temps. </a:t>
+            </a:r>
+          </a:p>
+          <a:p>
+            <a:endParaRPr lang="fr-FR" dirty="0"/>
+          </a:p>
+        </p:txBody>
+      </p:sp>
+      <p:pic>
+        <p:nvPicPr>
+          <p:cNvPr id="4" name="Image 3" descr="635793245144334758-Wentworth-Miller-Prison-Break.jpg"/>
+          <p:cNvPicPr>
+            <a:picLocks noChangeAspect="1"/>
+          </p:cNvPicPr>
+          <p:nvPr/>
+        </p:nvPicPr>
+        <p:blipFill>
+          <a:blip r:embed="rId2">
+            <a:extLst>
+              <a:ext uri="{28A0092B-C50C-407E-A947-70E740481C1C}">
+                <a14:useLocalDpi xmlns:a14="http://schemas.microsoft.com/office/drawing/2010/main" val="0"/>
+              </a:ext>
+            </a:extLst>
+          </a:blip>
+          <a:stretch>
+            <a:fillRect/>
+          </a:stretch>
+        </p:blipFill>
+        <p:spPr>
+          <a:xfrm>
+            <a:off x="4705683" y="1417638"/>
+            <a:ext cx="3307865" cy="4410486"/>
+          </a:xfrm>
+          <a:prstGeom prst="rect">
+            <a:avLst/>
+          </a:prstGeom>
+        </p:spPr>
+      </p:pic>
     </p:spTree>
     <p:extLst>
       <p:ext uri="{BB962C8B-B14F-4D97-AF65-F5344CB8AC3E}">
-        <p14:creationId xmlns:p14="http://schemas.microsoft.com/office/powerpoint/2010/main" val="1668236661"/>
+        <p14:creationId xmlns:p14="http://schemas.microsoft.com/office/powerpoint/2010/main" val="2018432543"/>
+      </p:ext>
+    </p:extLst>
+  </p:cSld>
+  <p:clrMapOvr>
+    <a:masterClrMapping/>
+  </p:clrMapOvr>
+</p:sld>
+</file>
+
+<file path=ppt/slides/slide40.xml><?xml version="1.0" encoding="utf-8"?>
+<p:sld xmlns:a="http://schemas.openxmlformats.org/drawingml/2006/main" xmlns:r="http://schemas.openxmlformats.org/officeDocument/2006/relationships" xmlns:p="http://schemas.openxmlformats.org/presentationml/2006/main">
+  <p:cSld>
+    <p:spTree>
+      <p:nvGrpSpPr>
+        <p:cNvPr id="1" name=""/>
+        <p:cNvGrpSpPr/>
+        <p:nvPr/>
+      </p:nvGrpSpPr>
+      <p:grpSpPr>
+        <a:xfrm>
+          <a:off x="0" y="0"/>
+          <a:ext cx="0" cy="0"/>
+          <a:chOff x="0" y="0"/>
+          <a:chExt cx="0" cy="0"/>
+        </a:xfrm>
+      </p:grpSpPr>
+      <p:sp>
+        <p:nvSpPr>
+          <p:cNvPr id="2" name="Titre 1"/>
+          <p:cNvSpPr>
+            <a:spLocks noGrp="1"/>
+          </p:cNvSpPr>
+          <p:nvPr>
+            <p:ph type="title"/>
+          </p:nvPr>
+        </p:nvSpPr>
+        <p:spPr/>
+        <p:txBody>
+          <a:bodyPr/>
+          <a:lstStyle/>
+          <a:p>
+            <a:r>
+              <a:rPr lang="fr-FR" dirty="0" smtClean="0"/>
+              <a:t>Dans le cas présent il faut :</a:t>
+            </a:r>
+            <a:endParaRPr lang="fr-FR" dirty="0"/>
+          </a:p>
+        </p:txBody>
+      </p:sp>
+      <p:sp>
+        <p:nvSpPr>
+          <p:cNvPr id="3" name="Espace réservé du contenu 2"/>
+          <p:cNvSpPr>
+            <a:spLocks noGrp="1"/>
+          </p:cNvSpPr>
+          <p:nvPr>
+            <p:ph idx="1"/>
+          </p:nvPr>
+        </p:nvSpPr>
+        <p:spPr/>
+        <p:txBody>
+          <a:bodyPr>
+            <a:normAutofit fontScale="92500" lnSpcReduction="20000"/>
+          </a:bodyPr>
+          <a:lstStyle/>
+          <a:p>
+            <a:r>
+              <a:rPr lang="fr-FR" dirty="0" smtClean="0"/>
+              <a:t>Créer un serveur REST -&gt; Pas trop le choix</a:t>
+            </a:r>
+          </a:p>
+          <a:p>
+            <a:endParaRPr lang="fr-FR" dirty="0"/>
+          </a:p>
+          <a:p>
+            <a:r>
+              <a:rPr lang="fr-FR" dirty="0" smtClean="0"/>
+              <a:t>On peut réutiliser </a:t>
+            </a:r>
+            <a:r>
+              <a:rPr lang="fr-FR" dirty="0" err="1" smtClean="0"/>
+              <a:t>Retrofit</a:t>
+            </a:r>
+            <a:r>
+              <a:rPr lang="fr-FR" dirty="0" smtClean="0"/>
+              <a:t> + </a:t>
+            </a:r>
+            <a:r>
+              <a:rPr lang="fr-FR" dirty="0" err="1" smtClean="0"/>
+              <a:t>AnyProto</a:t>
+            </a:r>
+            <a:endParaRPr lang="fr-FR" dirty="0" smtClean="0"/>
+          </a:p>
+          <a:p>
+            <a:endParaRPr lang="fr-FR" dirty="0"/>
+          </a:p>
+          <a:p>
+            <a:r>
+              <a:rPr lang="fr-FR" dirty="0" smtClean="0"/>
+              <a:t>Il nous manque un lien entre </a:t>
+            </a:r>
+            <a:r>
+              <a:rPr lang="fr-FR" dirty="0" err="1" smtClean="0"/>
+              <a:t>protobuf</a:t>
+            </a:r>
+            <a:r>
+              <a:rPr lang="fr-FR" dirty="0" smtClean="0"/>
+              <a:t> et </a:t>
+            </a:r>
+            <a:r>
+              <a:rPr lang="fr-FR" dirty="0" err="1" smtClean="0"/>
+              <a:t>SharedPreference</a:t>
+            </a:r>
+            <a:r>
+              <a:rPr lang="fr-FR" dirty="0"/>
+              <a:t> </a:t>
+            </a:r>
+            <a:r>
+              <a:rPr lang="fr-FR" dirty="0" smtClean="0"/>
+              <a:t>pour gérer : </a:t>
+            </a:r>
+          </a:p>
+          <a:p>
+            <a:pPr lvl="1"/>
+            <a:r>
+              <a:rPr lang="fr-FR" dirty="0" smtClean="0"/>
+              <a:t>Int</a:t>
+            </a:r>
+          </a:p>
+          <a:p>
+            <a:pPr lvl="1"/>
+            <a:r>
+              <a:rPr lang="fr-FR" dirty="0" smtClean="0"/>
+              <a:t>Long</a:t>
+            </a:r>
+          </a:p>
+          <a:p>
+            <a:pPr lvl="1"/>
+            <a:r>
+              <a:rPr lang="fr-FR" dirty="0" err="1" smtClean="0"/>
+              <a:t>Bool</a:t>
+            </a:r>
+            <a:endParaRPr lang="fr-FR" dirty="0" smtClean="0"/>
+          </a:p>
+          <a:p>
+            <a:pPr lvl="1"/>
+            <a:r>
+              <a:rPr lang="fr-FR" dirty="0" smtClean="0"/>
+              <a:t>String</a:t>
+            </a:r>
+          </a:p>
+        </p:txBody>
+      </p:sp>
+    </p:spTree>
+    <p:extLst>
+      <p:ext uri="{BB962C8B-B14F-4D97-AF65-F5344CB8AC3E}">
+        <p14:creationId xmlns:p14="http://schemas.microsoft.com/office/powerpoint/2010/main" val="238234883"/>
+      </p:ext>
+    </p:extLst>
+  </p:cSld>
+  <p:clrMapOvr>
+    <a:masterClrMapping/>
+  </p:clrMapOvr>
+</p:sld>
+</file>
+
+<file path=ppt/slides/slide41.xml><?xml version="1.0" encoding="utf-8"?>
+<p:sld xmlns:a="http://schemas.openxmlformats.org/drawingml/2006/main" xmlns:r="http://schemas.openxmlformats.org/officeDocument/2006/relationships" xmlns:p="http://schemas.openxmlformats.org/presentationml/2006/main">
+  <p:cSld>
+    <p:spTree>
+      <p:nvGrpSpPr>
+        <p:cNvPr id="1" name=""/>
+        <p:cNvGrpSpPr/>
+        <p:nvPr/>
+      </p:nvGrpSpPr>
+      <p:grpSpPr>
+        <a:xfrm>
+          <a:off x="0" y="0"/>
+          <a:ext cx="0" cy="0"/>
+          <a:chOff x="0" y="0"/>
+          <a:chExt cx="0" cy="0"/>
+        </a:xfrm>
+      </p:grpSpPr>
+      <p:sp>
+        <p:nvSpPr>
+          <p:cNvPr id="2" name="Titre 1"/>
+          <p:cNvSpPr>
+            <a:spLocks noGrp="1"/>
+          </p:cNvSpPr>
+          <p:nvPr>
+            <p:ph type="title"/>
+          </p:nvPr>
+        </p:nvSpPr>
+        <p:spPr/>
+        <p:txBody>
+          <a:bodyPr/>
+          <a:lstStyle/>
+          <a:p>
+            <a:r>
+              <a:rPr lang="fr-FR" dirty="0" smtClean="0"/>
+              <a:t>Modèle </a:t>
+            </a:r>
+            <a:r>
+              <a:rPr lang="fr-FR" dirty="0" err="1" smtClean="0"/>
+              <a:t>protobuf</a:t>
+            </a:r>
+            <a:r>
+              <a:rPr lang="fr-FR" dirty="0" smtClean="0"/>
+              <a:t> 1</a:t>
+            </a:r>
+            <a:endParaRPr lang="fr-FR" dirty="0"/>
+          </a:p>
+        </p:txBody>
+      </p:sp>
+      <p:sp>
+        <p:nvSpPr>
+          <p:cNvPr id="3" name="Espace réservé du contenu 2"/>
+          <p:cNvSpPr>
+            <a:spLocks noGrp="1"/>
+          </p:cNvSpPr>
+          <p:nvPr>
+            <p:ph idx="1"/>
+          </p:nvPr>
+        </p:nvSpPr>
+        <p:spPr/>
+        <p:txBody>
+          <a:bodyPr/>
+          <a:lstStyle/>
+          <a:p>
+            <a:r>
+              <a:rPr lang="fr-FR" dirty="0" smtClean="0"/>
+              <a:t>Solution générique clé/valeur :</a:t>
+            </a:r>
+          </a:p>
+          <a:p>
+            <a:pPr marL="0" indent="0">
+              <a:buNone/>
+            </a:pPr>
+            <a:r>
+              <a:rPr lang="fr-FR" b="1" dirty="0">
+                <a:solidFill>
+                  <a:srgbClr val="000080"/>
+                </a:solidFill>
+              </a:rPr>
+              <a:t>message </a:t>
+            </a:r>
+            <a:r>
+              <a:rPr lang="fr-FR" dirty="0" err="1"/>
+              <a:t>GenericPreference</a:t>
+            </a:r>
+            <a:r>
+              <a:rPr lang="fr-FR" dirty="0"/>
+              <a:t> {</a:t>
+            </a:r>
+            <a:br>
+              <a:rPr lang="fr-FR" dirty="0"/>
+            </a:br>
+            <a:r>
+              <a:rPr lang="fr-FR" dirty="0"/>
+              <a:t>   </a:t>
+            </a:r>
+            <a:r>
+              <a:rPr lang="fr-FR" b="1" dirty="0" err="1">
+                <a:solidFill>
+                  <a:srgbClr val="000080"/>
+                </a:solidFill>
+              </a:rPr>
+              <a:t>required</a:t>
+            </a:r>
+            <a:r>
+              <a:rPr lang="fr-FR" b="1" dirty="0">
+                <a:solidFill>
+                  <a:srgbClr val="000080"/>
+                </a:solidFill>
+              </a:rPr>
+              <a:t> string </a:t>
+            </a:r>
+            <a:r>
+              <a:rPr lang="fr-FR" dirty="0" err="1"/>
+              <a:t>name</a:t>
+            </a:r>
+            <a:r>
+              <a:rPr lang="fr-FR" dirty="0"/>
+              <a:t> = </a:t>
+            </a:r>
+            <a:r>
+              <a:rPr lang="fr-FR" dirty="0">
+                <a:solidFill>
+                  <a:srgbClr val="0000FF"/>
+                </a:solidFill>
+              </a:rPr>
+              <a:t>1</a:t>
+            </a:r>
+            <a:r>
+              <a:rPr lang="fr-FR" dirty="0"/>
+              <a:t>;</a:t>
+            </a:r>
+            <a:br>
+              <a:rPr lang="fr-FR" dirty="0"/>
+            </a:br>
+            <a:r>
+              <a:rPr lang="fr-FR" dirty="0"/>
+              <a:t>   </a:t>
+            </a:r>
+            <a:r>
+              <a:rPr lang="fr-FR" b="1" dirty="0" err="1">
+                <a:solidFill>
+                  <a:srgbClr val="000080"/>
+                </a:solidFill>
+              </a:rPr>
+              <a:t>required</a:t>
+            </a:r>
+            <a:r>
+              <a:rPr lang="fr-FR" b="1" dirty="0">
+                <a:solidFill>
+                  <a:srgbClr val="000080"/>
+                </a:solidFill>
+              </a:rPr>
+              <a:t> string </a:t>
+            </a:r>
+            <a:r>
+              <a:rPr lang="fr-FR" dirty="0"/>
+              <a:t>value = </a:t>
+            </a:r>
+            <a:r>
+              <a:rPr lang="fr-FR" dirty="0">
+                <a:solidFill>
+                  <a:srgbClr val="0000FF"/>
+                </a:solidFill>
+              </a:rPr>
+              <a:t>2</a:t>
+            </a:r>
+            <a:r>
+              <a:rPr lang="fr-FR" dirty="0"/>
+              <a:t>;</a:t>
+            </a:r>
+            <a:br>
+              <a:rPr lang="fr-FR" dirty="0"/>
+            </a:br>
+            <a:r>
+              <a:rPr lang="fr-FR" dirty="0"/>
+              <a:t>   </a:t>
+            </a:r>
+            <a:r>
+              <a:rPr lang="fr-FR" b="1" dirty="0" err="1">
+                <a:solidFill>
+                  <a:srgbClr val="000080"/>
+                </a:solidFill>
+              </a:rPr>
+              <a:t>optional</a:t>
+            </a:r>
+            <a:r>
+              <a:rPr lang="fr-FR" b="1" dirty="0">
+                <a:solidFill>
+                  <a:srgbClr val="000080"/>
+                </a:solidFill>
+              </a:rPr>
+              <a:t> </a:t>
+            </a:r>
+            <a:r>
+              <a:rPr lang="fr-FR" dirty="0"/>
+              <a:t>Type type = </a:t>
+            </a:r>
+            <a:r>
+              <a:rPr lang="fr-FR" dirty="0">
+                <a:solidFill>
+                  <a:srgbClr val="0000FF"/>
+                </a:solidFill>
+              </a:rPr>
+              <a:t>3 </a:t>
+            </a:r>
+            <a:r>
+              <a:rPr lang="fr-FR" dirty="0"/>
+              <a:t>[default = </a:t>
+            </a:r>
+            <a:r>
+              <a:rPr lang="fr-FR" b="1" dirty="0"/>
+              <a:t>STRING</a:t>
+            </a:r>
+            <a:r>
+              <a:rPr lang="fr-FR" dirty="0"/>
+              <a:t>];</a:t>
+            </a:r>
+            <a:br>
+              <a:rPr lang="fr-FR" dirty="0"/>
+            </a:br>
+            <a:r>
+              <a:rPr lang="fr-FR" dirty="0" smtClean="0"/>
+              <a:t>}</a:t>
+            </a:r>
+          </a:p>
+          <a:p>
+            <a:r>
+              <a:rPr lang="fr-FR" dirty="0" smtClean="0"/>
+              <a:t>Généricité de la prise en compte.</a:t>
+            </a:r>
+            <a:endParaRPr lang="fr-FR" dirty="0"/>
+          </a:p>
+          <a:p>
+            <a:r>
+              <a:rPr lang="fr-FR" dirty="0" smtClean="0"/>
+              <a:t>Type pour rajouter de la « type </a:t>
+            </a:r>
+            <a:r>
+              <a:rPr lang="fr-FR" dirty="0" err="1" smtClean="0"/>
+              <a:t>safety</a:t>
+            </a:r>
+            <a:r>
+              <a:rPr lang="fr-FR" dirty="0" smtClean="0"/>
+              <a:t> »</a:t>
+            </a:r>
+            <a:endParaRPr lang="fr-FR" dirty="0"/>
+          </a:p>
+        </p:txBody>
+      </p:sp>
+    </p:spTree>
+    <p:extLst>
+      <p:ext uri="{BB962C8B-B14F-4D97-AF65-F5344CB8AC3E}">
+        <p14:creationId xmlns:p14="http://schemas.microsoft.com/office/powerpoint/2010/main" val="860955777"/>
+      </p:ext>
+    </p:extLst>
+  </p:cSld>
+  <p:clrMapOvr>
+    <a:masterClrMapping/>
+  </p:clrMapOvr>
+</p:sld>
+</file>
+
+<file path=ppt/slides/slide42.xml><?xml version="1.0" encoding="utf-8"?>
+<p:sld xmlns:a="http://schemas.openxmlformats.org/drawingml/2006/main" xmlns:r="http://schemas.openxmlformats.org/officeDocument/2006/relationships" xmlns:p="http://schemas.openxmlformats.org/presentationml/2006/main">
+  <p:cSld>
+    <p:spTree>
+      <p:nvGrpSpPr>
+        <p:cNvPr id="1" name=""/>
+        <p:cNvGrpSpPr/>
+        <p:nvPr/>
+      </p:nvGrpSpPr>
+      <p:grpSpPr>
+        <a:xfrm>
+          <a:off x="0" y="0"/>
+          <a:ext cx="0" cy="0"/>
+          <a:chOff x="0" y="0"/>
+          <a:chExt cx="0" cy="0"/>
+        </a:xfrm>
+      </p:grpSpPr>
+      <p:sp>
+        <p:nvSpPr>
+          <p:cNvPr id="2" name="Titre 1"/>
+          <p:cNvSpPr>
+            <a:spLocks noGrp="1"/>
+          </p:cNvSpPr>
+          <p:nvPr>
+            <p:ph type="title"/>
+          </p:nvPr>
+        </p:nvSpPr>
+        <p:spPr/>
+        <p:txBody>
+          <a:bodyPr/>
+          <a:lstStyle/>
+          <a:p>
+            <a:r>
+              <a:rPr lang="fr-FR" dirty="0" smtClean="0"/>
+              <a:t>Modèle </a:t>
+            </a:r>
+            <a:r>
+              <a:rPr lang="fr-FR" dirty="0" err="1" smtClean="0"/>
+              <a:t>protobuf</a:t>
+            </a:r>
+            <a:r>
+              <a:rPr lang="fr-FR" dirty="0" smtClean="0"/>
+              <a:t> 2</a:t>
+            </a:r>
+            <a:endParaRPr lang="fr-FR" dirty="0"/>
+          </a:p>
+        </p:txBody>
+      </p:sp>
+      <p:sp>
+        <p:nvSpPr>
+          <p:cNvPr id="3" name="Espace réservé du contenu 2"/>
+          <p:cNvSpPr>
+            <a:spLocks noGrp="1"/>
+          </p:cNvSpPr>
+          <p:nvPr>
+            <p:ph idx="1"/>
+          </p:nvPr>
+        </p:nvSpPr>
+        <p:spPr/>
+        <p:txBody>
+          <a:bodyPr>
+            <a:normAutofit lnSpcReduction="10000"/>
+          </a:bodyPr>
+          <a:lstStyle/>
+          <a:p>
+            <a:r>
+              <a:rPr lang="fr-FR" dirty="0" smtClean="0"/>
+              <a:t>Modèle descripteur</a:t>
+            </a:r>
+          </a:p>
+          <a:p>
+            <a:pPr marL="0" indent="0">
+              <a:buNone/>
+            </a:pPr>
+            <a:r>
+              <a:rPr lang="fr-FR" b="1" dirty="0">
+                <a:solidFill>
+                  <a:srgbClr val="000080"/>
+                </a:solidFill>
+              </a:rPr>
+              <a:t>message </a:t>
+            </a:r>
+            <a:r>
+              <a:rPr lang="fr-FR" dirty="0" err="1"/>
+              <a:t>Preferences</a:t>
+            </a:r>
+            <a:r>
+              <a:rPr lang="fr-FR" dirty="0"/>
+              <a:t> {</a:t>
+            </a:r>
+            <a:br>
+              <a:rPr lang="fr-FR" dirty="0"/>
+            </a:br>
+            <a:r>
+              <a:rPr lang="fr-FR" dirty="0"/>
+              <a:t>   </a:t>
+            </a:r>
+            <a:r>
+              <a:rPr lang="fr-FR" b="1" dirty="0" err="1">
+                <a:solidFill>
+                  <a:srgbClr val="000080"/>
+                </a:solidFill>
+              </a:rPr>
+              <a:t>optional</a:t>
+            </a:r>
+            <a:r>
+              <a:rPr lang="fr-FR" b="1" dirty="0">
+                <a:solidFill>
+                  <a:srgbClr val="000080"/>
+                </a:solidFill>
+              </a:rPr>
+              <a:t> int64 </a:t>
+            </a:r>
+            <a:r>
+              <a:rPr lang="fr-FR" dirty="0" err="1"/>
+              <a:t>interval</a:t>
+            </a:r>
+            <a:r>
+              <a:rPr lang="fr-FR" dirty="0"/>
+              <a:t> = </a:t>
+            </a:r>
+            <a:r>
+              <a:rPr lang="fr-FR" dirty="0">
+                <a:solidFill>
+                  <a:srgbClr val="0000FF"/>
+                </a:solidFill>
+              </a:rPr>
+              <a:t>1</a:t>
+            </a:r>
+            <a:r>
+              <a:rPr lang="fr-FR" dirty="0"/>
+              <a:t>;</a:t>
+            </a:r>
+            <a:br>
+              <a:rPr lang="fr-FR" dirty="0"/>
+            </a:br>
+            <a:r>
+              <a:rPr lang="fr-FR" dirty="0"/>
+              <a:t>   </a:t>
+            </a:r>
+            <a:r>
+              <a:rPr lang="fr-FR" b="1" dirty="0" err="1">
+                <a:solidFill>
+                  <a:srgbClr val="000080"/>
+                </a:solidFill>
+              </a:rPr>
+              <a:t>optional</a:t>
+            </a:r>
+            <a:r>
+              <a:rPr lang="fr-FR" b="1" dirty="0">
+                <a:solidFill>
+                  <a:srgbClr val="000080"/>
+                </a:solidFill>
+              </a:rPr>
+              <a:t> string </a:t>
+            </a:r>
+            <a:r>
+              <a:rPr lang="fr-FR" dirty="0"/>
+              <a:t>user = </a:t>
+            </a:r>
+            <a:r>
+              <a:rPr lang="fr-FR" dirty="0">
+                <a:solidFill>
+                  <a:srgbClr val="0000FF"/>
+                </a:solidFill>
+              </a:rPr>
+              <a:t>2</a:t>
+            </a:r>
+            <a:r>
+              <a:rPr lang="fr-FR" dirty="0"/>
+              <a:t>;</a:t>
+            </a:r>
+            <a:br>
+              <a:rPr lang="fr-FR" dirty="0"/>
+            </a:br>
+            <a:r>
+              <a:rPr lang="fr-FR" dirty="0"/>
+              <a:t>   </a:t>
+            </a:r>
+            <a:r>
+              <a:rPr lang="fr-FR" b="1" dirty="0" err="1">
+                <a:solidFill>
+                  <a:srgbClr val="000080"/>
+                </a:solidFill>
+              </a:rPr>
+              <a:t>optional</a:t>
+            </a:r>
+            <a:r>
+              <a:rPr lang="fr-FR" b="1" dirty="0">
+                <a:solidFill>
+                  <a:srgbClr val="000080"/>
+                </a:solidFill>
+              </a:rPr>
+              <a:t> string </a:t>
+            </a:r>
+            <a:r>
+              <a:rPr lang="fr-FR" dirty="0"/>
+              <a:t>repo = </a:t>
+            </a:r>
+            <a:r>
+              <a:rPr lang="fr-FR" dirty="0">
+                <a:solidFill>
+                  <a:srgbClr val="0000FF"/>
+                </a:solidFill>
+              </a:rPr>
+              <a:t>3</a:t>
+            </a:r>
+            <a:r>
+              <a:rPr lang="fr-FR" dirty="0"/>
+              <a:t>;</a:t>
+            </a:r>
+            <a:br>
+              <a:rPr lang="fr-FR" dirty="0"/>
+            </a:br>
+            <a:r>
+              <a:rPr lang="fr-FR" dirty="0"/>
+              <a:t>   </a:t>
+            </a:r>
+            <a:r>
+              <a:rPr lang="fr-FR" b="1" dirty="0" err="1">
+                <a:solidFill>
+                  <a:srgbClr val="000080"/>
+                </a:solidFill>
+              </a:rPr>
+              <a:t>optional</a:t>
+            </a:r>
+            <a:r>
+              <a:rPr lang="fr-FR" b="1" dirty="0">
+                <a:solidFill>
+                  <a:srgbClr val="000080"/>
+                </a:solidFill>
+              </a:rPr>
+              <a:t> int32 </a:t>
+            </a:r>
+            <a:r>
+              <a:rPr lang="fr-FR" dirty="0" err="1"/>
+              <a:t>nb_issues</a:t>
+            </a:r>
+            <a:r>
+              <a:rPr lang="fr-FR" dirty="0"/>
+              <a:t> = </a:t>
+            </a:r>
+            <a:r>
+              <a:rPr lang="fr-FR" dirty="0">
+                <a:solidFill>
+                  <a:srgbClr val="0000FF"/>
+                </a:solidFill>
+              </a:rPr>
+              <a:t>4</a:t>
+            </a:r>
+            <a:r>
+              <a:rPr lang="fr-FR" dirty="0"/>
+              <a:t>;</a:t>
+            </a:r>
+            <a:br>
+              <a:rPr lang="fr-FR" dirty="0"/>
+            </a:br>
+            <a:r>
+              <a:rPr lang="fr-FR" dirty="0" smtClean="0"/>
+              <a:t>}</a:t>
+            </a:r>
+          </a:p>
+          <a:p>
+            <a:r>
+              <a:rPr lang="fr-FR" dirty="0" smtClean="0"/>
+              <a:t>Pas de généricité</a:t>
+            </a:r>
+          </a:p>
+          <a:p>
+            <a:r>
+              <a:rPr lang="fr-FR" dirty="0" smtClean="0"/>
+              <a:t>Vraie type </a:t>
+            </a:r>
+            <a:r>
+              <a:rPr lang="fr-FR" dirty="0" err="1" smtClean="0"/>
+              <a:t>safety</a:t>
+            </a:r>
+            <a:endParaRPr lang="fr-FR" dirty="0"/>
+          </a:p>
+        </p:txBody>
+      </p:sp>
+    </p:spTree>
+    <p:extLst>
+      <p:ext uri="{BB962C8B-B14F-4D97-AF65-F5344CB8AC3E}">
+        <p14:creationId xmlns:p14="http://schemas.microsoft.com/office/powerpoint/2010/main" val="2223453615"/>
+      </p:ext>
+    </p:extLst>
+  </p:cSld>
+  <p:clrMapOvr>
+    <a:masterClrMapping/>
+  </p:clrMapOvr>
+</p:sld>
+</file>
+
+<file path=ppt/slides/slide43.xml><?xml version="1.0" encoding="utf-8"?>
+<p:sld xmlns:a="http://schemas.openxmlformats.org/drawingml/2006/main" xmlns:r="http://schemas.openxmlformats.org/officeDocument/2006/relationships" xmlns:p="http://schemas.openxmlformats.org/presentationml/2006/main">
+  <p:cSld>
+    <p:spTree>
+      <p:nvGrpSpPr>
+        <p:cNvPr id="1" name=""/>
+        <p:cNvGrpSpPr/>
+        <p:nvPr/>
+      </p:nvGrpSpPr>
+      <p:grpSpPr>
+        <a:xfrm>
+          <a:off x="0" y="0"/>
+          <a:ext cx="0" cy="0"/>
+          <a:chOff x="0" y="0"/>
+          <a:chExt cx="0" cy="0"/>
+        </a:xfrm>
+      </p:grpSpPr>
+      <p:sp>
+        <p:nvSpPr>
+          <p:cNvPr id="2" name="Titre 1"/>
+          <p:cNvSpPr>
+            <a:spLocks noGrp="1"/>
+          </p:cNvSpPr>
+          <p:nvPr>
+            <p:ph type="title"/>
+          </p:nvPr>
+        </p:nvSpPr>
+        <p:spPr/>
+        <p:txBody>
+          <a:bodyPr/>
+          <a:lstStyle/>
+          <a:p>
+            <a:r>
+              <a:rPr lang="fr-FR" dirty="0" smtClean="0"/>
+              <a:t>Serveur</a:t>
+            </a:r>
+            <a:endParaRPr lang="fr-FR" dirty="0"/>
+          </a:p>
+        </p:txBody>
+      </p:sp>
+      <p:sp>
+        <p:nvSpPr>
+          <p:cNvPr id="3" name="Espace réservé du contenu 2"/>
+          <p:cNvSpPr>
+            <a:spLocks noGrp="1"/>
+          </p:cNvSpPr>
+          <p:nvPr>
+            <p:ph idx="1"/>
+          </p:nvPr>
+        </p:nvSpPr>
+        <p:spPr/>
+        <p:txBody>
+          <a:bodyPr/>
+          <a:lstStyle/>
+          <a:p>
+            <a:r>
+              <a:rPr lang="fr-FR" dirty="0" smtClean="0"/>
+              <a:t>Controller REST </a:t>
+            </a:r>
+            <a:r>
+              <a:rPr lang="fr-FR" dirty="0" err="1" smtClean="0"/>
+              <a:t>Spring</a:t>
+            </a:r>
+            <a:r>
+              <a:rPr lang="fr-FR" dirty="0" smtClean="0"/>
+              <a:t> boot</a:t>
+            </a:r>
+          </a:p>
+          <a:p>
+            <a:endParaRPr lang="fr-FR" dirty="0"/>
+          </a:p>
+          <a:p>
+            <a:r>
+              <a:rPr lang="fr-FR" dirty="0" err="1" smtClean="0"/>
+              <a:t>ProtobufHttpMessageConverter</a:t>
+            </a:r>
+            <a:r>
+              <a:rPr lang="fr-FR" dirty="0" smtClean="0"/>
+              <a:t> pour retourner un </a:t>
+            </a:r>
+            <a:r>
+              <a:rPr lang="fr-FR" dirty="0" err="1" smtClean="0"/>
+              <a:t>protobuf</a:t>
+            </a:r>
+            <a:r>
+              <a:rPr lang="fr-FR" dirty="0"/>
+              <a:t> </a:t>
+            </a:r>
+            <a:r>
+              <a:rPr lang="fr-FR" dirty="0" smtClean="0"/>
+              <a:t>ou autre.</a:t>
+            </a:r>
+          </a:p>
+          <a:p>
+            <a:pPr lvl="1"/>
+            <a:r>
+              <a:rPr lang="fr-FR" dirty="0" smtClean="0"/>
+              <a:t>Se base sur </a:t>
+            </a:r>
+            <a:r>
+              <a:rPr lang="fr-FR" dirty="0" err="1" smtClean="0"/>
+              <a:t>protobuf</a:t>
+            </a:r>
+            <a:r>
+              <a:rPr lang="fr-FR" dirty="0" smtClean="0"/>
+              <a:t>-java-format</a:t>
+            </a:r>
+          </a:p>
+          <a:p>
+            <a:pPr lvl="1"/>
+            <a:r>
+              <a:rPr lang="fr-FR" dirty="0" smtClean="0"/>
+              <a:t>Un autre convertisseur </a:t>
+            </a:r>
+            <a:r>
+              <a:rPr lang="fr-FR" dirty="0" err="1" smtClean="0"/>
+              <a:t>xml</a:t>
+            </a:r>
+            <a:r>
+              <a:rPr lang="fr-FR" dirty="0" smtClean="0"/>
+              <a:t>/</a:t>
+            </a:r>
+            <a:r>
+              <a:rPr lang="fr-FR" dirty="0" err="1" smtClean="0"/>
+              <a:t>json</a:t>
+            </a:r>
+            <a:r>
+              <a:rPr lang="fr-FR" dirty="0" smtClean="0"/>
+              <a:t>/</a:t>
+            </a:r>
+            <a:r>
+              <a:rPr lang="fr-FR" dirty="0" err="1" smtClean="0"/>
+              <a:t>protobuf</a:t>
+            </a:r>
+            <a:endParaRPr lang="fr-FR" dirty="0"/>
+          </a:p>
+        </p:txBody>
+      </p:sp>
+    </p:spTree>
+    <p:extLst>
+      <p:ext uri="{BB962C8B-B14F-4D97-AF65-F5344CB8AC3E}">
+        <p14:creationId xmlns:p14="http://schemas.microsoft.com/office/powerpoint/2010/main" val="3333042586"/>
+      </p:ext>
+    </p:extLst>
+  </p:cSld>
+  <p:clrMapOvr>
+    <a:masterClrMapping/>
+  </p:clrMapOvr>
+</p:sld>
+</file>
+
+<file path=ppt/slides/slide44.xml><?xml version="1.0" encoding="utf-8"?>
+<p:sld xmlns:a="http://schemas.openxmlformats.org/drawingml/2006/main" xmlns:r="http://schemas.openxmlformats.org/officeDocument/2006/relationships" xmlns:p="http://schemas.openxmlformats.org/presentationml/2006/main">
+  <p:cSld>
+    <p:spTree>
+      <p:nvGrpSpPr>
+        <p:cNvPr id="1" name=""/>
+        <p:cNvGrpSpPr/>
+        <p:nvPr/>
+      </p:nvGrpSpPr>
+      <p:grpSpPr>
+        <a:xfrm>
+          <a:off x="0" y="0"/>
+          <a:ext cx="0" cy="0"/>
+          <a:chOff x="0" y="0"/>
+          <a:chExt cx="0" cy="0"/>
+        </a:xfrm>
+      </p:grpSpPr>
+      <p:sp>
+        <p:nvSpPr>
+          <p:cNvPr id="2" name="Titre 1"/>
+          <p:cNvSpPr>
+            <a:spLocks noGrp="1"/>
+          </p:cNvSpPr>
+          <p:nvPr>
+            <p:ph type="title"/>
+          </p:nvPr>
+        </p:nvSpPr>
+        <p:spPr/>
+        <p:txBody>
+          <a:bodyPr>
+            <a:normAutofit fontScale="90000"/>
+          </a:bodyPr>
+          <a:lstStyle/>
+          <a:p>
+            <a:r>
+              <a:rPr lang="fr-FR" dirty="0" smtClean="0"/>
+              <a:t>Convertisseur </a:t>
+            </a:r>
+            <a:r>
+              <a:rPr lang="fr-FR" dirty="0" err="1" smtClean="0"/>
+              <a:t>Protobuf</a:t>
+            </a:r>
+            <a:r>
+              <a:rPr lang="fr-FR" dirty="0" smtClean="0"/>
+              <a:t>/</a:t>
+            </a:r>
+            <a:r>
+              <a:rPr lang="fr-FR" dirty="0" err="1" smtClean="0"/>
+              <a:t>SharedPreference</a:t>
+            </a:r>
+            <a:endParaRPr lang="fr-FR" dirty="0"/>
+          </a:p>
+        </p:txBody>
+      </p:sp>
+      <p:sp>
+        <p:nvSpPr>
+          <p:cNvPr id="3" name="Espace réservé du contenu 2"/>
+          <p:cNvSpPr>
+            <a:spLocks noGrp="1"/>
+          </p:cNvSpPr>
+          <p:nvPr>
+            <p:ph idx="1"/>
+          </p:nvPr>
+        </p:nvSpPr>
+        <p:spPr/>
+        <p:txBody>
+          <a:bodyPr/>
+          <a:lstStyle/>
+          <a:p>
+            <a:r>
+              <a:rPr lang="fr-FR" dirty="0" smtClean="0"/>
+              <a:t>Et inversement</a:t>
+            </a:r>
+          </a:p>
+          <a:p>
+            <a:endParaRPr lang="fr-FR" dirty="0"/>
+          </a:p>
+          <a:p>
+            <a:r>
+              <a:rPr lang="fr-FR" dirty="0" smtClean="0"/>
+              <a:t>Modèle 2 : </a:t>
+            </a:r>
+          </a:p>
+          <a:p>
+            <a:pPr lvl="1"/>
+            <a:r>
+              <a:rPr lang="fr-FR" dirty="0" smtClean="0"/>
+              <a:t>Pas besoin de généricité.</a:t>
+            </a:r>
+          </a:p>
+          <a:p>
+            <a:pPr lvl="1"/>
+            <a:r>
+              <a:rPr lang="fr-FR" dirty="0" smtClean="0"/>
+              <a:t>Moins de constantes à trimballer.</a:t>
+            </a:r>
+          </a:p>
+          <a:p>
+            <a:pPr lvl="1"/>
+            <a:r>
+              <a:rPr lang="fr-FR" dirty="0" err="1" smtClean="0"/>
+              <a:t>TypeSafety</a:t>
+            </a:r>
+            <a:endParaRPr lang="fr-FR" dirty="0" smtClean="0"/>
+          </a:p>
+          <a:p>
+            <a:pPr marL="0" indent="0">
+              <a:buNone/>
+            </a:pPr>
+            <a:endParaRPr lang="fr-FR" dirty="0"/>
+          </a:p>
+          <a:p>
+            <a:r>
+              <a:rPr lang="fr-FR" dirty="0" smtClean="0"/>
+              <a:t>Utilisation des </a:t>
+            </a:r>
+            <a:r>
+              <a:rPr lang="fr-FR" dirty="0" err="1" smtClean="0"/>
+              <a:t>FieldDescriptors</a:t>
+            </a:r>
+            <a:endParaRPr lang="fr-FR" dirty="0"/>
+          </a:p>
+          <a:p>
+            <a:endParaRPr lang="fr-FR" dirty="0"/>
+          </a:p>
+        </p:txBody>
+      </p:sp>
+    </p:spTree>
+    <p:extLst>
+      <p:ext uri="{BB962C8B-B14F-4D97-AF65-F5344CB8AC3E}">
+        <p14:creationId xmlns:p14="http://schemas.microsoft.com/office/powerpoint/2010/main" val="2058812158"/>
+      </p:ext>
+    </p:extLst>
+  </p:cSld>
+  <p:clrMapOvr>
+    <a:masterClrMapping/>
+  </p:clrMapOvr>
+</p:sld>
+</file>
+
+<file path=ppt/slides/slide45.xml><?xml version="1.0" encoding="utf-8"?>
+<p:sld xmlns:a="http://schemas.openxmlformats.org/drawingml/2006/main" xmlns:r="http://schemas.openxmlformats.org/officeDocument/2006/relationships" xmlns:p="http://schemas.openxmlformats.org/presentationml/2006/main">
+  <p:cSld>
+    <p:spTree>
+      <p:nvGrpSpPr>
+        <p:cNvPr id="1" name=""/>
+        <p:cNvGrpSpPr/>
+        <p:nvPr/>
+      </p:nvGrpSpPr>
+      <p:grpSpPr>
+        <a:xfrm>
+          <a:off x="0" y="0"/>
+          <a:ext cx="0" cy="0"/>
+          <a:chOff x="0" y="0"/>
+          <a:chExt cx="0" cy="0"/>
+        </a:xfrm>
+      </p:grpSpPr>
+      <p:sp>
+        <p:nvSpPr>
+          <p:cNvPr id="2" name="Titre 1"/>
+          <p:cNvSpPr>
+            <a:spLocks noGrp="1"/>
+          </p:cNvSpPr>
+          <p:nvPr>
+            <p:ph type="title"/>
+          </p:nvPr>
+        </p:nvSpPr>
+        <p:spPr/>
+        <p:txBody>
+          <a:bodyPr/>
+          <a:lstStyle/>
+          <a:p>
+            <a:pPr algn="ctr"/>
+            <a:r>
+              <a:rPr lang="fr-FR" dirty="0" smtClean="0"/>
+              <a:t>DEMO</a:t>
+            </a:r>
+            <a:endParaRPr lang="fr-FR" dirty="0"/>
+          </a:p>
+        </p:txBody>
+      </p:sp>
+      <p:sp>
+        <p:nvSpPr>
+          <p:cNvPr id="3" name="Espace réservé du texte 2"/>
+          <p:cNvSpPr>
+            <a:spLocks noGrp="1"/>
+          </p:cNvSpPr>
+          <p:nvPr>
+            <p:ph type="body" idx="1"/>
+          </p:nvPr>
+        </p:nvSpPr>
+        <p:spPr/>
+        <p:txBody>
+          <a:bodyPr/>
+          <a:lstStyle/>
+          <a:p>
+            <a:endParaRPr lang="fr-FR"/>
+          </a:p>
+        </p:txBody>
+      </p:sp>
+    </p:spTree>
+    <p:extLst>
+      <p:ext uri="{BB962C8B-B14F-4D97-AF65-F5344CB8AC3E}">
+        <p14:creationId xmlns:p14="http://schemas.microsoft.com/office/powerpoint/2010/main" val="3581187155"/>
+      </p:ext>
+    </p:extLst>
+  </p:cSld>
+  <p:clrMapOvr>
+    <a:masterClrMapping/>
+  </p:clrMapOvr>
+</p:sld>
+</file>
+
+<file path=ppt/slides/slide46.xml><?xml version="1.0" encoding="utf-8"?>
+<p:sld xmlns:a="http://schemas.openxmlformats.org/drawingml/2006/main" xmlns:r="http://schemas.openxmlformats.org/officeDocument/2006/relationships" xmlns:p="http://schemas.openxmlformats.org/presentationml/2006/main">
+  <p:cSld>
+    <p:spTree>
+      <p:nvGrpSpPr>
+        <p:cNvPr id="1" name=""/>
+        <p:cNvGrpSpPr/>
+        <p:nvPr/>
+      </p:nvGrpSpPr>
+      <p:grpSpPr>
+        <a:xfrm>
+          <a:off x="0" y="0"/>
+          <a:ext cx="0" cy="0"/>
+          <a:chOff x="0" y="0"/>
+          <a:chExt cx="0" cy="0"/>
+        </a:xfrm>
+      </p:grpSpPr>
+      <p:sp>
+        <p:nvSpPr>
+          <p:cNvPr id="2" name="Titre 1"/>
+          <p:cNvSpPr>
+            <a:spLocks noGrp="1"/>
+          </p:cNvSpPr>
+          <p:nvPr>
+            <p:ph type="title"/>
+          </p:nvPr>
+        </p:nvSpPr>
+        <p:spPr/>
+        <p:txBody>
+          <a:bodyPr/>
+          <a:lstStyle/>
+          <a:p>
+            <a:r>
+              <a:rPr lang="fr-FR" dirty="0" smtClean="0"/>
+              <a:t>Conclusion </a:t>
+            </a:r>
+            <a:r>
+              <a:rPr lang="fr-FR" dirty="0" smtClean="0"/>
+              <a:t>: La panacée ?</a:t>
+            </a:r>
+            <a:endParaRPr lang="fr-FR" dirty="0"/>
+          </a:p>
+        </p:txBody>
+      </p:sp>
+      <p:sp>
+        <p:nvSpPr>
+          <p:cNvPr id="3" name="Espace réservé du contenu 2"/>
+          <p:cNvSpPr>
+            <a:spLocks noGrp="1"/>
+          </p:cNvSpPr>
+          <p:nvPr>
+            <p:ph idx="1"/>
+          </p:nvPr>
+        </p:nvSpPr>
+        <p:spPr/>
+        <p:txBody>
+          <a:bodyPr>
+            <a:normAutofit fontScale="92500" lnSpcReduction="20000"/>
+          </a:bodyPr>
+          <a:lstStyle/>
+          <a:p>
+            <a:r>
+              <a:rPr lang="fr-FR" dirty="0" smtClean="0"/>
+              <a:t>On tape correctement notre </a:t>
+            </a:r>
+            <a:r>
+              <a:rPr lang="fr-FR" dirty="0" err="1" smtClean="0"/>
+              <a:t>webservice</a:t>
+            </a:r>
+            <a:endParaRPr lang="fr-FR" dirty="0" smtClean="0"/>
+          </a:p>
+          <a:p>
+            <a:endParaRPr lang="fr-FR" dirty="0"/>
+          </a:p>
+          <a:p>
+            <a:r>
+              <a:rPr lang="fr-FR" dirty="0" smtClean="0"/>
+              <a:t>On a notre </a:t>
+            </a:r>
+            <a:r>
+              <a:rPr lang="fr-FR" dirty="0" err="1" smtClean="0"/>
+              <a:t>storage</a:t>
+            </a:r>
+            <a:r>
+              <a:rPr lang="fr-FR" dirty="0" smtClean="0"/>
+              <a:t> local relativement simple</a:t>
+            </a:r>
+          </a:p>
+          <a:p>
+            <a:endParaRPr lang="fr-FR" dirty="0"/>
+          </a:p>
+          <a:p>
+            <a:r>
+              <a:rPr lang="fr-FR" dirty="0" smtClean="0"/>
+              <a:t>On a une application télé-paramétrable </a:t>
+            </a:r>
+          </a:p>
+          <a:p>
+            <a:endParaRPr lang="fr-FR" dirty="0" smtClean="0"/>
+          </a:p>
+          <a:p>
+            <a:r>
+              <a:rPr lang="fr-FR" dirty="0" smtClean="0"/>
+              <a:t>On s’est abstrait de pas mal de </a:t>
+            </a:r>
+            <a:r>
+              <a:rPr lang="fr-FR" dirty="0" err="1" smtClean="0"/>
+              <a:t>boilerplate</a:t>
+            </a:r>
+            <a:r>
+              <a:rPr lang="fr-FR" dirty="0" smtClean="0"/>
+              <a:t> (</a:t>
+            </a:r>
+            <a:r>
+              <a:rPr lang="fr-FR" dirty="0" err="1" smtClean="0"/>
+              <a:t>Pojo</a:t>
+            </a:r>
+            <a:r>
+              <a:rPr lang="fr-FR" dirty="0" smtClean="0"/>
+              <a:t>, </a:t>
+            </a:r>
+            <a:r>
+              <a:rPr lang="fr-FR" dirty="0" err="1" smtClean="0"/>
+              <a:t>Sqlite</a:t>
+            </a:r>
+            <a:r>
+              <a:rPr lang="fr-FR" dirty="0" smtClean="0"/>
+              <a:t>).</a:t>
+            </a:r>
+          </a:p>
+          <a:p>
+            <a:endParaRPr lang="fr-FR" dirty="0"/>
+          </a:p>
+          <a:p>
+            <a:r>
+              <a:rPr lang="fr-FR" dirty="0" smtClean="0"/>
+              <a:t>MAIS : on n’a pas fait d’édition locale.</a:t>
+            </a:r>
+            <a:endParaRPr lang="fr-FR" dirty="0"/>
+          </a:p>
+        </p:txBody>
+      </p:sp>
+    </p:spTree>
+    <p:extLst>
+      <p:ext uri="{BB962C8B-B14F-4D97-AF65-F5344CB8AC3E}">
+        <p14:creationId xmlns:p14="http://schemas.microsoft.com/office/powerpoint/2010/main" val="3950536386"/>
+      </p:ext>
+    </p:extLst>
+  </p:cSld>
+  <p:clrMapOvr>
+    <a:masterClrMapping/>
+  </p:clrMapOvr>
+</p:sld>
+</file>
+
+<file path=ppt/slides/slide47.xml><?xml version="1.0" encoding="utf-8"?>
+<p:sld xmlns:a="http://schemas.openxmlformats.org/drawingml/2006/main" xmlns:r="http://schemas.openxmlformats.org/officeDocument/2006/relationships" xmlns:p="http://schemas.openxmlformats.org/presentationml/2006/main">
+  <p:cSld>
+    <p:spTree>
+      <p:nvGrpSpPr>
+        <p:cNvPr id="1" name=""/>
+        <p:cNvGrpSpPr/>
+        <p:nvPr/>
+      </p:nvGrpSpPr>
+      <p:grpSpPr>
+        <a:xfrm>
+          <a:off x="0" y="0"/>
+          <a:ext cx="0" cy="0"/>
+          <a:chOff x="0" y="0"/>
+          <a:chExt cx="0" cy="0"/>
+        </a:xfrm>
+      </p:grpSpPr>
+      <p:sp>
+        <p:nvSpPr>
+          <p:cNvPr id="2" name="Titre 1"/>
+          <p:cNvSpPr>
+            <a:spLocks noGrp="1"/>
+          </p:cNvSpPr>
+          <p:nvPr>
+            <p:ph type="title"/>
+          </p:nvPr>
+        </p:nvSpPr>
+        <p:spPr/>
+        <p:txBody>
+          <a:bodyPr/>
+          <a:lstStyle/>
+          <a:p>
+            <a:r>
+              <a:rPr lang="fr-FR" dirty="0" smtClean="0"/>
+              <a:t>Conclusion </a:t>
+            </a:r>
+            <a:r>
+              <a:rPr lang="fr-FR" dirty="0" smtClean="0"/>
+              <a:t>: Réflexion</a:t>
+            </a:r>
+            <a:endParaRPr lang="fr-FR" dirty="0"/>
+          </a:p>
+        </p:txBody>
+      </p:sp>
+      <p:sp>
+        <p:nvSpPr>
+          <p:cNvPr id="3" name="Espace réservé du contenu 2"/>
+          <p:cNvSpPr>
+            <a:spLocks noGrp="1"/>
+          </p:cNvSpPr>
+          <p:nvPr>
+            <p:ph idx="1"/>
+          </p:nvPr>
+        </p:nvSpPr>
+        <p:spPr/>
+        <p:txBody>
+          <a:bodyPr>
+            <a:normAutofit fontScale="85000" lnSpcReduction="20000"/>
+          </a:bodyPr>
+          <a:lstStyle/>
+          <a:p>
+            <a:r>
+              <a:rPr lang="fr-FR" dirty="0" smtClean="0"/>
+              <a:t>Mécanique applicable à n’importe quel outil/librairie</a:t>
+            </a:r>
+          </a:p>
+          <a:p>
+            <a:endParaRPr lang="fr-FR" dirty="0" smtClean="0"/>
+          </a:p>
+          <a:p>
+            <a:r>
+              <a:rPr lang="fr-FR" dirty="0" smtClean="0"/>
+              <a:t>Faire l’inventaire des avantages et inconvénients</a:t>
+            </a:r>
+            <a:endParaRPr lang="fr-FR" dirty="0"/>
+          </a:p>
+          <a:p>
+            <a:endParaRPr lang="fr-FR" dirty="0" smtClean="0"/>
+          </a:p>
+          <a:p>
+            <a:r>
+              <a:rPr lang="fr-FR" dirty="0" smtClean="0"/>
+              <a:t>Ajouter une ou deux nouveautés simples à prendre en main.</a:t>
+            </a:r>
+            <a:endParaRPr lang="fr-FR" dirty="0" smtClean="0"/>
+          </a:p>
+          <a:p>
+            <a:endParaRPr lang="fr-FR" dirty="0" smtClean="0"/>
+          </a:p>
+          <a:p>
+            <a:r>
+              <a:rPr lang="fr-FR" dirty="0" smtClean="0"/>
+              <a:t>Autre exemples d’application : </a:t>
+            </a:r>
+          </a:p>
+          <a:p>
+            <a:pPr lvl="1"/>
+            <a:r>
+              <a:rPr lang="fr-FR" dirty="0" smtClean="0"/>
+              <a:t>Bus de communication via Chat IRC -&gt; injection de messages humainement facile</a:t>
+            </a:r>
+          </a:p>
+          <a:p>
+            <a:pPr lvl="1"/>
+            <a:r>
+              <a:rPr lang="fr-FR" dirty="0" smtClean="0"/>
+              <a:t>Utiliser une </a:t>
+            </a:r>
+            <a:r>
+              <a:rPr lang="fr-FR" dirty="0" err="1" smtClean="0"/>
+              <a:t>Bdd</a:t>
+            </a:r>
+            <a:r>
+              <a:rPr lang="fr-FR" dirty="0" smtClean="0"/>
+              <a:t> en CSV, adaptée aux petits volumes.</a:t>
+            </a:r>
+            <a:endParaRPr lang="fr-FR" dirty="0"/>
+          </a:p>
+        </p:txBody>
+      </p:sp>
+    </p:spTree>
+    <p:extLst>
+      <p:ext uri="{BB962C8B-B14F-4D97-AF65-F5344CB8AC3E}">
+        <p14:creationId xmlns:p14="http://schemas.microsoft.com/office/powerpoint/2010/main" val="1318296312"/>
       </p:ext>
     </p:extLst>
   </p:cSld>
@@ -8570,8 +10281,8 @@
           <a:lstStyle/>
           <a:p>
             <a:r>
-              <a:rPr lang="fr-FR" dirty="0" err="1" smtClean="0"/>
-              <a:t>Protobuf</a:t>
+              <a:rPr lang="fr-FR" dirty="0" smtClean="0"/>
+              <a:t>Technos favorites</a:t>
             </a:r>
             <a:endParaRPr lang="fr-FR" dirty="0"/>
           </a:p>
@@ -8595,55 +10306,95 @@
           <a:lstStyle/>
           <a:p>
             <a:r>
-              <a:rPr lang="fr-FR" dirty="0" err="1" smtClean="0"/>
-              <a:t>Aka</a:t>
-            </a:r>
-            <a:r>
-              <a:rPr lang="fr-FR" dirty="0" smtClean="0"/>
-              <a:t> Protocol Buffers</a:t>
-            </a:r>
-          </a:p>
-          <a:p>
-            <a:endParaRPr lang="fr-FR" dirty="0"/>
-          </a:p>
-          <a:p>
-            <a:r>
-              <a:rPr lang="fr-FR" dirty="0" smtClean="0"/>
-              <a:t>Langage de sérialisation binaire</a:t>
-            </a:r>
-          </a:p>
-          <a:p>
+              <a:rPr lang="fr-FR" dirty="0" smtClean="0"/>
+              <a:t>Scala et son écosystème</a:t>
+            </a:r>
+          </a:p>
+          <a:p>
+            <a:pPr lvl="1"/>
+            <a:r>
+              <a:rPr lang="fr-FR" dirty="0" smtClean="0"/>
+              <a:t>Récupération d’un projet Scala de 2012 à 2015</a:t>
+            </a:r>
+            <a:endParaRPr lang="fr-FR" dirty="0"/>
+          </a:p>
+          <a:p>
+            <a:r>
+              <a:rPr lang="fr-FR" dirty="0" smtClean="0"/>
+              <a:t>Programmation fonctionnelle</a:t>
+            </a:r>
+          </a:p>
+          <a:p>
+            <a:pPr lvl="1"/>
+            <a:r>
+              <a:rPr lang="fr-FR" dirty="0" err="1" smtClean="0"/>
+              <a:t>Cf</a:t>
+            </a:r>
+            <a:r>
+              <a:rPr lang="fr-FR" dirty="0" smtClean="0"/>
+              <a:t> plus haut</a:t>
+            </a:r>
+            <a:endParaRPr lang="fr-FR" dirty="0"/>
+          </a:p>
+          <a:p>
+            <a:r>
+              <a:rPr lang="fr-FR" dirty="0" err="1" smtClean="0"/>
+              <a:t>Android</a:t>
+            </a:r>
             <a:endParaRPr lang="fr-FR" dirty="0" smtClean="0"/>
           </a:p>
           <a:p>
-            <a:r>
-              <a:rPr lang="fr-FR" dirty="0" smtClean="0"/>
-              <a:t>Créé et largement utilisé par Google</a:t>
-            </a:r>
-          </a:p>
-          <a:p>
-            <a:endParaRPr lang="fr-FR" dirty="0"/>
-          </a:p>
-          <a:p>
-            <a:r>
-              <a:rPr lang="fr-FR" dirty="0" smtClean="0"/>
-              <a:t>Version actuelle : 2.6.1</a:t>
-            </a:r>
-          </a:p>
-          <a:p>
             <a:pPr lvl="1"/>
             <a:r>
               <a:rPr lang="fr-FR" dirty="0" smtClean="0"/>
-              <a:t>Version 3.0.0-beta2</a:t>
-            </a:r>
-            <a:endParaRPr lang="fr-FR" dirty="0"/>
+              <a:t>Projet </a:t>
+            </a:r>
+            <a:r>
+              <a:rPr lang="fr-FR" dirty="0" err="1" smtClean="0"/>
+              <a:t>Android</a:t>
+            </a:r>
+            <a:r>
+              <a:rPr lang="fr-FR" dirty="0" smtClean="0"/>
+              <a:t> </a:t>
+            </a:r>
+            <a:r>
+              <a:rPr lang="fr-FR" dirty="0" err="1" smtClean="0"/>
+              <a:t>from</a:t>
+            </a:r>
+            <a:r>
+              <a:rPr lang="fr-FR" dirty="0" smtClean="0"/>
+              <a:t> scratch de 2011 à 2015</a:t>
+            </a:r>
+            <a:endParaRPr lang="fr-FR" dirty="0"/>
+          </a:p>
+          <a:p>
+            <a:r>
+              <a:rPr lang="fr-FR" dirty="0" err="1" smtClean="0"/>
+              <a:t>Protobuf</a:t>
+            </a:r>
+            <a:endParaRPr lang="fr-FR" dirty="0" smtClean="0"/>
+          </a:p>
+          <a:p>
+            <a:pPr lvl="1"/>
+            <a:r>
+              <a:rPr lang="fr-FR" dirty="0" smtClean="0"/>
+              <a:t>Les deux projets mentionnés plus haut utilisent </a:t>
+            </a:r>
+            <a:r>
+              <a:rPr lang="fr-FR" dirty="0" err="1" smtClean="0"/>
+              <a:t>protobuf</a:t>
+            </a:r>
+            <a:r>
+              <a:rPr lang="fr-FR" dirty="0" smtClean="0"/>
+              <a:t>.</a:t>
+            </a:r>
           </a:p>
         </p:txBody>
       </p:sp>
     </p:spTree>
     <p:extLst>
       <p:ext uri="{BB962C8B-B14F-4D97-AF65-F5344CB8AC3E}">
-        <p14:creationId xmlns:p14="http://schemas.microsoft.com/office/powerpoint/2010/main" val="681103344"/>
+        <p14:creationId xmlns:p14="http://schemas.microsoft.com/office/powerpoint/2010/main" val="191879149"/>
       </p:ext>
     </p:extLst>
   </p:cSld>
@@ -8686,91 +10437,86 @@
           <a:lstStyle/>
           <a:p>
             <a:r>
+              <a:rPr lang="fr-FR" dirty="0" smtClean="0"/>
+              <a:t>Je ne suis pas là pour</a:t>
+            </a:r>
+            <a:endParaRPr lang="fr-FR" dirty="0"/>
+          </a:p>
+        </p:txBody>
+      </p:sp>
+      <p:sp>
+        <p:nvSpPr>
+          <p:cNvPr id="3" name="Espace réservé du contenu 2"/>
+          <p:cNvSpPr>
+            <a:spLocks noGrp="1"/>
+          </p:cNvSpPr>
+          <p:nvPr>
+            <p:ph idx="1"/>
+          </p:nvPr>
+        </p:nvSpPr>
+        <p:spPr/>
+        <p:txBody>
+          <a:bodyPr>
+            <a:normAutofit/>
+          </a:bodyPr>
+          <a:lstStyle/>
+          <a:p>
+            <a:r>
+              <a:rPr lang="fr-FR" dirty="0" smtClean="0"/>
+              <a:t>Vous </a:t>
+            </a:r>
+            <a:r>
+              <a:rPr lang="fr-FR" dirty="0" smtClean="0"/>
+              <a:t>survendre </a:t>
+            </a:r>
+            <a:r>
               <a:rPr lang="fr-FR" dirty="0" err="1" smtClean="0"/>
               <a:t>Protobuf</a:t>
             </a:r>
-            <a:r>
-              <a:rPr lang="fr-FR" dirty="0" smtClean="0"/>
-              <a:t> : Fonctionnement</a:t>
-            </a:r>
-            <a:endParaRPr lang="fr-FR" dirty="0"/>
-          </a:p>
-        </p:txBody>
-      </p:sp>
-      <p:sp>
-        <p:nvSpPr>
-          <p:cNvPr id="3" name="Espace réservé du contenu 2"/>
-          <p:cNvSpPr>
-            <a:spLocks noGrp="1"/>
-          </p:cNvSpPr>
-          <p:nvPr>
-            <p:ph idx="1"/>
-          </p:nvPr>
-        </p:nvSpPr>
-        <p:spPr/>
-        <p:txBody>
-          <a:bodyPr/>
-          <a:lstStyle/>
-          <a:p>
-            <a:r>
-              <a:rPr lang="fr-FR" dirty="0" smtClean="0"/>
-              <a:t>Trois éléments : </a:t>
-            </a:r>
+            <a:endParaRPr lang="fr-FR" dirty="0"/>
           </a:p>
           <a:p>
             <a:pPr lvl="1"/>
             <a:r>
               <a:rPr lang="fr-FR" dirty="0" smtClean="0"/>
-              <a:t>Langage descripteur : pour déclarer les messages</a:t>
+              <a:t>Il a des avantages (faible co</a:t>
+            </a:r>
+            <a:r>
+              <a:rPr lang="fr-FR" dirty="0" smtClean="0"/>
+              <a:t>ût en data, etc.)</a:t>
             </a:r>
           </a:p>
           <a:p>
             <a:pPr lvl="1"/>
             <a:r>
               <a:rPr lang="fr-FR" dirty="0" smtClean="0"/>
-              <a:t>Un générateur de code </a:t>
-            </a:r>
-          </a:p>
-          <a:p>
-            <a:pPr lvl="2"/>
-            <a:r>
-              <a:rPr lang="fr-FR" dirty="0" err="1" smtClean="0"/>
-              <a:t>Protoc</a:t>
-            </a:r>
-            <a:r>
-              <a:rPr lang="fr-FR" dirty="0" smtClean="0"/>
-              <a:t> (pour </a:t>
-            </a:r>
-            <a:r>
-              <a:rPr lang="fr-FR" b="1" dirty="0" err="1"/>
-              <a:t>P</a:t>
-            </a:r>
-            <a:r>
-              <a:rPr lang="fr-FR" b="1" dirty="0" err="1" smtClean="0"/>
-              <a:t>roto</a:t>
-            </a:r>
-            <a:r>
-              <a:rPr lang="fr-FR" dirty="0" err="1" smtClean="0"/>
-              <a:t>buf</a:t>
-            </a:r>
-            <a:r>
-              <a:rPr lang="fr-FR" dirty="0" smtClean="0"/>
-              <a:t> </a:t>
-            </a:r>
-            <a:r>
-              <a:rPr lang="fr-FR" b="1" dirty="0" smtClean="0"/>
-              <a:t>C</a:t>
-            </a:r>
-            <a:r>
-              <a:rPr lang="fr-FR" dirty="0" smtClean="0"/>
-              <a:t>ompiler)</a:t>
-            </a:r>
-          </a:p>
-          <a:p>
-            <a:pPr lvl="1"/>
-            <a:r>
-              <a:rPr lang="fr-FR" dirty="0" smtClean="0"/>
-              <a:t>Un format sérialisé</a:t>
+              <a:t>Et des </a:t>
+            </a:r>
+            <a:r>
+              <a:rPr lang="fr-FR" dirty="0"/>
+              <a:t>i</a:t>
+            </a:r>
+            <a:r>
+              <a:rPr lang="fr-FR" dirty="0" smtClean="0"/>
+              <a:t>nconvénients (Manque de typage, etc.)</a:t>
+            </a:r>
+          </a:p>
+          <a:p>
+            <a:endParaRPr lang="fr-FR" dirty="0" smtClean="0"/>
+          </a:p>
+          <a:p>
+            <a:r>
+              <a:rPr lang="fr-FR" dirty="0" smtClean="0"/>
+              <a:t>Le comparer aux autres technos similaires</a:t>
+            </a:r>
+          </a:p>
+          <a:p>
+            <a:endParaRPr lang="fr-FR" dirty="0"/>
+          </a:p>
+          <a:p>
+            <a:r>
+              <a:rPr lang="fr-FR" dirty="0" smtClean="0"/>
+              <a:t>Créer quelque chose d’inédit (hormis la manière).</a:t>
             </a:r>
           </a:p>
         </p:txBody>
@@ -8778,7 +10524,7 @@
     </p:spTree>
     <p:extLst>
       <p:ext uri="{BB962C8B-B14F-4D97-AF65-F5344CB8AC3E}">
-        <p14:creationId xmlns:p14="http://schemas.microsoft.com/office/powerpoint/2010/main" val="85677203"/>
+        <p14:creationId xmlns:p14="http://schemas.microsoft.com/office/powerpoint/2010/main" val="929143633"/>
       </p:ext>
     </p:extLst>
   </p:cSld>
@@ -8822,7 +10568,7 @@
           <a:p>
             <a:r>
               <a:rPr lang="fr-FR" dirty="0" smtClean="0"/>
-              <a:t>Langage descripteur</a:t>
+              <a:t>Je suis là pour</a:t>
             </a:r>
             <a:endParaRPr lang="fr-FR" dirty="0"/>
           </a:p>
@@ -8843,6 +10589,40 @@
           <a:bodyPr/>
           <a:lstStyle/>
           <a:p>
+            <a:r>
+              <a:rPr lang="fr-FR" dirty="0" smtClean="0"/>
+              <a:t>Vous montrer une manière de réfléchir</a:t>
+            </a:r>
+          </a:p>
+          <a:p>
+            <a:endParaRPr lang="fr-FR" dirty="0"/>
+          </a:p>
+          <a:p>
+            <a:r>
+              <a:rPr lang="fr-FR" dirty="0" smtClean="0"/>
+              <a:t>Vous faire réutiliser des outils à disposition #recyclage #</a:t>
+            </a:r>
+            <a:r>
+              <a:rPr lang="fr-FR" dirty="0" err="1" smtClean="0"/>
+              <a:t>DeveloppementDurable</a:t>
+            </a:r>
+            <a:r>
+              <a:rPr lang="fr-FR" dirty="0" smtClean="0"/>
+              <a:t> #feignasse</a:t>
+            </a:r>
+          </a:p>
+          <a:p>
+            <a:endParaRPr lang="fr-FR" dirty="0"/>
+          </a:p>
+          <a:p>
+            <a:r>
+              <a:rPr lang="fr-FR" dirty="0" smtClean="0"/>
+              <a:t>Vous</a:t>
+            </a:r>
+            <a:r>
+              <a:rPr lang="fr-FR" dirty="0" smtClean="0"/>
+              <a:t> libérer du temps pour des nouvelles technologies.</a:t>
+            </a:r>
             <a:endParaRPr lang="fr-FR" dirty="0"/>
           </a:p>
         </p:txBody>
@@ -8850,7 +10630,7 @@
     </p:spTree>
     <p:extLst>
       <p:ext uri="{BB962C8B-B14F-4D97-AF65-F5344CB8AC3E}">
-        <p14:creationId xmlns:p14="http://schemas.microsoft.com/office/powerpoint/2010/main" val="3777387149"/>
+        <p14:creationId xmlns:p14="http://schemas.microsoft.com/office/powerpoint/2010/main" val="1668236661"/>
       </p:ext>
     </p:extLst>
   </p:cSld>
@@ -8893,8 +10673,8 @@
           <a:lstStyle/>
           <a:p>
             <a:r>
-              <a:rPr lang="fr-FR" dirty="0" smtClean="0"/>
-              <a:t>Générateur de code</a:t>
+              <a:rPr lang="fr-FR" dirty="0" err="1" smtClean="0"/>
+              <a:t>Protobuf</a:t>
             </a:r>
             <a:endParaRPr lang="fr-FR" dirty="0"/>
           </a:p>
@@ -8918,107 +10698,55 @@
           <a:lstStyle/>
           <a:p>
             <a:r>
-              <a:rPr lang="fr-FR" dirty="0" smtClean="0"/>
-              <a:t>Disponible pour plusieurs langages : </a:t>
+              <a:rPr lang="fr-FR" dirty="0" err="1" smtClean="0"/>
+              <a:t>Aka</a:t>
+            </a:r>
+            <a:r>
+              <a:rPr lang="fr-FR" dirty="0" smtClean="0"/>
+              <a:t> Protocol Buffers</a:t>
+            </a:r>
+          </a:p>
+          <a:p>
+            <a:endParaRPr lang="fr-FR" dirty="0"/>
+          </a:p>
+          <a:p>
+            <a:r>
+              <a:rPr lang="fr-FR" dirty="0" smtClean="0"/>
+              <a:t>Langage de sérialisation binaire</a:t>
+            </a:r>
+          </a:p>
+          <a:p>
+            <a:endParaRPr lang="fr-FR" dirty="0" smtClean="0"/>
+          </a:p>
+          <a:p>
+            <a:r>
+              <a:rPr lang="fr-FR" dirty="0" smtClean="0"/>
+              <a:t>Créé et largement utilisé par Google</a:t>
+            </a:r>
+          </a:p>
+          <a:p>
+            <a:endParaRPr lang="fr-FR" dirty="0"/>
+          </a:p>
+          <a:p>
+            <a:r>
+              <a:rPr lang="fr-FR" dirty="0" smtClean="0"/>
+              <a:t>Version actuelle : 2.6.1</a:t>
             </a:r>
           </a:p>
           <a:p>
             <a:pPr lvl="1"/>
             <a:r>
               <a:rPr lang="fr-FR" dirty="0" smtClean="0"/>
-              <a:t>Java, C#, C++, Python, </a:t>
-            </a:r>
-            <a:r>
-              <a:rPr lang="fr-FR" dirty="0" err="1" smtClean="0"/>
-              <a:t>Javascript</a:t>
-            </a:r>
-            <a:r>
-              <a:rPr lang="fr-FR" dirty="0" smtClean="0"/>
-              <a:t>, Objective-C, etc.</a:t>
-            </a:r>
-          </a:p>
-          <a:p>
-            <a:pPr lvl="1"/>
-            <a:endParaRPr lang="fr-FR" dirty="0"/>
-          </a:p>
-          <a:p>
-            <a:r>
-              <a:rPr lang="fr-FR" dirty="0" smtClean="0"/>
-              <a:t>Se présente sous la forme d’un exécutable</a:t>
-            </a:r>
-          </a:p>
-          <a:p>
-            <a:endParaRPr lang="fr-FR" dirty="0"/>
-          </a:p>
-          <a:p>
-            <a:r>
-              <a:rPr lang="fr-FR" dirty="0" smtClean="0"/>
-              <a:t>Intégrable au </a:t>
-            </a:r>
-            <a:r>
-              <a:rPr lang="fr-FR" dirty="0" err="1" smtClean="0"/>
-              <a:t>build</a:t>
-            </a:r>
-            <a:r>
-              <a:rPr lang="fr-FR" dirty="0" smtClean="0"/>
-              <a:t> </a:t>
-            </a:r>
-            <a:r>
-              <a:rPr lang="fr-FR" dirty="0" err="1" smtClean="0"/>
-              <a:t>maven</a:t>
-            </a:r>
-            <a:r>
-              <a:rPr lang="fr-FR" dirty="0" smtClean="0"/>
-              <a:t>/</a:t>
-            </a:r>
-            <a:r>
-              <a:rPr lang="fr-FR" dirty="0" err="1" smtClean="0"/>
-              <a:t>gradle</a:t>
-            </a:r>
-            <a:r>
-              <a:rPr lang="fr-FR" dirty="0" smtClean="0"/>
-              <a:t> :</a:t>
-            </a:r>
-          </a:p>
-          <a:p>
-            <a:pPr lvl="1"/>
-            <a:r>
-              <a:rPr lang="fr-FR" dirty="0" smtClean="0">
-                <a:hlinkClick r:id="rId2"/>
-              </a:rPr>
-              <a:t>https://www.xolstice.org/protobuf-maven-plugin/</a:t>
-            </a:r>
-            <a:endParaRPr lang="fr-FR" dirty="0" smtClean="0"/>
-          </a:p>
-          <a:p>
-            <a:pPr lvl="1"/>
-            <a:r>
-              <a:rPr lang="fr-FR" dirty="0" smtClean="0">
-                <a:hlinkClick r:id="rId3"/>
-              </a:rPr>
-              <a:t>https://github.com/google/protobuf-gradle-plugin</a:t>
-            </a:r>
-            <a:endParaRPr lang="fr-FR" dirty="0" smtClean="0"/>
-          </a:p>
-          <a:p>
-            <a:pPr lvl="1"/>
-            <a:r>
-              <a:rPr lang="fr-FR" dirty="0" smtClean="0">
-                <a:hlinkClick r:id="rId4"/>
-              </a:rPr>
-              <a:t>https://github.com/Atry/sbt-cppp</a:t>
-            </a:r>
-            <a:r>
-              <a:rPr lang="fr-FR" dirty="0" smtClean="0"/>
-              <a:t> </a:t>
-            </a:r>
+              <a:t>Version 3.0.0-beta2</a:t>
+            </a:r>
+            <a:endParaRPr lang="fr-FR" dirty="0"/>
           </a:p>
         </p:txBody>
       </p:sp>
     </p:spTree>
     <p:extLst>
       <p:ext uri="{BB962C8B-B14F-4D97-AF65-F5344CB8AC3E}">
-        <p14:creationId xmlns:p14="http://schemas.microsoft.com/office/powerpoint/2010/main" val="1667600080"/>
+        <p14:creationId xmlns:p14="http://schemas.microsoft.com/office/powerpoint/2010/main" val="681103344"/>
       </p:ext>
     </p:extLst>
   </p:cSld>
@@ -9061,8 +10789,12 @@
           <a:lstStyle/>
           <a:p>
             <a:r>
-              <a:rPr lang="fr-FR" dirty="0" smtClean="0"/>
-              <a:t>Générateur de code</a:t>
+              <a:rPr lang="fr-FR" dirty="0" err="1" smtClean="0"/>
+              <a:t>Protobuf</a:t>
+            </a:r>
+            <a:r>
+              <a:rPr lang="fr-FR" dirty="0" smtClean="0"/>
+              <a:t> : Fonctionnement</a:t>
             </a:r>
             <a:endParaRPr lang="fr-FR" dirty="0"/>
           </a:p>
@@ -9080,76 +10812,76 @@
         </p:nvSpPr>
         <p:spPr/>
         <p:txBody>
-          <a:bodyPr>
-            <a:normAutofit fontScale="85000" lnSpcReduction="20000"/>
-          </a:bodyPr>
-          <a:lstStyle/>
-          <a:p>
-            <a:endParaRPr lang="fr-FR" dirty="0" smtClean="0"/>
-          </a:p>
-          <a:p>
-            <a:r>
-              <a:rPr lang="fr-FR" dirty="0"/>
-              <a:t>Le fichier généré est relativement imbittable </a:t>
-            </a:r>
-          </a:p>
-          <a:p>
-            <a:endParaRPr lang="fr-FR" dirty="0" smtClean="0"/>
-          </a:p>
-          <a:p>
-            <a:r>
-              <a:rPr lang="fr-FR" dirty="0" smtClean="0"/>
-              <a:t>Crée des Objets héritant de « Message »</a:t>
-            </a:r>
-          </a:p>
-          <a:p>
-            <a:endParaRPr lang="fr-FR" dirty="0" smtClean="0"/>
-          </a:p>
-          <a:p>
-            <a:r>
-              <a:rPr lang="fr-FR" dirty="0" smtClean="0"/>
-              <a:t>Disposent d’un </a:t>
-            </a:r>
-            <a:r>
-              <a:rPr lang="fr-FR" dirty="0" err="1" smtClean="0"/>
-              <a:t>Builder</a:t>
-            </a:r>
-            <a:endParaRPr lang="fr-FR" dirty="0" smtClean="0"/>
-          </a:p>
-          <a:p>
-            <a:endParaRPr lang="fr-FR" dirty="0"/>
-          </a:p>
-          <a:p>
-            <a:r>
-              <a:rPr lang="fr-FR" dirty="0" smtClean="0"/>
-              <a:t>Sont </a:t>
-            </a:r>
-            <a:r>
-              <a:rPr lang="fr-FR" u="sng" dirty="0" smtClean="0"/>
-              <a:t>immutables</a:t>
-            </a:r>
-            <a:endParaRPr lang="fr-FR" u="sng" dirty="0"/>
-          </a:p>
-          <a:p>
-            <a:endParaRPr lang="fr-FR" dirty="0" smtClean="0"/>
-          </a:p>
-          <a:p>
-            <a:r>
-              <a:rPr lang="fr-FR" dirty="0" smtClean="0"/>
-              <a:t>Ont un </a:t>
-            </a:r>
-            <a:r>
-              <a:rPr lang="fr-FR" dirty="0" err="1" smtClean="0"/>
-              <a:t>toString</a:t>
-            </a:r>
-            <a:endParaRPr lang="fr-FR" dirty="0"/>
+          <a:bodyPr/>
+          <a:lstStyle/>
+          <a:p>
+            <a:r>
+              <a:rPr lang="fr-FR" dirty="0" smtClean="0"/>
+              <a:t>Trois éléments : </a:t>
+            </a:r>
+          </a:p>
+          <a:p>
+            <a:pPr lvl="1"/>
+            <a:r>
+              <a:rPr lang="fr-FR" dirty="0" smtClean="0"/>
+              <a:t>Langage descripteur : pour déclarer les messages</a:t>
+            </a:r>
+          </a:p>
+          <a:p>
+            <a:pPr lvl="1"/>
+            <a:r>
+              <a:rPr lang="fr-FR" dirty="0" smtClean="0"/>
+              <a:t>Un générateur de code </a:t>
+            </a:r>
+          </a:p>
+          <a:p>
+            <a:pPr lvl="2"/>
+            <a:r>
+              <a:rPr lang="fr-FR" dirty="0" err="1" smtClean="0"/>
+              <a:t>Protoc</a:t>
+            </a:r>
+            <a:r>
+              <a:rPr lang="fr-FR" dirty="0" smtClean="0"/>
+              <a:t> (pour </a:t>
+            </a:r>
+            <a:r>
+              <a:rPr lang="fr-FR" b="1" dirty="0" err="1"/>
+              <a:t>P</a:t>
+            </a:r>
+            <a:r>
+              <a:rPr lang="fr-FR" b="1" dirty="0" err="1" smtClean="0"/>
+              <a:t>roto</a:t>
+            </a:r>
+            <a:r>
+              <a:rPr lang="fr-FR" dirty="0" err="1" smtClean="0"/>
+              <a:t>buf</a:t>
+            </a:r>
+            <a:r>
+              <a:rPr lang="fr-FR" dirty="0" smtClean="0"/>
+              <a:t> </a:t>
+            </a:r>
+            <a:r>
+              <a:rPr lang="fr-FR" b="1" dirty="0" smtClean="0"/>
+              <a:t>C</a:t>
+            </a:r>
+            <a:r>
+              <a:rPr lang="fr-FR" dirty="0" smtClean="0"/>
+              <a:t>ompiler)</a:t>
+            </a:r>
+          </a:p>
+          <a:p>
+            <a:pPr lvl="1"/>
+            <a:r>
+              <a:rPr lang="fr-FR" dirty="0" smtClean="0"/>
+              <a:t>Un format sérialisé</a:t>
+            </a:r>
           </a:p>
         </p:txBody>
       </p:sp>
     </p:spTree>
     <p:extLst>
       <p:ext uri="{BB962C8B-B14F-4D97-AF65-F5344CB8AC3E}">
-        <p14:creationId xmlns:p14="http://schemas.microsoft.com/office/powerpoint/2010/main" val="151900677"/>
+        <p14:creationId xmlns:p14="http://schemas.microsoft.com/office/powerpoint/2010/main" val="85677203"/>
       </p:ext>
     </p:extLst>
   </p:cSld>
